--- a/Presentation/books-to-read.pptx
+++ b/Presentation/books-to-read.pptx
@@ -5,7 +5,7 @@
     <p:sldMasterId id="2147483648" r:id="rId1"/>
   </p:sldMasterIdLst>
   <p:notesMasterIdLst>
-    <p:notesMasterId r:id="rId19"/>
+    <p:notesMasterId r:id="rId20"/>
   </p:notesMasterIdLst>
   <p:sldIdLst>
     <p:sldId id="258" r:id="rId2"/>
@@ -15,16 +15,17 @@
     <p:sldId id="271" r:id="rId6"/>
     <p:sldId id="265" r:id="rId7"/>
     <p:sldId id="268" r:id="rId8"/>
-    <p:sldId id="272" r:id="rId9"/>
-    <p:sldId id="259" r:id="rId10"/>
-    <p:sldId id="262" r:id="rId11"/>
-    <p:sldId id="260" r:id="rId12"/>
-    <p:sldId id="263" r:id="rId13"/>
-    <p:sldId id="264" r:id="rId14"/>
-    <p:sldId id="261" r:id="rId15"/>
-    <p:sldId id="275" r:id="rId16"/>
-    <p:sldId id="276" r:id="rId17"/>
-    <p:sldId id="273" r:id="rId18"/>
+    <p:sldId id="279" r:id="rId9"/>
+    <p:sldId id="278" r:id="rId10"/>
+    <p:sldId id="272" r:id="rId11"/>
+    <p:sldId id="259" r:id="rId12"/>
+    <p:sldId id="262" r:id="rId13"/>
+    <p:sldId id="260" r:id="rId14"/>
+    <p:sldId id="263" r:id="rId15"/>
+    <p:sldId id="264" r:id="rId16"/>
+    <p:sldId id="261" r:id="rId17"/>
+    <p:sldId id="275" r:id="rId18"/>
+    <p:sldId id="276" r:id="rId19"/>
   </p:sldIdLst>
   <p:sldSz cx="9144000" cy="6858000" type="screen4x3"/>
   <p:notesSz cx="6858000" cy="9144000"/>
@@ -208,7 +209,7 @@
           <a:p>
             <a:fld id="{B24A7054-7FFB-49F4-A126-5DF6E687FF53}" type="datetimeFigureOut">
               <a:rPr lang="ru-RU" smtClean="0"/>
-              <a:t>12.09.2014</a:t>
+              <a:t>13.09.2014</a:t>
             </a:fld>
             <a:endParaRPr lang="ru-RU"/>
           </a:p>
@@ -1490,7 +1491,7 @@
           <a:p>
             <a:fld id="{8E6E6A2A-E9D3-4A0D-B04A-ABDD367A1E08}" type="datetimeFigureOut">
               <a:rPr lang="ru-RU" smtClean="0"/>
-              <a:t>12.09.2014</a:t>
+              <a:t>13.09.2014</a:t>
             </a:fld>
             <a:endParaRPr lang="ru-RU"/>
           </a:p>
@@ -2935,7 +2936,7 @@
           <a:p>
             <a:fld id="{AC3D3127-B7C4-45E3-9797-C527EC9FDD78}" type="datetimeFigureOut">
               <a:rPr lang="ru-RU" smtClean="0"/>
-              <a:t>12.09.2014</a:t>
+              <a:t>13.09.2014</a:t>
             </a:fld>
             <a:endParaRPr lang="ru-RU"/>
           </a:p>
@@ -3469,6 +3470,36 @@
           </a:p>
         </p:txBody>
       </p:sp>
+      <p:pic>
+        <p:nvPicPr>
+          <p:cNvPr id="9" name="Picture 8"/>
+          <p:cNvPicPr>
+            <a:picLocks noChangeAspect="1"/>
+          </p:cNvPicPr>
+          <p:nvPr/>
+        </p:nvPicPr>
+        <p:blipFill>
+          <a:blip r:embed="rId3">
+            <a:extLst>
+              <a:ext uri="{28A0092B-C50C-407E-A947-70E740481C1C}">
+                <a14:useLocalDpi xmlns:a14="http://schemas.microsoft.com/office/drawing/2010/main" val="0"/>
+              </a:ext>
+            </a:extLst>
+          </a:blip>
+          <a:stretch>
+            <a:fillRect/>
+          </a:stretch>
+        </p:blipFill>
+        <p:spPr>
+          <a:xfrm>
+            <a:off x="143508" y="4869160"/>
+            <a:ext cx="800100" cy="1905000"/>
+          </a:xfrm>
+          <a:prstGeom prst="rect">
+            <a:avLst/>
+          </a:prstGeom>
+        </p:spPr>
+      </p:pic>
     </p:spTree>
     <p:extLst>
       <p:ext uri="{BB962C8B-B14F-4D97-AF65-F5344CB8AC3E}">
@@ -3526,6 +3557,270 @@
         </p:spPr>
         <p:txBody>
           <a:bodyPr>
+            <a:noAutofit/>
+          </a:bodyPr>
+          <a:lstStyle/>
+          <a:p>
+            <a:r>
+              <a:rPr lang="ru-RU" sz="2400" dirty="0" smtClean="0">
+                <a:solidFill>
+                  <a:srgbClr val="FFFF00"/>
+                </a:solidFill>
+              </a:rPr>
+              <a:t>Приемы </a:t>
+            </a:r>
+            <a:r>
+              <a:rPr lang="ru-RU" sz="2400" dirty="0">
+                <a:solidFill>
+                  <a:srgbClr val="FFFF00"/>
+                </a:solidFill>
+              </a:rPr>
+              <a:t>объектно-ориентированного проектирования. Паттерны </a:t>
+            </a:r>
+            <a:r>
+              <a:rPr lang="ru-RU" sz="2400" dirty="0" smtClean="0">
+                <a:solidFill>
+                  <a:srgbClr val="FFFF00"/>
+                </a:solidFill>
+              </a:rPr>
+              <a:t>проектирования</a:t>
+            </a:r>
+            <a:br>
+              <a:rPr lang="ru-RU" sz="2400" dirty="0" smtClean="0">
+                <a:solidFill>
+                  <a:srgbClr val="FFFF00"/>
+                </a:solidFill>
+              </a:rPr>
+            </a:br>
+            <a:r>
+              <a:rPr lang="ru-RU" sz="2400" dirty="0"/>
+              <a:t>Гамма, Хелм, Джонсон, Влиссидес</a:t>
+            </a:r>
+            <a:endParaRPr lang="ru-RU" sz="2400" dirty="0">
+              <a:solidFill>
+                <a:srgbClr val="FFFF00"/>
+              </a:solidFill>
+            </a:endParaRPr>
+          </a:p>
+        </p:txBody>
+      </p:sp>
+      <p:sp>
+        <p:nvSpPr>
+          <p:cNvPr id="3" name="Content Placeholder 2"/>
+          <p:cNvSpPr>
+            <a:spLocks noGrp="1"/>
+          </p:cNvSpPr>
+          <p:nvPr>
+            <p:ph idx="1"/>
+          </p:nvPr>
+        </p:nvSpPr>
+        <p:spPr>
+          <a:xfrm>
+            <a:off x="3131840" y="1600200"/>
+            <a:ext cx="5554960" cy="4525963"/>
+          </a:xfrm>
+        </p:spPr>
+        <p:txBody>
+          <a:bodyPr anchor="t" anchorCtr="0">
+            <a:normAutofit fontScale="85000" lnSpcReduction="20000"/>
+          </a:bodyPr>
+          <a:lstStyle/>
+          <a:p>
+            <a:pPr marL="0" indent="0">
+              <a:buNone/>
+            </a:pPr>
+            <a:r>
+              <a:rPr lang="ru-RU" dirty="0"/>
+              <a:t>Это та самая, знаменитая книга «банды четырех», после выхода которой началось стремительное развитие идеи шаблонов проектирования в мире разработки ПО. После ее выхода идея шаблонов начала распространяться и развиваться, и сегодня идеи шаблонов применяется не только в контексте проектирования, а и практически в каждой области разработки программного </a:t>
+            </a:r>
+            <a:r>
+              <a:rPr lang="ru-RU" dirty="0" smtClean="0"/>
+              <a:t>обеспечения</a:t>
+            </a:r>
+            <a:r>
+              <a:rPr lang="en-US" dirty="0" smtClean="0"/>
+              <a:t>.</a:t>
+            </a:r>
+            <a:endParaRPr lang="ru-RU" dirty="0"/>
+          </a:p>
+        </p:txBody>
+      </p:sp>
+      <p:pic>
+        <p:nvPicPr>
+          <p:cNvPr id="1032" name="Picture 8"/>
+          <p:cNvPicPr>
+            <a:picLocks noChangeAspect="1" noChangeArrowheads="1"/>
+          </p:cNvPicPr>
+          <p:nvPr/>
+        </p:nvPicPr>
+        <p:blipFill>
+          <a:blip r:embed="rId2">
+            <a:extLst>
+              <a:ext uri="{28A0092B-C50C-407E-A947-70E740481C1C}">
+                <a14:useLocalDpi xmlns:a14="http://schemas.microsoft.com/office/drawing/2010/main" val="0"/>
+              </a:ext>
+            </a:extLst>
+          </a:blip>
+          <a:srcRect/>
+          <a:stretch>
+            <a:fillRect/>
+          </a:stretch>
+        </p:blipFill>
+        <p:spPr bwMode="auto">
+          <a:xfrm>
+            <a:off x="467544" y="1600200"/>
+            <a:ext cx="2520000" cy="3600000"/>
+          </a:xfrm>
+          <a:prstGeom prst="rect">
+            <a:avLst/>
+          </a:prstGeom>
+          <a:noFill/>
+          <a:ln>
+            <a:noFill/>
+          </a:ln>
+          <a:extLst>
+            <a:ext uri="{909E8E84-426E-40DD-AFC4-6F175D3DCCD1}">
+              <a14:hiddenFill xmlns:a14="http://schemas.microsoft.com/office/drawing/2010/main">
+                <a:solidFill>
+                  <a:schemeClr val="accent1"/>
+                </a:solidFill>
+              </a14:hiddenFill>
+            </a:ext>
+            <a:ext uri="{91240B29-F687-4F45-9708-019B960494DF}">
+              <a14:hiddenLine xmlns:a14="http://schemas.microsoft.com/office/drawing/2010/main" w="9525">
+                <a:solidFill>
+                  <a:schemeClr val="tx1"/>
+                </a:solidFill>
+                <a:miter lim="800000"/>
+                <a:headEnd/>
+                <a:tailEnd/>
+              </a14:hiddenLine>
+            </a:ext>
+          </a:extLst>
+        </p:spPr>
+      </p:pic>
+    </p:spTree>
+    <p:extLst>
+      <p:ext uri="{BB962C8B-B14F-4D97-AF65-F5344CB8AC3E}">
+        <p14:creationId xmlns:p14="http://schemas.microsoft.com/office/powerpoint/2010/main" val="3545771741"/>
+      </p:ext>
+    </p:extLst>
+  </p:cSld>
+  <p:clrMapOvr>
+    <a:masterClrMapping/>
+  </p:clrMapOvr>
+  <p:timing>
+    <p:tnLst>
+      <p:par>
+        <p:cTn id="1" dur="indefinite" restart="never" nodeType="tmRoot"/>
+      </p:par>
+    </p:tnLst>
+  </p:timing>
+</p:sld>
+</file>
+
+<file path=ppt/slides/slide11.xml><?xml version="1.0" encoding="utf-8"?>
+<p:sld xmlns:a="http://schemas.openxmlformats.org/drawingml/2006/main" xmlns:r="http://schemas.openxmlformats.org/officeDocument/2006/relationships" xmlns:p="http://schemas.openxmlformats.org/presentationml/2006/main">
+  <p:cSld>
+    <p:spTree>
+      <p:nvGrpSpPr>
+        <p:cNvPr id="1" name=""/>
+        <p:cNvGrpSpPr/>
+        <p:nvPr/>
+      </p:nvGrpSpPr>
+      <p:grpSpPr>
+        <a:xfrm>
+          <a:off x="0" y="0"/>
+          <a:ext cx="0" cy="0"/>
+          <a:chOff x="0" y="0"/>
+          <a:chExt cx="0" cy="0"/>
+        </a:xfrm>
+      </p:grpSpPr>
+      <p:sp>
+        <p:nvSpPr>
+          <p:cNvPr id="2" name="Title 1"/>
+          <p:cNvSpPr>
+            <a:spLocks noGrp="1"/>
+          </p:cNvSpPr>
+          <p:nvPr>
+            <p:ph type="title"/>
+          </p:nvPr>
+        </p:nvSpPr>
+        <p:spPr>
+          <a:xfrm>
+            <a:off x="457200" y="2857500"/>
+            <a:ext cx="8229600" cy="1143000"/>
+          </a:xfrm>
+        </p:spPr>
+        <p:txBody>
+          <a:bodyPr/>
+          <a:lstStyle/>
+          <a:p>
+            <a:r>
+              <a:rPr lang="ru-RU" dirty="0" smtClean="0"/>
+              <a:t>Стиль кодирования</a:t>
+            </a:r>
+            <a:endParaRPr lang="ru-RU" dirty="0"/>
+          </a:p>
+        </p:txBody>
+      </p:sp>
+    </p:spTree>
+    <p:extLst>
+      <p:ext uri="{BB962C8B-B14F-4D97-AF65-F5344CB8AC3E}">
+        <p14:creationId xmlns:p14="http://schemas.microsoft.com/office/powerpoint/2010/main" val="3176345831"/>
+      </p:ext>
+    </p:extLst>
+  </p:cSld>
+  <p:clrMapOvr>
+    <a:masterClrMapping/>
+  </p:clrMapOvr>
+  <p:timing>
+    <p:tnLst>
+      <p:par>
+        <p:cTn id="1" dur="indefinite" restart="never" nodeType="tmRoot"/>
+      </p:par>
+    </p:tnLst>
+  </p:timing>
+</p:sld>
+</file>
+
+<file path=ppt/slides/slide12.xml><?xml version="1.0" encoding="utf-8"?>
+<p:sld xmlns:a="http://schemas.openxmlformats.org/drawingml/2006/main" xmlns:r="http://schemas.openxmlformats.org/officeDocument/2006/relationships" xmlns:p="http://schemas.openxmlformats.org/presentationml/2006/main">
+  <p:cSld>
+    <p:spTree>
+      <p:nvGrpSpPr>
+        <p:cNvPr id="1" name=""/>
+        <p:cNvGrpSpPr/>
+        <p:nvPr/>
+      </p:nvGrpSpPr>
+      <p:grpSpPr>
+        <a:xfrm>
+          <a:off x="0" y="0"/>
+          <a:ext cx="0" cy="0"/>
+          <a:chOff x="0" y="0"/>
+          <a:chExt cx="0" cy="0"/>
+        </a:xfrm>
+      </p:grpSpPr>
+      <p:sp>
+        <p:nvSpPr>
+          <p:cNvPr id="2" name="Title 1"/>
+          <p:cNvSpPr>
+            <a:spLocks noGrp="1"/>
+          </p:cNvSpPr>
+          <p:nvPr>
+            <p:ph type="title"/>
+          </p:nvPr>
+        </p:nvSpPr>
+        <p:spPr>
+          <a:noFill/>
+          <a:ln>
+            <a:solidFill>
+              <a:schemeClr val="tx1"/>
+            </a:solidFill>
+          </a:ln>
+        </p:spPr>
+        <p:txBody>
+          <a:bodyPr>
             <a:normAutofit fontScale="90000"/>
           </a:bodyPr>
           <a:lstStyle/>
@@ -3536,15 +3831,7 @@
                   <a:srgbClr val="FFFF00"/>
                 </a:solidFill>
               </a:rPr>
-              <a:t>Совершенный </a:t>
-            </a:r>
-            <a:r>
-              <a:rPr lang="ru-RU" dirty="0" smtClean="0">
-                <a:solidFill>
-                  <a:srgbClr val="FFFF00"/>
-                </a:solidFill>
-              </a:rPr>
-              <a:t>код (</a:t>
+              <a:t>Совершенный код (</a:t>
             </a:r>
             <a:r>
               <a:rPr lang="en-US" dirty="0">
@@ -3581,7 +3868,6 @@
               <a:rPr lang="ru-RU" dirty="0"/>
               <a:t>)</a:t>
             </a:r>
-            <a:endParaRPr lang="ru-RU" dirty="0"/>
           </a:p>
         </p:txBody>
       </p:sp>
@@ -3740,7 +4026,7 @@
 </p:sld>
 </file>
 
-<file path=ppt/slides/slide11.xml><?xml version="1.0" encoding="utf-8"?>
+<file path=ppt/slides/slide13.xml><?xml version="1.0" encoding="utf-8"?>
 <p:sld xmlns:a="http://schemas.openxmlformats.org/drawingml/2006/main" xmlns:r="http://schemas.openxmlformats.org/officeDocument/2006/relationships" xmlns:p="http://schemas.openxmlformats.org/presentationml/2006/main">
   <p:cSld>
     <p:spTree>
@@ -3926,7 +4212,7 @@
 </p:sld>
 </file>
 
-<file path=ppt/slides/slide12.xml><?xml version="1.0" encoding="utf-8"?>
+<file path=ppt/slides/slide14.xml><?xml version="1.0" encoding="utf-8"?>
 <p:sld xmlns:a="http://schemas.openxmlformats.org/drawingml/2006/main" xmlns:r="http://schemas.openxmlformats.org/officeDocument/2006/relationships" xmlns:p="http://schemas.openxmlformats.org/presentationml/2006/main">
   <p:cSld>
     <p:spTree>
@@ -3991,7 +4277,7 @@
 </p:sld>
 </file>
 
-<file path=ppt/slides/slide13.xml><?xml version="1.0" encoding="utf-8"?>
+<file path=ppt/slides/slide15.xml><?xml version="1.0" encoding="utf-8"?>
 <p:sld xmlns:a="http://schemas.openxmlformats.org/drawingml/2006/main" xmlns:r="http://schemas.openxmlformats.org/officeDocument/2006/relationships" xmlns:p="http://schemas.openxmlformats.org/presentationml/2006/main">
   <p:cSld>
     <p:spTree>
@@ -4172,7 +4458,7 @@
 </p:sld>
 </file>
 
-<file path=ppt/slides/slide14.xml><?xml version="1.0" encoding="utf-8"?>
+<file path=ppt/slides/slide16.xml><?xml version="1.0" encoding="utf-8"?>
 <p:sld xmlns:a="http://schemas.openxmlformats.org/drawingml/2006/main" xmlns:r="http://schemas.openxmlformats.org/officeDocument/2006/relationships" xmlns:p="http://schemas.openxmlformats.org/presentationml/2006/main">
   <p:cSld>
     <p:spTree>
@@ -4239,7 +4525,7 @@
 </p:sld>
 </file>
 
-<file path=ppt/slides/slide15.xml><?xml version="1.0" encoding="utf-8"?>
+<file path=ppt/slides/slide17.xml><?xml version="1.0" encoding="utf-8"?>
 <p:sld xmlns:a="http://schemas.openxmlformats.org/drawingml/2006/main" xmlns:r="http://schemas.openxmlformats.org/officeDocument/2006/relationships" xmlns:p="http://schemas.openxmlformats.org/presentationml/2006/main">
   <p:cSld>
     <p:spTree>
@@ -4386,7 +4672,7 @@
 </p:sld>
 </file>
 
-<file path=ppt/slides/slide16.xml><?xml version="1.0" encoding="utf-8"?>
+<file path=ppt/slides/slide18.xml><?xml version="1.0" encoding="utf-8"?>
 <p:sld xmlns:a="http://schemas.openxmlformats.org/drawingml/2006/main" xmlns:r="http://schemas.openxmlformats.org/officeDocument/2006/relationships" xmlns:p="http://schemas.openxmlformats.org/presentationml/2006/main">
   <p:cSld>
     <p:spTree>
@@ -4483,81 +4769,6 @@
   <p:clrMapOvr>
     <a:masterClrMapping/>
   </p:clrMapOvr>
-</p:sld>
-</file>
-
-<file path=ppt/slides/slide17.xml><?xml version="1.0" encoding="utf-8"?>
-<p:sld xmlns:a="http://schemas.openxmlformats.org/drawingml/2006/main" xmlns:r="http://schemas.openxmlformats.org/officeDocument/2006/relationships" xmlns:p="http://schemas.openxmlformats.org/presentationml/2006/main">
-  <p:cSld>
-    <p:bg>
-      <p:bgPr>
-        <a:solidFill>
-          <a:schemeClr val="accent1"/>
-        </a:solidFill>
-        <a:effectLst/>
-      </p:bgPr>
-    </p:bg>
-    <p:spTree>
-      <p:nvGrpSpPr>
-        <p:cNvPr id="1" name=""/>
-        <p:cNvGrpSpPr/>
-        <p:nvPr/>
-      </p:nvGrpSpPr>
-      <p:grpSpPr>
-        <a:xfrm>
-          <a:off x="0" y="0"/>
-          <a:ext cx="0" cy="0"/>
-          <a:chOff x="0" y="0"/>
-          <a:chExt cx="0" cy="0"/>
-        </a:xfrm>
-      </p:grpSpPr>
-      <p:pic>
-        <p:nvPicPr>
-          <p:cNvPr id="2" name="Picture 1"/>
-          <p:cNvPicPr>
-            <a:picLocks noChangeAspect="1"/>
-          </p:cNvPicPr>
-          <p:nvPr/>
-        </p:nvPicPr>
-        <p:blipFill>
-          <a:blip r:embed="rId2">
-            <a:extLst>
-              <a:ext uri="{28A0092B-C50C-407E-A947-70E740481C1C}">
-                <a14:useLocalDpi xmlns:a14="http://schemas.microsoft.com/office/drawing/2010/main" val="0"/>
-              </a:ext>
-            </a:extLst>
-          </a:blip>
-          <a:stretch>
-            <a:fillRect/>
-          </a:stretch>
-        </p:blipFill>
-        <p:spPr>
-          <a:xfrm>
-            <a:off x="3771900" y="1524000"/>
-            <a:ext cx="1600200" cy="3810000"/>
-          </a:xfrm>
-          <a:prstGeom prst="rect">
-            <a:avLst/>
-          </a:prstGeom>
-        </p:spPr>
-      </p:pic>
-    </p:spTree>
-    <p:extLst>
-      <p:ext uri="{BB962C8B-B14F-4D97-AF65-F5344CB8AC3E}">
-        <p14:creationId xmlns:p14="http://schemas.microsoft.com/office/powerpoint/2010/main" val="2885802775"/>
-      </p:ext>
-    </p:extLst>
-  </p:cSld>
-  <p:clrMapOvr>
-    <a:masterClrMapping/>
-  </p:clrMapOvr>
-  <p:timing>
-    <p:tnLst>
-      <p:par>
-        <p:cTn id="1" dur="indefinite" restart="never" nodeType="tmRoot"/>
-      </p:par>
-    </p:tnLst>
-  </p:timing>
 </p:sld>
 </file>
 
@@ -4664,15 +4875,7 @@
             </a:pPr>
             <a:r>
               <a:rPr lang="ru-RU" sz="2800" dirty="0" smtClean="0"/>
-              <a:t>Хорошая книга для начинающих. Автор описывает базовые возможности языка; </a:t>
-            </a:r>
-            <a:r>
-              <a:rPr lang="ru-RU" sz="2800" dirty="0" smtClean="0"/>
-              <a:t>о</a:t>
-            </a:r>
-            <a:r>
-              <a:rPr lang="ru-RU" sz="2800" dirty="0" smtClean="0"/>
-              <a:t>бъясняет механизмы ООП; рассказывает о работе с БД; дает введение в технологии </a:t>
+              <a:t>Хорошая книга для начинающих. Автор описывает базовые возможности языка; объясняет механизмы ООП; рассказывает о работе с БД; дает введение в технологии </a:t>
             </a:r>
             <a:r>
               <a:rPr lang="en-US" sz="2800" dirty="0" smtClean="0"/>
@@ -5372,7 +5575,7 @@
 </file>
 
 <file path=ppt/slides/slide7.xml><?xml version="1.0" encoding="utf-8"?>
-<p:sld xmlns:a="http://schemas.openxmlformats.org/drawingml/2006/main" xmlns:r="http://schemas.openxmlformats.org/officeDocument/2006/relationships" xmlns:p="http://schemas.openxmlformats.org/presentationml/2006/main">
+<p:sld xmlns:a="http://schemas.openxmlformats.org/drawingml/2006/main" xmlns:r="http://schemas.openxmlformats.org/officeDocument/2006/relationships" xmlns:p="http://schemas.openxmlformats.org/presentationml/2006/main" show="0">
   <p:cSld>
     <p:spTree>
       <p:nvGrpSpPr>
@@ -5418,7 +5621,7 @@
                   <a:srgbClr val="FFFF00"/>
                 </a:solidFill>
               </a:rPr>
-              <a:t>Объектно-ориентированный анализ и проектирование с примерами </a:t>
+              <a:t>Объектно-ориентированное конструирование программных </a:t>
             </a:r>
             <a:r>
               <a:rPr lang="ru-RU" sz="2400" i="1" dirty="0" smtClean="0">
@@ -5426,22 +5629,30 @@
                   <a:srgbClr val="FFFF00"/>
                 </a:solidFill>
               </a:rPr>
-              <a:t>приложений</a:t>
-            </a:r>
-            <a:r>
-              <a:rPr lang="en-US" sz="2400" i="1" dirty="0" smtClean="0"/>
+              <a:t>систем</a:t>
+            </a:r>
+            <a:r>
+              <a:rPr lang="en-US" sz="2400" i="1" dirty="0" smtClean="0">
+                <a:solidFill>
+                  <a:srgbClr val="FFFF00"/>
+                </a:solidFill>
+              </a:rPr>
               <a:t/>
             </a:r>
             <a:br>
-              <a:rPr lang="en-US" sz="2400" i="1" dirty="0" smtClean="0"/>
+              <a:rPr lang="en-US" sz="2400" i="1" dirty="0" smtClean="0">
+                <a:solidFill>
+                  <a:srgbClr val="FFFF00"/>
+                </a:solidFill>
+              </a:rPr>
             </a:br>
             <a:r>
               <a:rPr lang="ru-RU" sz="2400" dirty="0"/>
-              <a:t> Гради </a:t>
+              <a:t>Бертран </a:t>
             </a:r>
             <a:r>
               <a:rPr lang="ru-RU" sz="2400" dirty="0" smtClean="0"/>
-              <a:t>Буч</a:t>
+              <a:t>Мейер</a:t>
             </a:r>
             <a:endParaRPr lang="ru-RU" sz="2400" dirty="0"/>
           </a:p>
@@ -5465,7 +5676,7 @@
         </p:spPr>
         <p:txBody>
           <a:bodyPr anchor="t" anchorCtr="0">
-            <a:normAutofit fontScale="92500" lnSpcReduction="20000"/>
+            <a:normAutofit/>
           </a:bodyPr>
           <a:lstStyle/>
           <a:p>
@@ -5473,35 +5684,52 @@
               <a:buNone/>
             </a:pPr>
             <a:r>
-              <a:rPr lang="ru-RU" dirty="0" smtClean="0"/>
-              <a:t>В книге описываются </a:t>
-            </a:r>
-            <a:r>
-              <a:rPr lang="ru-RU" dirty="0"/>
-              <a:t>объектные методы решения сложных проблем, связанные с разработкой систем и программного обеспечения. Используя многочисленные примеры, </a:t>
-            </a:r>
-            <a:r>
-              <a:rPr lang="ru-RU" dirty="0" smtClean="0"/>
-              <a:t>иллюстрируются </a:t>
-            </a:r>
-            <a:r>
-              <a:rPr lang="ru-RU" dirty="0"/>
-              <a:t>основные концепции объектно-ориентированного подхода на примере разработки систем управления, сбора данных и искусственного интеллекта.</a:t>
-            </a:r>
+              <a:rPr lang="en-US" dirty="0" smtClean="0"/>
+              <a:t>....</a:t>
+            </a:r>
+          </a:p>
+          <a:p>
+            <a:pPr marL="0" indent="0">
+              <a:buNone/>
+            </a:pPr>
+            <a:endParaRPr lang="en-US" dirty="0"/>
+          </a:p>
+          <a:p>
+            <a:pPr marL="0" indent="0">
+              <a:buNone/>
+            </a:pPr>
+            <a:r>
+              <a:rPr lang="en-US" dirty="0">
+                <a:hlinkClick r:id="rId2"/>
+              </a:rPr>
+              <a:t>http://</a:t>
+            </a:r>
+            <a:r>
+              <a:rPr lang="en-US" dirty="0" smtClean="0">
+                <a:hlinkClick r:id="rId2"/>
+              </a:rPr>
+              <a:t>oz.by/books/more1015778.html</a:t>
+            </a:r>
+            <a:endParaRPr lang="en-US" dirty="0" smtClean="0"/>
+          </a:p>
+          <a:p>
+            <a:pPr marL="0" indent="0">
+              <a:buNone/>
+            </a:pPr>
             <a:endParaRPr lang="ru-RU" dirty="0"/>
           </a:p>
         </p:txBody>
       </p:sp>
       <p:pic>
         <p:nvPicPr>
-          <p:cNvPr id="4" name="Picture 3"/>
+          <p:cNvPr id="5" name="Picture 4"/>
           <p:cNvPicPr>
             <a:picLocks noChangeAspect="1"/>
           </p:cNvPicPr>
           <p:nvPr/>
         </p:nvPicPr>
         <p:blipFill>
-          <a:blip r:embed="rId2">
+          <a:blip r:embed="rId3">
             <a:extLst>
               <a:ext uri="{28A0092B-C50C-407E-A947-70E740481C1C}">
                 <a14:useLocalDpi xmlns:a14="http://schemas.microsoft.com/office/drawing/2010/main" val="0"/>
@@ -5514,8 +5742,8 @@
         </p:blipFill>
         <p:spPr>
           <a:xfrm>
-            <a:off x="467544" y="1600200"/>
-            <a:ext cx="2520000" cy="3578400"/>
+            <a:off x="467544" y="1574800"/>
+            <a:ext cx="2540000" cy="3708400"/>
           </a:xfrm>
           <a:prstGeom prst="rect">
             <a:avLst/>
@@ -5532,6 +5760,14 @@
   <p:clrMapOvr>
     <a:masterClrMapping/>
   </p:clrMapOvr>
+  <mc:AlternateContent xmlns:mc="http://schemas.openxmlformats.org/markup-compatibility/2006">
+    <mc:Choice xmlns:p14="http://schemas.microsoft.com/office/powerpoint/2010/main" Requires="p14">
+      <p:transition spd="slow" p14:dur="2000"/>
+    </mc:Choice>
+    <mc:Fallback>
+      <p:transition spd="slow"/>
+    </mc:Fallback>
+  </mc:AlternateContent>
   <p:timing>
     <p:tnLst>
       <p:par>
@@ -5584,45 +5820,37 @@
           <a:lstStyle/>
           <a:p>
             <a:r>
-              <a:rPr lang="ru-RU" sz="2400" dirty="0" smtClean="0">
+              <a:rPr lang="ru-RU" sz="2400" i="1" dirty="0">
                 <a:solidFill>
                   <a:srgbClr val="FFFF00"/>
                 </a:solidFill>
               </a:rPr>
-              <a:t>Приемы </a:t>
-            </a:r>
-            <a:r>
-              <a:rPr lang="ru-RU" sz="2400" dirty="0">
+              <a:t>Объектно-ориентированный анализ и проектирование с примерами </a:t>
+            </a:r>
+            <a:r>
+              <a:rPr lang="ru-RU" sz="2400" i="1" dirty="0" smtClean="0">
                 <a:solidFill>
                   <a:srgbClr val="FFFF00"/>
                 </a:solidFill>
               </a:rPr>
-              <a:t>объектно-ориентированного проектирования. Паттерны </a:t>
-            </a:r>
-            <a:r>
-              <a:rPr lang="ru-RU" sz="2400" dirty="0" smtClean="0">
-                <a:solidFill>
-                  <a:srgbClr val="FFFF00"/>
-                </a:solidFill>
-              </a:rPr>
-              <a:t>проектирования</a:t>
+              <a:t>приложений</a:t>
+            </a:r>
+            <a:r>
+              <a:rPr lang="en-US" sz="2400" i="1" dirty="0" smtClean="0"/>
+              <a:t/>
             </a:r>
             <a:br>
-              <a:rPr lang="ru-RU" sz="2400" dirty="0" smtClean="0">
-                <a:solidFill>
-                  <a:srgbClr val="FFFF00"/>
-                </a:solidFill>
-              </a:rPr>
+              <a:rPr lang="en-US" sz="2400" i="1" dirty="0" smtClean="0"/>
             </a:br>
             <a:r>
-              <a:rPr lang="ru-RU" sz="2400" dirty="0"/>
-              <a:t>Гамма, Хелм, Джонсон, Влиссидес</a:t>
-            </a:r>
-            <a:endParaRPr lang="ru-RU" sz="2400" dirty="0">
-              <a:solidFill>
-                <a:srgbClr val="FFFF00"/>
-              </a:solidFill>
-            </a:endParaRPr>
+              <a:rPr lang="ru-RU" sz="2400" dirty="0" smtClean="0"/>
+              <a:t>Гради </a:t>
+            </a:r>
+            <a:r>
+              <a:rPr lang="ru-RU" sz="2400" dirty="0" smtClean="0"/>
+              <a:t>Буч</a:t>
+            </a:r>
+            <a:endParaRPr lang="ru-RU" sz="2400" dirty="0"/>
           </a:p>
         </p:txBody>
       </p:sp>
@@ -5644,7 +5872,7 @@
         </p:spPr>
         <p:txBody>
           <a:bodyPr anchor="t" anchorCtr="0">
-            <a:normAutofit fontScale="85000" lnSpcReduction="20000"/>
+            <a:normAutofit fontScale="92500" lnSpcReduction="20000"/>
           </a:bodyPr>
           <a:lstStyle/>
           <a:p>
@@ -5652,26 +5880,29 @@
               <a:buNone/>
             </a:pPr>
             <a:r>
+              <a:rPr lang="ru-RU" dirty="0" smtClean="0"/>
+              <a:t>В книге описываются </a:t>
+            </a:r>
+            <a:r>
               <a:rPr lang="ru-RU" dirty="0"/>
-              <a:t>Это та самая, знаменитая книга «банды четырех», после выхода которой началось стремительное развитие идеи шаблонов проектирования в мире разработки ПО. После ее выхода идея шаблонов начала распространяться и развиваться, и сегодня идеи шаблонов применяется не только в контексте проектирования, а и практически в каждой области разработки программного </a:t>
+              <a:t>объектные методы решения сложных проблем, связанные с разработкой систем и программного обеспечения. Используя многочисленные примеры, </a:t>
             </a:r>
             <a:r>
               <a:rPr lang="ru-RU" dirty="0" smtClean="0"/>
-              <a:t>обеспечения</a:t>
-            </a:r>
-            <a:r>
-              <a:rPr lang="en-US" dirty="0" smtClean="0"/>
-              <a:t>.</a:t>
-            </a:r>
-            <a:endParaRPr lang="ru-RU" dirty="0"/>
+              <a:t>иллюстрируются </a:t>
+            </a:r>
+            <a:r>
+              <a:rPr lang="ru-RU" dirty="0"/>
+              <a:t>основные концепции объектно-ориентированного подхода на примере разработки систем управления, сбора данных и искусственного интеллекта.</a:t>
+            </a:r>
           </a:p>
         </p:txBody>
       </p:sp>
       <p:pic>
         <p:nvPicPr>
-          <p:cNvPr id="1032" name="Picture 8"/>
+          <p:cNvPr id="4" name="Picture 3"/>
           <p:cNvPicPr>
-            <a:picLocks noChangeAspect="1" noChangeArrowheads="1"/>
+            <a:picLocks noChangeAspect="1"/>
           </p:cNvPicPr>
           <p:nvPr/>
         </p:nvPicPr>
@@ -5683,48 +5914,24 @@
               </a:ext>
             </a:extLst>
           </a:blip>
-          <a:srcRect/>
           <a:stretch>
             <a:fillRect/>
           </a:stretch>
         </p:blipFill>
-        <p:spPr bwMode="auto">
+        <p:spPr>
           <a:xfrm>
             <a:off x="467544" y="1600200"/>
-            <a:ext cx="2520000" cy="3600000"/>
+            <a:ext cx="2520000" cy="3578400"/>
           </a:xfrm>
           <a:prstGeom prst="rect">
             <a:avLst/>
           </a:prstGeom>
-          <a:noFill/>
-          <a:ln>
-            <a:noFill/>
-          </a:ln>
-          <a:extLst>
-            <a:ext uri="{909E8E84-426E-40DD-AFC4-6F175D3DCCD1}">
-              <a14:hiddenFill xmlns:a14="http://schemas.microsoft.com/office/drawing/2010/main">
-                <a:solidFill>
-                  <a:schemeClr val="accent1"/>
-                </a:solidFill>
-              </a14:hiddenFill>
-            </a:ext>
-            <a:ext uri="{91240B29-F687-4F45-9708-019B960494DF}">
-              <a14:hiddenLine xmlns:a14="http://schemas.microsoft.com/office/drawing/2010/main" w="9525">
-                <a:solidFill>
-                  <a:schemeClr val="tx1"/>
-                </a:solidFill>
-                <a:miter lim="800000"/>
-                <a:headEnd/>
-                <a:tailEnd/>
-              </a14:hiddenLine>
-            </a:ext>
-          </a:extLst>
         </p:spPr>
       </p:pic>
     </p:spTree>
     <p:extLst>
       <p:ext uri="{BB962C8B-B14F-4D97-AF65-F5344CB8AC3E}">
-        <p14:creationId xmlns:p14="http://schemas.microsoft.com/office/powerpoint/2010/main" val="3545771741"/>
+        <p14:creationId xmlns:p14="http://schemas.microsoft.com/office/powerpoint/2010/main" val="3217659103"/>
       </p:ext>
     </p:extLst>
   </p:cSld>
@@ -5742,7 +5949,7 @@
 </file>
 
 <file path=ppt/slides/slide9.xml><?xml version="1.0" encoding="utf-8"?>
-<p:sld xmlns:a="http://schemas.openxmlformats.org/drawingml/2006/main" xmlns:r="http://schemas.openxmlformats.org/officeDocument/2006/relationships" xmlns:p="http://schemas.openxmlformats.org/presentationml/2006/main">
+<p:sld xmlns:a="http://schemas.openxmlformats.org/drawingml/2006/main" xmlns:r="http://schemas.openxmlformats.org/officeDocument/2006/relationships" xmlns:p="http://schemas.openxmlformats.org/presentationml/2006/main" show="0">
   <p:cSld>
     <p:spTree>
       <p:nvGrpSpPr>
@@ -5769,33 +5976,192 @@
           </p:nvPr>
         </p:nvSpPr>
         <p:spPr>
+          <a:noFill/>
+          <a:ln>
+            <a:solidFill>
+              <a:schemeClr val="tx1"/>
+            </a:solidFill>
+          </a:ln>
+        </p:spPr>
+        <p:txBody>
+          <a:bodyPr>
+            <a:noAutofit/>
+          </a:bodyPr>
+          <a:lstStyle/>
+          <a:p>
+            <a:r>
+              <a:rPr lang="ru-RU" sz="2400" i="1" dirty="0">
+                <a:solidFill>
+                  <a:srgbClr val="FFFF00"/>
+                </a:solidFill>
+              </a:rPr>
+              <a:t>Паттерны проектирования</a:t>
+            </a:r>
+            <a:r>
+              <a:rPr lang="en-US" sz="2400" i="1" dirty="0" smtClean="0"/>
+              <a:t/>
+            </a:r>
+            <a:br>
+              <a:rPr lang="en-US" sz="2400" i="1" dirty="0" smtClean="0"/>
+            </a:br>
+            <a:r>
+              <a:rPr lang="ru-RU" sz="2400" dirty="0"/>
+              <a:t>Эрик </a:t>
+            </a:r>
+            <a:r>
+              <a:rPr lang="ru-RU" sz="2400" dirty="0" smtClean="0"/>
+              <a:t>Фримен</a:t>
+            </a:r>
+            <a:r>
+              <a:rPr lang="en-US" sz="2400" dirty="0" smtClean="0"/>
+              <a:t>, </a:t>
+            </a:r>
+            <a:r>
+              <a:rPr lang="ru-RU" sz="2400" dirty="0"/>
+              <a:t>Элизабет </a:t>
+            </a:r>
+            <a:r>
+              <a:rPr lang="ru-RU" sz="2400" dirty="0" smtClean="0"/>
+              <a:t>Фримен</a:t>
+            </a:r>
+            <a:r>
+              <a:rPr lang="en-US" sz="2400" dirty="0" smtClean="0"/>
+              <a:t>, </a:t>
+            </a:r>
+            <a:r>
+              <a:rPr lang="ru-RU" sz="2400" dirty="0"/>
+              <a:t>Кэтти </a:t>
+            </a:r>
+            <a:r>
+              <a:rPr lang="ru-RU" sz="2400" dirty="0" smtClean="0"/>
+              <a:t>Сьерра</a:t>
+            </a:r>
+            <a:r>
+              <a:rPr lang="en-US" sz="2400" dirty="0" smtClean="0"/>
+              <a:t>, </a:t>
+            </a:r>
+            <a:r>
+              <a:rPr lang="ru-RU" sz="2400" dirty="0"/>
+              <a:t>Берт </a:t>
+            </a:r>
+            <a:r>
+              <a:rPr lang="ru-RU" sz="2400" dirty="0" smtClean="0"/>
+              <a:t>Бейтс</a:t>
+            </a:r>
+            <a:endParaRPr lang="ru-RU" sz="2400" dirty="0"/>
+          </a:p>
+        </p:txBody>
+      </p:sp>
+      <p:sp>
+        <p:nvSpPr>
+          <p:cNvPr id="3" name="Content Placeholder 2"/>
+          <p:cNvSpPr>
+            <a:spLocks noGrp="1"/>
+          </p:cNvSpPr>
+          <p:nvPr>
+            <p:ph idx="1"/>
+          </p:nvPr>
+        </p:nvSpPr>
+        <p:spPr>
           <a:xfrm>
-            <a:off x="457200" y="2857500"/>
-            <a:ext cx="8229600" cy="1143000"/>
+            <a:off x="3131840" y="1600200"/>
+            <a:ext cx="5554960" cy="4525963"/>
           </a:xfrm>
         </p:spPr>
         <p:txBody>
-          <a:bodyPr/>
+          <a:bodyPr anchor="t" anchorCtr="0">
+            <a:normAutofit/>
+          </a:bodyPr>
           <a:lstStyle/>
           <a:p>
-            <a:r>
-              <a:rPr lang="ru-RU" dirty="0" smtClean="0"/>
-              <a:t>Стиль кодирования</a:t>
-            </a:r>
+            <a:pPr marL="0" indent="0">
+              <a:buNone/>
+            </a:pPr>
+            <a:r>
+              <a:rPr lang="en-US" dirty="0" smtClean="0"/>
+              <a:t>....</a:t>
+            </a:r>
+          </a:p>
+          <a:p>
+            <a:pPr marL="0" indent="0">
+              <a:buNone/>
+            </a:pPr>
+            <a:endParaRPr lang="en-US" dirty="0"/>
+          </a:p>
+          <a:p>
+            <a:pPr marL="0" indent="0">
+              <a:buNone/>
+            </a:pPr>
+            <a:r>
+              <a:rPr lang="en-US" dirty="0">
+                <a:hlinkClick r:id="rId2"/>
+              </a:rPr>
+              <a:t>http://</a:t>
+            </a:r>
+            <a:r>
+              <a:rPr lang="en-US" dirty="0" smtClean="0">
+                <a:hlinkClick r:id="rId2"/>
+              </a:rPr>
+              <a:t>oz.by/books/more10182766.html</a:t>
+            </a:r>
+            <a:endParaRPr lang="en-US" dirty="0" smtClean="0"/>
+          </a:p>
+          <a:p>
+            <a:pPr marL="0" indent="0">
+              <a:buNone/>
+            </a:pPr>
             <a:endParaRPr lang="ru-RU" dirty="0"/>
           </a:p>
         </p:txBody>
       </p:sp>
+      <p:pic>
+        <p:nvPicPr>
+          <p:cNvPr id="5" name="Picture 4"/>
+          <p:cNvPicPr>
+            <a:picLocks noChangeAspect="1"/>
+          </p:cNvPicPr>
+          <p:nvPr/>
+        </p:nvPicPr>
+        <p:blipFill>
+          <a:blip r:embed="rId3">
+            <a:extLst>
+              <a:ext uri="{28A0092B-C50C-407E-A947-70E740481C1C}">
+                <a14:useLocalDpi xmlns:a14="http://schemas.microsoft.com/office/drawing/2010/main" val="0"/>
+              </a:ext>
+            </a:extLst>
+          </a:blip>
+          <a:stretch>
+            <a:fillRect/>
+          </a:stretch>
+        </p:blipFill>
+        <p:spPr>
+          <a:xfrm>
+            <a:off x="467544" y="1600200"/>
+            <a:ext cx="2520000" cy="2910600"/>
+          </a:xfrm>
+          <a:prstGeom prst="rect">
+            <a:avLst/>
+          </a:prstGeom>
+        </p:spPr>
+      </p:pic>
     </p:spTree>
     <p:extLst>
       <p:ext uri="{BB962C8B-B14F-4D97-AF65-F5344CB8AC3E}">
-        <p14:creationId xmlns:p14="http://schemas.microsoft.com/office/powerpoint/2010/main" val="3176345831"/>
+        <p14:creationId xmlns:p14="http://schemas.microsoft.com/office/powerpoint/2010/main" val="1722243663"/>
       </p:ext>
     </p:extLst>
   </p:cSld>
   <p:clrMapOvr>
     <a:masterClrMapping/>
   </p:clrMapOvr>
+  <mc:AlternateContent xmlns:mc="http://schemas.openxmlformats.org/markup-compatibility/2006">
+    <mc:Choice xmlns:p14="http://schemas.microsoft.com/office/powerpoint/2010/main" Requires="p14">
+      <p:transition spd="slow" p14:dur="2000"/>
+    </mc:Choice>
+    <mc:Fallback>
+      <p:transition spd="slow"/>
+    </mc:Fallback>
+  </mc:AlternateContent>
   <p:timing>
     <p:tnLst>
       <p:par>

--- a/Presentation/books-to-read.pptx
+++ b/Presentation/books-to-read.pptx
@@ -209,7 +209,7 @@
           <a:p>
             <a:fld id="{B24A7054-7FFB-49F4-A126-5DF6E687FF53}" type="datetimeFigureOut">
               <a:rPr lang="ru-RU" smtClean="0"/>
-              <a:t>13.09.2014</a:t>
+              <a:t>15.09.2014</a:t>
             </a:fld>
             <a:endParaRPr lang="ru-RU"/>
           </a:p>
@@ -1491,7 +1491,7 @@
           <a:p>
             <a:fld id="{8E6E6A2A-E9D3-4A0D-B04A-ABDD367A1E08}" type="datetimeFigureOut">
               <a:rPr lang="ru-RU" smtClean="0"/>
-              <a:t>13.09.2014</a:t>
+              <a:t>15.09.2014</a:t>
             </a:fld>
             <a:endParaRPr lang="ru-RU"/>
           </a:p>
@@ -2936,7 +2936,7 @@
           <a:p>
             <a:fld id="{AC3D3127-B7C4-45E3-9797-C527EC9FDD78}" type="datetimeFigureOut">
               <a:rPr lang="ru-RU" smtClean="0"/>
-              <a:t>13.09.2014</a:t>
+              <a:t>15.09.2014</a:t>
             </a:fld>
             <a:endParaRPr lang="ru-RU"/>
           </a:p>
@@ -3889,7 +3889,7 @@
         </p:spPr>
         <p:txBody>
           <a:bodyPr>
-            <a:normAutofit fontScale="77500" lnSpcReduction="20000"/>
+            <a:normAutofit fontScale="70000" lnSpcReduction="20000"/>
           </a:bodyPr>
           <a:lstStyle/>
           <a:p>
@@ -3948,6 +3948,53 @@
               <a:rPr lang="ru-RU" dirty="0" smtClean="0"/>
               <a:t>.</a:t>
             </a:r>
+          </a:p>
+          <a:p>
+            <a:pPr marL="0" indent="0">
+              <a:buNone/>
+            </a:pPr>
+            <a:endParaRPr lang="ru-RU" dirty="0"/>
+          </a:p>
+          <a:p>
+            <a:pPr marL="0" indent="0">
+              <a:buNone/>
+            </a:pPr>
+            <a:r>
+              <a:rPr lang="en-US" dirty="0">
+                <a:hlinkClick r:id="rId2"/>
+              </a:rPr>
+              <a:t>http://</a:t>
+            </a:r>
+            <a:r>
+              <a:rPr lang="en-US" dirty="0" smtClean="0">
+                <a:hlinkClick r:id="rId2"/>
+              </a:rPr>
+              <a:t>oz.by/books/more1015206.html</a:t>
+            </a:r>
+            <a:endParaRPr lang="ru-RU" dirty="0" smtClean="0"/>
+          </a:p>
+          <a:p>
+            <a:pPr marL="0" indent="0">
+              <a:buNone/>
+            </a:pPr>
+            <a:r>
+              <a:rPr lang="en-US" dirty="0">
+                <a:hlinkClick r:id="rId3"/>
+              </a:rPr>
+              <a:t>https://</a:t>
+            </a:r>
+            <a:r>
+              <a:rPr lang="en-US" dirty="0" smtClean="0">
+                <a:hlinkClick r:id="rId3"/>
+              </a:rPr>
+              <a:t>www.microsoft.com/learning/en-us/book.aspx?ID=6822</a:t>
+            </a:r>
+            <a:endParaRPr lang="ru-RU" dirty="0" smtClean="0"/>
+          </a:p>
+          <a:p>
+            <a:pPr marL="0" indent="0">
+              <a:buNone/>
+            </a:pPr>
             <a:endParaRPr lang="ru-RU" dirty="0"/>
           </a:p>
         </p:txBody>
@@ -3961,7 +4008,7 @@
           <p:nvPr/>
         </p:nvPicPr>
         <p:blipFill>
-          <a:blip r:embed="rId2">
+          <a:blip r:embed="rId4">
             <a:extLst>
               <a:ext uri="{28A0092B-C50C-407E-A947-70E740481C1C}">
                 <a14:useLocalDpi xmlns:a14="http://schemas.microsoft.com/office/drawing/2010/main" val="0"/>
@@ -5760,11 +5807,11 @@
   <p:clrMapOvr>
     <a:masterClrMapping/>
   </p:clrMapOvr>
-  <mc:AlternateContent xmlns:mc="http://schemas.openxmlformats.org/markup-compatibility/2006">
-    <mc:Choice xmlns:p14="http://schemas.microsoft.com/office/powerpoint/2010/main" Requires="p14">
+  <mc:AlternateContent xmlns:mc="http://schemas.openxmlformats.org/markup-compatibility/2006" xmlns:p14="http://schemas.microsoft.com/office/powerpoint/2010/main">
+    <mc:Choice Requires="p14">
       <p:transition spd="slow" p14:dur="2000"/>
     </mc:Choice>
-    <mc:Fallback>
+    <mc:Fallback xmlns="">
       <p:transition spd="slow"/>
     </mc:Fallback>
   </mc:AlternateContent>
@@ -5844,11 +5891,7 @@
             </a:br>
             <a:r>
               <a:rPr lang="ru-RU" sz="2400" dirty="0" smtClean="0"/>
-              <a:t>Гради </a:t>
-            </a:r>
-            <a:r>
-              <a:rPr lang="ru-RU" sz="2400" dirty="0" smtClean="0"/>
-              <a:t>Буч</a:t>
+              <a:t>Гради Буч</a:t>
             </a:r>
             <a:endParaRPr lang="ru-RU" sz="2400" dirty="0"/>
           </a:p>
@@ -6154,11 +6197,11 @@
   <p:clrMapOvr>
     <a:masterClrMapping/>
   </p:clrMapOvr>
-  <mc:AlternateContent xmlns:mc="http://schemas.openxmlformats.org/markup-compatibility/2006">
-    <mc:Choice xmlns:p14="http://schemas.microsoft.com/office/powerpoint/2010/main" Requires="p14">
+  <mc:AlternateContent xmlns:mc="http://schemas.openxmlformats.org/markup-compatibility/2006" xmlns:p14="http://schemas.microsoft.com/office/powerpoint/2010/main">
+    <mc:Choice Requires="p14">
       <p:transition spd="slow" p14:dur="2000"/>
     </mc:Choice>
-    <mc:Fallback>
+    <mc:Fallback xmlns="">
       <p:transition spd="slow"/>
     </mc:Fallback>
   </mc:AlternateContent>

--- a/Presentation/books-to-read.pptx
+++ b/Presentation/books-to-read.pptx
@@ -5,7 +5,7 @@
     <p:sldMasterId id="2147483648" r:id="rId1"/>
   </p:sldMasterIdLst>
   <p:notesMasterIdLst>
-    <p:notesMasterId r:id="rId20"/>
+    <p:notesMasterId r:id="rId22"/>
   </p:notesMasterIdLst>
   <p:sldIdLst>
     <p:sldId id="258" r:id="rId2"/>
@@ -22,10 +22,12 @@
     <p:sldId id="262" r:id="rId13"/>
     <p:sldId id="260" r:id="rId14"/>
     <p:sldId id="263" r:id="rId15"/>
-    <p:sldId id="264" r:id="rId16"/>
-    <p:sldId id="261" r:id="rId17"/>
-    <p:sldId id="275" r:id="rId18"/>
-    <p:sldId id="276" r:id="rId19"/>
+    <p:sldId id="281" r:id="rId16"/>
+    <p:sldId id="280" r:id="rId17"/>
+    <p:sldId id="264" r:id="rId18"/>
+    <p:sldId id="261" r:id="rId19"/>
+    <p:sldId id="275" r:id="rId20"/>
+    <p:sldId id="276" r:id="rId21"/>
   </p:sldIdLst>
   <p:sldSz cx="9144000" cy="6858000" type="screen4x3"/>
   <p:notesSz cx="6858000" cy="9144000"/>
@@ -209,7 +211,7 @@
           <a:p>
             <a:fld id="{B24A7054-7FFB-49F4-A126-5DF6E687FF53}" type="datetimeFigureOut">
               <a:rPr lang="ru-RU" smtClean="0"/>
-              <a:t>15.09.2014</a:t>
+              <a:t>19.09.2014</a:t>
             </a:fld>
             <a:endParaRPr lang="ru-RU"/>
           </a:p>
@@ -1491,7 +1493,7 @@
           <a:p>
             <a:fld id="{8E6E6A2A-E9D3-4A0D-B04A-ABDD367A1E08}" type="datetimeFigureOut">
               <a:rPr lang="ru-RU" smtClean="0"/>
-              <a:t>15.09.2014</a:t>
+              <a:t>19.09.2014</a:t>
             </a:fld>
             <a:endParaRPr lang="ru-RU"/>
           </a:p>
@@ -2936,7 +2938,7 @@
           <a:p>
             <a:fld id="{AC3D3127-B7C4-45E3-9797-C527EC9FDD78}" type="datetimeFigureOut">
               <a:rPr lang="ru-RU" smtClean="0"/>
-              <a:t>15.09.2014</a:t>
+              <a:t>19.09.2014</a:t>
             </a:fld>
             <a:endParaRPr lang="ru-RU"/>
           </a:p>
@@ -4260,6 +4262,261 @@
 </file>
 
 <file path=ppt/slides/slide14.xml><?xml version="1.0" encoding="utf-8"?>
+<p:sld xmlns:a="http://schemas.openxmlformats.org/drawingml/2006/main" xmlns:r="http://schemas.openxmlformats.org/officeDocument/2006/relationships" xmlns:p="http://schemas.openxmlformats.org/presentationml/2006/main" show="0">
+  <p:cSld>
+    <p:spTree>
+      <p:nvGrpSpPr>
+        <p:cNvPr id="1" name=""/>
+        <p:cNvGrpSpPr/>
+        <p:nvPr/>
+      </p:nvGrpSpPr>
+      <p:grpSpPr>
+        <a:xfrm>
+          <a:off x="0" y="0"/>
+          <a:ext cx="0" cy="0"/>
+          <a:chOff x="0" y="0"/>
+          <a:chExt cx="0" cy="0"/>
+        </a:xfrm>
+      </p:grpSpPr>
+      <p:sp>
+        <p:nvSpPr>
+          <p:cNvPr id="2" name="Title 1"/>
+          <p:cNvSpPr>
+            <a:spLocks noGrp="1"/>
+          </p:cNvSpPr>
+          <p:nvPr>
+            <p:ph type="title"/>
+          </p:nvPr>
+        </p:nvSpPr>
+        <p:spPr>
+          <a:xfrm>
+            <a:off x="457200" y="2857500"/>
+            <a:ext cx="8229600" cy="1143000"/>
+          </a:xfrm>
+        </p:spPr>
+        <p:txBody>
+          <a:bodyPr/>
+          <a:lstStyle/>
+          <a:p>
+            <a:r>
+              <a:rPr lang="en-US" dirty="0" smtClean="0"/>
+              <a:t>ADO.NET / </a:t>
+            </a:r>
+            <a:r>
+              <a:rPr lang="en-US" dirty="0" err="1" smtClean="0"/>
+              <a:t>EntityFramework</a:t>
+            </a:r>
+            <a:endParaRPr lang="ru-RU" dirty="0"/>
+          </a:p>
+        </p:txBody>
+      </p:sp>
+    </p:spTree>
+    <p:extLst>
+      <p:ext uri="{BB962C8B-B14F-4D97-AF65-F5344CB8AC3E}">
+        <p14:creationId xmlns:p14="http://schemas.microsoft.com/office/powerpoint/2010/main" val="2493670811"/>
+      </p:ext>
+    </p:extLst>
+  </p:cSld>
+  <p:clrMapOvr>
+    <a:masterClrMapping/>
+  </p:clrMapOvr>
+  <mc:AlternateContent xmlns:mc="http://schemas.openxmlformats.org/markup-compatibility/2006">
+    <mc:Choice xmlns:p14="http://schemas.microsoft.com/office/powerpoint/2010/main" Requires="p14">
+      <p:transition spd="slow" p14:dur="2000"/>
+    </mc:Choice>
+    <mc:Fallback>
+      <p:transition spd="slow"/>
+    </mc:Fallback>
+  </mc:AlternateContent>
+  <p:timing>
+    <p:tnLst>
+      <p:par>
+        <p:cTn id="1" dur="indefinite" restart="never" nodeType="tmRoot"/>
+      </p:par>
+    </p:tnLst>
+  </p:timing>
+</p:sld>
+</file>
+
+<file path=ppt/slides/slide15.xml><?xml version="1.0" encoding="utf-8"?>
+<p:sld xmlns:a="http://schemas.openxmlformats.org/drawingml/2006/main" xmlns:r="http://schemas.openxmlformats.org/officeDocument/2006/relationships" xmlns:p="http://schemas.openxmlformats.org/presentationml/2006/main" show="0">
+  <p:cSld>
+    <p:spTree>
+      <p:nvGrpSpPr>
+        <p:cNvPr id="1" name=""/>
+        <p:cNvGrpSpPr/>
+        <p:nvPr/>
+      </p:nvGrpSpPr>
+      <p:grpSpPr>
+        <a:xfrm>
+          <a:off x="0" y="0"/>
+          <a:ext cx="0" cy="0"/>
+          <a:chOff x="0" y="0"/>
+          <a:chExt cx="0" cy="0"/>
+        </a:xfrm>
+      </p:grpSpPr>
+      <p:sp>
+        <p:nvSpPr>
+          <p:cNvPr id="2" name="Title 1"/>
+          <p:cNvSpPr>
+            <a:spLocks noGrp="1"/>
+          </p:cNvSpPr>
+          <p:nvPr>
+            <p:ph type="title"/>
+          </p:nvPr>
+        </p:nvSpPr>
+        <p:spPr/>
+        <p:txBody>
+          <a:bodyPr/>
+          <a:lstStyle/>
+          <a:p>
+            <a:r>
+              <a:rPr lang="en-US" dirty="0" smtClean="0"/>
+              <a:t>Review</a:t>
+            </a:r>
+            <a:endParaRPr lang="ru-RU" dirty="0"/>
+          </a:p>
+        </p:txBody>
+      </p:sp>
+      <p:sp>
+        <p:nvSpPr>
+          <p:cNvPr id="3" name="Content Placeholder 2"/>
+          <p:cNvSpPr>
+            <a:spLocks noGrp="1"/>
+          </p:cNvSpPr>
+          <p:nvPr>
+            <p:ph idx="1"/>
+          </p:nvPr>
+        </p:nvSpPr>
+        <p:spPr/>
+        <p:txBody>
+          <a:bodyPr>
+            <a:normAutofit fontScale="92500"/>
+          </a:bodyPr>
+          <a:lstStyle/>
+          <a:p>
+            <a:r>
+              <a:rPr lang="en-US" dirty="0"/>
+              <a:t>Programming Entity Framework: </a:t>
+            </a:r>
+            <a:r>
+              <a:rPr lang="en-US" dirty="0" err="1" smtClean="0"/>
+              <a:t>DbContext</a:t>
+            </a:r>
+            <a:r>
+              <a:rPr lang="en-US" dirty="0"/>
+              <a:t/>
+            </a:r>
+            <a:br>
+              <a:rPr lang="en-US" dirty="0"/>
+            </a:br>
+            <a:r>
+              <a:rPr lang="en-US" dirty="0" smtClean="0"/>
+              <a:t>Julia </a:t>
+            </a:r>
+            <a:r>
+              <a:rPr lang="en-US" dirty="0" err="1" smtClean="0"/>
+              <a:t>Lerman</a:t>
+            </a:r>
+            <a:r>
+              <a:rPr lang="en-US" dirty="0" smtClean="0"/>
+              <a:t>, </a:t>
+            </a:r>
+            <a:r>
+              <a:rPr lang="en-US" dirty="0"/>
+              <a:t>Rowan </a:t>
+            </a:r>
+            <a:r>
+              <a:rPr lang="en-US" dirty="0" smtClean="0"/>
+              <a:t>Miller</a:t>
+            </a:r>
+          </a:p>
+          <a:p>
+            <a:r>
+              <a:rPr lang="en-US" dirty="0"/>
+              <a:t>Programming Entity Framework: Code First</a:t>
+            </a:r>
+            <a:br>
+              <a:rPr lang="en-US" dirty="0"/>
+            </a:br>
+            <a:r>
+              <a:rPr lang="en-US" dirty="0"/>
+              <a:t>Julia </a:t>
+            </a:r>
+            <a:r>
+              <a:rPr lang="en-US" dirty="0" err="1"/>
+              <a:t>Lerman</a:t>
+            </a:r>
+            <a:r>
+              <a:rPr lang="en-US" dirty="0"/>
+              <a:t>, Rowan Miller</a:t>
+            </a:r>
+            <a:br>
+              <a:rPr lang="en-US" dirty="0"/>
+            </a:br>
+            <a:r>
+              <a:rPr lang="en-US" dirty="0"/>
+              <a:t>Programming Entity Framework: Building Data Centric Apps with the ADO.NET Entity </a:t>
+            </a:r>
+            <a:r>
+              <a:rPr lang="en-US" dirty="0" smtClean="0"/>
+              <a:t>Framework</a:t>
+            </a:r>
+            <a:br>
+              <a:rPr lang="en-US" dirty="0" smtClean="0"/>
+            </a:br>
+            <a:r>
+              <a:rPr lang="en-US" dirty="0"/>
+              <a:t>Julia </a:t>
+            </a:r>
+            <a:r>
+              <a:rPr lang="en-US" dirty="0" err="1" smtClean="0"/>
+              <a:t>Lerman</a:t>
+            </a:r>
+            <a:endParaRPr lang="en-US" dirty="0" smtClean="0"/>
+          </a:p>
+          <a:p>
+            <a:r>
+              <a:rPr lang="en-US" dirty="0"/>
+              <a:t>Entity Framework 6 </a:t>
+            </a:r>
+            <a:r>
+              <a:rPr lang="en-US" dirty="0" smtClean="0"/>
+              <a:t>Recipes</a:t>
+            </a:r>
+            <a:br>
+              <a:rPr lang="en-US" dirty="0" smtClean="0"/>
+            </a:br>
+            <a:r>
+              <a:rPr lang="en-US" dirty="0" smtClean="0"/>
+              <a:t>Brian Driscoll</a:t>
+            </a:r>
+            <a:endParaRPr lang="ru-RU" dirty="0"/>
+          </a:p>
+        </p:txBody>
+      </p:sp>
+    </p:spTree>
+    <p:extLst>
+      <p:ext uri="{BB962C8B-B14F-4D97-AF65-F5344CB8AC3E}">
+        <p14:creationId xmlns:p14="http://schemas.microsoft.com/office/powerpoint/2010/main" val="589673823"/>
+      </p:ext>
+    </p:extLst>
+  </p:cSld>
+  <p:clrMapOvr>
+    <a:masterClrMapping/>
+  </p:clrMapOvr>
+  <mc:AlternateContent xmlns:mc="http://schemas.openxmlformats.org/markup-compatibility/2006">
+    <mc:Choice xmlns:p14="http://schemas.microsoft.com/office/powerpoint/2010/main" Requires="p14">
+      <p:transition spd="slow" p14:dur="2000"/>
+    </mc:Choice>
+    <mc:Fallback>
+      <p:transition spd="slow"/>
+    </mc:Fallback>
+  </mc:AlternateContent>
+</p:sld>
+</file>
+
+<file path=ppt/slides/slide16.xml><?xml version="1.0" encoding="utf-8"?>
 <p:sld xmlns:a="http://schemas.openxmlformats.org/drawingml/2006/main" xmlns:r="http://schemas.openxmlformats.org/officeDocument/2006/relationships" xmlns:p="http://schemas.openxmlformats.org/presentationml/2006/main">
   <p:cSld>
     <p:spTree>
@@ -4307,7 +4564,7 @@
     </p:spTree>
     <p:extLst>
       <p:ext uri="{BB962C8B-B14F-4D97-AF65-F5344CB8AC3E}">
-        <p14:creationId xmlns:p14="http://schemas.microsoft.com/office/powerpoint/2010/main" val="2493670811"/>
+        <p14:creationId xmlns:p14="http://schemas.microsoft.com/office/powerpoint/2010/main" val="1206248273"/>
       </p:ext>
     </p:extLst>
   </p:cSld>
@@ -4324,7 +4581,7 @@
 </p:sld>
 </file>
 
-<file path=ppt/slides/slide15.xml><?xml version="1.0" encoding="utf-8"?>
+<file path=ppt/slides/slide17.xml><?xml version="1.0" encoding="utf-8"?>
 <p:sld xmlns:a="http://schemas.openxmlformats.org/drawingml/2006/main" xmlns:r="http://schemas.openxmlformats.org/officeDocument/2006/relationships" xmlns:p="http://schemas.openxmlformats.org/presentationml/2006/main">
   <p:cSld>
     <p:spTree>
@@ -4505,7 +4762,7 @@
 </p:sld>
 </file>
 
-<file path=ppt/slides/slide16.xml><?xml version="1.0" encoding="utf-8"?>
+<file path=ppt/slides/slide18.xml><?xml version="1.0" encoding="utf-8"?>
 <p:sld xmlns:a="http://schemas.openxmlformats.org/drawingml/2006/main" xmlns:r="http://schemas.openxmlformats.org/officeDocument/2006/relationships" xmlns:p="http://schemas.openxmlformats.org/presentationml/2006/main">
   <p:cSld>
     <p:spTree>
@@ -4572,7 +4829,7 @@
 </p:sld>
 </file>
 
-<file path=ppt/slides/slide17.xml><?xml version="1.0" encoding="utf-8"?>
+<file path=ppt/slides/slide19.xml><?xml version="1.0" encoding="utf-8"?>
 <p:sld xmlns:a="http://schemas.openxmlformats.org/drawingml/2006/main" xmlns:r="http://schemas.openxmlformats.org/officeDocument/2006/relationships" xmlns:p="http://schemas.openxmlformats.org/presentationml/2006/main">
   <p:cSld>
     <p:spTree>
@@ -4719,106 +4976,6 @@
 </p:sld>
 </file>
 
-<file path=ppt/slides/slide18.xml><?xml version="1.0" encoding="utf-8"?>
-<p:sld xmlns:a="http://schemas.openxmlformats.org/drawingml/2006/main" xmlns:r="http://schemas.openxmlformats.org/officeDocument/2006/relationships" xmlns:p="http://schemas.openxmlformats.org/presentationml/2006/main">
-  <p:cSld>
-    <p:spTree>
-      <p:nvGrpSpPr>
-        <p:cNvPr id="1" name=""/>
-        <p:cNvGrpSpPr/>
-        <p:nvPr/>
-      </p:nvGrpSpPr>
-      <p:grpSpPr>
-        <a:xfrm>
-          <a:off x="0" y="0"/>
-          <a:ext cx="0" cy="0"/>
-          <a:chOff x="0" y="0"/>
-          <a:chExt cx="0" cy="0"/>
-        </a:xfrm>
-      </p:grpSpPr>
-      <p:sp>
-        <p:nvSpPr>
-          <p:cNvPr id="2" name="Title 1"/>
-          <p:cNvSpPr>
-            <a:spLocks noGrp="1"/>
-          </p:cNvSpPr>
-          <p:nvPr>
-            <p:ph type="title"/>
-          </p:nvPr>
-        </p:nvSpPr>
-        <p:spPr/>
-        <p:txBody>
-          <a:bodyPr/>
-          <a:lstStyle/>
-          <a:p>
-            <a:r>
-              <a:rPr lang="ru-RU" dirty="0"/>
-              <a:t>Бесплатные электронные книги</a:t>
-            </a:r>
-          </a:p>
-        </p:txBody>
-      </p:sp>
-      <p:sp>
-        <p:nvSpPr>
-          <p:cNvPr id="3" name="Content Placeholder 2"/>
-          <p:cNvSpPr>
-            <a:spLocks noGrp="1"/>
-          </p:cNvSpPr>
-          <p:nvPr>
-            <p:ph idx="1"/>
-          </p:nvPr>
-        </p:nvSpPr>
-        <p:spPr/>
-        <p:txBody>
-          <a:bodyPr>
-            <a:normAutofit/>
-          </a:bodyPr>
-          <a:lstStyle/>
-          <a:p>
-            <a:r>
-              <a:rPr lang="ru-RU" sz="2800" dirty="0"/>
-              <a:t>Виртуальная академия </a:t>
-            </a:r>
-            <a:r>
-              <a:rPr lang="en-US" sz="2800" dirty="0" smtClean="0"/>
-              <a:t>Microsoft</a:t>
-            </a:r>
-            <a:r>
-              <a:rPr lang="ru-RU" sz="2800" dirty="0" smtClean="0"/>
-              <a:t/>
-            </a:r>
-            <a:br>
-              <a:rPr lang="ru-RU" sz="2800" dirty="0" smtClean="0"/>
-            </a:br>
-            <a:r>
-              <a:rPr lang="en-US" sz="2800" dirty="0" smtClean="0">
-                <a:hlinkClick r:id="rId2"/>
-              </a:rPr>
-              <a:t>http</a:t>
-            </a:r>
-            <a:r>
-              <a:rPr lang="en-US" sz="2800" dirty="0">
-                <a:hlinkClick r:id="rId2"/>
-              </a:rPr>
-              <a:t>://www.microsoftvirtualacademy.com/ebooks</a:t>
-            </a:r>
-            <a:endParaRPr lang="ru-RU" sz="2800" dirty="0"/>
-          </a:p>
-        </p:txBody>
-      </p:sp>
-    </p:spTree>
-    <p:extLst>
-      <p:ext uri="{BB962C8B-B14F-4D97-AF65-F5344CB8AC3E}">
-        <p14:creationId xmlns:p14="http://schemas.microsoft.com/office/powerpoint/2010/main" val="2763383620"/>
-      </p:ext>
-    </p:extLst>
-  </p:cSld>
-  <p:clrMapOvr>
-    <a:masterClrMapping/>
-  </p:clrMapOvr>
-</p:sld>
-</file>
-
 <file path=ppt/slides/slide2.xml><?xml version="1.0" encoding="utf-8"?>
 <p:sld xmlns:a="http://schemas.openxmlformats.org/drawingml/2006/main" xmlns:r="http://schemas.openxmlformats.org/officeDocument/2006/relationships" xmlns:p="http://schemas.openxmlformats.org/presentationml/2006/main">
   <p:cSld>
@@ -4995,6 +5152,106 @@
       </p:par>
     </p:tnLst>
   </p:timing>
+</p:sld>
+</file>
+
+<file path=ppt/slides/slide20.xml><?xml version="1.0" encoding="utf-8"?>
+<p:sld xmlns:a="http://schemas.openxmlformats.org/drawingml/2006/main" xmlns:r="http://schemas.openxmlformats.org/officeDocument/2006/relationships" xmlns:p="http://schemas.openxmlformats.org/presentationml/2006/main">
+  <p:cSld>
+    <p:spTree>
+      <p:nvGrpSpPr>
+        <p:cNvPr id="1" name=""/>
+        <p:cNvGrpSpPr/>
+        <p:nvPr/>
+      </p:nvGrpSpPr>
+      <p:grpSpPr>
+        <a:xfrm>
+          <a:off x="0" y="0"/>
+          <a:ext cx="0" cy="0"/>
+          <a:chOff x="0" y="0"/>
+          <a:chExt cx="0" cy="0"/>
+        </a:xfrm>
+      </p:grpSpPr>
+      <p:sp>
+        <p:nvSpPr>
+          <p:cNvPr id="2" name="Title 1"/>
+          <p:cNvSpPr>
+            <a:spLocks noGrp="1"/>
+          </p:cNvSpPr>
+          <p:nvPr>
+            <p:ph type="title"/>
+          </p:nvPr>
+        </p:nvSpPr>
+        <p:spPr/>
+        <p:txBody>
+          <a:bodyPr/>
+          <a:lstStyle/>
+          <a:p>
+            <a:r>
+              <a:rPr lang="ru-RU" dirty="0"/>
+              <a:t>Бесплатные электронные книги</a:t>
+            </a:r>
+          </a:p>
+        </p:txBody>
+      </p:sp>
+      <p:sp>
+        <p:nvSpPr>
+          <p:cNvPr id="3" name="Content Placeholder 2"/>
+          <p:cNvSpPr>
+            <a:spLocks noGrp="1"/>
+          </p:cNvSpPr>
+          <p:nvPr>
+            <p:ph idx="1"/>
+          </p:nvPr>
+        </p:nvSpPr>
+        <p:spPr/>
+        <p:txBody>
+          <a:bodyPr>
+            <a:normAutofit/>
+          </a:bodyPr>
+          <a:lstStyle/>
+          <a:p>
+            <a:r>
+              <a:rPr lang="ru-RU" sz="2800" dirty="0"/>
+              <a:t>Виртуальная академия </a:t>
+            </a:r>
+            <a:r>
+              <a:rPr lang="en-US" sz="2800" dirty="0" smtClean="0"/>
+              <a:t>Microsoft</a:t>
+            </a:r>
+            <a:r>
+              <a:rPr lang="ru-RU" sz="2800" dirty="0" smtClean="0"/>
+              <a:t/>
+            </a:r>
+            <a:br>
+              <a:rPr lang="ru-RU" sz="2800" dirty="0" smtClean="0"/>
+            </a:br>
+            <a:r>
+              <a:rPr lang="en-US" sz="2800" dirty="0" smtClean="0">
+                <a:hlinkClick r:id="rId2"/>
+              </a:rPr>
+              <a:t>http</a:t>
+            </a:r>
+            <a:r>
+              <a:rPr lang="en-US" sz="2800" dirty="0">
+                <a:hlinkClick r:id="rId2"/>
+              </a:rPr>
+              <a:t>://www.microsoftvirtualacademy.com/ebooks</a:t>
+            </a:r>
+            <a:endParaRPr lang="ru-RU" sz="2800" dirty="0"/>
+          </a:p>
+        </p:txBody>
+      </p:sp>
+    </p:spTree>
+    <p:extLst>
+      <p:ext uri="{BB962C8B-B14F-4D97-AF65-F5344CB8AC3E}">
+        <p14:creationId xmlns:p14="http://schemas.microsoft.com/office/powerpoint/2010/main" val="2763383620"/>
+      </p:ext>
+    </p:extLst>
+  </p:cSld>
+  <p:clrMapOvr>
+    <a:masterClrMapping/>
+  </p:clrMapOvr>
 </p:sld>
 </file>
 

--- a/Presentation/books-to-read.pptx
+++ b/Presentation/books-to-read.pptx
@@ -5,29 +5,30 @@
     <p:sldMasterId id="2147483648" r:id="rId1"/>
   </p:sldMasterIdLst>
   <p:notesMasterIdLst>
-    <p:notesMasterId r:id="rId22"/>
+    <p:notesMasterId r:id="rId23"/>
   </p:notesMasterIdLst>
   <p:sldIdLst>
     <p:sldId id="258" r:id="rId2"/>
     <p:sldId id="269" r:id="rId3"/>
     <p:sldId id="270" r:id="rId4"/>
-    <p:sldId id="277" r:id="rId5"/>
-    <p:sldId id="271" r:id="rId6"/>
-    <p:sldId id="265" r:id="rId7"/>
-    <p:sldId id="268" r:id="rId8"/>
-    <p:sldId id="279" r:id="rId9"/>
-    <p:sldId id="278" r:id="rId10"/>
-    <p:sldId id="272" r:id="rId11"/>
-    <p:sldId id="259" r:id="rId12"/>
-    <p:sldId id="262" r:id="rId13"/>
-    <p:sldId id="260" r:id="rId14"/>
-    <p:sldId id="263" r:id="rId15"/>
-    <p:sldId id="281" r:id="rId16"/>
-    <p:sldId id="280" r:id="rId17"/>
-    <p:sldId id="264" r:id="rId18"/>
-    <p:sldId id="261" r:id="rId19"/>
-    <p:sldId id="275" r:id="rId20"/>
-    <p:sldId id="276" r:id="rId21"/>
+    <p:sldId id="282" r:id="rId5"/>
+    <p:sldId id="277" r:id="rId6"/>
+    <p:sldId id="271" r:id="rId7"/>
+    <p:sldId id="265" r:id="rId8"/>
+    <p:sldId id="268" r:id="rId9"/>
+    <p:sldId id="279" r:id="rId10"/>
+    <p:sldId id="278" r:id="rId11"/>
+    <p:sldId id="272" r:id="rId12"/>
+    <p:sldId id="259" r:id="rId13"/>
+    <p:sldId id="262" r:id="rId14"/>
+    <p:sldId id="260" r:id="rId15"/>
+    <p:sldId id="263" r:id="rId16"/>
+    <p:sldId id="281" r:id="rId17"/>
+    <p:sldId id="280" r:id="rId18"/>
+    <p:sldId id="264" r:id="rId19"/>
+    <p:sldId id="261" r:id="rId20"/>
+    <p:sldId id="275" r:id="rId21"/>
+    <p:sldId id="276" r:id="rId22"/>
   </p:sldIdLst>
   <p:sldSz cx="9144000" cy="6858000" type="screen4x3"/>
   <p:notesSz cx="6858000" cy="9144000"/>
@@ -211,7 +212,7 @@
           <a:p>
             <a:fld id="{B24A7054-7FFB-49F4-A126-5DF6E687FF53}" type="datetimeFigureOut">
               <a:rPr lang="ru-RU" smtClean="0"/>
-              <a:t>19.09.2014</a:t>
+              <a:t>14.02.2015</a:t>
             </a:fld>
             <a:endParaRPr lang="ru-RU"/>
           </a:p>
@@ -1493,7 +1494,7 @@
           <a:p>
             <a:fld id="{8E6E6A2A-E9D3-4A0D-B04A-ABDD367A1E08}" type="datetimeFigureOut">
               <a:rPr lang="ru-RU" smtClean="0"/>
-              <a:t>19.09.2014</a:t>
+              <a:t>14.02.2015</a:t>
             </a:fld>
             <a:endParaRPr lang="ru-RU"/>
           </a:p>
@@ -2938,7 +2939,7 @@
           <a:p>
             <a:fld id="{AC3D3127-B7C4-45E3-9797-C527EC9FDD78}" type="datetimeFigureOut">
               <a:rPr lang="ru-RU" smtClean="0"/>
-              <a:t>19.09.2014</a:t>
+              <a:t>14.02.2015</a:t>
             </a:fld>
             <a:endParaRPr lang="ru-RU"/>
           </a:p>
@@ -3523,6 +3524,230 @@
 </file>
 
 <file path=ppt/slides/slide10.xml><?xml version="1.0" encoding="utf-8"?>
+<p:sld xmlns:a="http://schemas.openxmlformats.org/drawingml/2006/main" xmlns:r="http://schemas.openxmlformats.org/officeDocument/2006/relationships" xmlns:p="http://schemas.openxmlformats.org/presentationml/2006/main" show="0">
+  <p:cSld>
+    <p:spTree>
+      <p:nvGrpSpPr>
+        <p:cNvPr id="1" name=""/>
+        <p:cNvGrpSpPr/>
+        <p:nvPr/>
+      </p:nvGrpSpPr>
+      <p:grpSpPr>
+        <a:xfrm>
+          <a:off x="0" y="0"/>
+          <a:ext cx="0" cy="0"/>
+          <a:chOff x="0" y="0"/>
+          <a:chExt cx="0" cy="0"/>
+        </a:xfrm>
+      </p:grpSpPr>
+      <p:sp>
+        <p:nvSpPr>
+          <p:cNvPr id="2" name="Title 1"/>
+          <p:cNvSpPr>
+            <a:spLocks noGrp="1"/>
+          </p:cNvSpPr>
+          <p:nvPr>
+            <p:ph type="title"/>
+          </p:nvPr>
+        </p:nvSpPr>
+        <p:spPr>
+          <a:noFill/>
+          <a:ln>
+            <a:solidFill>
+              <a:schemeClr val="tx1"/>
+            </a:solidFill>
+          </a:ln>
+        </p:spPr>
+        <p:txBody>
+          <a:bodyPr>
+            <a:noAutofit/>
+          </a:bodyPr>
+          <a:lstStyle/>
+          <a:p>
+            <a:r>
+              <a:rPr lang="ru-RU" sz="2400" i="1" dirty="0">
+                <a:solidFill>
+                  <a:srgbClr val="FFFF00"/>
+                </a:solidFill>
+              </a:rPr>
+              <a:t>Паттерны проектирования</a:t>
+            </a:r>
+            <a:r>
+              <a:rPr lang="en-US" sz="2400" i="1" dirty="0" smtClean="0"/>
+              <a:t/>
+            </a:r>
+            <a:br>
+              <a:rPr lang="en-US" sz="2400" i="1" dirty="0" smtClean="0"/>
+            </a:br>
+            <a:r>
+              <a:rPr lang="ru-RU" sz="2400" dirty="0"/>
+              <a:t>Эрик </a:t>
+            </a:r>
+            <a:r>
+              <a:rPr lang="ru-RU" sz="2400" dirty="0" smtClean="0"/>
+              <a:t>Фримен</a:t>
+            </a:r>
+            <a:r>
+              <a:rPr lang="en-US" sz="2400" dirty="0" smtClean="0"/>
+              <a:t>, </a:t>
+            </a:r>
+            <a:r>
+              <a:rPr lang="ru-RU" sz="2400" dirty="0"/>
+              <a:t>Элизабет </a:t>
+            </a:r>
+            <a:r>
+              <a:rPr lang="ru-RU" sz="2400" dirty="0" smtClean="0"/>
+              <a:t>Фримен</a:t>
+            </a:r>
+            <a:r>
+              <a:rPr lang="en-US" sz="2400" dirty="0" smtClean="0"/>
+              <a:t>, </a:t>
+            </a:r>
+            <a:r>
+              <a:rPr lang="ru-RU" sz="2400" dirty="0"/>
+              <a:t>Кэтти </a:t>
+            </a:r>
+            <a:r>
+              <a:rPr lang="ru-RU" sz="2400" dirty="0" smtClean="0"/>
+              <a:t>Сьерра</a:t>
+            </a:r>
+            <a:r>
+              <a:rPr lang="en-US" sz="2400" dirty="0" smtClean="0"/>
+              <a:t>, </a:t>
+            </a:r>
+            <a:r>
+              <a:rPr lang="ru-RU" sz="2400" dirty="0"/>
+              <a:t>Берт </a:t>
+            </a:r>
+            <a:r>
+              <a:rPr lang="ru-RU" sz="2400" dirty="0" smtClean="0"/>
+              <a:t>Бейтс</a:t>
+            </a:r>
+            <a:endParaRPr lang="ru-RU" sz="2400" dirty="0"/>
+          </a:p>
+        </p:txBody>
+      </p:sp>
+      <p:sp>
+        <p:nvSpPr>
+          <p:cNvPr id="3" name="Content Placeholder 2"/>
+          <p:cNvSpPr>
+            <a:spLocks noGrp="1"/>
+          </p:cNvSpPr>
+          <p:nvPr>
+            <p:ph idx="1"/>
+          </p:nvPr>
+        </p:nvSpPr>
+        <p:spPr>
+          <a:xfrm>
+            <a:off x="3131840" y="1600200"/>
+            <a:ext cx="5554960" cy="4525963"/>
+          </a:xfrm>
+        </p:spPr>
+        <p:txBody>
+          <a:bodyPr anchor="t" anchorCtr="0">
+            <a:normAutofit/>
+          </a:bodyPr>
+          <a:lstStyle/>
+          <a:p>
+            <a:pPr marL="0" indent="0">
+              <a:buNone/>
+            </a:pPr>
+            <a:r>
+              <a:rPr lang="en-US" dirty="0" smtClean="0"/>
+              <a:t>....</a:t>
+            </a:r>
+          </a:p>
+          <a:p>
+            <a:pPr marL="0" indent="0">
+              <a:buNone/>
+            </a:pPr>
+            <a:endParaRPr lang="en-US" dirty="0"/>
+          </a:p>
+          <a:p>
+            <a:pPr marL="0" indent="0">
+              <a:buNone/>
+            </a:pPr>
+            <a:r>
+              <a:rPr lang="en-US" dirty="0">
+                <a:hlinkClick r:id="rId2"/>
+              </a:rPr>
+              <a:t>http://</a:t>
+            </a:r>
+            <a:r>
+              <a:rPr lang="en-US" dirty="0" smtClean="0">
+                <a:hlinkClick r:id="rId2"/>
+              </a:rPr>
+              <a:t>oz.by/books/more10182766.html</a:t>
+            </a:r>
+            <a:endParaRPr lang="en-US" dirty="0" smtClean="0"/>
+          </a:p>
+          <a:p>
+            <a:pPr marL="0" indent="0">
+              <a:buNone/>
+            </a:pPr>
+            <a:endParaRPr lang="ru-RU" dirty="0"/>
+          </a:p>
+        </p:txBody>
+      </p:sp>
+      <p:pic>
+        <p:nvPicPr>
+          <p:cNvPr id="5" name="Picture 4"/>
+          <p:cNvPicPr>
+            <a:picLocks noChangeAspect="1"/>
+          </p:cNvPicPr>
+          <p:nvPr/>
+        </p:nvPicPr>
+        <p:blipFill>
+          <a:blip r:embed="rId3">
+            <a:extLst>
+              <a:ext uri="{28A0092B-C50C-407E-A947-70E740481C1C}">
+                <a14:useLocalDpi xmlns:a14="http://schemas.microsoft.com/office/drawing/2010/main" val="0"/>
+              </a:ext>
+            </a:extLst>
+          </a:blip>
+          <a:stretch>
+            <a:fillRect/>
+          </a:stretch>
+        </p:blipFill>
+        <p:spPr>
+          <a:xfrm>
+            <a:off x="467544" y="1600200"/>
+            <a:ext cx="2520000" cy="2910600"/>
+          </a:xfrm>
+          <a:prstGeom prst="rect">
+            <a:avLst/>
+          </a:prstGeom>
+        </p:spPr>
+      </p:pic>
+    </p:spTree>
+    <p:extLst>
+      <p:ext uri="{BB962C8B-B14F-4D97-AF65-F5344CB8AC3E}">
+        <p14:creationId xmlns:p14="http://schemas.microsoft.com/office/powerpoint/2010/main" val="1722243663"/>
+      </p:ext>
+    </p:extLst>
+  </p:cSld>
+  <p:clrMapOvr>
+    <a:masterClrMapping/>
+  </p:clrMapOvr>
+  <mc:AlternateContent xmlns:mc="http://schemas.openxmlformats.org/markup-compatibility/2006" xmlns:p14="http://schemas.microsoft.com/office/powerpoint/2010/main">
+    <mc:Choice Requires="p14">
+      <p:transition spd="slow" p14:dur="2000"/>
+    </mc:Choice>
+    <mc:Fallback xmlns="">
+      <p:transition spd="slow"/>
+    </mc:Fallback>
+  </mc:AlternateContent>
+  <p:timing>
+    <p:tnLst>
+      <p:par>
+        <p:cTn id="1" dur="indefinite" restart="never" nodeType="tmRoot"/>
+      </p:par>
+    </p:tnLst>
+  </p:timing>
+</p:sld>
+</file>
+
+<file path=ppt/slides/slide11.xml><?xml version="1.0" encoding="utf-8"?>
 <p:sld xmlns:a="http://schemas.openxmlformats.org/drawingml/2006/main" xmlns:r="http://schemas.openxmlformats.org/officeDocument/2006/relationships" xmlns:p="http://schemas.openxmlformats.org/presentationml/2006/main">
   <p:cSld>
     <p:spTree>
@@ -3721,7 +3946,7 @@
 </p:sld>
 </file>
 
-<file path=ppt/slides/slide11.xml><?xml version="1.0" encoding="utf-8"?>
+<file path=ppt/slides/slide12.xml><?xml version="1.0" encoding="utf-8"?>
 <p:sld xmlns:a="http://schemas.openxmlformats.org/drawingml/2006/main" xmlns:r="http://schemas.openxmlformats.org/officeDocument/2006/relationships" xmlns:p="http://schemas.openxmlformats.org/presentationml/2006/main">
   <p:cSld>
     <p:spTree>
@@ -3786,7 +4011,7 @@
 </p:sld>
 </file>
 
-<file path=ppt/slides/slide12.xml><?xml version="1.0" encoding="utf-8"?>
+<file path=ppt/slides/slide13.xml><?xml version="1.0" encoding="utf-8"?>
 <p:sld xmlns:a="http://schemas.openxmlformats.org/drawingml/2006/main" xmlns:r="http://schemas.openxmlformats.org/officeDocument/2006/relationships" xmlns:p="http://schemas.openxmlformats.org/presentationml/2006/main">
   <p:cSld>
     <p:spTree>
@@ -4075,7 +4300,7 @@
 </p:sld>
 </file>
 
-<file path=ppt/slides/slide13.xml><?xml version="1.0" encoding="utf-8"?>
+<file path=ppt/slides/slide14.xml><?xml version="1.0" encoding="utf-8"?>
 <p:sld xmlns:a="http://schemas.openxmlformats.org/drawingml/2006/main" xmlns:r="http://schemas.openxmlformats.org/officeDocument/2006/relationships" xmlns:p="http://schemas.openxmlformats.org/presentationml/2006/main">
   <p:cSld>
     <p:spTree>
@@ -4261,83 +4486,6 @@
 </p:sld>
 </file>
 
-<file path=ppt/slides/slide14.xml><?xml version="1.0" encoding="utf-8"?>
-<p:sld xmlns:a="http://schemas.openxmlformats.org/drawingml/2006/main" xmlns:r="http://schemas.openxmlformats.org/officeDocument/2006/relationships" xmlns:p="http://schemas.openxmlformats.org/presentationml/2006/main" show="0">
-  <p:cSld>
-    <p:spTree>
-      <p:nvGrpSpPr>
-        <p:cNvPr id="1" name=""/>
-        <p:cNvGrpSpPr/>
-        <p:nvPr/>
-      </p:nvGrpSpPr>
-      <p:grpSpPr>
-        <a:xfrm>
-          <a:off x="0" y="0"/>
-          <a:ext cx="0" cy="0"/>
-          <a:chOff x="0" y="0"/>
-          <a:chExt cx="0" cy="0"/>
-        </a:xfrm>
-      </p:grpSpPr>
-      <p:sp>
-        <p:nvSpPr>
-          <p:cNvPr id="2" name="Title 1"/>
-          <p:cNvSpPr>
-            <a:spLocks noGrp="1"/>
-          </p:cNvSpPr>
-          <p:nvPr>
-            <p:ph type="title"/>
-          </p:nvPr>
-        </p:nvSpPr>
-        <p:spPr>
-          <a:xfrm>
-            <a:off x="457200" y="2857500"/>
-            <a:ext cx="8229600" cy="1143000"/>
-          </a:xfrm>
-        </p:spPr>
-        <p:txBody>
-          <a:bodyPr/>
-          <a:lstStyle/>
-          <a:p>
-            <a:r>
-              <a:rPr lang="en-US" dirty="0" smtClean="0"/>
-              <a:t>ADO.NET / </a:t>
-            </a:r>
-            <a:r>
-              <a:rPr lang="en-US" dirty="0" err="1" smtClean="0"/>
-              <a:t>EntityFramework</a:t>
-            </a:r>
-            <a:endParaRPr lang="ru-RU" dirty="0"/>
-          </a:p>
-        </p:txBody>
-      </p:sp>
-    </p:spTree>
-    <p:extLst>
-      <p:ext uri="{BB962C8B-B14F-4D97-AF65-F5344CB8AC3E}">
-        <p14:creationId xmlns:p14="http://schemas.microsoft.com/office/powerpoint/2010/main" val="2493670811"/>
-      </p:ext>
-    </p:extLst>
-  </p:cSld>
-  <p:clrMapOvr>
-    <a:masterClrMapping/>
-  </p:clrMapOvr>
-  <mc:AlternateContent xmlns:mc="http://schemas.openxmlformats.org/markup-compatibility/2006">
-    <mc:Choice xmlns:p14="http://schemas.microsoft.com/office/powerpoint/2010/main" Requires="p14">
-      <p:transition spd="slow" p14:dur="2000"/>
-    </mc:Choice>
-    <mc:Fallback>
-      <p:transition spd="slow"/>
-    </mc:Fallback>
-  </mc:AlternateContent>
-  <p:timing>
-    <p:tnLst>
-      <p:par>
-        <p:cTn id="1" dur="indefinite" restart="never" nodeType="tmRoot"/>
-      </p:par>
-    </p:tnLst>
-  </p:timing>
-</p:sld>
-</file>
-
 <file path=ppt/slides/slide15.xml><?xml version="1.0" encoding="utf-8"?>
 <p:sld xmlns:a="http://schemas.openxmlformats.org/drawingml/2006/main" xmlns:r="http://schemas.openxmlformats.org/officeDocument/2006/relationships" xmlns:p="http://schemas.openxmlformats.org/presentationml/2006/main" show="0">
   <p:cSld>
@@ -4365,6 +4513,83 @@
             <p:ph type="title"/>
           </p:nvPr>
         </p:nvSpPr>
+        <p:spPr>
+          <a:xfrm>
+            <a:off x="457200" y="2857500"/>
+            <a:ext cx="8229600" cy="1143000"/>
+          </a:xfrm>
+        </p:spPr>
+        <p:txBody>
+          <a:bodyPr/>
+          <a:lstStyle/>
+          <a:p>
+            <a:r>
+              <a:rPr lang="en-US" dirty="0" smtClean="0"/>
+              <a:t>ADO.NET / </a:t>
+            </a:r>
+            <a:r>
+              <a:rPr lang="en-US" dirty="0" err="1" smtClean="0"/>
+              <a:t>EntityFramework</a:t>
+            </a:r>
+            <a:endParaRPr lang="ru-RU" dirty="0"/>
+          </a:p>
+        </p:txBody>
+      </p:sp>
+    </p:spTree>
+    <p:extLst>
+      <p:ext uri="{BB962C8B-B14F-4D97-AF65-F5344CB8AC3E}">
+        <p14:creationId xmlns:p14="http://schemas.microsoft.com/office/powerpoint/2010/main" val="2493670811"/>
+      </p:ext>
+    </p:extLst>
+  </p:cSld>
+  <p:clrMapOvr>
+    <a:masterClrMapping/>
+  </p:clrMapOvr>
+  <mc:AlternateContent xmlns:mc="http://schemas.openxmlformats.org/markup-compatibility/2006" xmlns:p14="http://schemas.microsoft.com/office/powerpoint/2010/main">
+    <mc:Choice Requires="p14">
+      <p:transition spd="slow" p14:dur="2000"/>
+    </mc:Choice>
+    <mc:Fallback xmlns="">
+      <p:transition spd="slow"/>
+    </mc:Fallback>
+  </mc:AlternateContent>
+  <p:timing>
+    <p:tnLst>
+      <p:par>
+        <p:cTn id="1" dur="indefinite" restart="never" nodeType="tmRoot"/>
+      </p:par>
+    </p:tnLst>
+  </p:timing>
+</p:sld>
+</file>
+
+<file path=ppt/slides/slide16.xml><?xml version="1.0" encoding="utf-8"?>
+<p:sld xmlns:a="http://schemas.openxmlformats.org/drawingml/2006/main" xmlns:r="http://schemas.openxmlformats.org/officeDocument/2006/relationships" xmlns:p="http://schemas.openxmlformats.org/presentationml/2006/main" show="0">
+  <p:cSld>
+    <p:spTree>
+      <p:nvGrpSpPr>
+        <p:cNvPr id="1" name=""/>
+        <p:cNvGrpSpPr/>
+        <p:nvPr/>
+      </p:nvGrpSpPr>
+      <p:grpSpPr>
+        <a:xfrm>
+          <a:off x="0" y="0"/>
+          <a:ext cx="0" cy="0"/>
+          <a:chOff x="0" y="0"/>
+          <a:chExt cx="0" cy="0"/>
+        </a:xfrm>
+      </p:grpSpPr>
+      <p:sp>
+        <p:nvSpPr>
+          <p:cNvPr id="2" name="Title 1"/>
+          <p:cNvSpPr>
+            <a:spLocks noGrp="1"/>
+          </p:cNvSpPr>
+          <p:nvPr>
+            <p:ph type="title"/>
+          </p:nvPr>
+        </p:nvSpPr>
         <p:spPr/>
         <p:txBody>
           <a:bodyPr/>
@@ -4505,18 +4730,18 @@
   <p:clrMapOvr>
     <a:masterClrMapping/>
   </p:clrMapOvr>
-  <mc:AlternateContent xmlns:mc="http://schemas.openxmlformats.org/markup-compatibility/2006">
-    <mc:Choice xmlns:p14="http://schemas.microsoft.com/office/powerpoint/2010/main" Requires="p14">
+  <mc:AlternateContent xmlns:mc="http://schemas.openxmlformats.org/markup-compatibility/2006" xmlns:p14="http://schemas.microsoft.com/office/powerpoint/2010/main">
+    <mc:Choice Requires="p14">
       <p:transition spd="slow" p14:dur="2000"/>
     </mc:Choice>
-    <mc:Fallback>
+    <mc:Fallback xmlns="">
       <p:transition spd="slow"/>
     </mc:Fallback>
   </mc:AlternateContent>
 </p:sld>
 </file>
 
-<file path=ppt/slides/slide16.xml><?xml version="1.0" encoding="utf-8"?>
+<file path=ppt/slides/slide17.xml><?xml version="1.0" encoding="utf-8"?>
 <p:sld xmlns:a="http://schemas.openxmlformats.org/drawingml/2006/main" xmlns:r="http://schemas.openxmlformats.org/officeDocument/2006/relationships" xmlns:p="http://schemas.openxmlformats.org/presentationml/2006/main">
   <p:cSld>
     <p:spTree>
@@ -4581,7 +4806,7 @@
 </p:sld>
 </file>
 
-<file path=ppt/slides/slide17.xml><?xml version="1.0" encoding="utf-8"?>
+<file path=ppt/slides/slide18.xml><?xml version="1.0" encoding="utf-8"?>
 <p:sld xmlns:a="http://schemas.openxmlformats.org/drawingml/2006/main" xmlns:r="http://schemas.openxmlformats.org/officeDocument/2006/relationships" xmlns:p="http://schemas.openxmlformats.org/presentationml/2006/main">
   <p:cSld>
     <p:spTree>
@@ -4762,73 +4987,6 @@
 </p:sld>
 </file>
 
-<file path=ppt/slides/slide18.xml><?xml version="1.0" encoding="utf-8"?>
-<p:sld xmlns:a="http://schemas.openxmlformats.org/drawingml/2006/main" xmlns:r="http://schemas.openxmlformats.org/officeDocument/2006/relationships" xmlns:p="http://schemas.openxmlformats.org/presentationml/2006/main">
-  <p:cSld>
-    <p:spTree>
-      <p:nvGrpSpPr>
-        <p:cNvPr id="1" name=""/>
-        <p:cNvGrpSpPr/>
-        <p:nvPr/>
-      </p:nvGrpSpPr>
-      <p:grpSpPr>
-        <a:xfrm>
-          <a:off x="0" y="0"/>
-          <a:ext cx="0" cy="0"/>
-          <a:chOff x="0" y="0"/>
-          <a:chExt cx="0" cy="0"/>
-        </a:xfrm>
-      </p:grpSpPr>
-      <p:sp>
-        <p:nvSpPr>
-          <p:cNvPr id="2" name="Title 1"/>
-          <p:cNvSpPr>
-            <a:spLocks noGrp="1"/>
-          </p:cNvSpPr>
-          <p:nvPr>
-            <p:ph type="title"/>
-          </p:nvPr>
-        </p:nvSpPr>
-        <p:spPr>
-          <a:xfrm>
-            <a:off x="457200" y="2459174"/>
-            <a:ext cx="8229600" cy="1939652"/>
-          </a:xfrm>
-        </p:spPr>
-        <p:txBody>
-          <a:bodyPr>
-            <a:normAutofit/>
-          </a:bodyPr>
-          <a:lstStyle/>
-          <a:p>
-            <a:r>
-              <a:rPr lang="ru-RU" dirty="0" smtClean="0"/>
-              <a:t>Другое</a:t>
-            </a:r>
-            <a:endParaRPr lang="ru-RU" dirty="0"/>
-          </a:p>
-        </p:txBody>
-      </p:sp>
-    </p:spTree>
-    <p:extLst>
-      <p:ext uri="{BB962C8B-B14F-4D97-AF65-F5344CB8AC3E}">
-        <p14:creationId xmlns:p14="http://schemas.microsoft.com/office/powerpoint/2010/main" val="941366620"/>
-      </p:ext>
-    </p:extLst>
-  </p:cSld>
-  <p:clrMapOvr>
-    <a:masterClrMapping/>
-  </p:clrMapOvr>
-  <p:timing>
-    <p:tnLst>
-      <p:par>
-        <p:cTn id="1" dur="indefinite" restart="never" nodeType="tmRoot"/>
-      </p:par>
-    </p:tnLst>
-  </p:timing>
-</p:sld>
-</file>
-
 <file path=ppt/slides/slide19.xml><?xml version="1.0" encoding="utf-8"?>
 <p:sld xmlns:a="http://schemas.openxmlformats.org/drawingml/2006/main" xmlns:r="http://schemas.openxmlformats.org/officeDocument/2006/relationships" xmlns:p="http://schemas.openxmlformats.org/presentationml/2006/main">
   <p:cSld>
@@ -4857,109 +5015,29 @@
           </p:nvPr>
         </p:nvSpPr>
         <p:spPr>
-          <a:noFill/>
-          <a:ln>
-            <a:solidFill>
-              <a:schemeClr val="tx1"/>
-            </a:solidFill>
-          </a:ln>
+          <a:xfrm>
+            <a:off x="457200" y="2459174"/>
+            <a:ext cx="8229600" cy="1939652"/>
+          </a:xfrm>
         </p:spPr>
         <p:txBody>
           <a:bodyPr>
-            <a:noAutofit/>
-          </a:bodyPr>
-          <a:lstStyle/>
-          <a:p>
-            <a:r>
-              <a:rPr lang="en-US" sz="2400" i="1" dirty="0">
-                <a:solidFill>
-                  <a:srgbClr val="FFFF00"/>
-                </a:solidFill>
-              </a:rPr>
-              <a:t>Pragmatic Thinking and Learning: Refactor Your Wetware</a:t>
-            </a:r>
-            <a:r>
-              <a:rPr lang="en-US" sz="2400" dirty="0" smtClean="0"/>
-              <a:t/>
-            </a:r>
-            <a:br>
-              <a:rPr lang="en-US" sz="2400" dirty="0" smtClean="0"/>
-            </a:br>
-            <a:r>
-              <a:rPr lang="en-US" sz="2400" dirty="0" smtClean="0"/>
-              <a:t>Andy Hunt</a:t>
-            </a:r>
-            <a:endParaRPr lang="ru-RU" sz="2400" dirty="0"/>
-          </a:p>
-        </p:txBody>
-      </p:sp>
-      <p:sp>
-        <p:nvSpPr>
-          <p:cNvPr id="3" name="Content Placeholder 2"/>
-          <p:cNvSpPr>
-            <a:spLocks noGrp="1"/>
-          </p:cNvSpPr>
-          <p:nvPr>
-            <p:ph idx="1"/>
-          </p:nvPr>
-        </p:nvSpPr>
-        <p:spPr>
-          <a:xfrm>
-            <a:off x="3131840" y="1568450"/>
-            <a:ext cx="5554960" cy="4525963"/>
-          </a:xfrm>
-        </p:spPr>
-        <p:txBody>
-          <a:bodyPr anchor="t" anchorCtr="0">
             <a:normAutofit/>
           </a:bodyPr>
           <a:lstStyle/>
           <a:p>
-            <a:pPr marL="0" indent="0">
-              <a:buNone/>
-            </a:pPr>
-            <a:r>
-              <a:rPr lang="ru-RU" sz="2800" dirty="0" smtClean="0"/>
-              <a:t>Учит использовать свой мозг более эффективно.</a:t>
-            </a:r>
-            <a:endParaRPr lang="ru-RU" sz="2800" dirty="0"/>
-          </a:p>
-        </p:txBody>
-      </p:sp>
-      <p:pic>
-        <p:nvPicPr>
-          <p:cNvPr id="5" name="Picture 4"/>
-          <p:cNvPicPr>
-            <a:picLocks noChangeAspect="1"/>
-          </p:cNvPicPr>
-          <p:nvPr/>
-        </p:nvPicPr>
-        <p:blipFill>
-          <a:blip r:embed="rId2">
-            <a:extLst>
-              <a:ext uri="{28A0092B-C50C-407E-A947-70E740481C1C}">
-                <a14:useLocalDpi xmlns:a14="http://schemas.microsoft.com/office/drawing/2010/main" val="0"/>
-              </a:ext>
-            </a:extLst>
-          </a:blip>
-          <a:stretch>
-            <a:fillRect/>
-          </a:stretch>
-        </p:blipFill>
-        <p:spPr>
-          <a:xfrm>
-            <a:off x="467544" y="1568449"/>
-            <a:ext cx="2520000" cy="3014308"/>
-          </a:xfrm>
-          <a:prstGeom prst="rect">
-            <a:avLst/>
-          </a:prstGeom>
-        </p:spPr>
-      </p:pic>
+            <a:r>
+              <a:rPr lang="ru-RU" dirty="0" smtClean="0"/>
+              <a:t>Другое</a:t>
+            </a:r>
+            <a:endParaRPr lang="ru-RU" dirty="0"/>
+          </a:p>
+        </p:txBody>
+      </p:sp>
     </p:spTree>
     <p:extLst>
       <p:ext uri="{BB962C8B-B14F-4D97-AF65-F5344CB8AC3E}">
-        <p14:creationId xmlns:p14="http://schemas.microsoft.com/office/powerpoint/2010/main" val="1237191104"/>
+        <p14:creationId xmlns:p14="http://schemas.microsoft.com/office/powerpoint/2010/main" val="941366620"/>
       </p:ext>
     </p:extLst>
   </p:cSld>
@@ -5182,6 +5260,153 @@
             <p:ph type="title"/>
           </p:nvPr>
         </p:nvSpPr>
+        <p:spPr>
+          <a:noFill/>
+          <a:ln>
+            <a:solidFill>
+              <a:schemeClr val="tx1"/>
+            </a:solidFill>
+          </a:ln>
+        </p:spPr>
+        <p:txBody>
+          <a:bodyPr>
+            <a:noAutofit/>
+          </a:bodyPr>
+          <a:lstStyle/>
+          <a:p>
+            <a:r>
+              <a:rPr lang="en-US" sz="2400" i="1" dirty="0">
+                <a:solidFill>
+                  <a:srgbClr val="FFFF00"/>
+                </a:solidFill>
+              </a:rPr>
+              <a:t>Pragmatic Thinking and Learning: Refactor Your Wetware</a:t>
+            </a:r>
+            <a:r>
+              <a:rPr lang="en-US" sz="2400" dirty="0" smtClean="0"/>
+              <a:t/>
+            </a:r>
+            <a:br>
+              <a:rPr lang="en-US" sz="2400" dirty="0" smtClean="0"/>
+            </a:br>
+            <a:r>
+              <a:rPr lang="en-US" sz="2400" dirty="0" smtClean="0"/>
+              <a:t>Andy Hunt</a:t>
+            </a:r>
+            <a:endParaRPr lang="ru-RU" sz="2400" dirty="0"/>
+          </a:p>
+        </p:txBody>
+      </p:sp>
+      <p:sp>
+        <p:nvSpPr>
+          <p:cNvPr id="3" name="Content Placeholder 2"/>
+          <p:cNvSpPr>
+            <a:spLocks noGrp="1"/>
+          </p:cNvSpPr>
+          <p:nvPr>
+            <p:ph idx="1"/>
+          </p:nvPr>
+        </p:nvSpPr>
+        <p:spPr>
+          <a:xfrm>
+            <a:off x="3131840" y="1568450"/>
+            <a:ext cx="5554960" cy="4525963"/>
+          </a:xfrm>
+        </p:spPr>
+        <p:txBody>
+          <a:bodyPr anchor="t" anchorCtr="0">
+            <a:normAutofit/>
+          </a:bodyPr>
+          <a:lstStyle/>
+          <a:p>
+            <a:pPr marL="0" indent="0">
+              <a:buNone/>
+            </a:pPr>
+            <a:r>
+              <a:rPr lang="ru-RU" sz="2800" dirty="0" smtClean="0"/>
+              <a:t>Учит использовать свой мозг более эффективно.</a:t>
+            </a:r>
+            <a:endParaRPr lang="ru-RU" sz="2800" dirty="0"/>
+          </a:p>
+        </p:txBody>
+      </p:sp>
+      <p:pic>
+        <p:nvPicPr>
+          <p:cNvPr id="5" name="Picture 4"/>
+          <p:cNvPicPr>
+            <a:picLocks noChangeAspect="1"/>
+          </p:cNvPicPr>
+          <p:nvPr/>
+        </p:nvPicPr>
+        <p:blipFill>
+          <a:blip r:embed="rId2">
+            <a:extLst>
+              <a:ext uri="{28A0092B-C50C-407E-A947-70E740481C1C}">
+                <a14:useLocalDpi xmlns:a14="http://schemas.microsoft.com/office/drawing/2010/main" val="0"/>
+              </a:ext>
+            </a:extLst>
+          </a:blip>
+          <a:stretch>
+            <a:fillRect/>
+          </a:stretch>
+        </p:blipFill>
+        <p:spPr>
+          <a:xfrm>
+            <a:off x="467544" y="1568449"/>
+            <a:ext cx="2520000" cy="3014308"/>
+          </a:xfrm>
+          <a:prstGeom prst="rect">
+            <a:avLst/>
+          </a:prstGeom>
+        </p:spPr>
+      </p:pic>
+    </p:spTree>
+    <p:extLst>
+      <p:ext uri="{BB962C8B-B14F-4D97-AF65-F5344CB8AC3E}">
+        <p14:creationId xmlns:p14="http://schemas.microsoft.com/office/powerpoint/2010/main" val="1237191104"/>
+      </p:ext>
+    </p:extLst>
+  </p:cSld>
+  <p:clrMapOvr>
+    <a:masterClrMapping/>
+  </p:clrMapOvr>
+  <p:timing>
+    <p:tnLst>
+      <p:par>
+        <p:cTn id="1" dur="indefinite" restart="never" nodeType="tmRoot"/>
+      </p:par>
+    </p:tnLst>
+  </p:timing>
+</p:sld>
+</file>
+
+<file path=ppt/slides/slide21.xml><?xml version="1.0" encoding="utf-8"?>
+<p:sld xmlns:a="http://schemas.openxmlformats.org/drawingml/2006/main" xmlns:r="http://schemas.openxmlformats.org/officeDocument/2006/relationships" xmlns:p="http://schemas.openxmlformats.org/presentationml/2006/main">
+  <p:cSld>
+    <p:spTree>
+      <p:nvGrpSpPr>
+        <p:cNvPr id="1" name=""/>
+        <p:cNvGrpSpPr/>
+        <p:nvPr/>
+      </p:nvGrpSpPr>
+      <p:grpSpPr>
+        <a:xfrm>
+          <a:off x="0" y="0"/>
+          <a:ext cx="0" cy="0"/>
+          <a:chOff x="0" y="0"/>
+          <a:chExt cx="0" cy="0"/>
+        </a:xfrm>
+      </p:grpSpPr>
+      <p:sp>
+        <p:nvSpPr>
+          <p:cNvPr id="2" name="Title 1"/>
+          <p:cNvSpPr>
+            <a:spLocks noGrp="1"/>
+          </p:cNvSpPr>
+          <p:nvPr>
+            <p:ph type="title"/>
+          </p:nvPr>
+        </p:nvSpPr>
         <p:spPr/>
         <p:txBody>
           <a:bodyPr/>
@@ -5484,12 +5709,28 @@
           <a:lstStyle/>
           <a:p>
             <a:r>
+              <a:rPr lang="en-US" sz="2400" i="1" dirty="0" smtClean="0">
+                <a:solidFill>
+                  <a:srgbClr val="FFFF00"/>
+                </a:solidFill>
+              </a:rPr>
+              <a:t>C</a:t>
+            </a:r>
+            <a:r>
+              <a:rPr lang="en-US" sz="2400" i="1" dirty="0">
+                <a:solidFill>
+                  <a:srgbClr val="FFFF00"/>
+                </a:solidFill>
+              </a:rPr>
+              <a:t># </a:t>
+            </a:r>
+            <a:r>
               <a:rPr lang="ru-RU" sz="2400" i="1" dirty="0">
                 <a:solidFill>
                   <a:srgbClr val="FFFF00"/>
                 </a:solidFill>
               </a:rPr>
-              <a:t>WPF: Windows Presentation Foundation в .NET 4.5 с примерами на C# 5.0 для профессионалов</a:t>
+              <a:t>программирование для профессионалов</a:t>
             </a:r>
             <a:r>
               <a:rPr lang="en-US" sz="2400" dirty="0" smtClean="0"/>
@@ -5499,12 +5740,8 @@
               <a:rPr lang="en-US" sz="2400" dirty="0" smtClean="0"/>
             </a:br>
             <a:r>
-              <a:rPr lang="ru-RU" sz="2400" dirty="0"/>
-              <a:t>Мэтью </a:t>
-            </a:r>
-            <a:r>
               <a:rPr lang="ru-RU" sz="2400" dirty="0" smtClean="0"/>
-              <a:t>Мак-Дональд</a:t>
+              <a:t>Джон Скит</a:t>
             </a:r>
             <a:endParaRPr lang="ru-RU" sz="2400" dirty="0"/>
           </a:p>
@@ -5537,15 +5774,43 @@
             </a:pPr>
             <a:r>
               <a:rPr lang="ru-RU" sz="2800" dirty="0" smtClean="0"/>
-              <a:t>Прекрасная книга по </a:t>
+              <a:t>Джон Скит </a:t>
+            </a:r>
+            <a:r>
+              <a:rPr lang="ru-RU" sz="2800" dirty="0" smtClean="0"/>
+              <a:t>заслуженно </a:t>
+            </a:r>
+            <a:r>
+              <a:rPr lang="ru-RU" sz="2800" dirty="0" smtClean="0"/>
+              <a:t>известен как «Чак Норрис </a:t>
             </a:r>
             <a:r>
               <a:rPr lang="en-US" sz="2800" dirty="0" smtClean="0"/>
-              <a:t>WPF </a:t>
+              <a:t>.NET</a:t>
+            </a:r>
+            <a:r>
+              <a:rPr lang="en-US" sz="2800" dirty="0" smtClean="0"/>
+              <a:t>-a</a:t>
             </a:r>
             <a:r>
               <a:rPr lang="ru-RU" sz="2800" dirty="0" smtClean="0"/>
-              <a:t>с отличными примерами.</a:t>
+              <a:t>». Он как и Джеффри Рихтер подробно объясняет тонкости реализации </a:t>
+            </a:r>
+            <a:r>
+              <a:rPr lang="en-US" sz="2800" dirty="0" smtClean="0"/>
+              <a:t>.NET </a:t>
+            </a:r>
+            <a:r>
+              <a:rPr lang="ru-RU" sz="2800" dirty="0" smtClean="0"/>
+              <a:t>и </a:t>
+            </a:r>
+            <a:r>
+              <a:rPr lang="en-US" sz="2800" dirty="0" smtClean="0"/>
+              <a:t>C# </a:t>
+            </a:r>
+            <a:r>
+              <a:rPr lang="ru-RU" sz="2800" dirty="0" smtClean="0"/>
+              <a:t>которые необходимо знать профессионалам.</a:t>
             </a:r>
             <a:endParaRPr lang="ru-RU" sz="2800" dirty="0"/>
           </a:p>
@@ -5553,9 +5818,9 @@
       </p:sp>
       <p:pic>
         <p:nvPicPr>
-          <p:cNvPr id="4" name="Picture 3"/>
+          <p:cNvPr id="1031" name="Picture 7"/>
           <p:cNvPicPr>
-            <a:picLocks noChangeAspect="1"/>
+            <a:picLocks noChangeAspect="1" noChangeArrowheads="1"/>
           </p:cNvPicPr>
           <p:nvPr/>
         </p:nvPicPr>
@@ -5567,24 +5832,58 @@
               </a:ext>
             </a:extLst>
           </a:blip>
+          <a:srcRect/>
           <a:stretch>
             <a:fillRect/>
           </a:stretch>
         </p:blipFill>
-        <p:spPr>
+        <p:spPr bwMode="auto">
           <a:xfrm>
-            <a:off x="467544" y="1568450"/>
-            <a:ext cx="2520000" cy="3691800"/>
+            <a:off x="475082" y="1600200"/>
+            <a:ext cx="2438400" cy="3571875"/>
           </a:xfrm>
           <a:prstGeom prst="rect">
             <a:avLst/>
           </a:prstGeom>
+          <a:noFill/>
+          <a:ln>
+            <a:noFill/>
+          </a:ln>
+          <a:effectLst/>
+          <a:extLst>
+            <a:ext uri="{909E8E84-426E-40DD-AFC4-6F175D3DCCD1}">
+              <a14:hiddenFill xmlns:a14="http://schemas.microsoft.com/office/drawing/2010/main">
+                <a:solidFill>
+                  <a:schemeClr val="accent1"/>
+                </a:solidFill>
+              </a14:hiddenFill>
+            </a:ext>
+            <a:ext uri="{91240B29-F687-4F45-9708-019B960494DF}">
+              <a14:hiddenLine xmlns:a14="http://schemas.microsoft.com/office/drawing/2010/main" w="9525">
+                <a:solidFill>
+                  <a:schemeClr val="tx1"/>
+                </a:solidFill>
+                <a:miter lim="800000"/>
+                <a:headEnd/>
+                <a:tailEnd/>
+              </a14:hiddenLine>
+            </a:ext>
+            <a:ext uri="{AF507438-7753-43E0-B8FC-AC1667EBCBE1}">
+              <a14:hiddenEffects xmlns:a14="http://schemas.microsoft.com/office/drawing/2010/main">
+                <a:effectLst>
+                  <a:outerShdw dist="35921" dir="2700000" algn="ctr" rotWithShape="0">
+                    <a:schemeClr val="bg2"/>
+                  </a:outerShdw>
+                </a:effectLst>
+              </a14:hiddenEffects>
+            </a:ext>
+          </a:extLst>
         </p:spPr>
       </p:pic>
     </p:spTree>
     <p:extLst>
       <p:ext uri="{BB962C8B-B14F-4D97-AF65-F5344CB8AC3E}">
-        <p14:creationId xmlns:p14="http://schemas.microsoft.com/office/powerpoint/2010/main" val="3304043920"/>
+        <p14:creationId xmlns:p14="http://schemas.microsoft.com/office/powerpoint/2010/main" val="2056253551"/>
       </p:ext>
     </p:extLst>
   </p:cSld>
@@ -5643,6 +5942,165 @@
           <a:lstStyle/>
           <a:p>
             <a:r>
+              <a:rPr lang="ru-RU" sz="2400" i="1" dirty="0">
+                <a:solidFill>
+                  <a:srgbClr val="FFFF00"/>
+                </a:solidFill>
+              </a:rPr>
+              <a:t>WPF: Windows Presentation Foundation в .NET 4.5 с примерами на C# 5.0 для профессионалов</a:t>
+            </a:r>
+            <a:r>
+              <a:rPr lang="en-US" sz="2400" dirty="0" smtClean="0"/>
+              <a:t/>
+            </a:r>
+            <a:br>
+              <a:rPr lang="en-US" sz="2400" dirty="0" smtClean="0"/>
+            </a:br>
+            <a:r>
+              <a:rPr lang="ru-RU" sz="2400" dirty="0"/>
+              <a:t>Мэтью </a:t>
+            </a:r>
+            <a:r>
+              <a:rPr lang="ru-RU" sz="2400" dirty="0" smtClean="0"/>
+              <a:t>Мак-Дональд</a:t>
+            </a:r>
+            <a:endParaRPr lang="ru-RU" sz="2400" dirty="0"/>
+          </a:p>
+        </p:txBody>
+      </p:sp>
+      <p:sp>
+        <p:nvSpPr>
+          <p:cNvPr id="3" name="Content Placeholder 2"/>
+          <p:cNvSpPr>
+            <a:spLocks noGrp="1"/>
+          </p:cNvSpPr>
+          <p:nvPr>
+            <p:ph idx="1"/>
+          </p:nvPr>
+        </p:nvSpPr>
+        <p:spPr>
+          <a:xfrm>
+            <a:off x="3131840" y="1600200"/>
+            <a:ext cx="5554960" cy="4525963"/>
+          </a:xfrm>
+        </p:spPr>
+        <p:txBody>
+          <a:bodyPr anchor="t" anchorCtr="0">
+            <a:normAutofit/>
+          </a:bodyPr>
+          <a:lstStyle/>
+          <a:p>
+            <a:pPr marL="0" indent="0">
+              <a:buNone/>
+            </a:pPr>
+            <a:r>
+              <a:rPr lang="ru-RU" sz="2800" dirty="0" smtClean="0"/>
+              <a:t>Прекрасная книга по </a:t>
+            </a:r>
+            <a:r>
+              <a:rPr lang="en-US" sz="2800" dirty="0" smtClean="0"/>
+              <a:t>WPF </a:t>
+            </a:r>
+            <a:r>
+              <a:rPr lang="ru-RU" sz="2800" dirty="0" smtClean="0"/>
+              <a:t>с отличными примерами.</a:t>
+            </a:r>
+            <a:endParaRPr lang="ru-RU" sz="2800" dirty="0"/>
+          </a:p>
+        </p:txBody>
+      </p:sp>
+      <p:pic>
+        <p:nvPicPr>
+          <p:cNvPr id="4" name="Picture 3"/>
+          <p:cNvPicPr>
+            <a:picLocks noChangeAspect="1"/>
+          </p:cNvPicPr>
+          <p:nvPr/>
+        </p:nvPicPr>
+        <p:blipFill>
+          <a:blip r:embed="rId2">
+            <a:extLst>
+              <a:ext uri="{28A0092B-C50C-407E-A947-70E740481C1C}">
+                <a14:useLocalDpi xmlns:a14="http://schemas.microsoft.com/office/drawing/2010/main" val="0"/>
+              </a:ext>
+            </a:extLst>
+          </a:blip>
+          <a:stretch>
+            <a:fillRect/>
+          </a:stretch>
+        </p:blipFill>
+        <p:spPr>
+          <a:xfrm>
+            <a:off x="467544" y="1568450"/>
+            <a:ext cx="2520000" cy="3691800"/>
+          </a:xfrm>
+          <a:prstGeom prst="rect">
+            <a:avLst/>
+          </a:prstGeom>
+        </p:spPr>
+      </p:pic>
+    </p:spTree>
+    <p:extLst>
+      <p:ext uri="{BB962C8B-B14F-4D97-AF65-F5344CB8AC3E}">
+        <p14:creationId xmlns:p14="http://schemas.microsoft.com/office/powerpoint/2010/main" val="3304043920"/>
+      </p:ext>
+    </p:extLst>
+  </p:cSld>
+  <p:clrMapOvr>
+    <a:masterClrMapping/>
+  </p:clrMapOvr>
+  <p:timing>
+    <p:tnLst>
+      <p:par>
+        <p:cTn id="1" dur="indefinite" restart="never" nodeType="tmRoot"/>
+      </p:par>
+    </p:tnLst>
+  </p:timing>
+</p:sld>
+</file>
+
+<file path=ppt/slides/slide6.xml><?xml version="1.0" encoding="utf-8"?>
+<p:sld xmlns:a="http://schemas.openxmlformats.org/drawingml/2006/main" xmlns:r="http://schemas.openxmlformats.org/officeDocument/2006/relationships" xmlns:p="http://schemas.openxmlformats.org/presentationml/2006/main">
+  <p:cSld>
+    <p:spTree>
+      <p:nvGrpSpPr>
+        <p:cNvPr id="1" name=""/>
+        <p:cNvGrpSpPr/>
+        <p:nvPr/>
+      </p:nvGrpSpPr>
+      <p:grpSpPr>
+        <a:xfrm>
+          <a:off x="0" y="0"/>
+          <a:ext cx="0" cy="0"/>
+          <a:chOff x="0" y="0"/>
+          <a:chExt cx="0" cy="0"/>
+        </a:xfrm>
+      </p:grpSpPr>
+      <p:sp>
+        <p:nvSpPr>
+          <p:cNvPr id="2" name="Title 1"/>
+          <p:cNvSpPr>
+            <a:spLocks noGrp="1"/>
+          </p:cNvSpPr>
+          <p:nvPr>
+            <p:ph type="title"/>
+          </p:nvPr>
+        </p:nvSpPr>
+        <p:spPr>
+          <a:noFill/>
+          <a:ln>
+            <a:solidFill>
+              <a:schemeClr val="tx1"/>
+            </a:solidFill>
+          </a:ln>
+        </p:spPr>
+        <p:txBody>
+          <a:bodyPr>
+            <a:noAutofit/>
+          </a:bodyPr>
+          <a:lstStyle/>
+          <a:p>
+            <a:r>
               <a:rPr lang="en-US" sz="2400" i="1" dirty="0">
                 <a:solidFill>
                   <a:srgbClr val="FFFF00"/>
@@ -5811,7 +6269,7 @@
 </p:sld>
 </file>
 
-<file path=ppt/slides/slide6.xml><?xml version="1.0" encoding="utf-8"?>
+<file path=ppt/slides/slide7.xml><?xml version="1.0" encoding="utf-8"?>
 <p:sld xmlns:a="http://schemas.openxmlformats.org/drawingml/2006/main" xmlns:r="http://schemas.openxmlformats.org/officeDocument/2006/relationships" xmlns:p="http://schemas.openxmlformats.org/presentationml/2006/main">
   <p:cSld>
     <p:spTree>
@@ -5878,7 +6336,7 @@
 </p:sld>
 </file>
 
-<file path=ppt/slides/slide7.xml><?xml version="1.0" encoding="utf-8"?>
+<file path=ppt/slides/slide8.xml><?xml version="1.0" encoding="utf-8"?>
 <p:sld xmlns:a="http://schemas.openxmlformats.org/drawingml/2006/main" xmlns:r="http://schemas.openxmlformats.org/officeDocument/2006/relationships" xmlns:p="http://schemas.openxmlformats.org/presentationml/2006/main" show="0">
   <p:cSld>
     <p:spTree>
@@ -6082,7 +6540,7 @@
 </p:sld>
 </file>
 
-<file path=ppt/slides/slide8.xml><?xml version="1.0" encoding="utf-8"?>
+<file path=ppt/slides/slide9.xml><?xml version="1.0" encoding="utf-8"?>
 <p:sld xmlns:a="http://schemas.openxmlformats.org/drawingml/2006/main" xmlns:r="http://schemas.openxmlformats.org/officeDocument/2006/relationships" xmlns:p="http://schemas.openxmlformats.org/presentationml/2006/main">
   <p:cSld>
     <p:spTree>
@@ -6238,230 +6696,6 @@
   <p:clrMapOvr>
     <a:masterClrMapping/>
   </p:clrMapOvr>
-  <p:timing>
-    <p:tnLst>
-      <p:par>
-        <p:cTn id="1" dur="indefinite" restart="never" nodeType="tmRoot"/>
-      </p:par>
-    </p:tnLst>
-  </p:timing>
-</p:sld>
-</file>
-
-<file path=ppt/slides/slide9.xml><?xml version="1.0" encoding="utf-8"?>
-<p:sld xmlns:a="http://schemas.openxmlformats.org/drawingml/2006/main" xmlns:r="http://schemas.openxmlformats.org/officeDocument/2006/relationships" xmlns:p="http://schemas.openxmlformats.org/presentationml/2006/main" show="0">
-  <p:cSld>
-    <p:spTree>
-      <p:nvGrpSpPr>
-        <p:cNvPr id="1" name=""/>
-        <p:cNvGrpSpPr/>
-        <p:nvPr/>
-      </p:nvGrpSpPr>
-      <p:grpSpPr>
-        <a:xfrm>
-          <a:off x="0" y="0"/>
-          <a:ext cx="0" cy="0"/>
-          <a:chOff x="0" y="0"/>
-          <a:chExt cx="0" cy="0"/>
-        </a:xfrm>
-      </p:grpSpPr>
-      <p:sp>
-        <p:nvSpPr>
-          <p:cNvPr id="2" name="Title 1"/>
-          <p:cNvSpPr>
-            <a:spLocks noGrp="1"/>
-          </p:cNvSpPr>
-          <p:nvPr>
-            <p:ph type="title"/>
-          </p:nvPr>
-        </p:nvSpPr>
-        <p:spPr>
-          <a:noFill/>
-          <a:ln>
-            <a:solidFill>
-              <a:schemeClr val="tx1"/>
-            </a:solidFill>
-          </a:ln>
-        </p:spPr>
-        <p:txBody>
-          <a:bodyPr>
-            <a:noAutofit/>
-          </a:bodyPr>
-          <a:lstStyle/>
-          <a:p>
-            <a:r>
-              <a:rPr lang="ru-RU" sz="2400" i="1" dirty="0">
-                <a:solidFill>
-                  <a:srgbClr val="FFFF00"/>
-                </a:solidFill>
-              </a:rPr>
-              <a:t>Паттерны проектирования</a:t>
-            </a:r>
-            <a:r>
-              <a:rPr lang="en-US" sz="2400" i="1" dirty="0" smtClean="0"/>
-              <a:t/>
-            </a:r>
-            <a:br>
-              <a:rPr lang="en-US" sz="2400" i="1" dirty="0" smtClean="0"/>
-            </a:br>
-            <a:r>
-              <a:rPr lang="ru-RU" sz="2400" dirty="0"/>
-              <a:t>Эрик </a:t>
-            </a:r>
-            <a:r>
-              <a:rPr lang="ru-RU" sz="2400" dirty="0" smtClean="0"/>
-              <a:t>Фримен</a:t>
-            </a:r>
-            <a:r>
-              <a:rPr lang="en-US" sz="2400" dirty="0" smtClean="0"/>
-              <a:t>, </a:t>
-            </a:r>
-            <a:r>
-              <a:rPr lang="ru-RU" sz="2400" dirty="0"/>
-              <a:t>Элизабет </a:t>
-            </a:r>
-            <a:r>
-              <a:rPr lang="ru-RU" sz="2400" dirty="0" smtClean="0"/>
-              <a:t>Фримен</a:t>
-            </a:r>
-            <a:r>
-              <a:rPr lang="en-US" sz="2400" dirty="0" smtClean="0"/>
-              <a:t>, </a:t>
-            </a:r>
-            <a:r>
-              <a:rPr lang="ru-RU" sz="2400" dirty="0"/>
-              <a:t>Кэтти </a:t>
-            </a:r>
-            <a:r>
-              <a:rPr lang="ru-RU" sz="2400" dirty="0" smtClean="0"/>
-              <a:t>Сьерра</a:t>
-            </a:r>
-            <a:r>
-              <a:rPr lang="en-US" sz="2400" dirty="0" smtClean="0"/>
-              <a:t>, </a:t>
-            </a:r>
-            <a:r>
-              <a:rPr lang="ru-RU" sz="2400" dirty="0"/>
-              <a:t>Берт </a:t>
-            </a:r>
-            <a:r>
-              <a:rPr lang="ru-RU" sz="2400" dirty="0" smtClean="0"/>
-              <a:t>Бейтс</a:t>
-            </a:r>
-            <a:endParaRPr lang="ru-RU" sz="2400" dirty="0"/>
-          </a:p>
-        </p:txBody>
-      </p:sp>
-      <p:sp>
-        <p:nvSpPr>
-          <p:cNvPr id="3" name="Content Placeholder 2"/>
-          <p:cNvSpPr>
-            <a:spLocks noGrp="1"/>
-          </p:cNvSpPr>
-          <p:nvPr>
-            <p:ph idx="1"/>
-          </p:nvPr>
-        </p:nvSpPr>
-        <p:spPr>
-          <a:xfrm>
-            <a:off x="3131840" y="1600200"/>
-            <a:ext cx="5554960" cy="4525963"/>
-          </a:xfrm>
-        </p:spPr>
-        <p:txBody>
-          <a:bodyPr anchor="t" anchorCtr="0">
-            <a:normAutofit/>
-          </a:bodyPr>
-          <a:lstStyle/>
-          <a:p>
-            <a:pPr marL="0" indent="0">
-              <a:buNone/>
-            </a:pPr>
-            <a:r>
-              <a:rPr lang="en-US" dirty="0" smtClean="0"/>
-              <a:t>....</a:t>
-            </a:r>
-          </a:p>
-          <a:p>
-            <a:pPr marL="0" indent="0">
-              <a:buNone/>
-            </a:pPr>
-            <a:endParaRPr lang="en-US" dirty="0"/>
-          </a:p>
-          <a:p>
-            <a:pPr marL="0" indent="0">
-              <a:buNone/>
-            </a:pPr>
-            <a:r>
-              <a:rPr lang="en-US" dirty="0">
-                <a:hlinkClick r:id="rId2"/>
-              </a:rPr>
-              <a:t>http://</a:t>
-            </a:r>
-            <a:r>
-              <a:rPr lang="en-US" dirty="0" smtClean="0">
-                <a:hlinkClick r:id="rId2"/>
-              </a:rPr>
-              <a:t>oz.by/books/more10182766.html</a:t>
-            </a:r>
-            <a:endParaRPr lang="en-US" dirty="0" smtClean="0"/>
-          </a:p>
-          <a:p>
-            <a:pPr marL="0" indent="0">
-              <a:buNone/>
-            </a:pPr>
-            <a:endParaRPr lang="ru-RU" dirty="0"/>
-          </a:p>
-        </p:txBody>
-      </p:sp>
-      <p:pic>
-        <p:nvPicPr>
-          <p:cNvPr id="5" name="Picture 4"/>
-          <p:cNvPicPr>
-            <a:picLocks noChangeAspect="1"/>
-          </p:cNvPicPr>
-          <p:nvPr/>
-        </p:nvPicPr>
-        <p:blipFill>
-          <a:blip r:embed="rId3">
-            <a:extLst>
-              <a:ext uri="{28A0092B-C50C-407E-A947-70E740481C1C}">
-                <a14:useLocalDpi xmlns:a14="http://schemas.microsoft.com/office/drawing/2010/main" val="0"/>
-              </a:ext>
-            </a:extLst>
-          </a:blip>
-          <a:stretch>
-            <a:fillRect/>
-          </a:stretch>
-        </p:blipFill>
-        <p:spPr>
-          <a:xfrm>
-            <a:off x="467544" y="1600200"/>
-            <a:ext cx="2520000" cy="2910600"/>
-          </a:xfrm>
-          <a:prstGeom prst="rect">
-            <a:avLst/>
-          </a:prstGeom>
-        </p:spPr>
-      </p:pic>
-    </p:spTree>
-    <p:extLst>
-      <p:ext uri="{BB962C8B-B14F-4D97-AF65-F5344CB8AC3E}">
-        <p14:creationId xmlns:p14="http://schemas.microsoft.com/office/powerpoint/2010/main" val="1722243663"/>
-      </p:ext>
-    </p:extLst>
-  </p:cSld>
-  <p:clrMapOvr>
-    <a:masterClrMapping/>
-  </p:clrMapOvr>
-  <mc:AlternateContent xmlns:mc="http://schemas.openxmlformats.org/markup-compatibility/2006" xmlns:p14="http://schemas.microsoft.com/office/powerpoint/2010/main">
-    <mc:Choice Requires="p14">
-      <p:transition spd="slow" p14:dur="2000"/>
-    </mc:Choice>
-    <mc:Fallback xmlns="">
-      <p:transition spd="slow"/>
-    </mc:Fallback>
-  </mc:AlternateContent>
   <p:timing>
     <p:tnLst>
       <p:par>

--- a/Presentation/books-to-read.pptx
+++ b/Presentation/books-to-read.pptx
@@ -5,7 +5,7 @@
     <p:sldMasterId id="2147483648" r:id="rId1"/>
   </p:sldMasterIdLst>
   <p:notesMasterIdLst>
-    <p:notesMasterId r:id="rId23"/>
+    <p:notesMasterId r:id="rId25"/>
   </p:notesMasterIdLst>
   <p:sldIdLst>
     <p:sldId id="258" r:id="rId2"/>
@@ -24,11 +24,13 @@
     <p:sldId id="260" r:id="rId15"/>
     <p:sldId id="263" r:id="rId16"/>
     <p:sldId id="281" r:id="rId17"/>
-    <p:sldId id="280" r:id="rId18"/>
-    <p:sldId id="264" r:id="rId19"/>
-    <p:sldId id="261" r:id="rId20"/>
-    <p:sldId id="275" r:id="rId21"/>
-    <p:sldId id="276" r:id="rId22"/>
+    <p:sldId id="283" r:id="rId18"/>
+    <p:sldId id="284" r:id="rId19"/>
+    <p:sldId id="280" r:id="rId20"/>
+    <p:sldId id="264" r:id="rId21"/>
+    <p:sldId id="261" r:id="rId22"/>
+    <p:sldId id="275" r:id="rId23"/>
+    <p:sldId id="276" r:id="rId24"/>
   </p:sldIdLst>
   <p:sldSz cx="9144000" cy="6858000" type="screen4x3"/>
   <p:notesSz cx="6858000" cy="9144000"/>
@@ -212,7 +214,7 @@
           <a:p>
             <a:fld id="{B24A7054-7FFB-49F4-A126-5DF6E687FF53}" type="datetimeFigureOut">
               <a:rPr lang="ru-RU" smtClean="0"/>
-              <a:t>14.02.2015</a:t>
+              <a:t>11.04.2016</a:t>
             </a:fld>
             <a:endParaRPr lang="ru-RU"/>
           </a:p>
@@ -1494,7 +1496,7 @@
           <a:p>
             <a:fld id="{8E6E6A2A-E9D3-4A0D-B04A-ABDD367A1E08}" type="datetimeFigureOut">
               <a:rPr lang="ru-RU" smtClean="0"/>
-              <a:t>14.02.2015</a:t>
+              <a:t>11.04.2016</a:t>
             </a:fld>
             <a:endParaRPr lang="ru-RU"/>
           </a:p>
@@ -2939,7 +2941,7 @@
           <a:p>
             <a:fld id="{AC3D3127-B7C4-45E3-9797-C527EC9FDD78}" type="datetimeFigureOut">
               <a:rPr lang="ru-RU" smtClean="0"/>
-              <a:t>14.02.2015</a:t>
+              <a:t>11.04.2016</a:t>
             </a:fld>
             <a:endParaRPr lang="ru-RU"/>
           </a:p>
@@ -4341,34 +4343,85 @@
           <a:lstStyle/>
           <a:p>
             <a:r>
-              <a:rPr lang="ru-RU" sz="2800" dirty="0" smtClean="0"/>
+              <a:rPr lang="ru-RU" sz="2800" dirty="0" smtClean="0">
+                <a:solidFill>
+                  <a:srgbClr val="FFFF00"/>
+                </a:solidFill>
+              </a:rPr>
+              <a:t>Рефакторинг</a:t>
+            </a:r>
+            <a:r>
+              <a:rPr lang="ru-RU" sz="2800" dirty="0">
+                <a:solidFill>
+                  <a:srgbClr val="FFFF00"/>
+                </a:solidFill>
+              </a:rPr>
+              <a:t>. Улучшение существующего </a:t>
+            </a:r>
+            <a:r>
+              <a:rPr lang="ru-RU" sz="2800" dirty="0" smtClean="0">
+                <a:solidFill>
+                  <a:srgbClr val="FFFF00"/>
+                </a:solidFill>
+              </a:rPr>
+              <a:t>кода</a:t>
+            </a:r>
+            <a:r>
+              <a:rPr lang="en-US" sz="2800" dirty="0" smtClean="0">
+                <a:solidFill>
+                  <a:srgbClr val="FFFF00"/>
+                </a:solidFill>
+              </a:rPr>
+              <a:t/>
+            </a:r>
+            <a:br>
+              <a:rPr lang="en-US" sz="2800" dirty="0" smtClean="0">
+                <a:solidFill>
+                  <a:srgbClr val="FFFF00"/>
+                </a:solidFill>
+              </a:rPr>
+            </a:br>
+            <a:r>
+              <a:rPr lang="ru-RU" sz="2800" dirty="0" smtClean="0">
+                <a:solidFill>
+                  <a:srgbClr val="FFFF00"/>
+                </a:solidFill>
+              </a:rPr>
+              <a:t>(</a:t>
+            </a:r>
+            <a:r>
+              <a:rPr lang="en-US" sz="2800" dirty="0">
+                <a:solidFill>
+                  <a:srgbClr val="FFFF00"/>
+                </a:solidFill>
+              </a:rPr>
+              <a:t>Refactoring: Improving the Design of Existing Code</a:t>
+            </a:r>
+            <a:r>
+              <a:rPr lang="ru-RU" sz="2800" dirty="0" smtClean="0">
+                <a:solidFill>
+                  <a:srgbClr val="FFFF00"/>
+                </a:solidFill>
+              </a:rPr>
+              <a:t>)</a:t>
+            </a:r>
+            <a:r>
+              <a:rPr lang="en-US" sz="2800" dirty="0" smtClean="0"/>
+              <a:t/>
+            </a:r>
+            <a:br>
+              <a:rPr lang="en-US" sz="2800" dirty="0" smtClean="0"/>
+            </a:br>
+            <a:r>
+              <a:rPr lang="ru-RU" sz="2800" dirty="0"/>
               <a:t>Мартин Фаулер (</a:t>
             </a:r>
             <a:r>
-              <a:rPr lang="en-US" sz="2800" dirty="0" smtClean="0"/>
+              <a:rPr lang="en-US" sz="2800" dirty="0"/>
               <a:t>Martin Fowler</a:t>
             </a:r>
             <a:r>
               <a:rPr lang="ru-RU" sz="2800" dirty="0"/>
-              <a:t>)</a:t>
-            </a:r>
-            <a:br>
-              <a:rPr lang="ru-RU" sz="2800" dirty="0"/>
-            </a:br>
-            <a:r>
-              <a:rPr lang="ru-RU" sz="2800" dirty="0"/>
-              <a:t>Рефакторинг. Улучшение существующего кода </a:t>
-            </a:r>
-            <a:r>
-              <a:rPr lang="ru-RU" sz="2800" dirty="0" smtClean="0"/>
-              <a:t>(</a:t>
-            </a:r>
-            <a:r>
-              <a:rPr lang="en-US" sz="2800" dirty="0"/>
-              <a:t>Refactoring: Improving the Design of Existing Code</a:t>
-            </a:r>
-            <a:r>
-              <a:rPr lang="ru-RU" sz="2800" dirty="0" smtClean="0"/>
               <a:t>)</a:t>
             </a:r>
             <a:endParaRPr lang="ru-RU" sz="2800" dirty="0"/>
@@ -4775,12 +4828,21 @@
           </a:xfrm>
         </p:spPr>
         <p:txBody>
-          <a:bodyPr/>
+          <a:bodyPr>
+            <a:normAutofit fontScale="90000"/>
+          </a:bodyPr>
           <a:lstStyle/>
           <a:p>
             <a:r>
               <a:rPr lang="ru-RU" dirty="0" smtClean="0"/>
-              <a:t>Проектирование</a:t>
+              <a:t>Разработка через тестирование</a:t>
+            </a:r>
+            <a:br>
+              <a:rPr lang="ru-RU" dirty="0" smtClean="0"/>
+            </a:br>
+            <a:r>
+              <a:rPr lang="en-US" dirty="0" smtClean="0"/>
+              <a:t>TDD: Test Driven Development</a:t>
             </a:r>
             <a:endParaRPr lang="ru-RU" dirty="0"/>
           </a:p>
@@ -4789,7 +4851,7 @@
     </p:spTree>
     <p:extLst>
       <p:ext uri="{BB962C8B-B14F-4D97-AF65-F5344CB8AC3E}">
-        <p14:creationId xmlns:p14="http://schemas.microsoft.com/office/powerpoint/2010/main" val="1206248273"/>
+        <p14:creationId xmlns:p14="http://schemas.microsoft.com/office/powerpoint/2010/main" val="3190292504"/>
       </p:ext>
     </p:extLst>
   </p:cSld>
@@ -4842,48 +4904,79 @@
         </p:spPr>
         <p:txBody>
           <a:bodyPr>
-            <a:normAutofit/>
+            <a:normAutofit fontScale="90000"/>
           </a:bodyPr>
           <a:lstStyle/>
           <a:p>
             <a:r>
+              <a:rPr lang="ru-RU" sz="2800" dirty="0" smtClean="0">
+                <a:solidFill>
+                  <a:srgbClr val="FFFF00"/>
+                </a:solidFill>
+              </a:rPr>
+              <a:t>Искусство автономного тестирования с примерами на С#</a:t>
+            </a:r>
+            <a:r>
+              <a:rPr lang="en-US" sz="2800" dirty="0">
+                <a:solidFill>
+                  <a:srgbClr val="FFFF00"/>
+                </a:solidFill>
+              </a:rPr>
+              <a:t/>
+            </a:r>
+            <a:br>
+              <a:rPr lang="en-US" sz="2800" dirty="0">
+                <a:solidFill>
+                  <a:srgbClr val="FFFF00"/>
+                </a:solidFill>
+              </a:rPr>
+            </a:br>
+            <a:r>
+              <a:rPr lang="en-US" sz="2800" dirty="0">
+                <a:solidFill>
+                  <a:srgbClr val="FFFF00"/>
+                </a:solidFill>
+              </a:rPr>
+              <a:t> The Art of Unit Testing, </a:t>
+            </a:r>
+            <a:r>
+              <a:rPr lang="en-US" sz="2800" dirty="0" smtClean="0">
+                <a:solidFill>
+                  <a:srgbClr val="FFFF00"/>
+                </a:solidFill>
+              </a:rPr>
+              <a:t>with </a:t>
+            </a:r>
+            <a:r>
+              <a:rPr lang="en-US" sz="2800" dirty="0">
+                <a:solidFill>
+                  <a:srgbClr val="FFFF00"/>
+                </a:solidFill>
+              </a:rPr>
+              <a:t>examples in C#</a:t>
+            </a:r>
+            <a:r>
               <a:rPr lang="en-US" sz="2800" dirty="0" smtClean="0"/>
-              <a:t>Krzysztof </a:t>
-            </a:r>
-            <a:r>
-              <a:rPr lang="en-US" sz="2800" dirty="0" err="1"/>
-              <a:t>Cwalina</a:t>
-            </a:r>
-            <a:r>
-              <a:rPr lang="en-US" sz="2800" dirty="0"/>
-              <a:t>, Brad </a:t>
-            </a:r>
-            <a:r>
-              <a:rPr lang="en-US" sz="2800" dirty="0" smtClean="0"/>
-              <a:t>Abrams</a:t>
+              <a:t/>
             </a:r>
             <a:br>
               <a:rPr lang="en-US" sz="2800" dirty="0" smtClean="0"/>
             </a:br>
             <a:r>
-              <a:rPr lang="ru-RU" sz="2800" dirty="0"/>
-              <a:t>«</a:t>
+              <a:rPr lang="ru-RU" sz="2800" dirty="0" smtClean="0"/>
+              <a:t>Рой Ошероув</a:t>
             </a:r>
             <a:r>
               <a:rPr lang="en-US" sz="2800" dirty="0"/>
-              <a:t>Framework Design Guidelines</a:t>
-            </a:r>
-            <a:r>
-              <a:rPr lang="ru-RU" sz="2800" dirty="0" smtClean="0"/>
-              <a:t>»</a:t>
-            </a:r>
-            <a:r>
-              <a:rPr lang="en-US" sz="2800" dirty="0" smtClean="0"/>
-              <a:t>, 2nd </a:t>
+              <a:t> (Roy </a:t>
+            </a:r>
+            <a:r>
+              <a:rPr lang="en-US" sz="2800" dirty="0" err="1"/>
+              <a:t>Osherove</a:t>
             </a:r>
             <a:r>
               <a:rPr lang="en-US" sz="2800" dirty="0"/>
-              <a:t>Edition, 2008</a:t>
+              <a:t>)</a:t>
             </a:r>
             <a:endParaRPr lang="ru-RU" sz="2800" dirty="0"/>
           </a:p>
@@ -4915,27 +5008,107 @@
               <a:buNone/>
             </a:pPr>
             <a:r>
+              <a:rPr lang="en-US" dirty="0" smtClean="0"/>
+              <a:t>A</a:t>
+            </a:r>
+            <a:r>
+              <a:rPr lang="ru-RU" dirty="0" smtClean="0"/>
+              <a:t>втор </a:t>
+            </a:r>
+            <a:r>
               <a:rPr lang="ru-RU" dirty="0"/>
-              <a:t>Разработка качественных систем является весьма сложной задачей, а разработка качественных библиотек (особенно фреймворков) является поистине вершиной мастерства архитекторов и разработчиков. Сложность здесь кроется в специфике принимаемых решений, ведь акцент серьезно смещается в сторону простоты и удобства использования, расширяемости и надежности. И хотя именно тема разработка библиотек является центральной, книга будет также невероятно полезна и простым разработчикам, ведь знание ключевых идиом языка является совершенно необходимым, когда команда смотрит хотя бы немного дальше своего носа, и заботится не только о написании кода, но и о его последующем сопровождении</a:t>
+              <a:t>шаг за шагом проведет вас по пути от первого простенького автономного теста до создания полного комплекта тестов - понятых, удобных для сопровождения и заслуживающих доверия. Вы и не заметите, как перейдете к более сложным вопросам - заглушкам и подставкам - и попутно научитесь работать с изолирующими каркасами типа </a:t>
+            </a:r>
+            <a:r>
+              <a:rPr lang="ru-RU" dirty="0" err="1"/>
+              <a:t>Moq</a:t>
+            </a:r>
+            <a:r>
+              <a:rPr lang="ru-RU" dirty="0"/>
+              <a:t>, </a:t>
+            </a:r>
+            <a:r>
+              <a:rPr lang="ru-RU" dirty="0" err="1"/>
+              <a:t>FakeltEasy</a:t>
+            </a:r>
+            <a:r>
+              <a:rPr lang="ru-RU" dirty="0"/>
+              <a:t> или </a:t>
+            </a:r>
+            <a:r>
+              <a:rPr lang="ru-RU" dirty="0" err="1"/>
+              <a:t>Typemock</a:t>
+            </a:r>
+            <a:r>
+              <a:rPr lang="ru-RU" dirty="0"/>
+              <a:t> </a:t>
+            </a:r>
+            <a:r>
+              <a:rPr lang="ru-RU" dirty="0" err="1"/>
+              <a:t>Isolator</a:t>
+            </a:r>
+            <a:r>
+              <a:rPr lang="ru-RU" dirty="0"/>
+              <a:t>. Вы узнаете о паттернах тестирования и организации тестов, о том, как проводить </a:t>
+            </a:r>
+            <a:r>
+              <a:rPr lang="ru-RU" dirty="0" err="1"/>
+              <a:t>рефакторинг</a:t>
+            </a:r>
+            <a:r>
+              <a:rPr lang="ru-RU" dirty="0"/>
+              <a:t> приложении и тестировать "</a:t>
+            </a:r>
+            <a:r>
+              <a:rPr lang="ru-RU" dirty="0" err="1"/>
+              <a:t>нетестопригодный</a:t>
+            </a:r>
+            <a:r>
+              <a:rPr lang="ru-RU" dirty="0"/>
+              <a:t>" код. Не забыл автор и об интеграционном тестировании и тестировании работы с базами данных</a:t>
             </a:r>
             <a:r>
               <a:rPr lang="ru-RU" dirty="0" smtClean="0"/>
               <a:t>.</a:t>
             </a:r>
+            <a:endParaRPr lang="en-US" dirty="0" smtClean="0"/>
+          </a:p>
+          <a:p>
+            <a:pPr marL="0" indent="0">
+              <a:buNone/>
+            </a:pPr>
+            <a:endParaRPr lang="en-US" dirty="0"/>
+          </a:p>
+          <a:p>
+            <a:pPr marL="0" indent="0">
+              <a:buNone/>
+            </a:pPr>
+            <a:r>
+              <a:rPr lang="en-US" dirty="0">
+                <a:hlinkClick r:id="rId2"/>
+              </a:rPr>
+              <a:t>http://</a:t>
+            </a:r>
+            <a:r>
+              <a:rPr lang="en-US" dirty="0" smtClean="0">
+                <a:hlinkClick r:id="rId2"/>
+              </a:rPr>
+              <a:t>oz.by/books/more10382361.html</a:t>
+            </a:r>
             <a:endParaRPr lang="ru-RU" dirty="0"/>
           </a:p>
         </p:txBody>
       </p:sp>
       <p:pic>
         <p:nvPicPr>
-          <p:cNvPr id="4098" name="Picture 2" descr="clip_image026"/>
+          <p:cNvPr id="1027" name="Picture 3"/>
           <p:cNvPicPr>
             <a:picLocks noChangeAspect="1" noChangeArrowheads="1"/>
           </p:cNvPicPr>
           <p:nvPr/>
         </p:nvPicPr>
         <p:blipFill>
-          <a:blip r:embed="rId2">
+          <a:blip r:embed="rId3">
             <a:extLst>
               <a:ext uri="{28A0092B-C50C-407E-A947-70E740481C1C}">
                 <a14:useLocalDpi xmlns:a14="http://schemas.microsoft.com/office/drawing/2010/main" val="0"/>
@@ -4949,20 +5122,43 @@
         </p:blipFill>
         <p:spPr bwMode="auto">
           <a:xfrm>
-            <a:off x="155575" y="2286000"/>
-            <a:ext cx="1685925" cy="2286001"/>
+            <a:off x="251520" y="2132856"/>
+            <a:ext cx="1905000" cy="2819400"/>
           </a:xfrm>
           <a:prstGeom prst="rect">
             <a:avLst/>
           </a:prstGeom>
           <a:noFill/>
+          <a:ln>
+            <a:noFill/>
+          </a:ln>
+          <a:effectLst/>
           <a:extLst>
             <a:ext uri="{909E8E84-426E-40DD-AFC4-6F175D3DCCD1}">
               <a14:hiddenFill xmlns:a14="http://schemas.microsoft.com/office/drawing/2010/main">
                 <a:solidFill>
-                  <a:srgbClr val="FFFFFF"/>
+                  <a:schemeClr val="accent1"/>
                 </a:solidFill>
               </a14:hiddenFill>
+            </a:ext>
+            <a:ext uri="{91240B29-F687-4F45-9708-019B960494DF}">
+              <a14:hiddenLine xmlns:a14="http://schemas.microsoft.com/office/drawing/2010/main" w="9525">
+                <a:solidFill>
+                  <a:schemeClr val="tx1"/>
+                </a:solidFill>
+                <a:miter lim="800000"/>
+                <a:headEnd/>
+                <a:tailEnd/>
+              </a14:hiddenLine>
+            </a:ext>
+            <a:ext uri="{AF507438-7753-43E0-B8FC-AC1667EBCBE1}">
+              <a14:hiddenEffects xmlns:a14="http://schemas.microsoft.com/office/drawing/2010/main">
+                <a:effectLst>
+                  <a:outerShdw dist="35921" dir="2700000" algn="ctr" rotWithShape="0">
+                    <a:schemeClr val="bg2"/>
+                  </a:outerShdw>
+                </a:effectLst>
+              </a14:hiddenEffects>
             </a:ext>
           </a:extLst>
         </p:spPr>
@@ -4970,7 +5166,7 @@
     </p:spTree>
     <p:extLst>
       <p:ext uri="{BB962C8B-B14F-4D97-AF65-F5344CB8AC3E}">
-        <p14:creationId xmlns:p14="http://schemas.microsoft.com/office/powerpoint/2010/main" val="3172888255"/>
+        <p14:creationId xmlns:p14="http://schemas.microsoft.com/office/powerpoint/2010/main" val="592976606"/>
       </p:ext>
     </p:extLst>
   </p:cSld>
@@ -5016,19 +5212,17 @@
         </p:nvSpPr>
         <p:spPr>
           <a:xfrm>
-            <a:off x="457200" y="2459174"/>
-            <a:ext cx="8229600" cy="1939652"/>
+            <a:off x="457200" y="2857500"/>
+            <a:ext cx="8229600" cy="1143000"/>
           </a:xfrm>
         </p:spPr>
         <p:txBody>
-          <a:bodyPr>
-            <a:normAutofit/>
-          </a:bodyPr>
+          <a:bodyPr/>
           <a:lstStyle/>
           <a:p>
             <a:r>
               <a:rPr lang="ru-RU" dirty="0" smtClean="0"/>
-              <a:t>Другое</a:t>
+              <a:t>Проектирование</a:t>
             </a:r>
             <a:endParaRPr lang="ru-RU" dirty="0"/>
           </a:p>
@@ -5037,7 +5231,7 @@
     </p:spTree>
     <p:extLst>
       <p:ext uri="{BB962C8B-B14F-4D97-AF65-F5344CB8AC3E}">
-        <p14:creationId xmlns:p14="http://schemas.microsoft.com/office/powerpoint/2010/main" val="941366620"/>
+        <p14:creationId xmlns:p14="http://schemas.microsoft.com/office/powerpoint/2010/main" val="1206248273"/>
       </p:ext>
     </p:extLst>
   </p:cSld>
@@ -5261,6 +5455,254 @@
           </p:nvPr>
         </p:nvSpPr>
         <p:spPr>
+          <a:ln>
+            <a:solidFill>
+              <a:schemeClr val="tx1"/>
+            </a:solidFill>
+          </a:ln>
+        </p:spPr>
+        <p:txBody>
+          <a:bodyPr>
+            <a:normAutofit/>
+          </a:bodyPr>
+          <a:lstStyle/>
+          <a:p>
+            <a:r>
+              <a:rPr lang="en-US" sz="2800" dirty="0" smtClean="0"/>
+              <a:t>Krzysztof </a:t>
+            </a:r>
+            <a:r>
+              <a:rPr lang="en-US" sz="2800" dirty="0" err="1"/>
+              <a:t>Cwalina</a:t>
+            </a:r>
+            <a:r>
+              <a:rPr lang="en-US" sz="2800" dirty="0"/>
+              <a:t>, Brad </a:t>
+            </a:r>
+            <a:r>
+              <a:rPr lang="en-US" sz="2800" dirty="0" smtClean="0"/>
+              <a:t>Abrams</a:t>
+            </a:r>
+            <a:br>
+              <a:rPr lang="en-US" sz="2800" dirty="0" smtClean="0"/>
+            </a:br>
+            <a:r>
+              <a:rPr lang="ru-RU" sz="2800" dirty="0"/>
+              <a:t>«</a:t>
+            </a:r>
+            <a:r>
+              <a:rPr lang="en-US" sz="2800" dirty="0"/>
+              <a:t>Framework Design Guidelines</a:t>
+            </a:r>
+            <a:r>
+              <a:rPr lang="ru-RU" sz="2800" dirty="0" smtClean="0"/>
+              <a:t>»</a:t>
+            </a:r>
+            <a:r>
+              <a:rPr lang="en-US" sz="2800" dirty="0" smtClean="0"/>
+              <a:t>, 2nd </a:t>
+            </a:r>
+            <a:r>
+              <a:rPr lang="en-US" sz="2800" dirty="0"/>
+              <a:t>Edition, 2008</a:t>
+            </a:r>
+            <a:endParaRPr lang="ru-RU" sz="2800" dirty="0"/>
+          </a:p>
+        </p:txBody>
+      </p:sp>
+      <p:sp>
+        <p:nvSpPr>
+          <p:cNvPr id="3" name="Content Placeholder 2"/>
+          <p:cNvSpPr>
+            <a:spLocks noGrp="1"/>
+          </p:cNvSpPr>
+          <p:nvPr>
+            <p:ph idx="1"/>
+          </p:nvPr>
+        </p:nvSpPr>
+        <p:spPr>
+          <a:xfrm>
+            <a:off x="2267744" y="1600200"/>
+            <a:ext cx="6419056" cy="4525963"/>
+          </a:xfrm>
+        </p:spPr>
+        <p:txBody>
+          <a:bodyPr>
+            <a:normAutofit fontScale="70000" lnSpcReduction="20000"/>
+          </a:bodyPr>
+          <a:lstStyle/>
+          <a:p>
+            <a:pPr marL="0" indent="0">
+              <a:buNone/>
+            </a:pPr>
+            <a:r>
+              <a:rPr lang="ru-RU" dirty="0"/>
+              <a:t>Разработка качественных систем является весьма сложной задачей, а разработка качественных библиотек (особенно фреймворков) является поистине вершиной мастерства архитекторов и разработчиков. Сложность здесь кроется в специфике принимаемых решений, ведь акцент серьезно смещается в сторону простоты и удобства использования, расширяемости и надежности. И хотя именно тема разработка библиотек является центральной, книга будет также невероятно полезна и простым разработчикам, ведь знание ключевых идиом языка является совершенно необходимым, когда команда смотрит хотя бы немного дальше своего носа, и заботится не только о написании кода, но и о его последующем сопровождении</a:t>
+            </a:r>
+            <a:r>
+              <a:rPr lang="ru-RU" dirty="0" smtClean="0"/>
+              <a:t>.</a:t>
+            </a:r>
+            <a:endParaRPr lang="ru-RU" dirty="0"/>
+          </a:p>
+        </p:txBody>
+      </p:sp>
+      <p:pic>
+        <p:nvPicPr>
+          <p:cNvPr id="4098" name="Picture 2" descr="clip_image026"/>
+          <p:cNvPicPr>
+            <a:picLocks noChangeAspect="1" noChangeArrowheads="1"/>
+          </p:cNvPicPr>
+          <p:nvPr/>
+        </p:nvPicPr>
+        <p:blipFill>
+          <a:blip r:embed="rId2">
+            <a:extLst>
+              <a:ext uri="{28A0092B-C50C-407E-A947-70E740481C1C}">
+                <a14:useLocalDpi xmlns:a14="http://schemas.microsoft.com/office/drawing/2010/main" val="0"/>
+              </a:ext>
+            </a:extLst>
+          </a:blip>
+          <a:srcRect/>
+          <a:stretch>
+            <a:fillRect/>
+          </a:stretch>
+        </p:blipFill>
+        <p:spPr bwMode="auto">
+          <a:xfrm>
+            <a:off x="155575" y="2286000"/>
+            <a:ext cx="1685925" cy="2286001"/>
+          </a:xfrm>
+          <a:prstGeom prst="rect">
+            <a:avLst/>
+          </a:prstGeom>
+          <a:noFill/>
+          <a:extLst>
+            <a:ext uri="{909E8E84-426E-40DD-AFC4-6F175D3DCCD1}">
+              <a14:hiddenFill xmlns:a14="http://schemas.microsoft.com/office/drawing/2010/main">
+                <a:solidFill>
+                  <a:srgbClr val="FFFFFF"/>
+                </a:solidFill>
+              </a14:hiddenFill>
+            </a:ext>
+          </a:extLst>
+        </p:spPr>
+      </p:pic>
+    </p:spTree>
+    <p:extLst>
+      <p:ext uri="{BB962C8B-B14F-4D97-AF65-F5344CB8AC3E}">
+        <p14:creationId xmlns:p14="http://schemas.microsoft.com/office/powerpoint/2010/main" val="3172888255"/>
+      </p:ext>
+    </p:extLst>
+  </p:cSld>
+  <p:clrMapOvr>
+    <a:masterClrMapping/>
+  </p:clrMapOvr>
+  <p:timing>
+    <p:tnLst>
+      <p:par>
+        <p:cTn id="1" dur="indefinite" restart="never" nodeType="tmRoot"/>
+      </p:par>
+    </p:tnLst>
+  </p:timing>
+</p:sld>
+</file>
+
+<file path=ppt/slides/slide21.xml><?xml version="1.0" encoding="utf-8"?>
+<p:sld xmlns:a="http://schemas.openxmlformats.org/drawingml/2006/main" xmlns:r="http://schemas.openxmlformats.org/officeDocument/2006/relationships" xmlns:p="http://schemas.openxmlformats.org/presentationml/2006/main">
+  <p:cSld>
+    <p:spTree>
+      <p:nvGrpSpPr>
+        <p:cNvPr id="1" name=""/>
+        <p:cNvGrpSpPr/>
+        <p:nvPr/>
+      </p:nvGrpSpPr>
+      <p:grpSpPr>
+        <a:xfrm>
+          <a:off x="0" y="0"/>
+          <a:ext cx="0" cy="0"/>
+          <a:chOff x="0" y="0"/>
+          <a:chExt cx="0" cy="0"/>
+        </a:xfrm>
+      </p:grpSpPr>
+      <p:sp>
+        <p:nvSpPr>
+          <p:cNvPr id="2" name="Title 1"/>
+          <p:cNvSpPr>
+            <a:spLocks noGrp="1"/>
+          </p:cNvSpPr>
+          <p:nvPr>
+            <p:ph type="title"/>
+          </p:nvPr>
+        </p:nvSpPr>
+        <p:spPr>
+          <a:xfrm>
+            <a:off x="457200" y="2459174"/>
+            <a:ext cx="8229600" cy="1939652"/>
+          </a:xfrm>
+        </p:spPr>
+        <p:txBody>
+          <a:bodyPr>
+            <a:normAutofit/>
+          </a:bodyPr>
+          <a:lstStyle/>
+          <a:p>
+            <a:r>
+              <a:rPr lang="ru-RU" dirty="0" smtClean="0"/>
+              <a:t>Другое</a:t>
+            </a:r>
+            <a:endParaRPr lang="ru-RU" dirty="0"/>
+          </a:p>
+        </p:txBody>
+      </p:sp>
+    </p:spTree>
+    <p:extLst>
+      <p:ext uri="{BB962C8B-B14F-4D97-AF65-F5344CB8AC3E}">
+        <p14:creationId xmlns:p14="http://schemas.microsoft.com/office/powerpoint/2010/main" val="941366620"/>
+      </p:ext>
+    </p:extLst>
+  </p:cSld>
+  <p:clrMapOvr>
+    <a:masterClrMapping/>
+  </p:clrMapOvr>
+  <p:timing>
+    <p:tnLst>
+      <p:par>
+        <p:cTn id="1" dur="indefinite" restart="never" nodeType="tmRoot"/>
+      </p:par>
+    </p:tnLst>
+  </p:timing>
+</p:sld>
+</file>
+
+<file path=ppt/slides/slide22.xml><?xml version="1.0" encoding="utf-8"?>
+<p:sld xmlns:a="http://schemas.openxmlformats.org/drawingml/2006/main" xmlns:r="http://schemas.openxmlformats.org/officeDocument/2006/relationships" xmlns:p="http://schemas.openxmlformats.org/presentationml/2006/main">
+  <p:cSld>
+    <p:spTree>
+      <p:nvGrpSpPr>
+        <p:cNvPr id="1" name=""/>
+        <p:cNvGrpSpPr/>
+        <p:nvPr/>
+      </p:nvGrpSpPr>
+      <p:grpSpPr>
+        <a:xfrm>
+          <a:off x="0" y="0"/>
+          <a:ext cx="0" cy="0"/>
+          <a:chOff x="0" y="0"/>
+          <a:chExt cx="0" cy="0"/>
+        </a:xfrm>
+      </p:grpSpPr>
+      <p:sp>
+        <p:nvSpPr>
+          <p:cNvPr id="2" name="Title 1"/>
+          <p:cNvSpPr>
+            <a:spLocks noGrp="1"/>
+          </p:cNvSpPr>
+          <p:nvPr>
+            <p:ph type="title"/>
+          </p:nvPr>
+        </p:nvSpPr>
+        <p:spPr>
           <a:noFill/>
           <a:ln>
             <a:solidFill>
@@ -5380,7 +5822,7 @@
 </p:sld>
 </file>
 
-<file path=ppt/slides/slide21.xml><?xml version="1.0" encoding="utf-8"?>
+<file path=ppt/slides/slide23.xml><?xml version="1.0" encoding="utf-8"?>
 <p:sld xmlns:a="http://schemas.openxmlformats.org/drawingml/2006/main" xmlns:r="http://schemas.openxmlformats.org/officeDocument/2006/relationships" xmlns:p="http://schemas.openxmlformats.org/presentationml/2006/main">
   <p:cSld>
     <p:spTree>
@@ -5774,23 +6216,11 @@
             </a:pPr>
             <a:r>
               <a:rPr lang="ru-RU" sz="2800" dirty="0" smtClean="0"/>
-              <a:t>Джон Скит </a:t>
-            </a:r>
-            <a:r>
-              <a:rPr lang="ru-RU" sz="2800" dirty="0" smtClean="0"/>
-              <a:t>заслуженно </a:t>
-            </a:r>
-            <a:r>
-              <a:rPr lang="ru-RU" sz="2800" dirty="0" smtClean="0"/>
-              <a:t>известен как «Чак Норрис </a:t>
+              <a:t>Джон Скит заслуженно известен как «Чак Норрис </a:t>
             </a:r>
             <a:r>
               <a:rPr lang="en-US" sz="2800" dirty="0" smtClean="0"/>
-              <a:t>.NET</a:t>
-            </a:r>
-            <a:r>
-              <a:rPr lang="en-US" sz="2800" dirty="0" smtClean="0"/>
-              <a:t>-a</a:t>
+              <a:t>.NET-a</a:t>
             </a:r>
             <a:r>
               <a:rPr lang="ru-RU" sz="2800" dirty="0" smtClean="0"/>

--- a/Presentation/books-to-read.pptx
+++ b/Presentation/books-to-read.pptx
@@ -15,8 +15,8 @@
     <p:sldId id="277" r:id="rId6"/>
     <p:sldId id="271" r:id="rId7"/>
     <p:sldId id="265" r:id="rId8"/>
-    <p:sldId id="268" r:id="rId9"/>
-    <p:sldId id="279" r:id="rId10"/>
+    <p:sldId id="279" r:id="rId9"/>
+    <p:sldId id="268" r:id="rId10"/>
     <p:sldId id="278" r:id="rId11"/>
     <p:sldId id="272" r:id="rId12"/>
     <p:sldId id="259" r:id="rId13"/>
@@ -214,7 +214,7 @@
           <a:p>
             <a:fld id="{B24A7054-7FFB-49F4-A126-5DF6E687FF53}" type="datetimeFigureOut">
               <a:rPr lang="ru-RU" smtClean="0"/>
-              <a:t>11.04.2016</a:t>
+              <a:t>02.10.2016</a:t>
             </a:fld>
             <a:endParaRPr lang="ru-RU"/>
           </a:p>
@@ -1496,7 +1496,7 @@
           <a:p>
             <a:fld id="{8E6E6A2A-E9D3-4A0D-B04A-ABDD367A1E08}" type="datetimeFigureOut">
               <a:rPr lang="ru-RU" smtClean="0"/>
-              <a:t>11.04.2016</a:t>
+              <a:t>02.10.2016</a:t>
             </a:fld>
             <a:endParaRPr lang="ru-RU"/>
           </a:p>
@@ -2941,7 +2941,7 @@
           <a:p>
             <a:fld id="{AC3D3127-B7C4-45E3-9797-C527EC9FDD78}" type="datetimeFigureOut">
               <a:rPr lang="ru-RU" smtClean="0"/>
-              <a:t>11.04.2016</a:t>
+              <a:t>02.10.2016</a:t>
             </a:fld>
             <a:endParaRPr lang="ru-RU"/>
           </a:p>
@@ -4424,7 +4424,6 @@
               <a:rPr lang="ru-RU" sz="2800" dirty="0"/>
               <a:t>)</a:t>
             </a:r>
-            <a:endParaRPr lang="ru-RU" sz="2800" dirty="0"/>
           </a:p>
         </p:txBody>
       </p:sp>
@@ -6767,210 +6766,6 @@
 </file>
 
 <file path=ppt/slides/slide8.xml><?xml version="1.0" encoding="utf-8"?>
-<p:sld xmlns:a="http://schemas.openxmlformats.org/drawingml/2006/main" xmlns:r="http://schemas.openxmlformats.org/officeDocument/2006/relationships" xmlns:p="http://schemas.openxmlformats.org/presentationml/2006/main" show="0">
-  <p:cSld>
-    <p:spTree>
-      <p:nvGrpSpPr>
-        <p:cNvPr id="1" name=""/>
-        <p:cNvGrpSpPr/>
-        <p:nvPr/>
-      </p:nvGrpSpPr>
-      <p:grpSpPr>
-        <a:xfrm>
-          <a:off x="0" y="0"/>
-          <a:ext cx="0" cy="0"/>
-          <a:chOff x="0" y="0"/>
-          <a:chExt cx="0" cy="0"/>
-        </a:xfrm>
-      </p:grpSpPr>
-      <p:sp>
-        <p:nvSpPr>
-          <p:cNvPr id="2" name="Title 1"/>
-          <p:cNvSpPr>
-            <a:spLocks noGrp="1"/>
-          </p:cNvSpPr>
-          <p:nvPr>
-            <p:ph type="title"/>
-          </p:nvPr>
-        </p:nvSpPr>
-        <p:spPr>
-          <a:noFill/>
-          <a:ln>
-            <a:solidFill>
-              <a:schemeClr val="tx1"/>
-            </a:solidFill>
-          </a:ln>
-        </p:spPr>
-        <p:txBody>
-          <a:bodyPr>
-            <a:noAutofit/>
-          </a:bodyPr>
-          <a:lstStyle/>
-          <a:p>
-            <a:r>
-              <a:rPr lang="ru-RU" sz="2400" i="1" dirty="0">
-                <a:solidFill>
-                  <a:srgbClr val="FFFF00"/>
-                </a:solidFill>
-              </a:rPr>
-              <a:t>Объектно-ориентированное конструирование программных </a:t>
-            </a:r>
-            <a:r>
-              <a:rPr lang="ru-RU" sz="2400" i="1" dirty="0" smtClean="0">
-                <a:solidFill>
-                  <a:srgbClr val="FFFF00"/>
-                </a:solidFill>
-              </a:rPr>
-              <a:t>систем</a:t>
-            </a:r>
-            <a:r>
-              <a:rPr lang="en-US" sz="2400" i="1" dirty="0" smtClean="0">
-                <a:solidFill>
-                  <a:srgbClr val="FFFF00"/>
-                </a:solidFill>
-              </a:rPr>
-              <a:t/>
-            </a:r>
-            <a:br>
-              <a:rPr lang="en-US" sz="2400" i="1" dirty="0" smtClean="0">
-                <a:solidFill>
-                  <a:srgbClr val="FFFF00"/>
-                </a:solidFill>
-              </a:rPr>
-            </a:br>
-            <a:r>
-              <a:rPr lang="ru-RU" sz="2400" dirty="0"/>
-              <a:t>Бертран </a:t>
-            </a:r>
-            <a:r>
-              <a:rPr lang="ru-RU" sz="2400" dirty="0" smtClean="0"/>
-              <a:t>Мейер</a:t>
-            </a:r>
-            <a:endParaRPr lang="ru-RU" sz="2400" dirty="0"/>
-          </a:p>
-        </p:txBody>
-      </p:sp>
-      <p:sp>
-        <p:nvSpPr>
-          <p:cNvPr id="3" name="Content Placeholder 2"/>
-          <p:cNvSpPr>
-            <a:spLocks noGrp="1"/>
-          </p:cNvSpPr>
-          <p:nvPr>
-            <p:ph idx="1"/>
-          </p:nvPr>
-        </p:nvSpPr>
-        <p:spPr>
-          <a:xfrm>
-            <a:off x="3131840" y="1600200"/>
-            <a:ext cx="5554960" cy="4525963"/>
-          </a:xfrm>
-        </p:spPr>
-        <p:txBody>
-          <a:bodyPr anchor="t" anchorCtr="0">
-            <a:normAutofit/>
-          </a:bodyPr>
-          <a:lstStyle/>
-          <a:p>
-            <a:pPr marL="0" indent="0">
-              <a:buNone/>
-            </a:pPr>
-            <a:r>
-              <a:rPr lang="en-US" dirty="0" smtClean="0"/>
-              <a:t>....</a:t>
-            </a:r>
-          </a:p>
-          <a:p>
-            <a:pPr marL="0" indent="0">
-              <a:buNone/>
-            </a:pPr>
-            <a:endParaRPr lang="en-US" dirty="0"/>
-          </a:p>
-          <a:p>
-            <a:pPr marL="0" indent="0">
-              <a:buNone/>
-            </a:pPr>
-            <a:r>
-              <a:rPr lang="en-US" dirty="0">
-                <a:hlinkClick r:id="rId2"/>
-              </a:rPr>
-              <a:t>http://</a:t>
-            </a:r>
-            <a:r>
-              <a:rPr lang="en-US" dirty="0" smtClean="0">
-                <a:hlinkClick r:id="rId2"/>
-              </a:rPr>
-              <a:t>oz.by/books/more1015778.html</a:t>
-            </a:r>
-            <a:endParaRPr lang="en-US" dirty="0" smtClean="0"/>
-          </a:p>
-          <a:p>
-            <a:pPr marL="0" indent="0">
-              <a:buNone/>
-            </a:pPr>
-            <a:endParaRPr lang="ru-RU" dirty="0"/>
-          </a:p>
-        </p:txBody>
-      </p:sp>
-      <p:pic>
-        <p:nvPicPr>
-          <p:cNvPr id="5" name="Picture 4"/>
-          <p:cNvPicPr>
-            <a:picLocks noChangeAspect="1"/>
-          </p:cNvPicPr>
-          <p:nvPr/>
-        </p:nvPicPr>
-        <p:blipFill>
-          <a:blip r:embed="rId3">
-            <a:extLst>
-              <a:ext uri="{28A0092B-C50C-407E-A947-70E740481C1C}">
-                <a14:useLocalDpi xmlns:a14="http://schemas.microsoft.com/office/drawing/2010/main" val="0"/>
-              </a:ext>
-            </a:extLst>
-          </a:blip>
-          <a:stretch>
-            <a:fillRect/>
-          </a:stretch>
-        </p:blipFill>
-        <p:spPr>
-          <a:xfrm>
-            <a:off x="467544" y="1574800"/>
-            <a:ext cx="2540000" cy="3708400"/>
-          </a:xfrm>
-          <a:prstGeom prst="rect">
-            <a:avLst/>
-          </a:prstGeom>
-        </p:spPr>
-      </p:pic>
-    </p:spTree>
-    <p:extLst>
-      <p:ext uri="{BB962C8B-B14F-4D97-AF65-F5344CB8AC3E}">
-        <p14:creationId xmlns:p14="http://schemas.microsoft.com/office/powerpoint/2010/main" val="3884244200"/>
-      </p:ext>
-    </p:extLst>
-  </p:cSld>
-  <p:clrMapOvr>
-    <a:masterClrMapping/>
-  </p:clrMapOvr>
-  <mc:AlternateContent xmlns:mc="http://schemas.openxmlformats.org/markup-compatibility/2006" xmlns:p14="http://schemas.microsoft.com/office/powerpoint/2010/main">
-    <mc:Choice Requires="p14">
-      <p:transition spd="slow" p14:dur="2000"/>
-    </mc:Choice>
-    <mc:Fallback xmlns="">
-      <p:transition spd="slow"/>
-    </mc:Fallback>
-  </mc:AlternateContent>
-  <p:timing>
-    <p:tnLst>
-      <p:par>
-        <p:cTn id="1" dur="indefinite" restart="never" nodeType="tmRoot"/>
-      </p:par>
-    </p:tnLst>
-  </p:timing>
-</p:sld>
-</file>
-
-<file path=ppt/slides/slide9.xml><?xml version="1.0" encoding="utf-8"?>
 <p:sld xmlns:a="http://schemas.openxmlformats.org/drawingml/2006/main" xmlns:r="http://schemas.openxmlformats.org/officeDocument/2006/relationships" xmlns:p="http://schemas.openxmlformats.org/presentationml/2006/main">
   <p:cSld>
     <p:spTree>
@@ -7126,6 +6921,199 @@
   <p:clrMapOvr>
     <a:masterClrMapping/>
   </p:clrMapOvr>
+  <p:timing>
+    <p:tnLst>
+      <p:par>
+        <p:cTn id="1" dur="indefinite" restart="never" nodeType="tmRoot"/>
+      </p:par>
+    </p:tnLst>
+  </p:timing>
+</p:sld>
+</file>
+
+<file path=ppt/slides/slide9.xml><?xml version="1.0" encoding="utf-8"?>
+<p:sld xmlns:a="http://schemas.openxmlformats.org/drawingml/2006/main" xmlns:r="http://schemas.openxmlformats.org/officeDocument/2006/relationships" xmlns:p="http://schemas.openxmlformats.org/presentationml/2006/main">
+  <p:cSld>
+    <p:spTree>
+      <p:nvGrpSpPr>
+        <p:cNvPr id="1" name=""/>
+        <p:cNvGrpSpPr/>
+        <p:nvPr/>
+      </p:nvGrpSpPr>
+      <p:grpSpPr>
+        <a:xfrm>
+          <a:off x="0" y="0"/>
+          <a:ext cx="0" cy="0"/>
+          <a:chOff x="0" y="0"/>
+          <a:chExt cx="0" cy="0"/>
+        </a:xfrm>
+      </p:grpSpPr>
+      <p:sp>
+        <p:nvSpPr>
+          <p:cNvPr id="2" name="Title 1"/>
+          <p:cNvSpPr>
+            <a:spLocks noGrp="1"/>
+          </p:cNvSpPr>
+          <p:nvPr>
+            <p:ph type="title"/>
+          </p:nvPr>
+        </p:nvSpPr>
+        <p:spPr>
+          <a:noFill/>
+          <a:ln>
+            <a:solidFill>
+              <a:schemeClr val="tx1"/>
+            </a:solidFill>
+          </a:ln>
+        </p:spPr>
+        <p:txBody>
+          <a:bodyPr>
+            <a:noAutofit/>
+          </a:bodyPr>
+          <a:lstStyle/>
+          <a:p>
+            <a:r>
+              <a:rPr lang="ru-RU" sz="2400" i="1" smtClean="0">
+                <a:solidFill>
+                  <a:srgbClr val="FFFF00"/>
+                </a:solidFill>
+              </a:rPr>
+              <a:t>Объектно-ориентированное конструирование программных систем</a:t>
+            </a:r>
+            <a:r>
+              <a:rPr lang="en-US" sz="2400" i="1" smtClean="0">
+                <a:solidFill>
+                  <a:srgbClr val="FFFF00"/>
+                </a:solidFill>
+              </a:rPr>
+              <a:t/>
+            </a:r>
+            <a:br>
+              <a:rPr lang="en-US" sz="2400" i="1" smtClean="0">
+                <a:solidFill>
+                  <a:srgbClr val="FFFF00"/>
+                </a:solidFill>
+              </a:rPr>
+            </a:br>
+            <a:r>
+              <a:rPr lang="ru-RU" sz="2400" smtClean="0"/>
+              <a:t>Бертран Мейер</a:t>
+            </a:r>
+            <a:endParaRPr lang="ru-RU" sz="2400" dirty="0"/>
+          </a:p>
+        </p:txBody>
+      </p:sp>
+      <p:sp>
+        <p:nvSpPr>
+          <p:cNvPr id="3" name="Content Placeholder 2"/>
+          <p:cNvSpPr>
+            <a:spLocks noGrp="1"/>
+          </p:cNvSpPr>
+          <p:nvPr>
+            <p:ph idx="1"/>
+          </p:nvPr>
+        </p:nvSpPr>
+        <p:spPr>
+          <a:xfrm>
+            <a:off x="3131840" y="1600200"/>
+            <a:ext cx="5554960" cy="4525963"/>
+          </a:xfrm>
+        </p:spPr>
+        <p:txBody>
+          <a:bodyPr anchor="t" anchorCtr="0">
+            <a:normAutofit/>
+          </a:bodyPr>
+          <a:lstStyle/>
+          <a:p>
+            <a:pPr marL="0" indent="0">
+              <a:buNone/>
+            </a:pPr>
+            <a:r>
+              <a:rPr lang="ru-RU" sz="2000" dirty="0" smtClean="0"/>
+              <a:t>Книга посвящена обоснованию и технологии применения объектного подхода при разработке программных систем. Основное внимание уделяется вопросам качества, повторного использования и расширяемости проектируемых систем. </a:t>
+            </a:r>
+            <a:br>
+              <a:rPr lang="ru-RU" sz="2000" dirty="0" smtClean="0"/>
+            </a:br>
+            <a:r>
+              <a:rPr lang="ru-RU" sz="2000" dirty="0" smtClean="0"/>
+              <a:t/>
+            </a:r>
+            <a:br>
+              <a:rPr lang="ru-RU" sz="2000" dirty="0" smtClean="0"/>
+            </a:br>
+            <a:r>
+              <a:rPr lang="ru-RU" sz="2000" dirty="0" smtClean="0"/>
+              <a:t>Рассматриваемый объектный подход охватывает весь жизненный цикл разработки - анализ, проектирование, программирование и сопровождение.</a:t>
+            </a:r>
+            <a:endParaRPr lang="en-US" sz="2000" dirty="0" smtClean="0"/>
+          </a:p>
+          <a:p>
+            <a:pPr marL="0" indent="0">
+              <a:buNone/>
+            </a:pPr>
+            <a:endParaRPr lang="en-US" sz="2000" dirty="0" smtClean="0"/>
+          </a:p>
+          <a:p>
+            <a:pPr marL="0" indent="0">
+              <a:buNone/>
+            </a:pPr>
+            <a:r>
+              <a:rPr lang="en-US" sz="2000" dirty="0" smtClean="0"/>
+              <a:t>http://www.ozon.ru/context/detail/id/2336754/</a:t>
+            </a:r>
+            <a:endParaRPr lang="ru-RU" sz="2000" dirty="0"/>
+          </a:p>
+        </p:txBody>
+      </p:sp>
+      <p:pic>
+        <p:nvPicPr>
+          <p:cNvPr id="5" name="Picture 4"/>
+          <p:cNvPicPr>
+            <a:picLocks noChangeAspect="1"/>
+          </p:cNvPicPr>
+          <p:nvPr/>
+        </p:nvPicPr>
+        <p:blipFill>
+          <a:blip r:embed="rId2">
+            <a:extLst>
+              <a:ext uri="{28A0092B-C50C-407E-A947-70E740481C1C}">
+                <a14:useLocalDpi xmlns:a14="http://schemas.microsoft.com/office/drawing/2010/main" val="0"/>
+              </a:ext>
+            </a:extLst>
+          </a:blip>
+          <a:stretch>
+            <a:fillRect/>
+          </a:stretch>
+        </p:blipFill>
+        <p:spPr>
+          <a:xfrm>
+            <a:off x="467544" y="1574800"/>
+            <a:ext cx="2540000" cy="3708400"/>
+          </a:xfrm>
+          <a:prstGeom prst="rect">
+            <a:avLst/>
+          </a:prstGeom>
+        </p:spPr>
+      </p:pic>
+    </p:spTree>
+    <p:extLst>
+      <p:ext uri="{BB962C8B-B14F-4D97-AF65-F5344CB8AC3E}">
+        <p14:creationId xmlns:p14="http://schemas.microsoft.com/office/powerpoint/2010/main" val="3884244200"/>
+      </p:ext>
+    </p:extLst>
+  </p:cSld>
+  <p:clrMapOvr>
+    <a:masterClrMapping/>
+  </p:clrMapOvr>
+  <mc:AlternateContent xmlns:mc="http://schemas.openxmlformats.org/markup-compatibility/2006">
+    <mc:Choice xmlns:p14="http://schemas.microsoft.com/office/powerpoint/2010/main" Requires="p14">
+      <p:transition spd="slow" p14:dur="2000"/>
+    </mc:Choice>
+    <mc:Fallback>
+      <p:transition spd="slow"/>
+    </mc:Fallback>
+  </mc:AlternateContent>
   <p:timing>
     <p:tnLst>
       <p:par>

--- a/Presentation/books-to-read.pptx
+++ b/Presentation/books-to-read.pptx
@@ -5,32 +5,37 @@
     <p:sldMasterId id="2147483648" r:id="rId1"/>
   </p:sldMasterIdLst>
   <p:notesMasterIdLst>
-    <p:notesMasterId r:id="rId25"/>
+    <p:notesMasterId r:id="rId30"/>
   </p:notesMasterIdLst>
   <p:sldIdLst>
     <p:sldId id="258" r:id="rId2"/>
-    <p:sldId id="269" r:id="rId3"/>
-    <p:sldId id="270" r:id="rId4"/>
-    <p:sldId id="282" r:id="rId5"/>
-    <p:sldId id="277" r:id="rId6"/>
-    <p:sldId id="271" r:id="rId7"/>
-    <p:sldId id="265" r:id="rId8"/>
-    <p:sldId id="279" r:id="rId9"/>
-    <p:sldId id="268" r:id="rId10"/>
-    <p:sldId id="278" r:id="rId11"/>
-    <p:sldId id="272" r:id="rId12"/>
-    <p:sldId id="259" r:id="rId13"/>
-    <p:sldId id="262" r:id="rId14"/>
-    <p:sldId id="260" r:id="rId15"/>
-    <p:sldId id="263" r:id="rId16"/>
-    <p:sldId id="281" r:id="rId17"/>
-    <p:sldId id="283" r:id="rId18"/>
-    <p:sldId id="284" r:id="rId19"/>
-    <p:sldId id="280" r:id="rId20"/>
-    <p:sldId id="264" r:id="rId21"/>
-    <p:sldId id="261" r:id="rId22"/>
-    <p:sldId id="275" r:id="rId23"/>
-    <p:sldId id="276" r:id="rId24"/>
+    <p:sldId id="265" r:id="rId3"/>
+    <p:sldId id="269" r:id="rId4"/>
+    <p:sldId id="286" r:id="rId5"/>
+    <p:sldId id="270" r:id="rId6"/>
+    <p:sldId id="282" r:id="rId7"/>
+    <p:sldId id="277" r:id="rId8"/>
+    <p:sldId id="271" r:id="rId9"/>
+    <p:sldId id="285" r:id="rId10"/>
+    <p:sldId id="279" r:id="rId11"/>
+    <p:sldId id="268" r:id="rId12"/>
+    <p:sldId id="278" r:id="rId13"/>
+    <p:sldId id="272" r:id="rId14"/>
+    <p:sldId id="259" r:id="rId15"/>
+    <p:sldId id="262" r:id="rId16"/>
+    <p:sldId id="260" r:id="rId17"/>
+    <p:sldId id="263" r:id="rId18"/>
+    <p:sldId id="287" r:id="rId19"/>
+    <p:sldId id="288" r:id="rId20"/>
+    <p:sldId id="289" r:id="rId21"/>
+    <p:sldId id="281" r:id="rId22"/>
+    <p:sldId id="283" r:id="rId23"/>
+    <p:sldId id="284" r:id="rId24"/>
+    <p:sldId id="280" r:id="rId25"/>
+    <p:sldId id="264" r:id="rId26"/>
+    <p:sldId id="261" r:id="rId27"/>
+    <p:sldId id="275" r:id="rId28"/>
+    <p:sldId id="276" r:id="rId29"/>
   </p:sldIdLst>
   <p:sldSz cx="9144000" cy="6858000" type="screen4x3"/>
   <p:notesSz cx="6858000" cy="9144000"/>
@@ -129,6 +134,86 @@
       </a:defRPr>
     </a:lvl9pPr>
   </p:defaultTextStyle>
+  <p:extLst>
+    <p:ext uri="{521415D9-36F7-43E2-AB2F-B90AF26B5E84}">
+      <p14:sectionLst xmlns:p14="http://schemas.microsoft.com/office/powerpoint/2010/main">
+        <p14:section name="Default Section" id="{81770E32-8A89-46F3-9C2D-7B8559E4870A}">
+          <p14:sldIdLst>
+            <p14:sldId id="258"/>
+            <p14:sldId id="265"/>
+            <p14:sldId id="269"/>
+          </p14:sldIdLst>
+        </p14:section>
+        <p14:section name="Для продолжающих" id="{56F71D58-A94A-4EA9-B6F5-310B0B9E8EAA}">
+          <p14:sldIdLst>
+            <p14:sldId id="286"/>
+            <p14:sldId id="270"/>
+            <p14:sldId id="282"/>
+            <p14:sldId id="277"/>
+            <p14:sldId id="271"/>
+          </p14:sldIdLst>
+        </p14:section>
+        <p14:section name="ООП и паттерны" id="{1BCF32D7-334E-40B1-8CB8-4433AA8A54A3}">
+          <p14:sldIdLst>
+            <p14:sldId id="285"/>
+            <p14:sldId id="279"/>
+            <p14:sldId id="268"/>
+            <p14:sldId id="278"/>
+            <p14:sldId id="272"/>
+          </p14:sldIdLst>
+        </p14:section>
+        <p14:section name="Стиль кодирования" id="{D6926DC9-8D7D-42A4-BF62-C525878265E2}">
+          <p14:sldIdLst>
+            <p14:sldId id="259"/>
+            <p14:sldId id="262"/>
+            <p14:sldId id="260"/>
+          </p14:sldIdLst>
+        </p14:section>
+        <p14:section name="Entity Framework" id="{D2261E48-3561-47B1-9323-791AAAC82049}">
+          <p14:sldIdLst>
+            <p14:sldId id="263"/>
+            <p14:sldId id="287"/>
+            <p14:sldId id="288"/>
+            <p14:sldId id="289"/>
+            <p14:sldId id="281"/>
+          </p14:sldIdLst>
+        </p14:section>
+        <p14:section name="TDD" id="{318A25E3-9622-4EFA-87BE-5752E5FB980F}">
+          <p14:sldIdLst>
+            <p14:sldId id="283"/>
+            <p14:sldId id="284"/>
+          </p14:sldIdLst>
+        </p14:section>
+        <p14:section name="Проектирование" id="{7D1BAFED-0A81-422B-84BD-57FA0CFE6C33}">
+          <p14:sldIdLst>
+            <p14:sldId id="280"/>
+            <p14:sldId id="264"/>
+          </p14:sldIdLst>
+        </p14:section>
+        <p14:section name="Другое" id="{C880A9E3-47AD-4E03-B875-4B7CF60B6B52}">
+          <p14:sldIdLst>
+            <p14:sldId id="261"/>
+            <p14:sldId id="275"/>
+            <p14:sldId id="276"/>
+          </p14:sldIdLst>
+        </p14:section>
+      </p14:sectionLst>
+    </p:ext>
+    <p:ext uri="{EFAFB233-063F-42B5-8137-9DF3F51BA10A}">
+      <p15:sldGuideLst xmlns:p15="http://schemas.microsoft.com/office/powerpoint/2012/main">
+        <p15:guide id="1" orient="horz" pos="2160">
+          <p15:clr>
+            <a:srgbClr val="A4A3A4"/>
+          </p15:clr>
+        </p15:guide>
+        <p15:guide id="2" pos="2880">
+          <p15:clr>
+            <a:srgbClr val="A4A3A4"/>
+          </p15:clr>
+        </p15:guide>
+      </p15:sldGuideLst>
+    </p:ext>
+  </p:extLst>
 </p:presentation>
 </file>
 
@@ -214,7 +299,7 @@
           <a:p>
             <a:fld id="{B24A7054-7FFB-49F4-A126-5DF6E687FF53}" type="datetimeFigureOut">
               <a:rPr lang="ru-RU" smtClean="0"/>
-              <a:t>02.10.2016</a:t>
+              <a:t>15.01.2017</a:t>
             </a:fld>
             <a:endParaRPr lang="ru-RU"/>
           </a:p>
@@ -1496,7 +1581,7 @@
           <a:p>
             <a:fld id="{8E6E6A2A-E9D3-4A0D-B04A-ABDD367A1E08}" type="datetimeFigureOut">
               <a:rPr lang="ru-RU" smtClean="0"/>
-              <a:t>02.10.2016</a:t>
+              <a:t>15.01.2017</a:t>
             </a:fld>
             <a:endParaRPr lang="ru-RU"/>
           </a:p>
@@ -2941,7 +3026,7 @@
           <a:p>
             <a:fld id="{AC3D3127-B7C4-45E3-9797-C527EC9FDD78}" type="datetimeFigureOut">
               <a:rPr lang="ru-RU" smtClean="0"/>
-              <a:t>02.10.2016</a:t>
+              <a:t>15.01.2017</a:t>
             </a:fld>
             <a:endParaRPr lang="ru-RU"/>
           </a:p>
@@ -3526,6 +3611,365 @@
 </file>
 
 <file path=ppt/slides/slide10.xml><?xml version="1.0" encoding="utf-8"?>
+<p:sld xmlns:a="http://schemas.openxmlformats.org/drawingml/2006/main" xmlns:r="http://schemas.openxmlformats.org/officeDocument/2006/relationships" xmlns:p="http://schemas.openxmlformats.org/presentationml/2006/main">
+  <p:cSld>
+    <p:spTree>
+      <p:nvGrpSpPr>
+        <p:cNvPr id="1" name=""/>
+        <p:cNvGrpSpPr/>
+        <p:nvPr/>
+      </p:nvGrpSpPr>
+      <p:grpSpPr>
+        <a:xfrm>
+          <a:off x="0" y="0"/>
+          <a:ext cx="0" cy="0"/>
+          <a:chOff x="0" y="0"/>
+          <a:chExt cx="0" cy="0"/>
+        </a:xfrm>
+      </p:grpSpPr>
+      <p:sp>
+        <p:nvSpPr>
+          <p:cNvPr id="2" name="Title 1"/>
+          <p:cNvSpPr>
+            <a:spLocks noGrp="1"/>
+          </p:cNvSpPr>
+          <p:nvPr>
+            <p:ph type="title"/>
+          </p:nvPr>
+        </p:nvSpPr>
+        <p:spPr>
+          <a:noFill/>
+          <a:ln>
+            <a:solidFill>
+              <a:schemeClr val="tx1"/>
+            </a:solidFill>
+          </a:ln>
+        </p:spPr>
+        <p:txBody>
+          <a:bodyPr>
+            <a:noAutofit/>
+          </a:bodyPr>
+          <a:lstStyle/>
+          <a:p>
+            <a:r>
+              <a:rPr lang="ru-RU" sz="2400" i="1" dirty="0">
+                <a:solidFill>
+                  <a:srgbClr val="FFFF00"/>
+                </a:solidFill>
+              </a:rPr>
+              <a:t>Объектно-ориентированный анализ и проектирование с примерами </a:t>
+            </a:r>
+            <a:r>
+              <a:rPr lang="ru-RU" sz="2400" i="1" dirty="0" smtClean="0">
+                <a:solidFill>
+                  <a:srgbClr val="FFFF00"/>
+                </a:solidFill>
+              </a:rPr>
+              <a:t>приложений</a:t>
+            </a:r>
+            <a:r>
+              <a:rPr lang="en-US" sz="2400" i="1" dirty="0" smtClean="0"/>
+              <a:t/>
+            </a:r>
+            <a:br>
+              <a:rPr lang="en-US" sz="2400" i="1" dirty="0" smtClean="0"/>
+            </a:br>
+            <a:r>
+              <a:rPr lang="ru-RU" sz="2400" dirty="0" smtClean="0"/>
+              <a:t>Гради Буч</a:t>
+            </a:r>
+            <a:endParaRPr lang="ru-RU" sz="2400" dirty="0"/>
+          </a:p>
+        </p:txBody>
+      </p:sp>
+      <p:sp>
+        <p:nvSpPr>
+          <p:cNvPr id="3" name="Content Placeholder 2"/>
+          <p:cNvSpPr>
+            <a:spLocks noGrp="1"/>
+          </p:cNvSpPr>
+          <p:nvPr>
+            <p:ph idx="1"/>
+          </p:nvPr>
+        </p:nvSpPr>
+        <p:spPr>
+          <a:xfrm>
+            <a:off x="3131840" y="1600200"/>
+            <a:ext cx="5554960" cy="4525963"/>
+          </a:xfrm>
+        </p:spPr>
+        <p:txBody>
+          <a:bodyPr anchor="t" anchorCtr="0">
+            <a:normAutofit fontScale="92500" lnSpcReduction="20000"/>
+          </a:bodyPr>
+          <a:lstStyle/>
+          <a:p>
+            <a:pPr marL="0" indent="0">
+              <a:buNone/>
+            </a:pPr>
+            <a:r>
+              <a:rPr lang="ru-RU" dirty="0" smtClean="0"/>
+              <a:t>В книге описываются </a:t>
+            </a:r>
+            <a:r>
+              <a:rPr lang="ru-RU" dirty="0"/>
+              <a:t>объектные методы решения сложных проблем, связанные с разработкой систем и программного обеспечения. Используя многочисленные примеры, </a:t>
+            </a:r>
+            <a:r>
+              <a:rPr lang="ru-RU" dirty="0" smtClean="0"/>
+              <a:t>иллюстрируются </a:t>
+            </a:r>
+            <a:r>
+              <a:rPr lang="ru-RU" dirty="0"/>
+              <a:t>основные концепции объектно-ориентированного подхода на примере разработки систем управления, сбора данных и искусственного интеллекта.</a:t>
+            </a:r>
+          </a:p>
+        </p:txBody>
+      </p:sp>
+      <p:pic>
+        <p:nvPicPr>
+          <p:cNvPr id="4" name="Picture 3"/>
+          <p:cNvPicPr>
+            <a:picLocks noChangeAspect="1"/>
+          </p:cNvPicPr>
+          <p:nvPr/>
+        </p:nvPicPr>
+        <p:blipFill>
+          <a:blip r:embed="rId2">
+            <a:extLst>
+              <a:ext uri="{28A0092B-C50C-407E-A947-70E740481C1C}">
+                <a14:useLocalDpi xmlns:a14="http://schemas.microsoft.com/office/drawing/2010/main" val="0"/>
+              </a:ext>
+            </a:extLst>
+          </a:blip>
+          <a:stretch>
+            <a:fillRect/>
+          </a:stretch>
+        </p:blipFill>
+        <p:spPr>
+          <a:xfrm>
+            <a:off x="467544" y="1600200"/>
+            <a:ext cx="2520000" cy="3578400"/>
+          </a:xfrm>
+          <a:prstGeom prst="rect">
+            <a:avLst/>
+          </a:prstGeom>
+        </p:spPr>
+      </p:pic>
+    </p:spTree>
+    <p:extLst>
+      <p:ext uri="{BB962C8B-B14F-4D97-AF65-F5344CB8AC3E}">
+        <p14:creationId xmlns:p14="http://schemas.microsoft.com/office/powerpoint/2010/main" val="3217659103"/>
+      </p:ext>
+    </p:extLst>
+  </p:cSld>
+  <p:clrMapOvr>
+    <a:masterClrMapping/>
+  </p:clrMapOvr>
+  <p:timing>
+    <p:tnLst>
+      <p:par>
+        <p:cTn id="1" dur="indefinite" restart="never" nodeType="tmRoot"/>
+      </p:par>
+    </p:tnLst>
+  </p:timing>
+</p:sld>
+</file>
+
+<file path=ppt/slides/slide11.xml><?xml version="1.0" encoding="utf-8"?>
+<p:sld xmlns:a="http://schemas.openxmlformats.org/drawingml/2006/main" xmlns:r="http://schemas.openxmlformats.org/officeDocument/2006/relationships" xmlns:p="http://schemas.openxmlformats.org/presentationml/2006/main">
+  <p:cSld>
+    <p:spTree>
+      <p:nvGrpSpPr>
+        <p:cNvPr id="1" name=""/>
+        <p:cNvGrpSpPr/>
+        <p:nvPr/>
+      </p:nvGrpSpPr>
+      <p:grpSpPr>
+        <a:xfrm>
+          <a:off x="0" y="0"/>
+          <a:ext cx="0" cy="0"/>
+          <a:chOff x="0" y="0"/>
+          <a:chExt cx="0" cy="0"/>
+        </a:xfrm>
+      </p:grpSpPr>
+      <p:sp>
+        <p:nvSpPr>
+          <p:cNvPr id="2" name="Title 1"/>
+          <p:cNvSpPr>
+            <a:spLocks noGrp="1"/>
+          </p:cNvSpPr>
+          <p:nvPr>
+            <p:ph type="title"/>
+          </p:nvPr>
+        </p:nvSpPr>
+        <p:spPr>
+          <a:noFill/>
+          <a:ln>
+            <a:solidFill>
+              <a:schemeClr val="tx1"/>
+            </a:solidFill>
+          </a:ln>
+        </p:spPr>
+        <p:txBody>
+          <a:bodyPr>
+            <a:noAutofit/>
+          </a:bodyPr>
+          <a:lstStyle/>
+          <a:p>
+            <a:r>
+              <a:rPr lang="ru-RU" sz="2400" i="1" smtClean="0">
+                <a:solidFill>
+                  <a:srgbClr val="FFFF00"/>
+                </a:solidFill>
+              </a:rPr>
+              <a:t>Объектно-ориентированное конструирование программных систем</a:t>
+            </a:r>
+            <a:r>
+              <a:rPr lang="en-US" sz="2400" i="1" smtClean="0">
+                <a:solidFill>
+                  <a:srgbClr val="FFFF00"/>
+                </a:solidFill>
+              </a:rPr>
+              <a:t/>
+            </a:r>
+            <a:br>
+              <a:rPr lang="en-US" sz="2400" i="1" smtClean="0">
+                <a:solidFill>
+                  <a:srgbClr val="FFFF00"/>
+                </a:solidFill>
+              </a:rPr>
+            </a:br>
+            <a:r>
+              <a:rPr lang="ru-RU" sz="2400" smtClean="0"/>
+              <a:t>Бертран Мейер</a:t>
+            </a:r>
+            <a:endParaRPr lang="ru-RU" sz="2400" dirty="0"/>
+          </a:p>
+        </p:txBody>
+      </p:sp>
+      <p:sp>
+        <p:nvSpPr>
+          <p:cNvPr id="3" name="Content Placeholder 2"/>
+          <p:cNvSpPr>
+            <a:spLocks noGrp="1"/>
+          </p:cNvSpPr>
+          <p:nvPr>
+            <p:ph idx="1"/>
+          </p:nvPr>
+        </p:nvSpPr>
+        <p:spPr>
+          <a:xfrm>
+            <a:off x="3131840" y="1600200"/>
+            <a:ext cx="5554960" cy="4525963"/>
+          </a:xfrm>
+        </p:spPr>
+        <p:txBody>
+          <a:bodyPr anchor="t" anchorCtr="0">
+            <a:normAutofit/>
+          </a:bodyPr>
+          <a:lstStyle/>
+          <a:p>
+            <a:pPr marL="0" indent="0">
+              <a:buNone/>
+            </a:pPr>
+            <a:r>
+              <a:rPr lang="ru-RU" sz="2000" dirty="0" smtClean="0"/>
+              <a:t>Книга посвящена обоснованию и технологии применения объектного подхода при разработке программных систем. Основное внимание уделяется вопросам качества, повторного использования и расширяемости проектируемых систем. </a:t>
+            </a:r>
+            <a:br>
+              <a:rPr lang="ru-RU" sz="2000" dirty="0" smtClean="0"/>
+            </a:br>
+            <a:r>
+              <a:rPr lang="ru-RU" sz="2000" dirty="0" smtClean="0"/>
+              <a:t/>
+            </a:r>
+            <a:br>
+              <a:rPr lang="ru-RU" sz="2000" dirty="0" smtClean="0"/>
+            </a:br>
+            <a:r>
+              <a:rPr lang="ru-RU" sz="2000" dirty="0" smtClean="0"/>
+              <a:t>Рассматриваемый объектный подход охватывает весь жизненный цикл разработки - анализ, проектирование, программирование и сопровождение.</a:t>
+            </a:r>
+            <a:endParaRPr lang="en-US" sz="2000" dirty="0" smtClean="0"/>
+          </a:p>
+          <a:p>
+            <a:pPr marL="0" indent="0">
+              <a:buNone/>
+            </a:pPr>
+            <a:endParaRPr lang="en-US" sz="2000" dirty="0" smtClean="0"/>
+          </a:p>
+          <a:p>
+            <a:pPr marL="0" indent="0">
+              <a:buNone/>
+            </a:pPr>
+            <a:r>
+              <a:rPr lang="en-US" sz="2000" dirty="0" smtClean="0"/>
+              <a:t>http://www.ozon.ru/context/detail/id/2336754/</a:t>
+            </a:r>
+            <a:endParaRPr lang="ru-RU" sz="2000" dirty="0"/>
+          </a:p>
+        </p:txBody>
+      </p:sp>
+      <p:pic>
+        <p:nvPicPr>
+          <p:cNvPr id="5" name="Picture 4"/>
+          <p:cNvPicPr>
+            <a:picLocks noChangeAspect="1"/>
+          </p:cNvPicPr>
+          <p:nvPr/>
+        </p:nvPicPr>
+        <p:blipFill>
+          <a:blip r:embed="rId2">
+            <a:extLst>
+              <a:ext uri="{28A0092B-C50C-407E-A947-70E740481C1C}">
+                <a14:useLocalDpi xmlns:a14="http://schemas.microsoft.com/office/drawing/2010/main" val="0"/>
+              </a:ext>
+            </a:extLst>
+          </a:blip>
+          <a:stretch>
+            <a:fillRect/>
+          </a:stretch>
+        </p:blipFill>
+        <p:spPr>
+          <a:xfrm>
+            <a:off x="467544" y="1574800"/>
+            <a:ext cx="2540000" cy="3708400"/>
+          </a:xfrm>
+          <a:prstGeom prst="rect">
+            <a:avLst/>
+          </a:prstGeom>
+        </p:spPr>
+      </p:pic>
+    </p:spTree>
+    <p:extLst>
+      <p:ext uri="{BB962C8B-B14F-4D97-AF65-F5344CB8AC3E}">
+        <p14:creationId xmlns:p14="http://schemas.microsoft.com/office/powerpoint/2010/main" val="3884244200"/>
+      </p:ext>
+    </p:extLst>
+  </p:cSld>
+  <p:clrMapOvr>
+    <a:masterClrMapping/>
+  </p:clrMapOvr>
+  <mc:AlternateContent xmlns:mc="http://schemas.openxmlformats.org/markup-compatibility/2006" xmlns:p14="http://schemas.microsoft.com/office/powerpoint/2010/main">
+    <mc:Choice Requires="p14">
+      <p:transition spd="slow" p14:dur="2000"/>
+    </mc:Choice>
+    <mc:Fallback xmlns="">
+      <p:transition spd="slow"/>
+    </mc:Fallback>
+  </mc:AlternateContent>
+  <p:timing>
+    <p:tnLst>
+      <p:par>
+        <p:cTn id="1" dur="indefinite" restart="never" nodeType="tmRoot"/>
+      </p:par>
+    </p:tnLst>
+  </p:timing>
+</p:sld>
+</file>
+
+<file path=ppt/slides/slide12.xml><?xml version="1.0" encoding="utf-8"?>
 <p:sld xmlns:a="http://schemas.openxmlformats.org/drawingml/2006/main" xmlns:r="http://schemas.openxmlformats.org/officeDocument/2006/relationships" xmlns:p="http://schemas.openxmlformats.org/presentationml/2006/main" show="0">
   <p:cSld>
     <p:spTree>
@@ -3749,7 +4193,7 @@
 </p:sld>
 </file>
 
-<file path=ppt/slides/slide11.xml><?xml version="1.0" encoding="utf-8"?>
+<file path=ppt/slides/slide13.xml><?xml version="1.0" encoding="utf-8"?>
 <p:sld xmlns:a="http://schemas.openxmlformats.org/drawingml/2006/main" xmlns:r="http://schemas.openxmlformats.org/officeDocument/2006/relationships" xmlns:p="http://schemas.openxmlformats.org/presentationml/2006/main">
   <p:cSld>
     <p:spTree>
@@ -3948,7 +4392,7 @@
 </p:sld>
 </file>
 
-<file path=ppt/slides/slide12.xml><?xml version="1.0" encoding="utf-8"?>
+<file path=ppt/slides/slide14.xml><?xml version="1.0" encoding="utf-8"?>
 <p:sld xmlns:a="http://schemas.openxmlformats.org/drawingml/2006/main" xmlns:r="http://schemas.openxmlformats.org/officeDocument/2006/relationships" xmlns:p="http://schemas.openxmlformats.org/presentationml/2006/main">
   <p:cSld>
     <p:spTree>
@@ -4013,7 +4457,7 @@
 </p:sld>
 </file>
 
-<file path=ppt/slides/slide13.xml><?xml version="1.0" encoding="utf-8"?>
+<file path=ppt/slides/slide15.xml><?xml version="1.0" encoding="utf-8"?>
 <p:sld xmlns:a="http://schemas.openxmlformats.org/drawingml/2006/main" xmlns:r="http://schemas.openxmlformats.org/officeDocument/2006/relationships" xmlns:p="http://schemas.openxmlformats.org/presentationml/2006/main">
   <p:cSld>
     <p:spTree>
@@ -4302,7 +4746,7 @@
 </p:sld>
 </file>
 
-<file path=ppt/slides/slide14.xml><?xml version="1.0" encoding="utf-8"?>
+<file path=ppt/slides/slide16.xml><?xml version="1.0" encoding="utf-8"?>
 <p:sld xmlns:a="http://schemas.openxmlformats.org/drawingml/2006/main" xmlns:r="http://schemas.openxmlformats.org/officeDocument/2006/relationships" xmlns:p="http://schemas.openxmlformats.org/presentationml/2006/main">
   <p:cSld>
     <p:spTree>
@@ -4538,7 +4982,586 @@
 </p:sld>
 </file>
 
-<file path=ppt/slides/slide15.xml><?xml version="1.0" encoding="utf-8"?>
+<file path=ppt/slides/slide17.xml><?xml version="1.0" encoding="utf-8"?>
+<p:sld xmlns:a="http://schemas.openxmlformats.org/drawingml/2006/main" xmlns:r="http://schemas.openxmlformats.org/officeDocument/2006/relationships" xmlns:p="http://schemas.openxmlformats.org/presentationml/2006/main">
+  <p:cSld>
+    <p:spTree>
+      <p:nvGrpSpPr>
+        <p:cNvPr id="1" name=""/>
+        <p:cNvGrpSpPr/>
+        <p:nvPr/>
+      </p:nvGrpSpPr>
+      <p:grpSpPr>
+        <a:xfrm>
+          <a:off x="0" y="0"/>
+          <a:ext cx="0" cy="0"/>
+          <a:chOff x="0" y="0"/>
+          <a:chExt cx="0" cy="0"/>
+        </a:xfrm>
+      </p:grpSpPr>
+      <p:sp>
+        <p:nvSpPr>
+          <p:cNvPr id="2" name="Title 1"/>
+          <p:cNvSpPr>
+            <a:spLocks noGrp="1"/>
+          </p:cNvSpPr>
+          <p:nvPr>
+            <p:ph type="title"/>
+          </p:nvPr>
+        </p:nvSpPr>
+        <p:spPr>
+          <a:xfrm>
+            <a:off x="457200" y="2857500"/>
+            <a:ext cx="8229600" cy="1143000"/>
+          </a:xfrm>
+        </p:spPr>
+        <p:txBody>
+          <a:bodyPr/>
+          <a:lstStyle/>
+          <a:p>
+            <a:r>
+              <a:rPr lang="en-US" dirty="0" smtClean="0"/>
+              <a:t>ADO.NET / </a:t>
+            </a:r>
+            <a:r>
+              <a:rPr lang="en-US" dirty="0" err="1" smtClean="0"/>
+              <a:t>EntityFramework</a:t>
+            </a:r>
+            <a:endParaRPr lang="ru-RU" dirty="0"/>
+          </a:p>
+        </p:txBody>
+      </p:sp>
+    </p:spTree>
+    <p:extLst>
+      <p:ext uri="{BB962C8B-B14F-4D97-AF65-F5344CB8AC3E}">
+        <p14:creationId xmlns:p14="http://schemas.microsoft.com/office/powerpoint/2010/main" val="2493670811"/>
+      </p:ext>
+    </p:extLst>
+  </p:cSld>
+  <p:clrMapOvr>
+    <a:masterClrMapping/>
+  </p:clrMapOvr>
+  <mc:AlternateContent xmlns:mc="http://schemas.openxmlformats.org/markup-compatibility/2006">
+    <mc:Choice xmlns:p14="http://schemas.microsoft.com/office/powerpoint/2010/main" Requires="p14">
+      <p:transition spd="slow" p14:dur="2000"/>
+    </mc:Choice>
+    <mc:Fallback>
+      <p:transition spd="slow"/>
+    </mc:Fallback>
+  </mc:AlternateContent>
+  <p:timing>
+    <p:tnLst>
+      <p:par>
+        <p:cTn id="1" dur="indefinite" restart="never" nodeType="tmRoot"/>
+      </p:par>
+    </p:tnLst>
+  </p:timing>
+</p:sld>
+</file>
+
+<file path=ppt/slides/slide18.xml><?xml version="1.0" encoding="utf-8"?>
+<p:sld xmlns:a="http://schemas.openxmlformats.org/drawingml/2006/main" xmlns:r="http://schemas.openxmlformats.org/officeDocument/2006/relationships" xmlns:p="http://schemas.openxmlformats.org/presentationml/2006/main">
+  <p:cSld>
+    <p:spTree>
+      <p:nvGrpSpPr>
+        <p:cNvPr id="1" name=""/>
+        <p:cNvGrpSpPr/>
+        <p:nvPr/>
+      </p:nvGrpSpPr>
+      <p:grpSpPr>
+        <a:xfrm>
+          <a:off x="0" y="0"/>
+          <a:ext cx="0" cy="0"/>
+          <a:chOff x="0" y="0"/>
+          <a:chExt cx="0" cy="0"/>
+        </a:xfrm>
+      </p:grpSpPr>
+      <p:sp>
+        <p:nvSpPr>
+          <p:cNvPr id="2" name="Title 1"/>
+          <p:cNvSpPr>
+            <a:spLocks noGrp="1"/>
+          </p:cNvSpPr>
+          <p:nvPr>
+            <p:ph type="title"/>
+          </p:nvPr>
+        </p:nvSpPr>
+        <p:spPr>
+          <a:noFill/>
+          <a:ln>
+            <a:solidFill>
+              <a:schemeClr val="tx1"/>
+            </a:solidFill>
+          </a:ln>
+        </p:spPr>
+        <p:txBody>
+          <a:bodyPr>
+            <a:noAutofit/>
+          </a:bodyPr>
+          <a:lstStyle/>
+          <a:p>
+            <a:r>
+              <a:rPr lang="en-US" sz="2400" i="1" dirty="0">
+                <a:solidFill>
+                  <a:srgbClr val="FFFF00"/>
+                </a:solidFill>
+              </a:rPr>
+              <a:t>Programming Entity Framework: DbContext: Querying, Changing, and Validating Your Data with Entity </a:t>
+            </a:r>
+            <a:r>
+              <a:rPr lang="en-US" sz="2400" i="1" dirty="0" smtClean="0">
+                <a:solidFill>
+                  <a:srgbClr val="FFFF00"/>
+                </a:solidFill>
+              </a:rPr>
+              <a:t>Framework</a:t>
+            </a:r>
+            <a:r>
+              <a:rPr lang="en-US" sz="2400" dirty="0" smtClean="0"/>
+              <a:t/>
+            </a:r>
+            <a:br>
+              <a:rPr lang="en-US" sz="2400" dirty="0" smtClean="0"/>
+            </a:br>
+            <a:r>
+              <a:rPr lang="en-US" sz="2400" dirty="0"/>
+              <a:t>Julia Lerman, Rowan Miller</a:t>
+            </a:r>
+            <a:endParaRPr lang="ru-RU" sz="2400" dirty="0"/>
+          </a:p>
+        </p:txBody>
+      </p:sp>
+      <p:sp>
+        <p:nvSpPr>
+          <p:cNvPr id="3" name="Content Placeholder 2"/>
+          <p:cNvSpPr>
+            <a:spLocks noGrp="1"/>
+          </p:cNvSpPr>
+          <p:nvPr>
+            <p:ph idx="1"/>
+          </p:nvPr>
+        </p:nvSpPr>
+        <p:spPr>
+          <a:xfrm>
+            <a:off x="3131840" y="1568450"/>
+            <a:ext cx="5554960" cy="4525963"/>
+          </a:xfrm>
+        </p:spPr>
+        <p:txBody>
+          <a:bodyPr anchor="t" anchorCtr="0">
+            <a:normAutofit/>
+          </a:bodyPr>
+          <a:lstStyle/>
+          <a:p>
+            <a:pPr marL="0" indent="0">
+              <a:buNone/>
+            </a:pPr>
+            <a:r>
+              <a:rPr lang="en-US" sz="2800" dirty="0" smtClean="0"/>
+              <a:t>DbContext</a:t>
+            </a:r>
+            <a:endParaRPr lang="ru-RU" sz="2800" dirty="0"/>
+          </a:p>
+        </p:txBody>
+      </p:sp>
+      <p:pic>
+        <p:nvPicPr>
+          <p:cNvPr id="5" name="Picture 4"/>
+          <p:cNvPicPr>
+            <a:picLocks noChangeAspect="1"/>
+          </p:cNvPicPr>
+          <p:nvPr/>
+        </p:nvPicPr>
+        <p:blipFill>
+          <a:blip r:embed="rId2"/>
+          <a:stretch>
+            <a:fillRect/>
+          </a:stretch>
+        </p:blipFill>
+        <p:spPr>
+          <a:xfrm>
+            <a:off x="480618" y="1568452"/>
+            <a:ext cx="2540000" cy="3326667"/>
+          </a:xfrm>
+          <a:prstGeom prst="rect">
+            <a:avLst/>
+          </a:prstGeom>
+        </p:spPr>
+      </p:pic>
+    </p:spTree>
+    <p:extLst>
+      <p:ext uri="{BB962C8B-B14F-4D97-AF65-F5344CB8AC3E}">
+        <p14:creationId xmlns:p14="http://schemas.microsoft.com/office/powerpoint/2010/main" val="315945106"/>
+      </p:ext>
+    </p:extLst>
+  </p:cSld>
+  <p:clrMapOvr>
+    <a:masterClrMapping/>
+  </p:clrMapOvr>
+  <p:timing>
+    <p:tnLst>
+      <p:par>
+        <p:cTn id="1" dur="indefinite" restart="never" nodeType="tmRoot"/>
+      </p:par>
+    </p:tnLst>
+  </p:timing>
+</p:sld>
+</file>
+
+<file path=ppt/slides/slide19.xml><?xml version="1.0" encoding="utf-8"?>
+<p:sld xmlns:a="http://schemas.openxmlformats.org/drawingml/2006/main" xmlns:r="http://schemas.openxmlformats.org/officeDocument/2006/relationships" xmlns:p="http://schemas.openxmlformats.org/presentationml/2006/main">
+  <p:cSld>
+    <p:spTree>
+      <p:nvGrpSpPr>
+        <p:cNvPr id="1" name=""/>
+        <p:cNvGrpSpPr/>
+        <p:nvPr/>
+      </p:nvGrpSpPr>
+      <p:grpSpPr>
+        <a:xfrm>
+          <a:off x="0" y="0"/>
+          <a:ext cx="0" cy="0"/>
+          <a:chOff x="0" y="0"/>
+          <a:chExt cx="0" cy="0"/>
+        </a:xfrm>
+      </p:grpSpPr>
+      <p:sp>
+        <p:nvSpPr>
+          <p:cNvPr id="2" name="Title 1"/>
+          <p:cNvSpPr>
+            <a:spLocks noGrp="1"/>
+          </p:cNvSpPr>
+          <p:nvPr>
+            <p:ph type="title"/>
+          </p:nvPr>
+        </p:nvSpPr>
+        <p:spPr>
+          <a:noFill/>
+          <a:ln>
+            <a:solidFill>
+              <a:schemeClr val="tx1"/>
+            </a:solidFill>
+          </a:ln>
+        </p:spPr>
+        <p:txBody>
+          <a:bodyPr>
+            <a:noAutofit/>
+          </a:bodyPr>
+          <a:lstStyle/>
+          <a:p>
+            <a:r>
+              <a:rPr lang="en-US" sz="2400" i="1" dirty="0">
+                <a:solidFill>
+                  <a:srgbClr val="FFFF00"/>
+                </a:solidFill>
+              </a:rPr>
+              <a:t>Programming Entity Framework: Code First: Creating and Configuring Data Models from Your Classes</a:t>
+            </a:r>
+            <a:r>
+              <a:rPr lang="en-US" sz="2400" dirty="0" smtClean="0"/>
+              <a:t/>
+            </a:r>
+            <a:br>
+              <a:rPr lang="en-US" sz="2400" dirty="0" smtClean="0"/>
+            </a:br>
+            <a:r>
+              <a:rPr lang="en-US" sz="2400" dirty="0"/>
+              <a:t>Julia Lerman, Rowan Miller</a:t>
+            </a:r>
+            <a:endParaRPr lang="ru-RU" sz="2400" dirty="0"/>
+          </a:p>
+        </p:txBody>
+      </p:sp>
+      <p:sp>
+        <p:nvSpPr>
+          <p:cNvPr id="3" name="Content Placeholder 2"/>
+          <p:cNvSpPr>
+            <a:spLocks noGrp="1"/>
+          </p:cNvSpPr>
+          <p:nvPr>
+            <p:ph idx="1"/>
+          </p:nvPr>
+        </p:nvSpPr>
+        <p:spPr>
+          <a:xfrm>
+            <a:off x="3131840" y="1568450"/>
+            <a:ext cx="5554960" cy="4525963"/>
+          </a:xfrm>
+        </p:spPr>
+        <p:txBody>
+          <a:bodyPr anchor="t" anchorCtr="0">
+            <a:normAutofit/>
+          </a:bodyPr>
+          <a:lstStyle/>
+          <a:p>
+            <a:pPr marL="0" indent="0">
+              <a:buNone/>
+            </a:pPr>
+            <a:r>
+              <a:rPr lang="en-US" sz="2800" dirty="0" smtClean="0"/>
+              <a:t>CodeFirst</a:t>
+            </a:r>
+            <a:endParaRPr lang="ru-RU" sz="2800" dirty="0"/>
+          </a:p>
+        </p:txBody>
+      </p:sp>
+      <p:pic>
+        <p:nvPicPr>
+          <p:cNvPr id="4" name="Picture 3"/>
+          <p:cNvPicPr>
+            <a:picLocks noChangeAspect="1"/>
+          </p:cNvPicPr>
+          <p:nvPr/>
+        </p:nvPicPr>
+        <p:blipFill>
+          <a:blip r:embed="rId2"/>
+          <a:stretch>
+            <a:fillRect/>
+          </a:stretch>
+        </p:blipFill>
+        <p:spPr>
+          <a:xfrm>
+            <a:off x="467544" y="1577085"/>
+            <a:ext cx="2593333" cy="3326667"/>
+          </a:xfrm>
+          <a:prstGeom prst="rect">
+            <a:avLst/>
+          </a:prstGeom>
+        </p:spPr>
+      </p:pic>
+    </p:spTree>
+    <p:extLst>
+      <p:ext uri="{BB962C8B-B14F-4D97-AF65-F5344CB8AC3E}">
+        <p14:creationId xmlns:p14="http://schemas.microsoft.com/office/powerpoint/2010/main" val="237427012"/>
+      </p:ext>
+    </p:extLst>
+  </p:cSld>
+  <p:clrMapOvr>
+    <a:masterClrMapping/>
+  </p:clrMapOvr>
+  <p:timing>
+    <p:tnLst>
+      <p:par>
+        <p:cTn id="1" dur="indefinite" restart="never" nodeType="tmRoot"/>
+      </p:par>
+    </p:tnLst>
+  </p:timing>
+</p:sld>
+</file>
+
+<file path=ppt/slides/slide2.xml><?xml version="1.0" encoding="utf-8"?>
+<p:sld xmlns:a="http://schemas.openxmlformats.org/drawingml/2006/main" xmlns:r="http://schemas.openxmlformats.org/officeDocument/2006/relationships" xmlns:p="http://schemas.openxmlformats.org/presentationml/2006/main">
+  <p:cSld>
+    <p:spTree>
+      <p:nvGrpSpPr>
+        <p:cNvPr id="1" name=""/>
+        <p:cNvGrpSpPr/>
+        <p:nvPr/>
+      </p:nvGrpSpPr>
+      <p:grpSpPr>
+        <a:xfrm>
+          <a:off x="0" y="0"/>
+          <a:ext cx="0" cy="0"/>
+          <a:chOff x="0" y="0"/>
+          <a:chExt cx="0" cy="0"/>
+        </a:xfrm>
+      </p:grpSpPr>
+      <p:sp>
+        <p:nvSpPr>
+          <p:cNvPr id="2" name="Title 1"/>
+          <p:cNvSpPr>
+            <a:spLocks noGrp="1"/>
+          </p:cNvSpPr>
+          <p:nvPr>
+            <p:ph type="title"/>
+          </p:nvPr>
+        </p:nvSpPr>
+        <p:spPr>
+          <a:xfrm>
+            <a:off x="457200" y="2459174"/>
+            <a:ext cx="8229600" cy="1939652"/>
+          </a:xfrm>
+        </p:spPr>
+        <p:txBody>
+          <a:bodyPr>
+            <a:normAutofit/>
+          </a:bodyPr>
+          <a:lstStyle/>
+          <a:p>
+            <a:r>
+              <a:rPr lang="ru-RU" dirty="0" smtClean="0"/>
+              <a:t>Для начинающих</a:t>
+            </a:r>
+            <a:endParaRPr lang="ru-RU" dirty="0"/>
+          </a:p>
+        </p:txBody>
+      </p:sp>
+    </p:spTree>
+    <p:extLst>
+      <p:ext uri="{BB962C8B-B14F-4D97-AF65-F5344CB8AC3E}">
+        <p14:creationId xmlns:p14="http://schemas.microsoft.com/office/powerpoint/2010/main" val="1698115381"/>
+      </p:ext>
+    </p:extLst>
+  </p:cSld>
+  <p:clrMapOvr>
+    <a:masterClrMapping/>
+  </p:clrMapOvr>
+  <p:timing>
+    <p:tnLst>
+      <p:par>
+        <p:cTn id="1" dur="indefinite" restart="never" nodeType="tmRoot"/>
+      </p:par>
+    </p:tnLst>
+  </p:timing>
+</p:sld>
+</file>
+
+<file path=ppt/slides/slide20.xml><?xml version="1.0" encoding="utf-8"?>
+<p:sld xmlns:a="http://schemas.openxmlformats.org/drawingml/2006/main" xmlns:r="http://schemas.openxmlformats.org/officeDocument/2006/relationships" xmlns:p="http://schemas.openxmlformats.org/presentationml/2006/main">
+  <p:cSld>
+    <p:spTree>
+      <p:nvGrpSpPr>
+        <p:cNvPr id="1" name=""/>
+        <p:cNvGrpSpPr/>
+        <p:nvPr/>
+      </p:nvGrpSpPr>
+      <p:grpSpPr>
+        <a:xfrm>
+          <a:off x="0" y="0"/>
+          <a:ext cx="0" cy="0"/>
+          <a:chOff x="0" y="0"/>
+          <a:chExt cx="0" cy="0"/>
+        </a:xfrm>
+      </p:grpSpPr>
+      <p:pic>
+        <p:nvPicPr>
+          <p:cNvPr id="5" name="Picture 4"/>
+          <p:cNvPicPr>
+            <a:picLocks noChangeAspect="1"/>
+          </p:cNvPicPr>
+          <p:nvPr/>
+        </p:nvPicPr>
+        <p:blipFill>
+          <a:blip r:embed="rId2"/>
+          <a:stretch>
+            <a:fillRect/>
+          </a:stretch>
+        </p:blipFill>
+        <p:spPr>
+          <a:xfrm>
+            <a:off x="467548" y="1564509"/>
+            <a:ext cx="2540000" cy="3326667"/>
+          </a:xfrm>
+          <a:prstGeom prst="rect">
+            <a:avLst/>
+          </a:prstGeom>
+        </p:spPr>
+      </p:pic>
+      <p:sp>
+        <p:nvSpPr>
+          <p:cNvPr id="2" name="Title 1"/>
+          <p:cNvSpPr>
+            <a:spLocks noGrp="1"/>
+          </p:cNvSpPr>
+          <p:nvPr>
+            <p:ph type="title"/>
+          </p:nvPr>
+        </p:nvSpPr>
+        <p:spPr>
+          <a:noFill/>
+          <a:ln>
+            <a:solidFill>
+              <a:schemeClr val="tx1"/>
+            </a:solidFill>
+          </a:ln>
+        </p:spPr>
+        <p:txBody>
+          <a:bodyPr>
+            <a:noAutofit/>
+          </a:bodyPr>
+          <a:lstStyle/>
+          <a:p>
+            <a:r>
+              <a:rPr lang="en-US" sz="2400" i="1" dirty="0">
+                <a:solidFill>
+                  <a:srgbClr val="FFFF00"/>
+                </a:solidFill>
+              </a:rPr>
+              <a:t>Programming Entity Framework: Building Data Centric Apps with the ADO.NET Entity Framework</a:t>
+            </a:r>
+            <a:r>
+              <a:rPr lang="en-US" sz="2400" dirty="0" smtClean="0"/>
+              <a:t/>
+            </a:r>
+            <a:br>
+              <a:rPr lang="en-US" sz="2400" dirty="0" smtClean="0"/>
+            </a:br>
+            <a:r>
+              <a:rPr lang="en-US" sz="2400" dirty="0"/>
+              <a:t>Julia </a:t>
+            </a:r>
+            <a:r>
+              <a:rPr lang="en-US" sz="2400" dirty="0" smtClean="0"/>
+              <a:t>Lerman</a:t>
+            </a:r>
+            <a:endParaRPr lang="ru-RU" sz="2400" dirty="0"/>
+          </a:p>
+        </p:txBody>
+      </p:sp>
+      <p:sp>
+        <p:nvSpPr>
+          <p:cNvPr id="3" name="Content Placeholder 2"/>
+          <p:cNvSpPr>
+            <a:spLocks noGrp="1"/>
+          </p:cNvSpPr>
+          <p:nvPr>
+            <p:ph idx="1"/>
+          </p:nvPr>
+        </p:nvSpPr>
+        <p:spPr>
+          <a:xfrm>
+            <a:off x="3131840" y="1568450"/>
+            <a:ext cx="5554960" cy="4525963"/>
+          </a:xfrm>
+        </p:spPr>
+        <p:txBody>
+          <a:bodyPr anchor="t" anchorCtr="0">
+            <a:normAutofit/>
+          </a:bodyPr>
+          <a:lstStyle/>
+          <a:p>
+            <a:pPr marL="0" indent="0">
+              <a:buNone/>
+            </a:pPr>
+            <a:r>
+              <a:rPr lang="en-US" sz="2800" dirty="0" smtClean="0"/>
+              <a:t>EF</a:t>
+            </a:r>
+            <a:endParaRPr lang="ru-RU" sz="2800" dirty="0"/>
+          </a:p>
+        </p:txBody>
+      </p:sp>
+    </p:spTree>
+    <p:extLst>
+      <p:ext uri="{BB962C8B-B14F-4D97-AF65-F5344CB8AC3E}">
+        <p14:creationId xmlns:p14="http://schemas.microsoft.com/office/powerpoint/2010/main" val="1697424397"/>
+      </p:ext>
+    </p:extLst>
+  </p:cSld>
+  <p:clrMapOvr>
+    <a:masterClrMapping/>
+  </p:clrMapOvr>
+  <p:timing>
+    <p:tnLst>
+      <p:par>
+        <p:cTn id="1" dur="indefinite" restart="never" nodeType="tmRoot"/>
+      </p:par>
+    </p:tnLst>
+  </p:timing>
+</p:sld>
+</file>
+
+<file path=ppt/slides/slide21.xml><?xml version="1.0" encoding="utf-8"?>
 <p:sld xmlns:a="http://schemas.openxmlformats.org/drawingml/2006/main" xmlns:r="http://schemas.openxmlformats.org/officeDocument/2006/relationships" xmlns:p="http://schemas.openxmlformats.org/presentationml/2006/main" show="0">
   <p:cSld>
     <p:spTree>
@@ -4565,197 +5588,43 @@
             <p:ph type="title"/>
           </p:nvPr>
         </p:nvSpPr>
-        <p:spPr>
-          <a:xfrm>
-            <a:off x="457200" y="2857500"/>
-            <a:ext cx="8229600" cy="1143000"/>
-          </a:xfrm>
-        </p:spPr>
+        <p:spPr/>
         <p:txBody>
           <a:bodyPr/>
           <a:lstStyle/>
           <a:p>
             <a:r>
               <a:rPr lang="en-US" dirty="0" smtClean="0"/>
-              <a:t>ADO.NET / </a:t>
-            </a:r>
-            <a:r>
-              <a:rPr lang="en-US" dirty="0" err="1" smtClean="0"/>
-              <a:t>EntityFramework</a:t>
+              <a:t>Review</a:t>
             </a:r>
             <a:endParaRPr lang="ru-RU" dirty="0"/>
           </a:p>
         </p:txBody>
       </p:sp>
-    </p:spTree>
-    <p:extLst>
-      <p:ext uri="{BB962C8B-B14F-4D97-AF65-F5344CB8AC3E}">
-        <p14:creationId xmlns:p14="http://schemas.microsoft.com/office/powerpoint/2010/main" val="2493670811"/>
-      </p:ext>
-    </p:extLst>
-  </p:cSld>
-  <p:clrMapOvr>
-    <a:masterClrMapping/>
-  </p:clrMapOvr>
-  <mc:AlternateContent xmlns:mc="http://schemas.openxmlformats.org/markup-compatibility/2006" xmlns:p14="http://schemas.microsoft.com/office/powerpoint/2010/main">
-    <mc:Choice Requires="p14">
-      <p:transition spd="slow" p14:dur="2000"/>
-    </mc:Choice>
-    <mc:Fallback xmlns="">
-      <p:transition spd="slow"/>
-    </mc:Fallback>
-  </mc:AlternateContent>
-  <p:timing>
-    <p:tnLst>
-      <p:par>
-        <p:cTn id="1" dur="indefinite" restart="never" nodeType="tmRoot"/>
-      </p:par>
-    </p:tnLst>
-  </p:timing>
-</p:sld>
-</file>
-
-<file path=ppt/slides/slide16.xml><?xml version="1.0" encoding="utf-8"?>
-<p:sld xmlns:a="http://schemas.openxmlformats.org/drawingml/2006/main" xmlns:r="http://schemas.openxmlformats.org/officeDocument/2006/relationships" xmlns:p="http://schemas.openxmlformats.org/presentationml/2006/main" show="0">
-  <p:cSld>
-    <p:spTree>
-      <p:nvGrpSpPr>
-        <p:cNvPr id="1" name=""/>
-        <p:cNvGrpSpPr/>
-        <p:nvPr/>
-      </p:nvGrpSpPr>
-      <p:grpSpPr>
-        <a:xfrm>
-          <a:off x="0" y="0"/>
-          <a:ext cx="0" cy="0"/>
-          <a:chOff x="0" y="0"/>
-          <a:chExt cx="0" cy="0"/>
-        </a:xfrm>
-      </p:grpSpPr>
-      <p:sp>
-        <p:nvSpPr>
-          <p:cNvPr id="2" name="Title 1"/>
+      <p:sp>
+        <p:nvSpPr>
+          <p:cNvPr id="3" name="Content Placeholder 2"/>
           <p:cNvSpPr>
             <a:spLocks noGrp="1"/>
           </p:cNvSpPr>
           <p:nvPr>
-            <p:ph type="title"/>
+            <p:ph idx="1"/>
           </p:nvPr>
         </p:nvSpPr>
         <p:spPr/>
         <p:txBody>
-          <a:bodyPr/>
-          <a:lstStyle/>
-          <a:p>
-            <a:r>
-              <a:rPr lang="en-US" dirty="0" smtClean="0"/>
-              <a:t>Review</a:t>
-            </a:r>
-            <a:endParaRPr lang="ru-RU" dirty="0"/>
-          </a:p>
-        </p:txBody>
-      </p:sp>
-      <p:sp>
-        <p:nvSpPr>
-          <p:cNvPr id="3" name="Content Placeholder 2"/>
-          <p:cNvSpPr>
-            <a:spLocks noGrp="1"/>
-          </p:cNvSpPr>
-          <p:nvPr>
-            <p:ph idx="1"/>
-          </p:nvPr>
-        </p:nvSpPr>
-        <p:spPr/>
-        <p:txBody>
           <a:bodyPr>
-            <a:normAutofit fontScale="92500"/>
+            <a:normAutofit/>
           </a:bodyPr>
           <a:lstStyle/>
           <a:p>
             <a:r>
+              <a:rPr lang="en-US" dirty="0" smtClean="0"/>
+              <a:t>Entity </a:t>
+            </a:r>
+            <a:r>
               <a:rPr lang="en-US" dirty="0"/>
-              <a:t>Programming Entity Framework: </a:t>
-            </a:r>
-            <a:r>
-              <a:rPr lang="en-US" dirty="0" err="1" smtClean="0"/>
-              <a:t>DbContext</a:t>
-            </a:r>
-            <a:r>
-              <a:rPr lang="en-US" dirty="0"/>
-              <a:t/>
-            </a:r>
-            <a:br>
-              <a:rPr lang="en-US" dirty="0"/>
-            </a:br>
-            <a:r>
-              <a:rPr lang="en-US" dirty="0" smtClean="0"/>
-              <a:t>Julia </a:t>
-            </a:r>
-            <a:r>
-              <a:rPr lang="en-US" dirty="0" err="1" smtClean="0"/>
-              <a:t>Lerman</a:t>
-            </a:r>
-            <a:r>
-              <a:rPr lang="en-US" dirty="0" smtClean="0"/>
-              <a:t>, </a:t>
-            </a:r>
-            <a:r>
-              <a:rPr lang="en-US" dirty="0"/>
-              <a:t>Rowan </a:t>
-            </a:r>
-            <a:r>
-              <a:rPr lang="en-US" dirty="0" smtClean="0"/>
-              <a:t>Miller</a:t>
-            </a:r>
-          </a:p>
-          <a:p>
-            <a:r>
-              <a:rPr lang="en-US" dirty="0"/>
-              <a:t>Programming Entity Framework: Code First</a:t>
-            </a:r>
-            <a:br>
-              <a:rPr lang="en-US" dirty="0"/>
-            </a:br>
-            <a:r>
-              <a:rPr lang="en-US" dirty="0"/>
-              <a:t>Julia </a:t>
-            </a:r>
-            <a:r>
-              <a:rPr lang="en-US" dirty="0" err="1"/>
-              <a:t>Lerman</a:t>
-            </a:r>
-            <a:r>
-              <a:rPr lang="en-US" dirty="0"/>
-              <a:t>, Rowan Miller</a:t>
-            </a:r>
-            <a:br>
-              <a:rPr lang="en-US" dirty="0"/>
-            </a:br>
-            <a:r>
-              <a:rPr lang="en-US" dirty="0"/>
-              <a:t>Programming Entity Framework: Building Data Centric Apps with the ADO.NET Entity </a:t>
-            </a:r>
-            <a:r>
-              <a:rPr lang="en-US" dirty="0" smtClean="0"/>
-              <a:t>Framework</a:t>
-            </a:r>
-            <a:br>
-              <a:rPr lang="en-US" dirty="0" smtClean="0"/>
-            </a:br>
-            <a:r>
-              <a:rPr lang="en-US" dirty="0"/>
-              <a:t>Julia </a:t>
-            </a:r>
-            <a:r>
-              <a:rPr lang="en-US" dirty="0" err="1" smtClean="0"/>
-              <a:t>Lerman</a:t>
-            </a:r>
-            <a:endParaRPr lang="en-US" dirty="0" smtClean="0"/>
-          </a:p>
-          <a:p>
-            <a:r>
-              <a:rPr lang="en-US" dirty="0"/>
-              <a:t>Entity Framework 6 </a:t>
+              <a:t>Framework 6 </a:t>
             </a:r>
             <a:r>
               <a:rPr lang="en-US" dirty="0" smtClean="0"/>
@@ -4793,7 +5662,7 @@
 </p:sld>
 </file>
 
-<file path=ppt/slides/slide17.xml><?xml version="1.0" encoding="utf-8"?>
+<file path=ppt/slides/slide22.xml><?xml version="1.0" encoding="utf-8"?>
 <p:sld xmlns:a="http://schemas.openxmlformats.org/drawingml/2006/main" xmlns:r="http://schemas.openxmlformats.org/officeDocument/2006/relationships" xmlns:p="http://schemas.openxmlformats.org/presentationml/2006/main">
   <p:cSld>
     <p:spTree>
@@ -4867,7 +5736,7 @@
 </p:sld>
 </file>
 
-<file path=ppt/slides/slide18.xml><?xml version="1.0" encoding="utf-8"?>
+<file path=ppt/slides/slide23.xml><?xml version="1.0" encoding="utf-8"?>
 <p:sld xmlns:a="http://schemas.openxmlformats.org/drawingml/2006/main" xmlns:r="http://schemas.openxmlformats.org/officeDocument/2006/relationships" xmlns:p="http://schemas.openxmlformats.org/presentationml/2006/main">
   <p:cSld>
     <p:spTree>
@@ -5182,7 +6051,7 @@
 </p:sld>
 </file>
 
-<file path=ppt/slides/slide19.xml><?xml version="1.0" encoding="utf-8"?>
+<file path=ppt/slides/slide24.xml><?xml version="1.0" encoding="utf-8"?>
 <p:sld xmlns:a="http://schemas.openxmlformats.org/drawingml/2006/main" xmlns:r="http://schemas.openxmlformats.org/officeDocument/2006/relationships" xmlns:p="http://schemas.openxmlformats.org/presentationml/2006/main">
   <p:cSld>
     <p:spTree>
@@ -5247,186 +6116,7 @@
 </p:sld>
 </file>
 
-<file path=ppt/slides/slide2.xml><?xml version="1.0" encoding="utf-8"?>
-<p:sld xmlns:a="http://schemas.openxmlformats.org/drawingml/2006/main" xmlns:r="http://schemas.openxmlformats.org/officeDocument/2006/relationships" xmlns:p="http://schemas.openxmlformats.org/presentationml/2006/main">
-  <p:cSld>
-    <p:spTree>
-      <p:nvGrpSpPr>
-        <p:cNvPr id="1" name=""/>
-        <p:cNvGrpSpPr/>
-        <p:nvPr/>
-      </p:nvGrpSpPr>
-      <p:grpSpPr>
-        <a:xfrm>
-          <a:off x="0" y="0"/>
-          <a:ext cx="0" cy="0"/>
-          <a:chOff x="0" y="0"/>
-          <a:chExt cx="0" cy="0"/>
-        </a:xfrm>
-      </p:grpSpPr>
-      <p:sp>
-        <p:nvSpPr>
-          <p:cNvPr id="2" name="Title 1"/>
-          <p:cNvSpPr>
-            <a:spLocks noGrp="1"/>
-          </p:cNvSpPr>
-          <p:nvPr>
-            <p:ph type="title"/>
-          </p:nvPr>
-        </p:nvSpPr>
-        <p:spPr>
-          <a:noFill/>
-          <a:ln>
-            <a:solidFill>
-              <a:schemeClr val="tx1"/>
-            </a:solidFill>
-          </a:ln>
-        </p:spPr>
-        <p:txBody>
-          <a:bodyPr>
-            <a:noAutofit/>
-          </a:bodyPr>
-          <a:lstStyle/>
-          <a:p>
-            <a:r>
-              <a:rPr lang="ru-RU" sz="2400" i="1" dirty="0">
-                <a:solidFill>
-                  <a:srgbClr val="FFFF00"/>
-                </a:solidFill>
-              </a:rPr>
-              <a:t>Язык программирования C# 5.0 и платформа .NET </a:t>
-            </a:r>
-            <a:r>
-              <a:rPr lang="ru-RU" sz="2400" i="1" dirty="0" smtClean="0">
-                <a:solidFill>
-                  <a:srgbClr val="FFFF00"/>
-                </a:solidFill>
-              </a:rPr>
-              <a:t>4.5</a:t>
-            </a:r>
-            <a:r>
-              <a:rPr lang="en-US" sz="2400" dirty="0" smtClean="0"/>
-              <a:t/>
-            </a:r>
-            <a:br>
-              <a:rPr lang="en-US" sz="2400" dirty="0" smtClean="0"/>
-            </a:br>
-            <a:r>
-              <a:rPr lang="ru-RU" sz="2400" dirty="0"/>
-              <a:t>Эндрю </a:t>
-            </a:r>
-            <a:r>
-              <a:rPr lang="ru-RU" sz="2400" dirty="0" smtClean="0"/>
-              <a:t>Троелсен</a:t>
-            </a:r>
-            <a:endParaRPr lang="ru-RU" sz="2400" dirty="0"/>
-          </a:p>
-        </p:txBody>
-      </p:sp>
-      <p:sp>
-        <p:nvSpPr>
-          <p:cNvPr id="3" name="Content Placeholder 2"/>
-          <p:cNvSpPr>
-            <a:spLocks noGrp="1"/>
-          </p:cNvSpPr>
-          <p:nvPr>
-            <p:ph idx="1"/>
-          </p:nvPr>
-        </p:nvSpPr>
-        <p:spPr>
-          <a:xfrm>
-            <a:off x="3131840" y="1568450"/>
-            <a:ext cx="5554960" cy="4525963"/>
-          </a:xfrm>
-        </p:spPr>
-        <p:txBody>
-          <a:bodyPr anchor="t" anchorCtr="0">
-            <a:normAutofit/>
-          </a:bodyPr>
-          <a:lstStyle/>
-          <a:p>
-            <a:pPr marL="0" indent="0">
-              <a:buNone/>
-            </a:pPr>
-            <a:r>
-              <a:rPr lang="ru-RU" sz="2800" dirty="0" smtClean="0"/>
-              <a:t>Хорошая книга для начинающих. Автор описывает базовые возможности языка; объясняет механизмы ООП; рассказывает о работе с БД; дает введение в технологии </a:t>
-            </a:r>
-            <a:r>
-              <a:rPr lang="en-US" sz="2800" dirty="0" smtClean="0"/>
-              <a:t>WPF </a:t>
-            </a:r>
-            <a:r>
-              <a:rPr lang="ru-RU" sz="2800" dirty="0" smtClean="0"/>
-              <a:t>и </a:t>
-            </a:r>
-            <a:r>
-              <a:rPr lang="en-US" sz="2800" dirty="0" smtClean="0"/>
-              <a:t>ASP.NET </a:t>
-            </a:r>
-            <a:r>
-              <a:rPr lang="en-US" sz="2800" dirty="0" err="1" smtClean="0"/>
-              <a:t>WebForms</a:t>
-            </a:r>
-            <a:r>
-              <a:rPr lang="en-US" sz="2800" dirty="0" smtClean="0"/>
-              <a:t>.</a:t>
-            </a:r>
-            <a:endParaRPr lang="ru-RU" sz="2800" dirty="0"/>
-          </a:p>
-        </p:txBody>
-      </p:sp>
-      <p:pic>
-        <p:nvPicPr>
-          <p:cNvPr id="4" name="Picture 3"/>
-          <p:cNvPicPr>
-            <a:picLocks noChangeAspect="1"/>
-          </p:cNvPicPr>
-          <p:nvPr/>
-        </p:nvPicPr>
-        <p:blipFill>
-          <a:blip r:embed="rId2">
-            <a:extLst>
-              <a:ext uri="{28A0092B-C50C-407E-A947-70E740481C1C}">
-                <a14:useLocalDpi xmlns:a14="http://schemas.microsoft.com/office/drawing/2010/main" val="0"/>
-              </a:ext>
-            </a:extLst>
-          </a:blip>
-          <a:stretch>
-            <a:fillRect/>
-          </a:stretch>
-        </p:blipFill>
-        <p:spPr>
-          <a:xfrm>
-            <a:off x="467544" y="1568450"/>
-            <a:ext cx="2520000" cy="3691800"/>
-          </a:xfrm>
-          <a:prstGeom prst="rect">
-            <a:avLst/>
-          </a:prstGeom>
-        </p:spPr>
-      </p:pic>
-    </p:spTree>
-    <p:extLst>
-      <p:ext uri="{BB962C8B-B14F-4D97-AF65-F5344CB8AC3E}">
-        <p14:creationId xmlns:p14="http://schemas.microsoft.com/office/powerpoint/2010/main" val="2755117374"/>
-      </p:ext>
-    </p:extLst>
-  </p:cSld>
-  <p:clrMapOvr>
-    <a:masterClrMapping/>
-  </p:clrMapOvr>
-  <p:timing>
-    <p:tnLst>
-      <p:par>
-        <p:cTn id="1" dur="indefinite" restart="never" nodeType="tmRoot"/>
-      </p:par>
-    </p:tnLst>
-  </p:timing>
-</p:sld>
-</file>
-
-<file path=ppt/slides/slide20.xml><?xml version="1.0" encoding="utf-8"?>
+<file path=ppt/slides/slide25.xml><?xml version="1.0" encoding="utf-8"?>
 <p:sld xmlns:a="http://schemas.openxmlformats.org/drawingml/2006/main" xmlns:r="http://schemas.openxmlformats.org/officeDocument/2006/relationships" xmlns:p="http://schemas.openxmlformats.org/presentationml/2006/main">
   <p:cSld>
     <p:spTree>
@@ -5607,7 +6297,7 @@
 </p:sld>
 </file>
 
-<file path=ppt/slides/slide21.xml><?xml version="1.0" encoding="utf-8"?>
+<file path=ppt/slides/slide26.xml><?xml version="1.0" encoding="utf-8"?>
 <p:sld xmlns:a="http://schemas.openxmlformats.org/drawingml/2006/main" xmlns:r="http://schemas.openxmlformats.org/officeDocument/2006/relationships" xmlns:p="http://schemas.openxmlformats.org/presentationml/2006/main">
   <p:cSld>
     <p:spTree>
@@ -5674,7 +6364,7 @@
 </p:sld>
 </file>
 
-<file path=ppt/slides/slide22.xml><?xml version="1.0" encoding="utf-8"?>
+<file path=ppt/slides/slide27.xml><?xml version="1.0" encoding="utf-8"?>
 <p:sld xmlns:a="http://schemas.openxmlformats.org/drawingml/2006/main" xmlns:r="http://schemas.openxmlformats.org/officeDocument/2006/relationships" xmlns:p="http://schemas.openxmlformats.org/presentationml/2006/main">
   <p:cSld>
     <p:spTree>
@@ -5821,7 +6511,7 @@
 </p:sld>
 </file>
 
-<file path=ppt/slides/slide23.xml><?xml version="1.0" encoding="utf-8"?>
+<file path=ppt/slides/slide28.xml><?xml version="1.0" encoding="utf-8"?>
 <p:sld xmlns:a="http://schemas.openxmlformats.org/drawingml/2006/main" xmlns:r="http://schemas.openxmlformats.org/officeDocument/2006/relationships" xmlns:p="http://schemas.openxmlformats.org/presentationml/2006/main">
   <p:cSld>
     <p:spTree>
@@ -5968,6 +6658,252 @@
                   <a:srgbClr val="FFFF00"/>
                 </a:solidFill>
               </a:rPr>
+              <a:t>Язык программирования C# 5.0 и платформа .NET </a:t>
+            </a:r>
+            <a:r>
+              <a:rPr lang="ru-RU" sz="2400" i="1" dirty="0" smtClean="0">
+                <a:solidFill>
+                  <a:srgbClr val="FFFF00"/>
+                </a:solidFill>
+              </a:rPr>
+              <a:t>4.5</a:t>
+            </a:r>
+            <a:r>
+              <a:rPr lang="en-US" sz="2400" dirty="0" smtClean="0"/>
+              <a:t/>
+            </a:r>
+            <a:br>
+              <a:rPr lang="en-US" sz="2400" dirty="0" smtClean="0"/>
+            </a:br>
+            <a:r>
+              <a:rPr lang="ru-RU" sz="2400" dirty="0"/>
+              <a:t>Эндрю </a:t>
+            </a:r>
+            <a:r>
+              <a:rPr lang="ru-RU" sz="2400" dirty="0" smtClean="0"/>
+              <a:t>Троелсен</a:t>
+            </a:r>
+            <a:endParaRPr lang="ru-RU" sz="2400" dirty="0"/>
+          </a:p>
+        </p:txBody>
+      </p:sp>
+      <p:sp>
+        <p:nvSpPr>
+          <p:cNvPr id="3" name="Content Placeholder 2"/>
+          <p:cNvSpPr>
+            <a:spLocks noGrp="1"/>
+          </p:cNvSpPr>
+          <p:nvPr>
+            <p:ph idx="1"/>
+          </p:nvPr>
+        </p:nvSpPr>
+        <p:spPr>
+          <a:xfrm>
+            <a:off x="3131840" y="1568450"/>
+            <a:ext cx="5554960" cy="4525963"/>
+          </a:xfrm>
+        </p:spPr>
+        <p:txBody>
+          <a:bodyPr anchor="t" anchorCtr="0">
+            <a:normAutofit/>
+          </a:bodyPr>
+          <a:lstStyle/>
+          <a:p>
+            <a:pPr marL="0" indent="0">
+              <a:buNone/>
+            </a:pPr>
+            <a:r>
+              <a:rPr lang="ru-RU" sz="2800" dirty="0" smtClean="0"/>
+              <a:t>Хорошая книга для начинающих. Автор описывает базовые возможности языка; объясняет механизмы ООП; рассказывает о работе с БД; дает введение в технологии </a:t>
+            </a:r>
+            <a:r>
+              <a:rPr lang="en-US" sz="2800" dirty="0" smtClean="0"/>
+              <a:t>WPF </a:t>
+            </a:r>
+            <a:r>
+              <a:rPr lang="ru-RU" sz="2800" dirty="0" smtClean="0"/>
+              <a:t>и </a:t>
+            </a:r>
+            <a:r>
+              <a:rPr lang="en-US" sz="2800" dirty="0" smtClean="0"/>
+              <a:t>ASP.NET </a:t>
+            </a:r>
+            <a:r>
+              <a:rPr lang="en-US" sz="2800" dirty="0" err="1" smtClean="0"/>
+              <a:t>WebForms</a:t>
+            </a:r>
+            <a:r>
+              <a:rPr lang="en-US" sz="2800" dirty="0" smtClean="0"/>
+              <a:t>.</a:t>
+            </a:r>
+            <a:endParaRPr lang="ru-RU" sz="2800" dirty="0"/>
+          </a:p>
+        </p:txBody>
+      </p:sp>
+      <p:pic>
+        <p:nvPicPr>
+          <p:cNvPr id="4" name="Picture 3"/>
+          <p:cNvPicPr>
+            <a:picLocks noChangeAspect="1"/>
+          </p:cNvPicPr>
+          <p:nvPr/>
+        </p:nvPicPr>
+        <p:blipFill>
+          <a:blip r:embed="rId2">
+            <a:extLst>
+              <a:ext uri="{28A0092B-C50C-407E-A947-70E740481C1C}">
+                <a14:useLocalDpi xmlns:a14="http://schemas.microsoft.com/office/drawing/2010/main" val="0"/>
+              </a:ext>
+            </a:extLst>
+          </a:blip>
+          <a:stretch>
+            <a:fillRect/>
+          </a:stretch>
+        </p:blipFill>
+        <p:spPr>
+          <a:xfrm>
+            <a:off x="467544" y="1568450"/>
+            <a:ext cx="2520000" cy="3691800"/>
+          </a:xfrm>
+          <a:prstGeom prst="rect">
+            <a:avLst/>
+          </a:prstGeom>
+        </p:spPr>
+      </p:pic>
+    </p:spTree>
+    <p:extLst>
+      <p:ext uri="{BB962C8B-B14F-4D97-AF65-F5344CB8AC3E}">
+        <p14:creationId xmlns:p14="http://schemas.microsoft.com/office/powerpoint/2010/main" val="2755117374"/>
+      </p:ext>
+    </p:extLst>
+  </p:cSld>
+  <p:clrMapOvr>
+    <a:masterClrMapping/>
+  </p:clrMapOvr>
+  <p:timing>
+    <p:tnLst>
+      <p:par>
+        <p:cTn id="1" dur="indefinite" restart="never" nodeType="tmRoot"/>
+      </p:par>
+    </p:tnLst>
+  </p:timing>
+</p:sld>
+</file>
+
+<file path=ppt/slides/slide4.xml><?xml version="1.0" encoding="utf-8"?>
+<p:sld xmlns:a="http://schemas.openxmlformats.org/drawingml/2006/main" xmlns:r="http://schemas.openxmlformats.org/officeDocument/2006/relationships" xmlns:p="http://schemas.openxmlformats.org/presentationml/2006/main">
+  <p:cSld>
+    <p:spTree>
+      <p:nvGrpSpPr>
+        <p:cNvPr id="1" name=""/>
+        <p:cNvGrpSpPr/>
+        <p:nvPr/>
+      </p:nvGrpSpPr>
+      <p:grpSpPr>
+        <a:xfrm>
+          <a:off x="0" y="0"/>
+          <a:ext cx="0" cy="0"/>
+          <a:chOff x="0" y="0"/>
+          <a:chExt cx="0" cy="0"/>
+        </a:xfrm>
+      </p:grpSpPr>
+      <p:sp>
+        <p:nvSpPr>
+          <p:cNvPr id="2" name="Title 1"/>
+          <p:cNvSpPr>
+            <a:spLocks noGrp="1"/>
+          </p:cNvSpPr>
+          <p:nvPr>
+            <p:ph type="title"/>
+          </p:nvPr>
+        </p:nvSpPr>
+        <p:spPr>
+          <a:xfrm>
+            <a:off x="457200" y="2459174"/>
+            <a:ext cx="8229600" cy="1939652"/>
+          </a:xfrm>
+        </p:spPr>
+        <p:txBody>
+          <a:bodyPr>
+            <a:normAutofit/>
+          </a:bodyPr>
+          <a:lstStyle/>
+          <a:p>
+            <a:r>
+              <a:rPr lang="ru-RU" dirty="0" smtClean="0"/>
+              <a:t>Для продолжающих</a:t>
+            </a:r>
+            <a:endParaRPr lang="ru-RU" dirty="0"/>
+          </a:p>
+        </p:txBody>
+      </p:sp>
+    </p:spTree>
+    <p:extLst>
+      <p:ext uri="{BB962C8B-B14F-4D97-AF65-F5344CB8AC3E}">
+        <p14:creationId xmlns:p14="http://schemas.microsoft.com/office/powerpoint/2010/main" val="1399673045"/>
+      </p:ext>
+    </p:extLst>
+  </p:cSld>
+  <p:clrMapOvr>
+    <a:masterClrMapping/>
+  </p:clrMapOvr>
+  <p:timing>
+    <p:tnLst>
+      <p:par>
+        <p:cTn id="1" dur="indefinite" restart="never" nodeType="tmRoot"/>
+      </p:par>
+    </p:tnLst>
+  </p:timing>
+</p:sld>
+</file>
+
+<file path=ppt/slides/slide5.xml><?xml version="1.0" encoding="utf-8"?>
+<p:sld xmlns:a="http://schemas.openxmlformats.org/drawingml/2006/main" xmlns:r="http://schemas.openxmlformats.org/officeDocument/2006/relationships" xmlns:p="http://schemas.openxmlformats.org/presentationml/2006/main">
+  <p:cSld>
+    <p:spTree>
+      <p:nvGrpSpPr>
+        <p:cNvPr id="1" name=""/>
+        <p:cNvGrpSpPr/>
+        <p:nvPr/>
+      </p:nvGrpSpPr>
+      <p:grpSpPr>
+        <a:xfrm>
+          <a:off x="0" y="0"/>
+          <a:ext cx="0" cy="0"/>
+          <a:chOff x="0" y="0"/>
+          <a:chExt cx="0" cy="0"/>
+        </a:xfrm>
+      </p:grpSpPr>
+      <p:sp>
+        <p:nvSpPr>
+          <p:cNvPr id="2" name="Title 1"/>
+          <p:cNvSpPr>
+            <a:spLocks noGrp="1"/>
+          </p:cNvSpPr>
+          <p:nvPr>
+            <p:ph type="title"/>
+          </p:nvPr>
+        </p:nvSpPr>
+        <p:spPr>
+          <a:noFill/>
+          <a:ln>
+            <a:solidFill>
+              <a:schemeClr val="tx1"/>
+            </a:solidFill>
+          </a:ln>
+        </p:spPr>
+        <p:txBody>
+          <a:bodyPr>
+            <a:noAutofit/>
+          </a:bodyPr>
+          <a:lstStyle/>
+          <a:p>
+            <a:r>
+              <a:rPr lang="ru-RU" sz="2400" i="1" dirty="0">
+                <a:solidFill>
+                  <a:srgbClr val="FFFF00"/>
+                </a:solidFill>
+              </a:rPr>
               <a:t>CLR via C#. Программирование на платформе Microsoft .NET Framework 4.5 на языке C#</a:t>
             </a:r>
             <a:r>
@@ -6044,7 +6980,15 @@
             </a:r>
             <a:r>
               <a:rPr lang="en-US" sz="2800" dirty="0" smtClean="0"/>
-              <a:t>C#, VB.NET, F# b </a:t>
+              <a:t>C#, VB.NET, F# </a:t>
+            </a:r>
+            <a:r>
+              <a:rPr lang="ru-RU" sz="2800" dirty="0" smtClean="0"/>
+              <a:t>и</a:t>
+            </a:r>
+            <a:r>
+              <a:rPr lang="en-US" sz="2800" dirty="0" smtClean="0"/>
+              <a:t> </a:t>
             </a:r>
             <a:r>
               <a:rPr lang="ru-RU" sz="2800" dirty="0" smtClean="0"/>
@@ -6108,7 +7052,7 @@
 </p:sld>
 </file>
 
-<file path=ppt/slides/slide4.xml><?xml version="1.0" encoding="utf-8"?>
+<file path=ppt/slides/slide6.xml><?xml version="1.0" encoding="utf-8"?>
 <p:sld xmlns:a="http://schemas.openxmlformats.org/drawingml/2006/main" xmlns:r="http://schemas.openxmlformats.org/officeDocument/2006/relationships" xmlns:p="http://schemas.openxmlformats.org/presentationml/2006/main">
   <p:cSld>
     <p:spTree>
@@ -6329,7 +7273,7 @@
 </p:sld>
 </file>
 
-<file path=ppt/slides/slide5.xml><?xml version="1.0" encoding="utf-8"?>
+<file path=ppt/slides/slide7.xml><?xml version="1.0" encoding="utf-8"?>
 <p:sld xmlns:a="http://schemas.openxmlformats.org/drawingml/2006/main" xmlns:r="http://schemas.openxmlformats.org/officeDocument/2006/relationships" xmlns:p="http://schemas.openxmlformats.org/presentationml/2006/main">
   <p:cSld>
     <p:spTree>
@@ -6488,7 +7432,7 @@
 </p:sld>
 </file>
 
-<file path=ppt/slides/slide6.xml><?xml version="1.0" encoding="utf-8"?>
+<file path=ppt/slides/slide8.xml><?xml version="1.0" encoding="utf-8"?>
 <p:sld xmlns:a="http://schemas.openxmlformats.org/drawingml/2006/main" xmlns:r="http://schemas.openxmlformats.org/officeDocument/2006/relationships" xmlns:p="http://schemas.openxmlformats.org/presentationml/2006/main">
   <p:cSld>
     <p:spTree>
@@ -6698,239 +7642,6 @@
 </p:sld>
 </file>
 
-<file path=ppt/slides/slide7.xml><?xml version="1.0" encoding="utf-8"?>
-<p:sld xmlns:a="http://schemas.openxmlformats.org/drawingml/2006/main" xmlns:r="http://schemas.openxmlformats.org/officeDocument/2006/relationships" xmlns:p="http://schemas.openxmlformats.org/presentationml/2006/main">
-  <p:cSld>
-    <p:spTree>
-      <p:nvGrpSpPr>
-        <p:cNvPr id="1" name=""/>
-        <p:cNvGrpSpPr/>
-        <p:nvPr/>
-      </p:nvGrpSpPr>
-      <p:grpSpPr>
-        <a:xfrm>
-          <a:off x="0" y="0"/>
-          <a:ext cx="0" cy="0"/>
-          <a:chOff x="0" y="0"/>
-          <a:chExt cx="0" cy="0"/>
-        </a:xfrm>
-      </p:grpSpPr>
-      <p:sp>
-        <p:nvSpPr>
-          <p:cNvPr id="2" name="Title 1"/>
-          <p:cNvSpPr>
-            <a:spLocks noGrp="1"/>
-          </p:cNvSpPr>
-          <p:nvPr>
-            <p:ph type="title"/>
-          </p:nvPr>
-        </p:nvSpPr>
-        <p:spPr>
-          <a:xfrm>
-            <a:off x="457200" y="2459174"/>
-            <a:ext cx="8229600" cy="1939652"/>
-          </a:xfrm>
-        </p:spPr>
-        <p:txBody>
-          <a:bodyPr>
-            <a:normAutofit fontScale="90000"/>
-          </a:bodyPr>
-          <a:lstStyle/>
-          <a:p>
-            <a:r>
-              <a:rPr lang="ru-RU" dirty="0" smtClean="0"/>
-              <a:t>Объектно-ориентированное программирование и проектирование</a:t>
-            </a:r>
-            <a:endParaRPr lang="ru-RU" dirty="0"/>
-          </a:p>
-        </p:txBody>
-      </p:sp>
-    </p:spTree>
-    <p:extLst>
-      <p:ext uri="{BB962C8B-B14F-4D97-AF65-F5344CB8AC3E}">
-        <p14:creationId xmlns:p14="http://schemas.microsoft.com/office/powerpoint/2010/main" val="1698115381"/>
-      </p:ext>
-    </p:extLst>
-  </p:cSld>
-  <p:clrMapOvr>
-    <a:masterClrMapping/>
-  </p:clrMapOvr>
-  <p:timing>
-    <p:tnLst>
-      <p:par>
-        <p:cTn id="1" dur="indefinite" restart="never" nodeType="tmRoot"/>
-      </p:par>
-    </p:tnLst>
-  </p:timing>
-</p:sld>
-</file>
-
-<file path=ppt/slides/slide8.xml><?xml version="1.0" encoding="utf-8"?>
-<p:sld xmlns:a="http://schemas.openxmlformats.org/drawingml/2006/main" xmlns:r="http://schemas.openxmlformats.org/officeDocument/2006/relationships" xmlns:p="http://schemas.openxmlformats.org/presentationml/2006/main">
-  <p:cSld>
-    <p:spTree>
-      <p:nvGrpSpPr>
-        <p:cNvPr id="1" name=""/>
-        <p:cNvGrpSpPr/>
-        <p:nvPr/>
-      </p:nvGrpSpPr>
-      <p:grpSpPr>
-        <a:xfrm>
-          <a:off x="0" y="0"/>
-          <a:ext cx="0" cy="0"/>
-          <a:chOff x="0" y="0"/>
-          <a:chExt cx="0" cy="0"/>
-        </a:xfrm>
-      </p:grpSpPr>
-      <p:sp>
-        <p:nvSpPr>
-          <p:cNvPr id="2" name="Title 1"/>
-          <p:cNvSpPr>
-            <a:spLocks noGrp="1"/>
-          </p:cNvSpPr>
-          <p:nvPr>
-            <p:ph type="title"/>
-          </p:nvPr>
-        </p:nvSpPr>
-        <p:spPr>
-          <a:noFill/>
-          <a:ln>
-            <a:solidFill>
-              <a:schemeClr val="tx1"/>
-            </a:solidFill>
-          </a:ln>
-        </p:spPr>
-        <p:txBody>
-          <a:bodyPr>
-            <a:noAutofit/>
-          </a:bodyPr>
-          <a:lstStyle/>
-          <a:p>
-            <a:r>
-              <a:rPr lang="ru-RU" sz="2400" i="1" dirty="0">
-                <a:solidFill>
-                  <a:srgbClr val="FFFF00"/>
-                </a:solidFill>
-              </a:rPr>
-              <a:t>Объектно-ориентированный анализ и проектирование с примерами </a:t>
-            </a:r>
-            <a:r>
-              <a:rPr lang="ru-RU" sz="2400" i="1" dirty="0" smtClean="0">
-                <a:solidFill>
-                  <a:srgbClr val="FFFF00"/>
-                </a:solidFill>
-              </a:rPr>
-              <a:t>приложений</a:t>
-            </a:r>
-            <a:r>
-              <a:rPr lang="en-US" sz="2400" i="1" dirty="0" smtClean="0"/>
-              <a:t/>
-            </a:r>
-            <a:br>
-              <a:rPr lang="en-US" sz="2400" i="1" dirty="0" smtClean="0"/>
-            </a:br>
-            <a:r>
-              <a:rPr lang="ru-RU" sz="2400" dirty="0" smtClean="0"/>
-              <a:t>Гради Буч</a:t>
-            </a:r>
-            <a:endParaRPr lang="ru-RU" sz="2400" dirty="0"/>
-          </a:p>
-        </p:txBody>
-      </p:sp>
-      <p:sp>
-        <p:nvSpPr>
-          <p:cNvPr id="3" name="Content Placeholder 2"/>
-          <p:cNvSpPr>
-            <a:spLocks noGrp="1"/>
-          </p:cNvSpPr>
-          <p:nvPr>
-            <p:ph idx="1"/>
-          </p:nvPr>
-        </p:nvSpPr>
-        <p:spPr>
-          <a:xfrm>
-            <a:off x="3131840" y="1600200"/>
-            <a:ext cx="5554960" cy="4525963"/>
-          </a:xfrm>
-        </p:spPr>
-        <p:txBody>
-          <a:bodyPr anchor="t" anchorCtr="0">
-            <a:normAutofit fontScale="92500" lnSpcReduction="20000"/>
-          </a:bodyPr>
-          <a:lstStyle/>
-          <a:p>
-            <a:pPr marL="0" indent="0">
-              <a:buNone/>
-            </a:pPr>
-            <a:r>
-              <a:rPr lang="ru-RU" dirty="0" smtClean="0"/>
-              <a:t>В книге описываются </a:t>
-            </a:r>
-            <a:r>
-              <a:rPr lang="ru-RU" dirty="0"/>
-              <a:t>объектные методы решения сложных проблем, связанные с разработкой систем и программного обеспечения. Используя многочисленные примеры, </a:t>
-            </a:r>
-            <a:r>
-              <a:rPr lang="ru-RU" dirty="0" smtClean="0"/>
-              <a:t>иллюстрируются </a:t>
-            </a:r>
-            <a:r>
-              <a:rPr lang="ru-RU" dirty="0"/>
-              <a:t>основные концепции объектно-ориентированного подхода на примере разработки систем управления, сбора данных и искусственного интеллекта.</a:t>
-            </a:r>
-          </a:p>
-        </p:txBody>
-      </p:sp>
-      <p:pic>
-        <p:nvPicPr>
-          <p:cNvPr id="4" name="Picture 3"/>
-          <p:cNvPicPr>
-            <a:picLocks noChangeAspect="1"/>
-          </p:cNvPicPr>
-          <p:nvPr/>
-        </p:nvPicPr>
-        <p:blipFill>
-          <a:blip r:embed="rId2">
-            <a:extLst>
-              <a:ext uri="{28A0092B-C50C-407E-A947-70E740481C1C}">
-                <a14:useLocalDpi xmlns:a14="http://schemas.microsoft.com/office/drawing/2010/main" val="0"/>
-              </a:ext>
-            </a:extLst>
-          </a:blip>
-          <a:stretch>
-            <a:fillRect/>
-          </a:stretch>
-        </p:blipFill>
-        <p:spPr>
-          <a:xfrm>
-            <a:off x="467544" y="1600200"/>
-            <a:ext cx="2520000" cy="3578400"/>
-          </a:xfrm>
-          <a:prstGeom prst="rect">
-            <a:avLst/>
-          </a:prstGeom>
-        </p:spPr>
-      </p:pic>
-    </p:spTree>
-    <p:extLst>
-      <p:ext uri="{BB962C8B-B14F-4D97-AF65-F5344CB8AC3E}">
-        <p14:creationId xmlns:p14="http://schemas.microsoft.com/office/powerpoint/2010/main" val="3217659103"/>
-      </p:ext>
-    </p:extLst>
-  </p:cSld>
-  <p:clrMapOvr>
-    <a:masterClrMapping/>
-  </p:clrMapOvr>
-  <p:timing>
-    <p:tnLst>
-      <p:par>
-        <p:cTn id="1" dur="indefinite" restart="never" nodeType="tmRoot"/>
-      </p:par>
-    </p:tnLst>
-  </p:timing>
-</p:sld>
-</file>
-
 <file path=ppt/slides/slide9.xml><?xml version="1.0" encoding="utf-8"?>
 <p:sld xmlns:a="http://schemas.openxmlformats.org/drawingml/2006/main" xmlns:r="http://schemas.openxmlformats.org/officeDocument/2006/relationships" xmlns:p="http://schemas.openxmlformats.org/presentationml/2006/main">
   <p:cSld>
@@ -6959,161 +7670,43 @@
           </p:nvPr>
         </p:nvSpPr>
         <p:spPr>
-          <a:noFill/>
-          <a:ln>
-            <a:solidFill>
-              <a:schemeClr val="tx1"/>
-            </a:solidFill>
-          </a:ln>
+          <a:xfrm>
+            <a:off x="457200" y="2459174"/>
+            <a:ext cx="8229600" cy="1939652"/>
+          </a:xfrm>
         </p:spPr>
         <p:txBody>
           <a:bodyPr>
-            <a:noAutofit/>
+            <a:normAutofit fontScale="90000"/>
           </a:bodyPr>
           <a:lstStyle/>
           <a:p>
             <a:r>
-              <a:rPr lang="ru-RU" sz="2400" i="1" smtClean="0">
-                <a:solidFill>
-                  <a:srgbClr val="FFFF00"/>
-                </a:solidFill>
-              </a:rPr>
-              <a:t>Объектно-ориентированное конструирование программных систем</a:t>
-            </a:r>
-            <a:r>
-              <a:rPr lang="en-US" sz="2400" i="1" smtClean="0">
-                <a:solidFill>
-                  <a:srgbClr val="FFFF00"/>
-                </a:solidFill>
-              </a:rPr>
-              <a:t/>
-            </a:r>
-            <a:br>
-              <a:rPr lang="en-US" sz="2400" i="1" smtClean="0">
-                <a:solidFill>
-                  <a:srgbClr val="FFFF00"/>
-                </a:solidFill>
-              </a:rPr>
-            </a:br>
-            <a:r>
-              <a:rPr lang="ru-RU" sz="2400" smtClean="0"/>
-              <a:t>Бертран Мейер</a:t>
-            </a:r>
-            <a:endParaRPr lang="ru-RU" sz="2400" dirty="0"/>
-          </a:p>
-        </p:txBody>
-      </p:sp>
-      <p:sp>
-        <p:nvSpPr>
-          <p:cNvPr id="3" name="Content Placeholder 2"/>
-          <p:cNvSpPr>
-            <a:spLocks noGrp="1"/>
-          </p:cNvSpPr>
-          <p:nvPr>
-            <p:ph idx="1"/>
-          </p:nvPr>
-        </p:nvSpPr>
-        <p:spPr>
-          <a:xfrm>
-            <a:off x="3131840" y="1600200"/>
-            <a:ext cx="5554960" cy="4525963"/>
-          </a:xfrm>
-        </p:spPr>
-        <p:txBody>
-          <a:bodyPr anchor="t" anchorCtr="0">
-            <a:normAutofit/>
-          </a:bodyPr>
-          <a:lstStyle/>
-          <a:p>
-            <a:pPr marL="0" indent="0">
-              <a:buNone/>
-            </a:pPr>
-            <a:r>
-              <a:rPr lang="ru-RU" sz="2000" dirty="0" smtClean="0"/>
-              <a:t>Книга посвящена обоснованию и технологии применения объектного подхода при разработке программных систем. Основное внимание уделяется вопросам качества, повторного использования и расширяемости проектируемых систем. </a:t>
-            </a:r>
-            <a:br>
-              <a:rPr lang="ru-RU" sz="2000" dirty="0" smtClean="0"/>
-            </a:br>
-            <a:r>
-              <a:rPr lang="ru-RU" sz="2000" dirty="0" smtClean="0"/>
-              <a:t/>
-            </a:r>
-            <a:br>
-              <a:rPr lang="ru-RU" sz="2000" dirty="0" smtClean="0"/>
-            </a:br>
-            <a:r>
-              <a:rPr lang="ru-RU" sz="2000" dirty="0" smtClean="0"/>
-              <a:t>Рассматриваемый объектный подход охватывает весь жизненный цикл разработки - анализ, проектирование, программирование и сопровождение.</a:t>
-            </a:r>
-            <a:endParaRPr lang="en-US" sz="2000" dirty="0" smtClean="0"/>
-          </a:p>
-          <a:p>
-            <a:pPr marL="0" indent="0">
-              <a:buNone/>
-            </a:pPr>
-            <a:endParaRPr lang="en-US" sz="2000" dirty="0" smtClean="0"/>
-          </a:p>
-          <a:p>
-            <a:pPr marL="0" indent="0">
-              <a:buNone/>
-            </a:pPr>
-            <a:r>
-              <a:rPr lang="en-US" sz="2000" dirty="0" smtClean="0"/>
-              <a:t>http://www.ozon.ru/context/detail/id/2336754/</a:t>
-            </a:r>
-            <a:endParaRPr lang="ru-RU" sz="2000" dirty="0"/>
-          </a:p>
-        </p:txBody>
-      </p:sp>
-      <p:pic>
-        <p:nvPicPr>
-          <p:cNvPr id="5" name="Picture 4"/>
-          <p:cNvPicPr>
-            <a:picLocks noChangeAspect="1"/>
-          </p:cNvPicPr>
-          <p:nvPr/>
-        </p:nvPicPr>
-        <p:blipFill>
-          <a:blip r:embed="rId2">
-            <a:extLst>
-              <a:ext uri="{28A0092B-C50C-407E-A947-70E740481C1C}">
-                <a14:useLocalDpi xmlns:a14="http://schemas.microsoft.com/office/drawing/2010/main" val="0"/>
-              </a:ext>
-            </a:extLst>
-          </a:blip>
-          <a:stretch>
-            <a:fillRect/>
-          </a:stretch>
-        </p:blipFill>
-        <p:spPr>
-          <a:xfrm>
-            <a:off x="467544" y="1574800"/>
-            <a:ext cx="2540000" cy="3708400"/>
-          </a:xfrm>
-          <a:prstGeom prst="rect">
-            <a:avLst/>
-          </a:prstGeom>
-        </p:spPr>
-      </p:pic>
+              <a:rPr lang="ru-RU" dirty="0" smtClean="0"/>
+              <a:t>Объектно-ориентированное программирование и </a:t>
+            </a:r>
+            <a:r>
+              <a:rPr lang="ru-RU" dirty="0" smtClean="0"/>
+              <a:t>шаблоны </a:t>
+            </a:r>
+            <a:r>
+              <a:rPr lang="ru-RU" dirty="0" smtClean="0"/>
+              <a:t>проектирования</a:t>
+            </a:r>
+            <a:endParaRPr lang="ru-RU" dirty="0"/>
+          </a:p>
+        </p:txBody>
+      </p:sp>
     </p:spTree>
     <p:extLst>
       <p:ext uri="{BB962C8B-B14F-4D97-AF65-F5344CB8AC3E}">
-        <p14:creationId xmlns:p14="http://schemas.microsoft.com/office/powerpoint/2010/main" val="3884244200"/>
+        <p14:creationId xmlns:p14="http://schemas.microsoft.com/office/powerpoint/2010/main" val="834023638"/>
       </p:ext>
     </p:extLst>
   </p:cSld>
   <p:clrMapOvr>
     <a:masterClrMapping/>
   </p:clrMapOvr>
-  <mc:AlternateContent xmlns:mc="http://schemas.openxmlformats.org/markup-compatibility/2006">
-    <mc:Choice xmlns:p14="http://schemas.microsoft.com/office/powerpoint/2010/main" Requires="p14">
-      <p:transition spd="slow" p14:dur="2000"/>
-    </mc:Choice>
-    <mc:Fallback>
-      <p:transition spd="slow"/>
-    </mc:Fallback>
-  </mc:AlternateContent>
   <p:timing>
     <p:tnLst>
       <p:par>

--- a/Presentation/books-to-read.pptx
+++ b/Presentation/books-to-read.pptx
@@ -5,37 +5,38 @@
     <p:sldMasterId id="2147483648" r:id="rId1"/>
   </p:sldMasterIdLst>
   <p:notesMasterIdLst>
-    <p:notesMasterId r:id="rId30"/>
+    <p:notesMasterId r:id="rId31"/>
   </p:notesMasterIdLst>
   <p:sldIdLst>
     <p:sldId id="258" r:id="rId2"/>
     <p:sldId id="265" r:id="rId3"/>
     <p:sldId id="269" r:id="rId4"/>
-    <p:sldId id="286" r:id="rId5"/>
-    <p:sldId id="270" r:id="rId6"/>
-    <p:sldId id="282" r:id="rId7"/>
-    <p:sldId id="277" r:id="rId8"/>
-    <p:sldId id="271" r:id="rId9"/>
-    <p:sldId id="285" r:id="rId10"/>
-    <p:sldId id="279" r:id="rId11"/>
-    <p:sldId id="268" r:id="rId12"/>
-    <p:sldId id="278" r:id="rId13"/>
-    <p:sldId id="272" r:id="rId14"/>
-    <p:sldId id="259" r:id="rId15"/>
-    <p:sldId id="262" r:id="rId16"/>
-    <p:sldId id="260" r:id="rId17"/>
-    <p:sldId id="263" r:id="rId18"/>
-    <p:sldId id="287" r:id="rId19"/>
-    <p:sldId id="288" r:id="rId20"/>
-    <p:sldId id="289" r:id="rId21"/>
-    <p:sldId id="281" r:id="rId22"/>
-    <p:sldId id="283" r:id="rId23"/>
-    <p:sldId id="284" r:id="rId24"/>
-    <p:sldId id="280" r:id="rId25"/>
-    <p:sldId id="264" r:id="rId26"/>
-    <p:sldId id="261" r:id="rId27"/>
-    <p:sldId id="275" r:id="rId28"/>
-    <p:sldId id="276" r:id="rId29"/>
+    <p:sldId id="290" r:id="rId5"/>
+    <p:sldId id="286" r:id="rId6"/>
+    <p:sldId id="270" r:id="rId7"/>
+    <p:sldId id="282" r:id="rId8"/>
+    <p:sldId id="277" r:id="rId9"/>
+    <p:sldId id="271" r:id="rId10"/>
+    <p:sldId id="285" r:id="rId11"/>
+    <p:sldId id="279" r:id="rId12"/>
+    <p:sldId id="268" r:id="rId13"/>
+    <p:sldId id="278" r:id="rId14"/>
+    <p:sldId id="272" r:id="rId15"/>
+    <p:sldId id="259" r:id="rId16"/>
+    <p:sldId id="262" r:id="rId17"/>
+    <p:sldId id="260" r:id="rId18"/>
+    <p:sldId id="263" r:id="rId19"/>
+    <p:sldId id="287" r:id="rId20"/>
+    <p:sldId id="288" r:id="rId21"/>
+    <p:sldId id="289" r:id="rId22"/>
+    <p:sldId id="281" r:id="rId23"/>
+    <p:sldId id="283" r:id="rId24"/>
+    <p:sldId id="284" r:id="rId25"/>
+    <p:sldId id="280" r:id="rId26"/>
+    <p:sldId id="264" r:id="rId27"/>
+    <p:sldId id="261" r:id="rId28"/>
+    <p:sldId id="275" r:id="rId29"/>
+    <p:sldId id="276" r:id="rId30"/>
   </p:sldIdLst>
   <p:sldSz cx="9144000" cy="6858000" type="screen4x3"/>
   <p:notesSz cx="6858000" cy="9144000"/>
@@ -142,6 +143,7 @@
             <p14:sldId id="258"/>
             <p14:sldId id="265"/>
             <p14:sldId id="269"/>
+            <p14:sldId id="290"/>
           </p14:sldIdLst>
         </p14:section>
         <p14:section name="Для продолжающих" id="{56F71D58-A94A-4EA9-B6F5-310B0B9E8EAA}">
@@ -299,7 +301,7 @@
           <a:p>
             <a:fld id="{B24A7054-7FFB-49F4-A126-5DF6E687FF53}" type="datetimeFigureOut">
               <a:rPr lang="ru-RU" smtClean="0"/>
-              <a:t>15.01.2017</a:t>
+              <a:t>01.04.2017</a:t>
             </a:fld>
             <a:endParaRPr lang="ru-RU"/>
           </a:p>
@@ -1581,7 +1583,7 @@
           <a:p>
             <a:fld id="{8E6E6A2A-E9D3-4A0D-B04A-ABDD367A1E08}" type="datetimeFigureOut">
               <a:rPr lang="ru-RU" smtClean="0"/>
-              <a:t>15.01.2017</a:t>
+              <a:t>01.04.2017</a:t>
             </a:fld>
             <a:endParaRPr lang="ru-RU"/>
           </a:p>
@@ -3026,7 +3028,7 @@
           <a:p>
             <a:fld id="{AC3D3127-B7C4-45E3-9797-C527EC9FDD78}" type="datetimeFigureOut">
               <a:rPr lang="ru-RU" smtClean="0"/>
-              <a:t>15.01.2017</a:t>
+              <a:t>01.04.2017</a:t>
             </a:fld>
             <a:endParaRPr lang="ru-RU"/>
           </a:p>
@@ -3638,128 +3640,29 @@
           </p:nvPr>
         </p:nvSpPr>
         <p:spPr>
-          <a:noFill/>
-          <a:ln>
-            <a:solidFill>
-              <a:schemeClr val="tx1"/>
-            </a:solidFill>
-          </a:ln>
+          <a:xfrm>
+            <a:off x="457200" y="2459174"/>
+            <a:ext cx="8229600" cy="1939652"/>
+          </a:xfrm>
         </p:spPr>
         <p:txBody>
           <a:bodyPr>
-            <a:noAutofit/>
+            <a:normAutofit fontScale="90000"/>
           </a:bodyPr>
           <a:lstStyle/>
           <a:p>
             <a:r>
-              <a:rPr lang="ru-RU" sz="2400" i="1" dirty="0">
-                <a:solidFill>
-                  <a:srgbClr val="FFFF00"/>
-                </a:solidFill>
-              </a:rPr>
-              <a:t>Объектно-ориентированный анализ и проектирование с примерами </a:t>
-            </a:r>
-            <a:r>
-              <a:rPr lang="ru-RU" sz="2400" i="1" dirty="0" smtClean="0">
-                <a:solidFill>
-                  <a:srgbClr val="FFFF00"/>
-                </a:solidFill>
-              </a:rPr>
-              <a:t>приложений</a:t>
-            </a:r>
-            <a:r>
-              <a:rPr lang="en-US" sz="2400" i="1" dirty="0" smtClean="0"/>
-              <a:t/>
-            </a:r>
-            <a:br>
-              <a:rPr lang="en-US" sz="2400" i="1" dirty="0" smtClean="0"/>
-            </a:br>
-            <a:r>
-              <a:rPr lang="ru-RU" sz="2400" dirty="0" smtClean="0"/>
-              <a:t>Гради Буч</a:t>
-            </a:r>
-            <a:endParaRPr lang="ru-RU" sz="2400" dirty="0"/>
-          </a:p>
-        </p:txBody>
-      </p:sp>
-      <p:sp>
-        <p:nvSpPr>
-          <p:cNvPr id="3" name="Content Placeholder 2"/>
-          <p:cNvSpPr>
-            <a:spLocks noGrp="1"/>
-          </p:cNvSpPr>
-          <p:nvPr>
-            <p:ph idx="1"/>
-          </p:nvPr>
-        </p:nvSpPr>
-        <p:spPr>
-          <a:xfrm>
-            <a:off x="3131840" y="1600200"/>
-            <a:ext cx="5554960" cy="4525963"/>
-          </a:xfrm>
-        </p:spPr>
-        <p:txBody>
-          <a:bodyPr anchor="t" anchorCtr="0">
-            <a:normAutofit fontScale="92500" lnSpcReduction="20000"/>
-          </a:bodyPr>
-          <a:lstStyle/>
-          <a:p>
-            <a:pPr marL="0" indent="0">
-              <a:buNone/>
-            </a:pPr>
-            <a:r>
               <a:rPr lang="ru-RU" dirty="0" smtClean="0"/>
-              <a:t>В книге описываются </a:t>
-            </a:r>
-            <a:r>
-              <a:rPr lang="ru-RU" dirty="0"/>
-              <a:t>объектные методы решения сложных проблем, связанные с разработкой систем и программного обеспечения. Используя многочисленные примеры, </a:t>
-            </a:r>
-            <a:r>
-              <a:rPr lang="ru-RU" dirty="0" smtClean="0"/>
-              <a:t>иллюстрируются </a:t>
-            </a:r>
-            <a:r>
-              <a:rPr lang="ru-RU" dirty="0"/>
-              <a:t>основные концепции объектно-ориентированного подхода на примере разработки систем управления, сбора данных и искусственного интеллекта.</a:t>
-            </a:r>
-          </a:p>
-        </p:txBody>
-      </p:sp>
-      <p:pic>
-        <p:nvPicPr>
-          <p:cNvPr id="4" name="Picture 3"/>
-          <p:cNvPicPr>
-            <a:picLocks noChangeAspect="1"/>
-          </p:cNvPicPr>
-          <p:nvPr/>
-        </p:nvPicPr>
-        <p:blipFill>
-          <a:blip r:embed="rId2">
-            <a:extLst>
-              <a:ext uri="{28A0092B-C50C-407E-A947-70E740481C1C}">
-                <a14:useLocalDpi xmlns:a14="http://schemas.microsoft.com/office/drawing/2010/main" val="0"/>
-              </a:ext>
-            </a:extLst>
-          </a:blip>
-          <a:stretch>
-            <a:fillRect/>
-          </a:stretch>
-        </p:blipFill>
-        <p:spPr>
-          <a:xfrm>
-            <a:off x="467544" y="1600200"/>
-            <a:ext cx="2520000" cy="3578400"/>
-          </a:xfrm>
-          <a:prstGeom prst="rect">
-            <a:avLst/>
-          </a:prstGeom>
-        </p:spPr>
-      </p:pic>
+              <a:t>Объектно-ориентированное программирование и шаблоны проектирования</a:t>
+            </a:r>
+            <a:endParaRPr lang="ru-RU" dirty="0"/>
+          </a:p>
+        </p:txBody>
+      </p:sp>
     </p:spTree>
     <p:extLst>
       <p:ext uri="{BB962C8B-B14F-4D97-AF65-F5344CB8AC3E}">
-        <p14:creationId xmlns:p14="http://schemas.microsoft.com/office/powerpoint/2010/main" val="3217659103"/>
+        <p14:creationId xmlns:p14="http://schemas.microsoft.com/office/powerpoint/2010/main" val="834023638"/>
       </p:ext>
     </p:extLst>
   </p:cSld>
@@ -3818,6 +3721,172 @@
           <a:lstStyle/>
           <a:p>
             <a:r>
+              <a:rPr lang="ru-RU" sz="2400" i="1" dirty="0">
+                <a:solidFill>
+                  <a:srgbClr val="FFFF00"/>
+                </a:solidFill>
+              </a:rPr>
+              <a:t>Объектно-ориентированный анализ и проектирование с примерами </a:t>
+            </a:r>
+            <a:r>
+              <a:rPr lang="ru-RU" sz="2400" i="1" dirty="0" smtClean="0">
+                <a:solidFill>
+                  <a:srgbClr val="FFFF00"/>
+                </a:solidFill>
+              </a:rPr>
+              <a:t>приложений</a:t>
+            </a:r>
+            <a:r>
+              <a:rPr lang="en-US" sz="2400" i="1" dirty="0" smtClean="0"/>
+              <a:t/>
+            </a:r>
+            <a:br>
+              <a:rPr lang="en-US" sz="2400" i="1" dirty="0" smtClean="0"/>
+            </a:br>
+            <a:r>
+              <a:rPr lang="ru-RU" sz="2400" dirty="0" smtClean="0"/>
+              <a:t>Гради Буч</a:t>
+            </a:r>
+            <a:endParaRPr lang="ru-RU" sz="2400" dirty="0"/>
+          </a:p>
+        </p:txBody>
+      </p:sp>
+      <p:sp>
+        <p:nvSpPr>
+          <p:cNvPr id="3" name="Content Placeholder 2"/>
+          <p:cNvSpPr>
+            <a:spLocks noGrp="1"/>
+          </p:cNvSpPr>
+          <p:nvPr>
+            <p:ph idx="1"/>
+          </p:nvPr>
+        </p:nvSpPr>
+        <p:spPr>
+          <a:xfrm>
+            <a:off x="3131840" y="1600200"/>
+            <a:ext cx="5554960" cy="4525963"/>
+          </a:xfrm>
+        </p:spPr>
+        <p:txBody>
+          <a:bodyPr anchor="t" anchorCtr="0">
+            <a:normAutofit fontScale="92500" lnSpcReduction="20000"/>
+          </a:bodyPr>
+          <a:lstStyle/>
+          <a:p>
+            <a:pPr marL="0" indent="0">
+              <a:buNone/>
+            </a:pPr>
+            <a:r>
+              <a:rPr lang="ru-RU" dirty="0" smtClean="0"/>
+              <a:t>В книге описываются </a:t>
+            </a:r>
+            <a:r>
+              <a:rPr lang="ru-RU" dirty="0"/>
+              <a:t>объектные методы решения сложных проблем, связанные с разработкой систем и программного обеспечения. Используя многочисленные примеры, </a:t>
+            </a:r>
+            <a:r>
+              <a:rPr lang="ru-RU" dirty="0" smtClean="0"/>
+              <a:t>иллюстрируются </a:t>
+            </a:r>
+            <a:r>
+              <a:rPr lang="ru-RU" dirty="0"/>
+              <a:t>основные концепции объектно-ориентированного подхода на примере разработки систем управления, сбора данных и искусственного интеллекта.</a:t>
+            </a:r>
+          </a:p>
+        </p:txBody>
+      </p:sp>
+      <p:pic>
+        <p:nvPicPr>
+          <p:cNvPr id="4" name="Picture 3"/>
+          <p:cNvPicPr>
+            <a:picLocks noChangeAspect="1"/>
+          </p:cNvPicPr>
+          <p:nvPr/>
+        </p:nvPicPr>
+        <p:blipFill>
+          <a:blip r:embed="rId2">
+            <a:extLst>
+              <a:ext uri="{28A0092B-C50C-407E-A947-70E740481C1C}">
+                <a14:useLocalDpi xmlns:a14="http://schemas.microsoft.com/office/drawing/2010/main" val="0"/>
+              </a:ext>
+            </a:extLst>
+          </a:blip>
+          <a:stretch>
+            <a:fillRect/>
+          </a:stretch>
+        </p:blipFill>
+        <p:spPr>
+          <a:xfrm>
+            <a:off x="467544" y="1600200"/>
+            <a:ext cx="2520000" cy="3578400"/>
+          </a:xfrm>
+          <a:prstGeom prst="rect">
+            <a:avLst/>
+          </a:prstGeom>
+        </p:spPr>
+      </p:pic>
+    </p:spTree>
+    <p:extLst>
+      <p:ext uri="{BB962C8B-B14F-4D97-AF65-F5344CB8AC3E}">
+        <p14:creationId xmlns:p14="http://schemas.microsoft.com/office/powerpoint/2010/main" val="3217659103"/>
+      </p:ext>
+    </p:extLst>
+  </p:cSld>
+  <p:clrMapOvr>
+    <a:masterClrMapping/>
+  </p:clrMapOvr>
+  <p:timing>
+    <p:tnLst>
+      <p:par>
+        <p:cTn id="1" dur="indefinite" restart="never" nodeType="tmRoot"/>
+      </p:par>
+    </p:tnLst>
+  </p:timing>
+</p:sld>
+</file>
+
+<file path=ppt/slides/slide12.xml><?xml version="1.0" encoding="utf-8"?>
+<p:sld xmlns:a="http://schemas.openxmlformats.org/drawingml/2006/main" xmlns:r="http://schemas.openxmlformats.org/officeDocument/2006/relationships" xmlns:p="http://schemas.openxmlformats.org/presentationml/2006/main">
+  <p:cSld>
+    <p:spTree>
+      <p:nvGrpSpPr>
+        <p:cNvPr id="1" name=""/>
+        <p:cNvGrpSpPr/>
+        <p:nvPr/>
+      </p:nvGrpSpPr>
+      <p:grpSpPr>
+        <a:xfrm>
+          <a:off x="0" y="0"/>
+          <a:ext cx="0" cy="0"/>
+          <a:chOff x="0" y="0"/>
+          <a:chExt cx="0" cy="0"/>
+        </a:xfrm>
+      </p:grpSpPr>
+      <p:sp>
+        <p:nvSpPr>
+          <p:cNvPr id="2" name="Title 1"/>
+          <p:cNvSpPr>
+            <a:spLocks noGrp="1"/>
+          </p:cNvSpPr>
+          <p:nvPr>
+            <p:ph type="title"/>
+          </p:nvPr>
+        </p:nvSpPr>
+        <p:spPr>
+          <a:noFill/>
+          <a:ln>
+            <a:solidFill>
+              <a:schemeClr val="tx1"/>
+            </a:solidFill>
+          </a:ln>
+        </p:spPr>
+        <p:txBody>
+          <a:bodyPr>
+            <a:noAutofit/>
+          </a:bodyPr>
+          <a:lstStyle/>
+          <a:p>
+            <a:r>
               <a:rPr lang="ru-RU" sz="2400" i="1" smtClean="0">
                 <a:solidFill>
                   <a:srgbClr val="FFFF00"/>
@@ -3969,7 +4038,7 @@
 </p:sld>
 </file>
 
-<file path=ppt/slides/slide12.xml><?xml version="1.0" encoding="utf-8"?>
+<file path=ppt/slides/slide13.xml><?xml version="1.0" encoding="utf-8"?>
 <p:sld xmlns:a="http://schemas.openxmlformats.org/drawingml/2006/main" xmlns:r="http://schemas.openxmlformats.org/officeDocument/2006/relationships" xmlns:p="http://schemas.openxmlformats.org/presentationml/2006/main" show="0">
   <p:cSld>
     <p:spTree>
@@ -4193,7 +4262,7 @@
 </p:sld>
 </file>
 
-<file path=ppt/slides/slide13.xml><?xml version="1.0" encoding="utf-8"?>
+<file path=ppt/slides/slide14.xml><?xml version="1.0" encoding="utf-8"?>
 <p:sld xmlns:a="http://schemas.openxmlformats.org/drawingml/2006/main" xmlns:r="http://schemas.openxmlformats.org/officeDocument/2006/relationships" xmlns:p="http://schemas.openxmlformats.org/presentationml/2006/main">
   <p:cSld>
     <p:spTree>
@@ -4392,7 +4461,7 @@
 </p:sld>
 </file>
 
-<file path=ppt/slides/slide14.xml><?xml version="1.0" encoding="utf-8"?>
+<file path=ppt/slides/slide15.xml><?xml version="1.0" encoding="utf-8"?>
 <p:sld xmlns:a="http://schemas.openxmlformats.org/drawingml/2006/main" xmlns:r="http://schemas.openxmlformats.org/officeDocument/2006/relationships" xmlns:p="http://schemas.openxmlformats.org/presentationml/2006/main">
   <p:cSld>
     <p:spTree>
@@ -4457,7 +4526,7 @@
 </p:sld>
 </file>
 
-<file path=ppt/slides/slide15.xml><?xml version="1.0" encoding="utf-8"?>
+<file path=ppt/slides/slide16.xml><?xml version="1.0" encoding="utf-8"?>
 <p:sld xmlns:a="http://schemas.openxmlformats.org/drawingml/2006/main" xmlns:r="http://schemas.openxmlformats.org/officeDocument/2006/relationships" xmlns:p="http://schemas.openxmlformats.org/presentationml/2006/main">
   <p:cSld>
     <p:spTree>
@@ -4746,7 +4815,7 @@
 </p:sld>
 </file>
 
-<file path=ppt/slides/slide16.xml><?xml version="1.0" encoding="utf-8"?>
+<file path=ppt/slides/slide17.xml><?xml version="1.0" encoding="utf-8"?>
 <p:sld xmlns:a="http://schemas.openxmlformats.org/drawingml/2006/main" xmlns:r="http://schemas.openxmlformats.org/officeDocument/2006/relationships" xmlns:p="http://schemas.openxmlformats.org/presentationml/2006/main">
   <p:cSld>
     <p:spTree>
@@ -4982,83 +5051,6 @@
 </p:sld>
 </file>
 
-<file path=ppt/slides/slide17.xml><?xml version="1.0" encoding="utf-8"?>
-<p:sld xmlns:a="http://schemas.openxmlformats.org/drawingml/2006/main" xmlns:r="http://schemas.openxmlformats.org/officeDocument/2006/relationships" xmlns:p="http://schemas.openxmlformats.org/presentationml/2006/main">
-  <p:cSld>
-    <p:spTree>
-      <p:nvGrpSpPr>
-        <p:cNvPr id="1" name=""/>
-        <p:cNvGrpSpPr/>
-        <p:nvPr/>
-      </p:nvGrpSpPr>
-      <p:grpSpPr>
-        <a:xfrm>
-          <a:off x="0" y="0"/>
-          <a:ext cx="0" cy="0"/>
-          <a:chOff x="0" y="0"/>
-          <a:chExt cx="0" cy="0"/>
-        </a:xfrm>
-      </p:grpSpPr>
-      <p:sp>
-        <p:nvSpPr>
-          <p:cNvPr id="2" name="Title 1"/>
-          <p:cNvSpPr>
-            <a:spLocks noGrp="1"/>
-          </p:cNvSpPr>
-          <p:nvPr>
-            <p:ph type="title"/>
-          </p:nvPr>
-        </p:nvSpPr>
-        <p:spPr>
-          <a:xfrm>
-            <a:off x="457200" y="2857500"/>
-            <a:ext cx="8229600" cy="1143000"/>
-          </a:xfrm>
-        </p:spPr>
-        <p:txBody>
-          <a:bodyPr/>
-          <a:lstStyle/>
-          <a:p>
-            <a:r>
-              <a:rPr lang="en-US" dirty="0" smtClean="0"/>
-              <a:t>ADO.NET / </a:t>
-            </a:r>
-            <a:r>
-              <a:rPr lang="en-US" dirty="0" err="1" smtClean="0"/>
-              <a:t>EntityFramework</a:t>
-            </a:r>
-            <a:endParaRPr lang="ru-RU" dirty="0"/>
-          </a:p>
-        </p:txBody>
-      </p:sp>
-    </p:spTree>
-    <p:extLst>
-      <p:ext uri="{BB962C8B-B14F-4D97-AF65-F5344CB8AC3E}">
-        <p14:creationId xmlns:p14="http://schemas.microsoft.com/office/powerpoint/2010/main" val="2493670811"/>
-      </p:ext>
-    </p:extLst>
-  </p:cSld>
-  <p:clrMapOvr>
-    <a:masterClrMapping/>
-  </p:clrMapOvr>
-  <mc:AlternateContent xmlns:mc="http://schemas.openxmlformats.org/markup-compatibility/2006">
-    <mc:Choice xmlns:p14="http://schemas.microsoft.com/office/powerpoint/2010/main" Requires="p14">
-      <p:transition spd="slow" p14:dur="2000"/>
-    </mc:Choice>
-    <mc:Fallback>
-      <p:transition spd="slow"/>
-    </mc:Fallback>
-  </mc:AlternateContent>
-  <p:timing>
-    <p:tnLst>
-      <p:par>
-        <p:cTn id="1" dur="indefinite" restart="never" nodeType="tmRoot"/>
-      </p:par>
-    </p:tnLst>
-  </p:timing>
-</p:sld>
-</file>
-
 <file path=ppt/slides/slide18.xml><?xml version="1.0" encoding="utf-8"?>
 <p:sld xmlns:a="http://schemas.openxmlformats.org/drawingml/2006/main" xmlns:r="http://schemas.openxmlformats.org/officeDocument/2006/relationships" xmlns:p="http://schemas.openxmlformats.org/presentationml/2006/main">
   <p:cSld>
@@ -5087,117 +5079,45 @@
           </p:nvPr>
         </p:nvSpPr>
         <p:spPr>
-          <a:noFill/>
-          <a:ln>
-            <a:solidFill>
-              <a:schemeClr val="tx1"/>
-            </a:solidFill>
-          </a:ln>
-        </p:spPr>
-        <p:txBody>
-          <a:bodyPr>
-            <a:noAutofit/>
-          </a:bodyPr>
+          <a:xfrm>
+            <a:off x="457200" y="2857500"/>
+            <a:ext cx="8229600" cy="1143000"/>
+          </a:xfrm>
+        </p:spPr>
+        <p:txBody>
+          <a:bodyPr/>
           <a:lstStyle/>
           <a:p>
             <a:r>
-              <a:rPr lang="en-US" sz="2400" i="1" dirty="0">
-                <a:solidFill>
-                  <a:srgbClr val="FFFF00"/>
-                </a:solidFill>
-              </a:rPr>
-              <a:t>Programming Entity Framework: DbContext: Querying, Changing, and Validating Your Data with Entity </a:t>
-            </a:r>
-            <a:r>
-              <a:rPr lang="en-US" sz="2400" i="1" dirty="0" smtClean="0">
-                <a:solidFill>
-                  <a:srgbClr val="FFFF00"/>
-                </a:solidFill>
-              </a:rPr>
-              <a:t>Framework</a:t>
-            </a:r>
-            <a:r>
-              <a:rPr lang="en-US" sz="2400" dirty="0" smtClean="0"/>
-              <a:t/>
-            </a:r>
-            <a:br>
-              <a:rPr lang="en-US" sz="2400" dirty="0" smtClean="0"/>
-            </a:br>
-            <a:r>
-              <a:rPr lang="en-US" sz="2400" dirty="0"/>
-              <a:t>Julia Lerman, Rowan Miller</a:t>
-            </a:r>
-            <a:endParaRPr lang="ru-RU" sz="2400" dirty="0"/>
-          </a:p>
-        </p:txBody>
-      </p:sp>
-      <p:sp>
-        <p:nvSpPr>
-          <p:cNvPr id="3" name="Content Placeholder 2"/>
-          <p:cNvSpPr>
-            <a:spLocks noGrp="1"/>
-          </p:cNvSpPr>
-          <p:nvPr>
-            <p:ph idx="1"/>
-          </p:nvPr>
-        </p:nvSpPr>
-        <p:spPr>
-          <a:xfrm>
-            <a:off x="3131840" y="1568450"/>
-            <a:ext cx="5554960" cy="4525963"/>
-          </a:xfrm>
-        </p:spPr>
-        <p:txBody>
-          <a:bodyPr anchor="t" anchorCtr="0">
-            <a:normAutofit/>
-          </a:bodyPr>
-          <a:lstStyle/>
-          <a:p>
-            <a:pPr marL="0" indent="0">
-              <a:buNone/>
-            </a:pPr>
-            <a:r>
-              <a:rPr lang="en-US" sz="2800" dirty="0" smtClean="0"/>
-              <a:t>DbContext</a:t>
-            </a:r>
-            <a:endParaRPr lang="ru-RU" sz="2800" dirty="0"/>
-          </a:p>
-        </p:txBody>
-      </p:sp>
-      <p:pic>
-        <p:nvPicPr>
-          <p:cNvPr id="5" name="Picture 4"/>
-          <p:cNvPicPr>
-            <a:picLocks noChangeAspect="1"/>
-          </p:cNvPicPr>
-          <p:nvPr/>
-        </p:nvPicPr>
-        <p:blipFill>
-          <a:blip r:embed="rId2"/>
-          <a:stretch>
-            <a:fillRect/>
-          </a:stretch>
-        </p:blipFill>
-        <p:spPr>
-          <a:xfrm>
-            <a:off x="480618" y="1568452"/>
-            <a:ext cx="2540000" cy="3326667"/>
-          </a:xfrm>
-          <a:prstGeom prst="rect">
-            <a:avLst/>
-          </a:prstGeom>
-        </p:spPr>
-      </p:pic>
+              <a:rPr lang="en-US" dirty="0" smtClean="0"/>
+              <a:t>ADO.NET / </a:t>
+            </a:r>
+            <a:r>
+              <a:rPr lang="en-US" dirty="0" err="1" smtClean="0"/>
+              <a:t>EntityFramework</a:t>
+            </a:r>
+            <a:endParaRPr lang="ru-RU" dirty="0"/>
+          </a:p>
+        </p:txBody>
+      </p:sp>
     </p:spTree>
     <p:extLst>
       <p:ext uri="{BB962C8B-B14F-4D97-AF65-F5344CB8AC3E}">
-        <p14:creationId xmlns:p14="http://schemas.microsoft.com/office/powerpoint/2010/main" val="315945106"/>
+        <p14:creationId xmlns:p14="http://schemas.microsoft.com/office/powerpoint/2010/main" val="2493670811"/>
       </p:ext>
     </p:extLst>
   </p:cSld>
   <p:clrMapOvr>
     <a:masterClrMapping/>
   </p:clrMapOvr>
+  <mc:AlternateContent xmlns:mc="http://schemas.openxmlformats.org/markup-compatibility/2006" xmlns:p14="http://schemas.microsoft.com/office/powerpoint/2010/main">
+    <mc:Choice Requires="p14">
+      <p:transition spd="slow" p14:dur="2000"/>
+    </mc:Choice>
+    <mc:Fallback xmlns="">
+      <p:transition spd="slow"/>
+    </mc:Fallback>
+  </mc:AlternateContent>
   <p:timing>
     <p:tnLst>
       <p:par>
@@ -5255,7 +5175,15 @@
                   <a:srgbClr val="FFFF00"/>
                 </a:solidFill>
               </a:rPr>
-              <a:t>Programming Entity Framework: Code First: Creating and Configuring Data Models from Your Classes</a:t>
+              <a:t>Programming Entity Framework: DbContext: Querying, Changing, and Validating Your Data with Entity </a:t>
+            </a:r>
+            <a:r>
+              <a:rPr lang="en-US" sz="2400" i="1" dirty="0" smtClean="0">
+                <a:solidFill>
+                  <a:srgbClr val="FFFF00"/>
+                </a:solidFill>
+              </a:rPr>
+              <a:t>Framework</a:t>
             </a:r>
             <a:r>
               <a:rPr lang="en-US" sz="2400" dirty="0" smtClean="0"/>
@@ -5299,7 +5227,7 @@
             </a:pPr>
             <a:r>
               <a:rPr lang="en-US" sz="2800" dirty="0" smtClean="0"/>
-              <a:t>CodeFirst</a:t>
+              <a:t>DbContext</a:t>
             </a:r>
             <a:endParaRPr lang="ru-RU" sz="2800" dirty="0"/>
           </a:p>
@@ -5307,7 +5235,7 @@
       </p:sp>
       <p:pic>
         <p:nvPicPr>
-          <p:cNvPr id="4" name="Picture 3"/>
+          <p:cNvPr id="5" name="Picture 4"/>
           <p:cNvPicPr>
             <a:picLocks noChangeAspect="1"/>
           </p:cNvPicPr>
@@ -5321,8 +5249,8 @@
         </p:blipFill>
         <p:spPr>
           <a:xfrm>
-            <a:off x="467544" y="1577085"/>
-            <a:ext cx="2593333" cy="3326667"/>
+            <a:off x="480618" y="1568452"/>
+            <a:ext cx="2540000" cy="3326667"/>
           </a:xfrm>
           <a:prstGeom prst="rect">
             <a:avLst/>
@@ -5332,7 +5260,7 @@
     </p:spTree>
     <p:extLst>
       <p:ext uri="{BB962C8B-B14F-4D97-AF65-F5344CB8AC3E}">
-        <p14:creationId xmlns:p14="http://schemas.microsoft.com/office/powerpoint/2010/main" val="237427012"/>
+        <p14:creationId xmlns:p14="http://schemas.microsoft.com/office/powerpoint/2010/main" val="315945106"/>
       </p:ext>
     </p:extLst>
   </p:cSld>
@@ -5433,6 +5361,147 @@
           <a:chExt cx="0" cy="0"/>
         </a:xfrm>
       </p:grpSpPr>
+      <p:sp>
+        <p:nvSpPr>
+          <p:cNvPr id="2" name="Title 1"/>
+          <p:cNvSpPr>
+            <a:spLocks noGrp="1"/>
+          </p:cNvSpPr>
+          <p:nvPr>
+            <p:ph type="title"/>
+          </p:nvPr>
+        </p:nvSpPr>
+        <p:spPr>
+          <a:noFill/>
+          <a:ln>
+            <a:solidFill>
+              <a:schemeClr val="tx1"/>
+            </a:solidFill>
+          </a:ln>
+        </p:spPr>
+        <p:txBody>
+          <a:bodyPr>
+            <a:noAutofit/>
+          </a:bodyPr>
+          <a:lstStyle/>
+          <a:p>
+            <a:r>
+              <a:rPr lang="en-US" sz="2400" i="1" dirty="0">
+                <a:solidFill>
+                  <a:srgbClr val="FFFF00"/>
+                </a:solidFill>
+              </a:rPr>
+              <a:t>Programming Entity Framework: Code First: Creating and Configuring Data Models from Your Classes</a:t>
+            </a:r>
+            <a:r>
+              <a:rPr lang="en-US" sz="2400" dirty="0" smtClean="0"/>
+              <a:t/>
+            </a:r>
+            <a:br>
+              <a:rPr lang="en-US" sz="2400" dirty="0" smtClean="0"/>
+            </a:br>
+            <a:r>
+              <a:rPr lang="en-US" sz="2400" dirty="0"/>
+              <a:t>Julia Lerman, Rowan Miller</a:t>
+            </a:r>
+            <a:endParaRPr lang="ru-RU" sz="2400" dirty="0"/>
+          </a:p>
+        </p:txBody>
+      </p:sp>
+      <p:sp>
+        <p:nvSpPr>
+          <p:cNvPr id="3" name="Content Placeholder 2"/>
+          <p:cNvSpPr>
+            <a:spLocks noGrp="1"/>
+          </p:cNvSpPr>
+          <p:nvPr>
+            <p:ph idx="1"/>
+          </p:nvPr>
+        </p:nvSpPr>
+        <p:spPr>
+          <a:xfrm>
+            <a:off x="3131840" y="1568450"/>
+            <a:ext cx="5554960" cy="4525963"/>
+          </a:xfrm>
+        </p:spPr>
+        <p:txBody>
+          <a:bodyPr anchor="t" anchorCtr="0">
+            <a:normAutofit/>
+          </a:bodyPr>
+          <a:lstStyle/>
+          <a:p>
+            <a:pPr marL="0" indent="0">
+              <a:buNone/>
+            </a:pPr>
+            <a:r>
+              <a:rPr lang="en-US" sz="2800" dirty="0" smtClean="0"/>
+              <a:t>CodeFirst</a:t>
+            </a:r>
+            <a:endParaRPr lang="ru-RU" sz="2800" dirty="0"/>
+          </a:p>
+        </p:txBody>
+      </p:sp>
+      <p:pic>
+        <p:nvPicPr>
+          <p:cNvPr id="4" name="Picture 3"/>
+          <p:cNvPicPr>
+            <a:picLocks noChangeAspect="1"/>
+          </p:cNvPicPr>
+          <p:nvPr/>
+        </p:nvPicPr>
+        <p:blipFill>
+          <a:blip r:embed="rId2"/>
+          <a:stretch>
+            <a:fillRect/>
+          </a:stretch>
+        </p:blipFill>
+        <p:spPr>
+          <a:xfrm>
+            <a:off x="467544" y="1577085"/>
+            <a:ext cx="2593333" cy="3326667"/>
+          </a:xfrm>
+          <a:prstGeom prst="rect">
+            <a:avLst/>
+          </a:prstGeom>
+        </p:spPr>
+      </p:pic>
+    </p:spTree>
+    <p:extLst>
+      <p:ext uri="{BB962C8B-B14F-4D97-AF65-F5344CB8AC3E}">
+        <p14:creationId xmlns:p14="http://schemas.microsoft.com/office/powerpoint/2010/main" val="237427012"/>
+      </p:ext>
+    </p:extLst>
+  </p:cSld>
+  <p:clrMapOvr>
+    <a:masterClrMapping/>
+  </p:clrMapOvr>
+  <p:timing>
+    <p:tnLst>
+      <p:par>
+        <p:cTn id="1" dur="indefinite" restart="never" nodeType="tmRoot"/>
+      </p:par>
+    </p:tnLst>
+  </p:timing>
+</p:sld>
+</file>
+
+<file path=ppt/slides/slide21.xml><?xml version="1.0" encoding="utf-8"?>
+<p:sld xmlns:a="http://schemas.openxmlformats.org/drawingml/2006/main" xmlns:r="http://schemas.openxmlformats.org/officeDocument/2006/relationships" xmlns:p="http://schemas.openxmlformats.org/presentationml/2006/main">
+  <p:cSld>
+    <p:spTree>
+      <p:nvGrpSpPr>
+        <p:cNvPr id="1" name=""/>
+        <p:cNvGrpSpPr/>
+        <p:nvPr/>
+      </p:nvGrpSpPr>
+      <p:grpSpPr>
+        <a:xfrm>
+          <a:off x="0" y="0"/>
+          <a:ext cx="0" cy="0"/>
+          <a:chOff x="0" y="0"/>
+          <a:chExt cx="0" cy="0"/>
+        </a:xfrm>
+      </p:grpSpPr>
       <p:pic>
         <p:nvPicPr>
           <p:cNvPr id="5" name="Picture 4"/>
@@ -5561,7 +5630,7 @@
 </p:sld>
 </file>
 
-<file path=ppt/slides/slide21.xml><?xml version="1.0" encoding="utf-8"?>
+<file path=ppt/slides/slide22.xml><?xml version="1.0" encoding="utf-8"?>
 <p:sld xmlns:a="http://schemas.openxmlformats.org/drawingml/2006/main" xmlns:r="http://schemas.openxmlformats.org/officeDocument/2006/relationships" xmlns:p="http://schemas.openxmlformats.org/presentationml/2006/main" show="0">
   <p:cSld>
     <p:spTree>
@@ -5662,7 +5731,7 @@
 </p:sld>
 </file>
 
-<file path=ppt/slides/slide22.xml><?xml version="1.0" encoding="utf-8"?>
+<file path=ppt/slides/slide23.xml><?xml version="1.0" encoding="utf-8"?>
 <p:sld xmlns:a="http://schemas.openxmlformats.org/drawingml/2006/main" xmlns:r="http://schemas.openxmlformats.org/officeDocument/2006/relationships" xmlns:p="http://schemas.openxmlformats.org/presentationml/2006/main">
   <p:cSld>
     <p:spTree>
@@ -5736,7 +5805,7 @@
 </p:sld>
 </file>
 
-<file path=ppt/slides/slide23.xml><?xml version="1.0" encoding="utf-8"?>
+<file path=ppt/slides/slide24.xml><?xml version="1.0" encoding="utf-8"?>
 <p:sld xmlns:a="http://schemas.openxmlformats.org/drawingml/2006/main" xmlns:r="http://schemas.openxmlformats.org/officeDocument/2006/relationships" xmlns:p="http://schemas.openxmlformats.org/presentationml/2006/main">
   <p:cSld>
     <p:spTree>
@@ -6051,7 +6120,7 @@
 </p:sld>
 </file>
 
-<file path=ppt/slides/slide24.xml><?xml version="1.0" encoding="utf-8"?>
+<file path=ppt/slides/slide25.xml><?xml version="1.0" encoding="utf-8"?>
 <p:sld xmlns:a="http://schemas.openxmlformats.org/drawingml/2006/main" xmlns:r="http://schemas.openxmlformats.org/officeDocument/2006/relationships" xmlns:p="http://schemas.openxmlformats.org/presentationml/2006/main">
   <p:cSld>
     <p:spTree>
@@ -6116,7 +6185,7 @@
 </p:sld>
 </file>
 
-<file path=ppt/slides/slide25.xml><?xml version="1.0" encoding="utf-8"?>
+<file path=ppt/slides/slide26.xml><?xml version="1.0" encoding="utf-8"?>
 <p:sld xmlns:a="http://schemas.openxmlformats.org/drawingml/2006/main" xmlns:r="http://schemas.openxmlformats.org/officeDocument/2006/relationships" xmlns:p="http://schemas.openxmlformats.org/presentationml/2006/main">
   <p:cSld>
     <p:spTree>
@@ -6297,73 +6366,6 @@
 </p:sld>
 </file>
 
-<file path=ppt/slides/slide26.xml><?xml version="1.0" encoding="utf-8"?>
-<p:sld xmlns:a="http://schemas.openxmlformats.org/drawingml/2006/main" xmlns:r="http://schemas.openxmlformats.org/officeDocument/2006/relationships" xmlns:p="http://schemas.openxmlformats.org/presentationml/2006/main">
-  <p:cSld>
-    <p:spTree>
-      <p:nvGrpSpPr>
-        <p:cNvPr id="1" name=""/>
-        <p:cNvGrpSpPr/>
-        <p:nvPr/>
-      </p:nvGrpSpPr>
-      <p:grpSpPr>
-        <a:xfrm>
-          <a:off x="0" y="0"/>
-          <a:ext cx="0" cy="0"/>
-          <a:chOff x="0" y="0"/>
-          <a:chExt cx="0" cy="0"/>
-        </a:xfrm>
-      </p:grpSpPr>
-      <p:sp>
-        <p:nvSpPr>
-          <p:cNvPr id="2" name="Title 1"/>
-          <p:cNvSpPr>
-            <a:spLocks noGrp="1"/>
-          </p:cNvSpPr>
-          <p:nvPr>
-            <p:ph type="title"/>
-          </p:nvPr>
-        </p:nvSpPr>
-        <p:spPr>
-          <a:xfrm>
-            <a:off x="457200" y="2459174"/>
-            <a:ext cx="8229600" cy="1939652"/>
-          </a:xfrm>
-        </p:spPr>
-        <p:txBody>
-          <a:bodyPr>
-            <a:normAutofit/>
-          </a:bodyPr>
-          <a:lstStyle/>
-          <a:p>
-            <a:r>
-              <a:rPr lang="ru-RU" dirty="0" smtClean="0"/>
-              <a:t>Другое</a:t>
-            </a:r>
-            <a:endParaRPr lang="ru-RU" dirty="0"/>
-          </a:p>
-        </p:txBody>
-      </p:sp>
-    </p:spTree>
-    <p:extLst>
-      <p:ext uri="{BB962C8B-B14F-4D97-AF65-F5344CB8AC3E}">
-        <p14:creationId xmlns:p14="http://schemas.microsoft.com/office/powerpoint/2010/main" val="941366620"/>
-      </p:ext>
-    </p:extLst>
-  </p:cSld>
-  <p:clrMapOvr>
-    <a:masterClrMapping/>
-  </p:clrMapOvr>
-  <p:timing>
-    <p:tnLst>
-      <p:par>
-        <p:cTn id="1" dur="indefinite" restart="never" nodeType="tmRoot"/>
-      </p:par>
-    </p:tnLst>
-  </p:timing>
-</p:sld>
-</file>
-
 <file path=ppt/slides/slide27.xml><?xml version="1.0" encoding="utf-8"?>
 <p:sld xmlns:a="http://schemas.openxmlformats.org/drawingml/2006/main" xmlns:r="http://schemas.openxmlformats.org/officeDocument/2006/relationships" xmlns:p="http://schemas.openxmlformats.org/presentationml/2006/main">
   <p:cSld>
@@ -6392,109 +6394,29 @@
           </p:nvPr>
         </p:nvSpPr>
         <p:spPr>
-          <a:noFill/>
-          <a:ln>
-            <a:solidFill>
-              <a:schemeClr val="tx1"/>
-            </a:solidFill>
-          </a:ln>
+          <a:xfrm>
+            <a:off x="457200" y="2459174"/>
+            <a:ext cx="8229600" cy="1939652"/>
+          </a:xfrm>
         </p:spPr>
         <p:txBody>
           <a:bodyPr>
-            <a:noAutofit/>
-          </a:bodyPr>
-          <a:lstStyle/>
-          <a:p>
-            <a:r>
-              <a:rPr lang="en-US" sz="2400" i="1" dirty="0">
-                <a:solidFill>
-                  <a:srgbClr val="FFFF00"/>
-                </a:solidFill>
-              </a:rPr>
-              <a:t>Pragmatic Thinking and Learning: Refactor Your Wetware</a:t>
-            </a:r>
-            <a:r>
-              <a:rPr lang="en-US" sz="2400" dirty="0" smtClean="0"/>
-              <a:t/>
-            </a:r>
-            <a:br>
-              <a:rPr lang="en-US" sz="2400" dirty="0" smtClean="0"/>
-            </a:br>
-            <a:r>
-              <a:rPr lang="en-US" sz="2400" dirty="0" smtClean="0"/>
-              <a:t>Andy Hunt</a:t>
-            </a:r>
-            <a:endParaRPr lang="ru-RU" sz="2400" dirty="0"/>
-          </a:p>
-        </p:txBody>
-      </p:sp>
-      <p:sp>
-        <p:nvSpPr>
-          <p:cNvPr id="3" name="Content Placeholder 2"/>
-          <p:cNvSpPr>
-            <a:spLocks noGrp="1"/>
-          </p:cNvSpPr>
-          <p:nvPr>
-            <p:ph idx="1"/>
-          </p:nvPr>
-        </p:nvSpPr>
-        <p:spPr>
-          <a:xfrm>
-            <a:off x="3131840" y="1568450"/>
-            <a:ext cx="5554960" cy="4525963"/>
-          </a:xfrm>
-        </p:spPr>
-        <p:txBody>
-          <a:bodyPr anchor="t" anchorCtr="0">
             <a:normAutofit/>
           </a:bodyPr>
           <a:lstStyle/>
           <a:p>
-            <a:pPr marL="0" indent="0">
-              <a:buNone/>
-            </a:pPr>
-            <a:r>
-              <a:rPr lang="ru-RU" sz="2800" dirty="0" smtClean="0"/>
-              <a:t>Учит использовать свой мозг более эффективно.</a:t>
-            </a:r>
-            <a:endParaRPr lang="ru-RU" sz="2800" dirty="0"/>
-          </a:p>
-        </p:txBody>
-      </p:sp>
-      <p:pic>
-        <p:nvPicPr>
-          <p:cNvPr id="5" name="Picture 4"/>
-          <p:cNvPicPr>
-            <a:picLocks noChangeAspect="1"/>
-          </p:cNvPicPr>
-          <p:nvPr/>
-        </p:nvPicPr>
-        <p:blipFill>
-          <a:blip r:embed="rId2">
-            <a:extLst>
-              <a:ext uri="{28A0092B-C50C-407E-A947-70E740481C1C}">
-                <a14:useLocalDpi xmlns:a14="http://schemas.microsoft.com/office/drawing/2010/main" val="0"/>
-              </a:ext>
-            </a:extLst>
-          </a:blip>
-          <a:stretch>
-            <a:fillRect/>
-          </a:stretch>
-        </p:blipFill>
-        <p:spPr>
-          <a:xfrm>
-            <a:off x="467544" y="1568449"/>
-            <a:ext cx="2520000" cy="3014308"/>
-          </a:xfrm>
-          <a:prstGeom prst="rect">
-            <a:avLst/>
-          </a:prstGeom>
-        </p:spPr>
-      </p:pic>
+            <a:r>
+              <a:rPr lang="ru-RU" dirty="0" smtClean="0"/>
+              <a:t>Другое</a:t>
+            </a:r>
+            <a:endParaRPr lang="ru-RU" dirty="0"/>
+          </a:p>
+        </p:txBody>
+      </p:sp>
     </p:spTree>
     <p:extLst>
       <p:ext uri="{BB962C8B-B14F-4D97-AF65-F5344CB8AC3E}">
-        <p14:creationId xmlns:p14="http://schemas.microsoft.com/office/powerpoint/2010/main" val="1237191104"/>
+        <p14:creationId xmlns:p14="http://schemas.microsoft.com/office/powerpoint/2010/main" val="941366620"/>
       </p:ext>
     </p:extLst>
   </p:cSld>
@@ -6538,6 +6460,153 @@
             <p:ph type="title"/>
           </p:nvPr>
         </p:nvSpPr>
+        <p:spPr>
+          <a:noFill/>
+          <a:ln>
+            <a:solidFill>
+              <a:schemeClr val="tx1"/>
+            </a:solidFill>
+          </a:ln>
+        </p:spPr>
+        <p:txBody>
+          <a:bodyPr>
+            <a:noAutofit/>
+          </a:bodyPr>
+          <a:lstStyle/>
+          <a:p>
+            <a:r>
+              <a:rPr lang="en-US" sz="2400" i="1" dirty="0">
+                <a:solidFill>
+                  <a:srgbClr val="FFFF00"/>
+                </a:solidFill>
+              </a:rPr>
+              <a:t>Pragmatic Thinking and Learning: Refactor Your Wetware</a:t>
+            </a:r>
+            <a:r>
+              <a:rPr lang="en-US" sz="2400" dirty="0" smtClean="0"/>
+              <a:t/>
+            </a:r>
+            <a:br>
+              <a:rPr lang="en-US" sz="2400" dirty="0" smtClean="0"/>
+            </a:br>
+            <a:r>
+              <a:rPr lang="en-US" sz="2400" dirty="0" smtClean="0"/>
+              <a:t>Andy Hunt</a:t>
+            </a:r>
+            <a:endParaRPr lang="ru-RU" sz="2400" dirty="0"/>
+          </a:p>
+        </p:txBody>
+      </p:sp>
+      <p:sp>
+        <p:nvSpPr>
+          <p:cNvPr id="3" name="Content Placeholder 2"/>
+          <p:cNvSpPr>
+            <a:spLocks noGrp="1"/>
+          </p:cNvSpPr>
+          <p:nvPr>
+            <p:ph idx="1"/>
+          </p:nvPr>
+        </p:nvSpPr>
+        <p:spPr>
+          <a:xfrm>
+            <a:off x="3131840" y="1568450"/>
+            <a:ext cx="5554960" cy="4525963"/>
+          </a:xfrm>
+        </p:spPr>
+        <p:txBody>
+          <a:bodyPr anchor="t" anchorCtr="0">
+            <a:normAutofit/>
+          </a:bodyPr>
+          <a:lstStyle/>
+          <a:p>
+            <a:pPr marL="0" indent="0">
+              <a:buNone/>
+            </a:pPr>
+            <a:r>
+              <a:rPr lang="ru-RU" sz="2800" dirty="0" smtClean="0"/>
+              <a:t>Учит использовать свой мозг более эффективно.</a:t>
+            </a:r>
+            <a:endParaRPr lang="ru-RU" sz="2800" dirty="0"/>
+          </a:p>
+        </p:txBody>
+      </p:sp>
+      <p:pic>
+        <p:nvPicPr>
+          <p:cNvPr id="5" name="Picture 4"/>
+          <p:cNvPicPr>
+            <a:picLocks noChangeAspect="1"/>
+          </p:cNvPicPr>
+          <p:nvPr/>
+        </p:nvPicPr>
+        <p:blipFill>
+          <a:blip r:embed="rId2">
+            <a:extLst>
+              <a:ext uri="{28A0092B-C50C-407E-A947-70E740481C1C}">
+                <a14:useLocalDpi xmlns:a14="http://schemas.microsoft.com/office/drawing/2010/main" val="0"/>
+              </a:ext>
+            </a:extLst>
+          </a:blip>
+          <a:stretch>
+            <a:fillRect/>
+          </a:stretch>
+        </p:blipFill>
+        <p:spPr>
+          <a:xfrm>
+            <a:off x="467544" y="1568449"/>
+            <a:ext cx="2520000" cy="3014308"/>
+          </a:xfrm>
+          <a:prstGeom prst="rect">
+            <a:avLst/>
+          </a:prstGeom>
+        </p:spPr>
+      </p:pic>
+    </p:spTree>
+    <p:extLst>
+      <p:ext uri="{BB962C8B-B14F-4D97-AF65-F5344CB8AC3E}">
+        <p14:creationId xmlns:p14="http://schemas.microsoft.com/office/powerpoint/2010/main" val="1237191104"/>
+      </p:ext>
+    </p:extLst>
+  </p:cSld>
+  <p:clrMapOvr>
+    <a:masterClrMapping/>
+  </p:clrMapOvr>
+  <p:timing>
+    <p:tnLst>
+      <p:par>
+        <p:cTn id="1" dur="indefinite" restart="never" nodeType="tmRoot"/>
+      </p:par>
+    </p:tnLst>
+  </p:timing>
+</p:sld>
+</file>
+
+<file path=ppt/slides/slide29.xml><?xml version="1.0" encoding="utf-8"?>
+<p:sld xmlns:a="http://schemas.openxmlformats.org/drawingml/2006/main" xmlns:r="http://schemas.openxmlformats.org/officeDocument/2006/relationships" xmlns:p="http://schemas.openxmlformats.org/presentationml/2006/main">
+  <p:cSld>
+    <p:spTree>
+      <p:nvGrpSpPr>
+        <p:cNvPr id="1" name=""/>
+        <p:cNvGrpSpPr/>
+        <p:nvPr/>
+      </p:nvGrpSpPr>
+      <p:grpSpPr>
+        <a:xfrm>
+          <a:off x="0" y="0"/>
+          <a:ext cx="0" cy="0"/>
+          <a:chOff x="0" y="0"/>
+          <a:chExt cx="0" cy="0"/>
+        </a:xfrm>
+      </p:grpSpPr>
+      <p:sp>
+        <p:nvSpPr>
+          <p:cNvPr id="2" name="Title 1"/>
+          <p:cNvSpPr>
+            <a:spLocks noGrp="1"/>
+          </p:cNvSpPr>
+          <p:nvPr>
+            <p:ph type="title"/>
+          </p:nvPr>
+        </p:nvSpPr>
         <p:spPr/>
         <p:txBody>
           <a:bodyPr/>
@@ -6658,15 +6727,7 @@
                   <a:srgbClr val="FFFF00"/>
                 </a:solidFill>
               </a:rPr>
-              <a:t>Язык программирования C# 5.0 и платформа .NET </a:t>
-            </a:r>
-            <a:r>
-              <a:rPr lang="ru-RU" sz="2400" i="1" dirty="0" smtClean="0">
-                <a:solidFill>
-                  <a:srgbClr val="FFFF00"/>
-                </a:solidFill>
-              </a:rPr>
-              <a:t>4.5</a:t>
+              <a:t>Язык программирования C# 6.0 и платформа .NET 4.6</a:t>
             </a:r>
             <a:r>
               <a:rPr lang="en-US" sz="2400" dirty="0" smtClean="0"/>
@@ -6714,11 +6775,51 @@
             </a:pPr>
             <a:r>
               <a:rPr lang="ru-RU" sz="2800" dirty="0" smtClean="0"/>
-              <a:t>Хорошая книга для начинающих. Автор описывает базовые возможности языка; объясняет механизмы ООП; рассказывает о работе с БД; дает введение в технологии </a:t>
+              <a:t>Хорошая книга для начинающих. Автор описывает базовые возможности языка; объясняет механизмы ООП; рассказывает о работе с </a:t>
+            </a:r>
+            <a:r>
+              <a:rPr lang="ru-RU" sz="2800" dirty="0" smtClean="0"/>
+              <a:t>БД</a:t>
             </a:r>
             <a:r>
               <a:rPr lang="en-US" sz="2800" dirty="0" smtClean="0"/>
-              <a:t>WPF </a:t>
+              <a:t> (</a:t>
+            </a:r>
+            <a:r>
+              <a:rPr lang="ru-RU" sz="2800" dirty="0" smtClean="0"/>
+              <a:t>с помощью </a:t>
+            </a:r>
+            <a:r>
+              <a:rPr lang="en-US" sz="2800" dirty="0" smtClean="0"/>
+              <a:t>ADO.NET</a:t>
+            </a:r>
+            <a:r>
+              <a:rPr lang="ru-RU" sz="2800" dirty="0" smtClean="0"/>
+              <a:t> и </a:t>
+            </a:r>
+            <a:r>
+              <a:rPr lang="en-US" sz="2800" dirty="0" smtClean="0"/>
+              <a:t>EF)</a:t>
+            </a:r>
+            <a:r>
+              <a:rPr lang="ru-RU" sz="2800" dirty="0" smtClean="0"/>
+              <a:t>; </a:t>
+            </a:r>
+            <a:r>
+              <a:rPr lang="ru-RU" sz="2800" dirty="0" smtClean="0"/>
+              <a:t>дает введение в технологии </a:t>
+            </a:r>
+            <a:r>
+              <a:rPr lang="en-US" sz="2800" dirty="0" smtClean="0"/>
+              <a:t>WPF</a:t>
+            </a:r>
+            <a:r>
+              <a:rPr lang="ru-RU" sz="2800" dirty="0"/>
+              <a:t>,</a:t>
+            </a:r>
+            <a:r>
+              <a:rPr lang="en-US" sz="2800" dirty="0" smtClean="0"/>
+              <a:t> WCF </a:t>
             </a:r>
             <a:r>
               <a:rPr lang="ru-RU" sz="2800" dirty="0" smtClean="0"/>
@@ -6729,12 +6830,24 @@
               <a:t>ASP.NET </a:t>
             </a:r>
             <a:r>
+              <a:rPr lang="en-US" sz="2800" dirty="0" smtClean="0"/>
+              <a:t>(</a:t>
+            </a:r>
+            <a:r>
               <a:rPr lang="en-US" sz="2800" dirty="0" err="1" smtClean="0"/>
               <a:t>WebForms</a:t>
             </a:r>
             <a:r>
               <a:rPr lang="en-US" sz="2800" dirty="0" smtClean="0"/>
-              <a:t>.</a:t>
+              <a:t>, MVC, </a:t>
+            </a:r>
+            <a:r>
+              <a:rPr lang="en-US" sz="2800" dirty="0" err="1" smtClean="0"/>
+              <a:t>WebAPI</a:t>
+            </a:r>
+            <a:r>
+              <a:rPr lang="en-US" sz="2800" dirty="0" smtClean="0"/>
+              <a:t>).</a:t>
             </a:r>
             <a:endParaRPr lang="ru-RU" sz="2800" dirty="0"/>
           </a:p>
@@ -6742,28 +6855,22 @@
       </p:sp>
       <p:pic>
         <p:nvPicPr>
-          <p:cNvPr id="4" name="Picture 3"/>
+          <p:cNvPr id="7" name="Picture 6"/>
           <p:cNvPicPr>
             <a:picLocks noChangeAspect="1"/>
           </p:cNvPicPr>
           <p:nvPr/>
         </p:nvPicPr>
         <p:blipFill>
-          <a:blip r:embed="rId2">
-            <a:extLst>
-              <a:ext uri="{28A0092B-C50C-407E-A947-70E740481C1C}">
-                <a14:useLocalDpi xmlns:a14="http://schemas.microsoft.com/office/drawing/2010/main" val="0"/>
-              </a:ext>
-            </a:extLst>
-          </a:blip>
+          <a:blip r:embed="rId2"/>
           <a:stretch>
             <a:fillRect/>
           </a:stretch>
         </p:blipFill>
         <p:spPr>
           <a:xfrm>
-            <a:off x="467544" y="1568450"/>
-            <a:ext cx="2520000" cy="3691800"/>
+            <a:off x="427732" y="1700808"/>
+            <a:ext cx="2584709" cy="3657607"/>
           </a:xfrm>
           <a:prstGeom prst="rect">
             <a:avLst/>
@@ -6818,29 +6925,131 @@
           </p:nvPr>
         </p:nvSpPr>
         <p:spPr>
+          <a:noFill/>
+          <a:ln>
+            <a:solidFill>
+              <a:schemeClr val="tx1"/>
+            </a:solidFill>
+          </a:ln>
+        </p:spPr>
+        <p:txBody>
+          <a:bodyPr>
+            <a:noAutofit/>
+          </a:bodyPr>
+          <a:lstStyle/>
+          <a:p>
+            <a:r>
+              <a:rPr lang="en-US" sz="2400" i="1" dirty="0">
+                <a:solidFill>
+                  <a:srgbClr val="FFFF00"/>
+                </a:solidFill>
+              </a:rPr>
+              <a:t>C# 4.0. </a:t>
+            </a:r>
+            <a:r>
+              <a:rPr lang="ru-RU" sz="2400" i="1" dirty="0">
+                <a:solidFill>
+                  <a:srgbClr val="FFFF00"/>
+                </a:solidFill>
+              </a:rPr>
+              <a:t>Полное руководство</a:t>
+            </a:r>
+            <a:r>
+              <a:rPr lang="en-US" sz="2400" dirty="0" smtClean="0"/>
+              <a:t/>
+            </a:r>
+            <a:br>
+              <a:rPr lang="en-US" sz="2400" dirty="0" smtClean="0"/>
+            </a:br>
+            <a:r>
+              <a:rPr lang="ru-RU" sz="2400" dirty="0"/>
+              <a:t>Герберт </a:t>
+            </a:r>
+            <a:r>
+              <a:rPr lang="ru-RU" sz="2400" dirty="0" err="1"/>
+              <a:t>Шилдт</a:t>
+            </a:r>
+            <a:endParaRPr lang="ru-RU" sz="2400" dirty="0"/>
+          </a:p>
+        </p:txBody>
+      </p:sp>
+      <p:sp>
+        <p:nvSpPr>
+          <p:cNvPr id="3" name="Content Placeholder 2"/>
+          <p:cNvSpPr>
+            <a:spLocks noGrp="1"/>
+          </p:cNvSpPr>
+          <p:nvPr>
+            <p:ph idx="1"/>
+          </p:nvPr>
+        </p:nvSpPr>
+        <p:spPr>
           <a:xfrm>
-            <a:off x="457200" y="2459174"/>
-            <a:ext cx="8229600" cy="1939652"/>
+            <a:off x="3131840" y="1568450"/>
+            <a:ext cx="5554960" cy="4525963"/>
           </a:xfrm>
         </p:spPr>
         <p:txBody>
-          <a:bodyPr>
+          <a:bodyPr anchor="t" anchorCtr="0">
             <a:normAutofit/>
           </a:bodyPr>
           <a:lstStyle/>
           <a:p>
-            <a:r>
-              <a:rPr lang="ru-RU" dirty="0" smtClean="0"/>
-              <a:t>Для продолжающих</a:t>
-            </a:r>
-            <a:endParaRPr lang="ru-RU" dirty="0"/>
-          </a:p>
-        </p:txBody>
-      </p:sp>
+            <a:pPr marL="0" indent="0">
+              <a:buNone/>
+            </a:pPr>
+            <a:r>
+              <a:rPr lang="ru-RU" sz="2800" dirty="0" smtClean="0"/>
+              <a:t>Автор дает подробное описание языка программирования </a:t>
+            </a:r>
+            <a:r>
+              <a:rPr lang="en-US" sz="2800" dirty="0" smtClean="0"/>
+              <a:t>C# </a:t>
+            </a:r>
+            <a:r>
+              <a:rPr lang="ru-RU" sz="2800" dirty="0" smtClean="0"/>
+              <a:t> не отвлекаясь на сопутствующие технологии как это делает </a:t>
+            </a:r>
+            <a:r>
+              <a:rPr lang="ru-RU" sz="2800" dirty="0" err="1" smtClean="0"/>
+              <a:t>Троелсон</a:t>
+            </a:r>
+            <a:r>
+              <a:rPr lang="ru-RU" sz="2800" dirty="0" smtClean="0"/>
+              <a:t>.</a:t>
+            </a:r>
+            <a:endParaRPr lang="ru-RU" sz="2800" dirty="0"/>
+          </a:p>
+        </p:txBody>
+      </p:sp>
+      <p:pic>
+        <p:nvPicPr>
+          <p:cNvPr id="5" name="Picture 4"/>
+          <p:cNvPicPr>
+            <a:picLocks noChangeAspect="1"/>
+          </p:cNvPicPr>
+          <p:nvPr/>
+        </p:nvPicPr>
+        <p:blipFill>
+          <a:blip r:embed="rId2"/>
+          <a:stretch>
+            <a:fillRect/>
+          </a:stretch>
+        </p:blipFill>
+        <p:spPr>
+          <a:xfrm>
+            <a:off x="457200" y="1700808"/>
+            <a:ext cx="2695575" cy="3609975"/>
+          </a:xfrm>
+          <a:prstGeom prst="rect">
+            <a:avLst/>
+          </a:prstGeom>
+        </p:spPr>
+      </p:pic>
     </p:spTree>
     <p:extLst>
       <p:ext uri="{BB962C8B-B14F-4D97-AF65-F5344CB8AC3E}">
-        <p14:creationId xmlns:p14="http://schemas.microsoft.com/office/powerpoint/2010/main" val="1399673045"/>
+        <p14:creationId xmlns:p14="http://schemas.microsoft.com/office/powerpoint/2010/main" val="1335702132"/>
       </p:ext>
     </p:extLst>
   </p:cSld>
@@ -6885,6 +7094,73 @@
           </p:nvPr>
         </p:nvSpPr>
         <p:spPr>
+          <a:xfrm>
+            <a:off x="457200" y="2459174"/>
+            <a:ext cx="8229600" cy="1939652"/>
+          </a:xfrm>
+        </p:spPr>
+        <p:txBody>
+          <a:bodyPr>
+            <a:normAutofit/>
+          </a:bodyPr>
+          <a:lstStyle/>
+          <a:p>
+            <a:r>
+              <a:rPr lang="ru-RU" dirty="0" smtClean="0"/>
+              <a:t>Для продолжающих</a:t>
+            </a:r>
+            <a:endParaRPr lang="ru-RU" dirty="0"/>
+          </a:p>
+        </p:txBody>
+      </p:sp>
+    </p:spTree>
+    <p:extLst>
+      <p:ext uri="{BB962C8B-B14F-4D97-AF65-F5344CB8AC3E}">
+        <p14:creationId xmlns:p14="http://schemas.microsoft.com/office/powerpoint/2010/main" val="1399673045"/>
+      </p:ext>
+    </p:extLst>
+  </p:cSld>
+  <p:clrMapOvr>
+    <a:masterClrMapping/>
+  </p:clrMapOvr>
+  <p:timing>
+    <p:tnLst>
+      <p:par>
+        <p:cTn id="1" dur="indefinite" restart="never" nodeType="tmRoot"/>
+      </p:par>
+    </p:tnLst>
+  </p:timing>
+</p:sld>
+</file>
+
+<file path=ppt/slides/slide6.xml><?xml version="1.0" encoding="utf-8"?>
+<p:sld xmlns:a="http://schemas.openxmlformats.org/drawingml/2006/main" xmlns:r="http://schemas.openxmlformats.org/officeDocument/2006/relationships" xmlns:p="http://schemas.openxmlformats.org/presentationml/2006/main">
+  <p:cSld>
+    <p:spTree>
+      <p:nvGrpSpPr>
+        <p:cNvPr id="1" name=""/>
+        <p:cNvGrpSpPr/>
+        <p:nvPr/>
+      </p:nvGrpSpPr>
+      <p:grpSpPr>
+        <a:xfrm>
+          <a:off x="0" y="0"/>
+          <a:ext cx="0" cy="0"/>
+          <a:chOff x="0" y="0"/>
+          <a:chExt cx="0" cy="0"/>
+        </a:xfrm>
+      </p:grpSpPr>
+      <p:sp>
+        <p:nvSpPr>
+          <p:cNvPr id="2" name="Title 1"/>
+          <p:cNvSpPr>
+            <a:spLocks noGrp="1"/>
+          </p:cNvSpPr>
+          <p:nvPr>
+            <p:ph type="title"/>
+          </p:nvPr>
+        </p:nvSpPr>
+        <p:spPr>
           <a:noFill/>
           <a:ln>
             <a:solidFill>
@@ -7052,7 +7328,7 @@
 </p:sld>
 </file>
 
-<file path=ppt/slides/slide6.xml><?xml version="1.0" encoding="utf-8"?>
+<file path=ppt/slides/slide7.xml><?xml version="1.0" encoding="utf-8"?>
 <p:sld xmlns:a="http://schemas.openxmlformats.org/drawingml/2006/main" xmlns:r="http://schemas.openxmlformats.org/officeDocument/2006/relationships" xmlns:p="http://schemas.openxmlformats.org/presentationml/2006/main">
   <p:cSld>
     <p:spTree>
@@ -7273,7 +7549,7 @@
 </p:sld>
 </file>
 
-<file path=ppt/slides/slide7.xml><?xml version="1.0" encoding="utf-8"?>
+<file path=ppt/slides/slide8.xml><?xml version="1.0" encoding="utf-8"?>
 <p:sld xmlns:a="http://schemas.openxmlformats.org/drawingml/2006/main" xmlns:r="http://schemas.openxmlformats.org/officeDocument/2006/relationships" xmlns:p="http://schemas.openxmlformats.org/presentationml/2006/main">
   <p:cSld>
     <p:spTree>
@@ -7432,7 +7708,7 @@
 </p:sld>
 </file>
 
-<file path=ppt/slides/slide8.xml><?xml version="1.0" encoding="utf-8"?>
+<file path=ppt/slides/slide9.xml><?xml version="1.0" encoding="utf-8"?>
 <p:sld xmlns:a="http://schemas.openxmlformats.org/drawingml/2006/main" xmlns:r="http://schemas.openxmlformats.org/officeDocument/2006/relationships" xmlns:p="http://schemas.openxmlformats.org/presentationml/2006/main">
   <p:cSld>
     <p:spTree>
@@ -7626,81 +7902,6 @@
     <p:extLst>
       <p:ext uri="{BB962C8B-B14F-4D97-AF65-F5344CB8AC3E}">
         <p14:creationId xmlns:p14="http://schemas.microsoft.com/office/powerpoint/2010/main" val="810545490"/>
-      </p:ext>
-    </p:extLst>
-  </p:cSld>
-  <p:clrMapOvr>
-    <a:masterClrMapping/>
-  </p:clrMapOvr>
-  <p:timing>
-    <p:tnLst>
-      <p:par>
-        <p:cTn id="1" dur="indefinite" restart="never" nodeType="tmRoot"/>
-      </p:par>
-    </p:tnLst>
-  </p:timing>
-</p:sld>
-</file>
-
-<file path=ppt/slides/slide9.xml><?xml version="1.0" encoding="utf-8"?>
-<p:sld xmlns:a="http://schemas.openxmlformats.org/drawingml/2006/main" xmlns:r="http://schemas.openxmlformats.org/officeDocument/2006/relationships" xmlns:p="http://schemas.openxmlformats.org/presentationml/2006/main">
-  <p:cSld>
-    <p:spTree>
-      <p:nvGrpSpPr>
-        <p:cNvPr id="1" name=""/>
-        <p:cNvGrpSpPr/>
-        <p:nvPr/>
-      </p:nvGrpSpPr>
-      <p:grpSpPr>
-        <a:xfrm>
-          <a:off x="0" y="0"/>
-          <a:ext cx="0" cy="0"/>
-          <a:chOff x="0" y="0"/>
-          <a:chExt cx="0" cy="0"/>
-        </a:xfrm>
-      </p:grpSpPr>
-      <p:sp>
-        <p:nvSpPr>
-          <p:cNvPr id="2" name="Title 1"/>
-          <p:cNvSpPr>
-            <a:spLocks noGrp="1"/>
-          </p:cNvSpPr>
-          <p:nvPr>
-            <p:ph type="title"/>
-          </p:nvPr>
-        </p:nvSpPr>
-        <p:spPr>
-          <a:xfrm>
-            <a:off x="457200" y="2459174"/>
-            <a:ext cx="8229600" cy="1939652"/>
-          </a:xfrm>
-        </p:spPr>
-        <p:txBody>
-          <a:bodyPr>
-            <a:normAutofit fontScale="90000"/>
-          </a:bodyPr>
-          <a:lstStyle/>
-          <a:p>
-            <a:r>
-              <a:rPr lang="ru-RU" dirty="0" smtClean="0"/>
-              <a:t>Объектно-ориентированное программирование и </a:t>
-            </a:r>
-            <a:r>
-              <a:rPr lang="ru-RU" dirty="0" smtClean="0"/>
-              <a:t>шаблоны </a:t>
-            </a:r>
-            <a:r>
-              <a:rPr lang="ru-RU" dirty="0" smtClean="0"/>
-              <a:t>проектирования</a:t>
-            </a:r>
-            <a:endParaRPr lang="ru-RU" dirty="0"/>
-          </a:p>
-        </p:txBody>
-      </p:sp>
-    </p:spTree>
-    <p:extLst>
-      <p:ext uri="{BB962C8B-B14F-4D97-AF65-F5344CB8AC3E}">
-        <p14:creationId xmlns:p14="http://schemas.microsoft.com/office/powerpoint/2010/main" val="834023638"/>
       </p:ext>
     </p:extLst>
   </p:cSld>

--- a/Presentation/books-to-read.pptx
+++ b/Presentation/books-to-read.pptx
@@ -301,7 +301,7 @@
           <a:p>
             <a:fld id="{B24A7054-7FFB-49F4-A126-5DF6E687FF53}" type="datetimeFigureOut">
               <a:rPr lang="ru-RU" smtClean="0"/>
-              <a:t>01.04.2017</a:t>
+              <a:t>01.07.2018</a:t>
             </a:fld>
             <a:endParaRPr lang="ru-RU"/>
           </a:p>
@@ -365,35 +365,35 @@
           <a:p>
             <a:pPr lvl="0"/>
             <a:r>
-              <a:rPr lang="en-US" smtClean="0"/>
+              <a:rPr lang="en-US"/>
               <a:t>Click to edit Master text styles</a:t>
             </a:r>
           </a:p>
           <a:p>
             <a:pPr lvl="1"/>
             <a:r>
-              <a:rPr lang="en-US" smtClean="0"/>
+              <a:rPr lang="en-US"/>
               <a:t>Second level</a:t>
             </a:r>
           </a:p>
           <a:p>
             <a:pPr lvl="2"/>
             <a:r>
-              <a:rPr lang="en-US" smtClean="0"/>
+              <a:rPr lang="en-US"/>
               <a:t>Third level</a:t>
             </a:r>
           </a:p>
           <a:p>
             <a:pPr lvl="3"/>
             <a:r>
-              <a:rPr lang="en-US" smtClean="0"/>
+              <a:rPr lang="en-US"/>
               <a:t>Fourth level</a:t>
             </a:r>
           </a:p>
           <a:p>
             <a:pPr lvl="4"/>
             <a:r>
-              <a:rPr lang="en-US" smtClean="0"/>
+              <a:rPr lang="en-US"/>
               <a:t>Fifth level</a:t>
             </a:r>
             <a:endParaRPr lang="ru-RU"/>
@@ -609,7 +609,7 @@
           <a:p>
             <a:pPr algn="ctr"/>
             <a:r>
-              <a:rPr lang="ru-RU" sz="3600" b="1" i="1" dirty="0" smtClean="0">
+              <a:rPr lang="ru-RU" sz="3600" b="1" i="1" dirty="0">
                 <a:solidFill>
                   <a:schemeClr val="bg1"/>
                 </a:solidFill>
@@ -617,7 +617,7 @@
               <a:t>Основы программирования на </a:t>
             </a:r>
             <a:r>
-              <a:rPr lang="en-US" sz="3600" b="1" i="1" dirty="0" smtClean="0">
+              <a:rPr lang="en-US" sz="3600" b="1" i="1" dirty="0">
                 <a:solidFill>
                   <a:schemeClr val="bg1"/>
                 </a:solidFill>
@@ -724,18 +724,10 @@
                   <a:schemeClr val="bg1"/>
                 </a:solidFill>
               </a:rPr>
-              <a:t>Занятие </a:t>
-            </a:r>
-            <a:r>
-              <a:rPr lang="ru-RU" sz="2400" dirty="0" smtClean="0">
-                <a:solidFill>
-                  <a:schemeClr val="bg1"/>
-                </a:solidFill>
-              </a:rPr>
-              <a:t>№</a:t>
-            </a:r>
-            <a:r>
-              <a:rPr lang="en-US" sz="2400" dirty="0" smtClean="0">
+              <a:t>Занятие №</a:t>
+            </a:r>
+            <a:r>
+              <a:rPr lang="en-US" sz="2400" dirty="0">
                 <a:solidFill>
                   <a:schemeClr val="bg1"/>
                 </a:solidFill>
@@ -743,7 +735,7 @@
               <a:t>1</a:t>
             </a:r>
             <a:r>
-              <a:rPr lang="ru-RU" sz="2400" dirty="0" smtClean="0">
+              <a:rPr lang="ru-RU" sz="2400" dirty="0">
                 <a:solidFill>
                   <a:schemeClr val="bg1"/>
                 </a:solidFill>
@@ -768,13 +760,6 @@
   <p:clrMapOvr>
     <a:masterClrMapping/>
   </p:clrMapOvr>
-  <p:timing>
-    <p:tnLst>
-      <p:par>
-        <p:cTn id="1" dur="indefinite" restart="never" nodeType="tmRoot"/>
-      </p:par>
-    </p:tnLst>
-  </p:timing>
 </p:sldLayout>
 </file>
 
@@ -820,7 +805,7 @@
           </a:lstStyle>
           <a:p>
             <a:r>
-              <a:rPr lang="en-US" smtClean="0"/>
+              <a:rPr lang="en-US"/>
               <a:t>Click to edit Master title style</a:t>
             </a:r>
             <a:endParaRPr lang="ru-RU" dirty="0"/>
@@ -877,35 +862,35 @@
           <a:p>
             <a:pPr lvl="0"/>
             <a:r>
-              <a:rPr lang="en-US" smtClean="0"/>
+              <a:rPr lang="en-US"/>
               <a:t>Click to edit Master text styles</a:t>
             </a:r>
           </a:p>
           <a:p>
             <a:pPr lvl="1"/>
             <a:r>
-              <a:rPr lang="en-US" smtClean="0"/>
+              <a:rPr lang="en-US"/>
               <a:t>Second level</a:t>
             </a:r>
           </a:p>
           <a:p>
             <a:pPr lvl="2"/>
             <a:r>
-              <a:rPr lang="en-US" smtClean="0"/>
+              <a:rPr lang="en-US"/>
               <a:t>Third level</a:t>
             </a:r>
           </a:p>
           <a:p>
             <a:pPr lvl="3"/>
             <a:r>
-              <a:rPr lang="en-US" smtClean="0"/>
+              <a:rPr lang="en-US"/>
               <a:t>Fourth level</a:t>
             </a:r>
           </a:p>
           <a:p>
             <a:pPr lvl="4"/>
             <a:r>
-              <a:rPr lang="en-US" smtClean="0"/>
+              <a:rPr lang="en-US"/>
               <a:t>Fifth level</a:t>
             </a:r>
             <a:endParaRPr lang="ru-RU" dirty="0"/>
@@ -971,7 +956,7 @@
           <a:p>
             <a:pPr lvl="0"/>
             <a:r>
-              <a:rPr lang="en-US" smtClean="0"/>
+              <a:rPr lang="en-US"/>
               <a:t>Click to edit Master text styles</a:t>
             </a:r>
           </a:p>
@@ -1032,7 +1017,7 @@
           </a:lstStyle>
           <a:p>
             <a:r>
-              <a:rPr lang="en-US" smtClean="0"/>
+              <a:rPr lang="en-US"/>
               <a:t>Click to edit Master title style</a:t>
             </a:r>
             <a:endParaRPr lang="ru-RU" dirty="0"/>
@@ -1097,7 +1082,7 @@
           </a:lstStyle>
           <a:p>
             <a:r>
-              <a:rPr lang="en-US" smtClean="0"/>
+              <a:rPr lang="en-US"/>
               <a:t>Click icon to add picture</a:t>
             </a:r>
             <a:endParaRPr lang="ru-RU"/>
@@ -1163,7 +1148,7 @@
           <a:p>
             <a:pPr lvl="0"/>
             <a:r>
-              <a:rPr lang="en-US" smtClean="0"/>
+              <a:rPr lang="en-US"/>
               <a:t>Click to edit Master text styles</a:t>
             </a:r>
           </a:p>
@@ -1215,7 +1200,7 @@
           <a:lstStyle/>
           <a:p>
             <a:r>
-              <a:rPr lang="en-US" smtClean="0"/>
+              <a:rPr lang="en-US"/>
               <a:t>Click to edit Master title style</a:t>
             </a:r>
             <a:endParaRPr lang="ru-RU" dirty="0"/>
@@ -1239,35 +1224,35 @@
           <a:p>
             <a:pPr lvl="0"/>
             <a:r>
-              <a:rPr lang="en-US" smtClean="0"/>
+              <a:rPr lang="en-US"/>
               <a:t>Click to edit Master text styles</a:t>
             </a:r>
           </a:p>
           <a:p>
             <a:pPr lvl="1"/>
             <a:r>
-              <a:rPr lang="en-US" smtClean="0"/>
+              <a:rPr lang="en-US"/>
               <a:t>Second level</a:t>
             </a:r>
           </a:p>
           <a:p>
             <a:pPr lvl="2"/>
             <a:r>
-              <a:rPr lang="en-US" smtClean="0"/>
+              <a:rPr lang="en-US"/>
               <a:t>Third level</a:t>
             </a:r>
           </a:p>
           <a:p>
             <a:pPr lvl="3"/>
             <a:r>
-              <a:rPr lang="en-US" smtClean="0"/>
+              <a:rPr lang="en-US"/>
               <a:t>Fourth level</a:t>
             </a:r>
           </a:p>
           <a:p>
             <a:pPr lvl="4"/>
             <a:r>
-              <a:rPr lang="en-US" smtClean="0"/>
+              <a:rPr lang="en-US"/>
               <a:t>Fifth level</a:t>
             </a:r>
             <a:endParaRPr lang="ru-RU" dirty="0"/>
@@ -1325,7 +1310,7 @@
           <a:lstStyle/>
           <a:p>
             <a:r>
-              <a:rPr lang="en-US" smtClean="0"/>
+              <a:rPr lang="en-US"/>
               <a:t>Click to edit Master title style</a:t>
             </a:r>
             <a:endParaRPr lang="ru-RU" dirty="0"/>
@@ -1354,35 +1339,35 @@
           <a:p>
             <a:pPr lvl="0"/>
             <a:r>
-              <a:rPr lang="en-US" smtClean="0"/>
+              <a:rPr lang="en-US"/>
               <a:t>Click to edit Master text styles</a:t>
             </a:r>
           </a:p>
           <a:p>
             <a:pPr lvl="1"/>
             <a:r>
-              <a:rPr lang="en-US" smtClean="0"/>
+              <a:rPr lang="en-US"/>
               <a:t>Second level</a:t>
             </a:r>
           </a:p>
           <a:p>
             <a:pPr lvl="2"/>
             <a:r>
-              <a:rPr lang="en-US" smtClean="0"/>
+              <a:rPr lang="en-US"/>
               <a:t>Third level</a:t>
             </a:r>
           </a:p>
           <a:p>
             <a:pPr lvl="3"/>
             <a:r>
-              <a:rPr lang="en-US" smtClean="0"/>
+              <a:rPr lang="en-US"/>
               <a:t>Fourth level</a:t>
             </a:r>
           </a:p>
           <a:p>
             <a:pPr lvl="4"/>
             <a:r>
-              <a:rPr lang="en-US" smtClean="0"/>
+              <a:rPr lang="en-US"/>
               <a:t>Fifth level</a:t>
             </a:r>
             <a:endParaRPr lang="ru-RU" dirty="0"/>
@@ -1440,7 +1425,7 @@
           <a:lstStyle/>
           <a:p>
             <a:r>
-              <a:rPr lang="en-US" smtClean="0"/>
+              <a:rPr lang="en-US"/>
               <a:t>Click to edit Master title style</a:t>
             </a:r>
             <a:endParaRPr lang="ru-RU"/>
@@ -1559,7 +1544,7 @@
           </a:lstStyle>
           <a:p>
             <a:r>
-              <a:rPr lang="en-US" smtClean="0"/>
+              <a:rPr lang="en-US"/>
               <a:t>Click to edit Master subtitle style</a:t>
             </a:r>
             <a:endParaRPr lang="ru-RU"/>
@@ -1583,7 +1568,7 @@
           <a:p>
             <a:fld id="{8E6E6A2A-E9D3-4A0D-B04A-ABDD367A1E08}" type="datetimeFigureOut">
               <a:rPr lang="ru-RU" smtClean="0"/>
-              <a:t>01.04.2017</a:t>
+              <a:t>01.07.2018</a:t>
             </a:fld>
             <a:endParaRPr lang="ru-RU"/>
           </a:p>
@@ -1689,18 +1674,10 @@
                   <a:schemeClr val="bg1"/>
                 </a:solidFill>
               </a:rPr>
-              <a:t>Занятие </a:t>
-            </a:r>
-            <a:r>
-              <a:rPr lang="ru-RU" sz="2400" dirty="0" smtClean="0">
-                <a:solidFill>
-                  <a:schemeClr val="bg1"/>
-                </a:solidFill>
-              </a:rPr>
-              <a:t>№</a:t>
-            </a:r>
-            <a:r>
-              <a:rPr lang="en-US" sz="2400" dirty="0" smtClean="0">
+              <a:t>Занятие №</a:t>
+            </a:r>
+            <a:r>
+              <a:rPr lang="en-US" sz="2400" dirty="0">
                 <a:solidFill>
                   <a:schemeClr val="bg1"/>
                 </a:solidFill>
@@ -1708,7 +1685,7 @@
               <a:t>2</a:t>
             </a:r>
             <a:r>
-              <a:rPr lang="ru-RU" sz="2400" dirty="0" smtClean="0">
+              <a:rPr lang="ru-RU" sz="2400" dirty="0">
                 <a:solidFill>
                   <a:schemeClr val="bg1"/>
                 </a:solidFill>
@@ -1746,7 +1723,7 @@
           <a:p>
             <a:pPr algn="ctr"/>
             <a:r>
-              <a:rPr lang="ru-RU" sz="3600" b="1" i="1" dirty="0" smtClean="0">
+              <a:rPr lang="ru-RU" sz="3600" b="1" i="1" dirty="0">
                 <a:solidFill>
                   <a:schemeClr val="bg1"/>
                 </a:solidFill>
@@ -1754,7 +1731,7 @@
               <a:t>Основы программирования на </a:t>
             </a:r>
             <a:r>
-              <a:rPr lang="en-US" sz="3600" b="1" i="1" dirty="0" smtClean="0">
+              <a:rPr lang="en-US" sz="3600" b="1" i="1" dirty="0">
                 <a:solidFill>
                   <a:schemeClr val="bg1"/>
                 </a:solidFill>
@@ -1843,13 +1820,6 @@
   <p:clrMapOvr>
     <a:masterClrMapping/>
   </p:clrMapOvr>
-  <p:timing>
-    <p:tnLst>
-      <p:par>
-        <p:cTn id="1" dur="indefinite" restart="never" nodeType="tmRoot"/>
-      </p:par>
-    </p:tnLst>
-  </p:timing>
 </p:sldLayout>
 </file>
 
@@ -1886,7 +1856,7 @@
           <a:lstStyle/>
           <a:p>
             <a:r>
-              <a:rPr lang="en-US" smtClean="0"/>
+              <a:rPr lang="en-US"/>
               <a:t>Click to edit Master title style</a:t>
             </a:r>
             <a:endParaRPr lang="ru-RU" dirty="0"/>
@@ -1910,35 +1880,35 @@
           <a:p>
             <a:pPr lvl="0"/>
             <a:r>
-              <a:rPr lang="en-US" smtClean="0"/>
+              <a:rPr lang="en-US"/>
               <a:t>Click to edit Master text styles</a:t>
             </a:r>
           </a:p>
           <a:p>
             <a:pPr lvl="1"/>
             <a:r>
-              <a:rPr lang="en-US" smtClean="0"/>
+              <a:rPr lang="en-US"/>
               <a:t>Second level</a:t>
             </a:r>
           </a:p>
           <a:p>
             <a:pPr lvl="2"/>
             <a:r>
-              <a:rPr lang="en-US" smtClean="0"/>
+              <a:rPr lang="en-US"/>
               <a:t>Third level</a:t>
             </a:r>
           </a:p>
           <a:p>
             <a:pPr lvl="3"/>
             <a:r>
-              <a:rPr lang="en-US" smtClean="0"/>
+              <a:rPr lang="en-US"/>
               <a:t>Fourth level</a:t>
             </a:r>
           </a:p>
           <a:p>
             <a:pPr lvl="4"/>
             <a:r>
-              <a:rPr lang="en-US" smtClean="0"/>
+              <a:rPr lang="en-US"/>
               <a:t>Fifth level</a:t>
             </a:r>
             <a:endParaRPr lang="ru-RU" dirty="0"/>
@@ -2000,7 +1970,7 @@
           </a:lstStyle>
           <a:p>
             <a:r>
-              <a:rPr lang="en-US" smtClean="0"/>
+              <a:rPr lang="en-US"/>
               <a:t>Click to edit Master title style</a:t>
             </a:r>
             <a:endParaRPr lang="ru-RU" dirty="0"/>
@@ -2120,7 +2090,7 @@
           <a:p>
             <a:pPr lvl="0"/>
             <a:r>
-              <a:rPr lang="en-US" smtClean="0"/>
+              <a:rPr lang="en-US"/>
               <a:t>Click to edit Master text styles</a:t>
             </a:r>
           </a:p>
@@ -2172,7 +2142,7 @@
           <a:lstStyle/>
           <a:p>
             <a:r>
-              <a:rPr lang="en-US" smtClean="0"/>
+              <a:rPr lang="en-US"/>
               <a:t>Click to edit Master title style</a:t>
             </a:r>
             <a:endParaRPr lang="ru-RU" dirty="0"/>
@@ -2229,35 +2199,35 @@
           <a:p>
             <a:pPr lvl="0"/>
             <a:r>
-              <a:rPr lang="en-US" smtClean="0"/>
+              <a:rPr lang="en-US"/>
               <a:t>Click to edit Master text styles</a:t>
             </a:r>
           </a:p>
           <a:p>
             <a:pPr lvl="1"/>
             <a:r>
-              <a:rPr lang="en-US" smtClean="0"/>
+              <a:rPr lang="en-US"/>
               <a:t>Second level</a:t>
             </a:r>
           </a:p>
           <a:p>
             <a:pPr lvl="2"/>
             <a:r>
-              <a:rPr lang="en-US" smtClean="0"/>
+              <a:rPr lang="en-US"/>
               <a:t>Third level</a:t>
             </a:r>
           </a:p>
           <a:p>
             <a:pPr lvl="3"/>
             <a:r>
-              <a:rPr lang="en-US" smtClean="0"/>
+              <a:rPr lang="en-US"/>
               <a:t>Fourth level</a:t>
             </a:r>
           </a:p>
           <a:p>
             <a:pPr lvl="4"/>
             <a:r>
-              <a:rPr lang="en-US" smtClean="0"/>
+              <a:rPr lang="en-US"/>
               <a:t>Fifth level</a:t>
             </a:r>
             <a:endParaRPr lang="ru-RU" dirty="0"/>
@@ -2314,35 +2284,35 @@
           <a:p>
             <a:pPr lvl="0"/>
             <a:r>
-              <a:rPr lang="en-US" smtClean="0"/>
+              <a:rPr lang="en-US"/>
               <a:t>Click to edit Master text styles</a:t>
             </a:r>
           </a:p>
           <a:p>
             <a:pPr lvl="1"/>
             <a:r>
-              <a:rPr lang="en-US" smtClean="0"/>
+              <a:rPr lang="en-US"/>
               <a:t>Second level</a:t>
             </a:r>
           </a:p>
           <a:p>
             <a:pPr lvl="2"/>
             <a:r>
-              <a:rPr lang="en-US" smtClean="0"/>
+              <a:rPr lang="en-US"/>
               <a:t>Third level</a:t>
             </a:r>
           </a:p>
           <a:p>
             <a:pPr lvl="3"/>
             <a:r>
-              <a:rPr lang="en-US" smtClean="0"/>
+              <a:rPr lang="en-US"/>
               <a:t>Fourth level</a:t>
             </a:r>
           </a:p>
           <a:p>
             <a:pPr lvl="4"/>
             <a:r>
-              <a:rPr lang="en-US" smtClean="0"/>
+              <a:rPr lang="en-US"/>
               <a:t>Fifth level</a:t>
             </a:r>
             <a:endParaRPr lang="ru-RU" dirty="0"/>
@@ -2399,7 +2369,7 @@
           </a:lstStyle>
           <a:p>
             <a:r>
-              <a:rPr lang="en-US" smtClean="0"/>
+              <a:rPr lang="en-US"/>
               <a:t>Click to edit Master title style</a:t>
             </a:r>
             <a:endParaRPr lang="ru-RU" dirty="0"/>
@@ -2465,7 +2435,7 @@
           <a:p>
             <a:pPr lvl="0"/>
             <a:r>
-              <a:rPr lang="en-US" smtClean="0"/>
+              <a:rPr lang="en-US"/>
               <a:t>Click to edit Master text styles</a:t>
             </a:r>
           </a:p>
@@ -2521,35 +2491,35 @@
           <a:p>
             <a:pPr lvl="0"/>
             <a:r>
-              <a:rPr lang="en-US" smtClean="0"/>
+              <a:rPr lang="en-US"/>
               <a:t>Click to edit Master text styles</a:t>
             </a:r>
           </a:p>
           <a:p>
             <a:pPr lvl="1"/>
             <a:r>
-              <a:rPr lang="en-US" smtClean="0"/>
+              <a:rPr lang="en-US"/>
               <a:t>Second level</a:t>
             </a:r>
           </a:p>
           <a:p>
             <a:pPr lvl="2"/>
             <a:r>
-              <a:rPr lang="en-US" smtClean="0"/>
+              <a:rPr lang="en-US"/>
               <a:t>Third level</a:t>
             </a:r>
           </a:p>
           <a:p>
             <a:pPr lvl="3"/>
             <a:r>
-              <a:rPr lang="en-US" smtClean="0"/>
+              <a:rPr lang="en-US"/>
               <a:t>Fourth level</a:t>
             </a:r>
           </a:p>
           <a:p>
             <a:pPr lvl="4"/>
             <a:r>
-              <a:rPr lang="en-US" smtClean="0"/>
+              <a:rPr lang="en-US"/>
               <a:t>Fifth level</a:t>
             </a:r>
             <a:endParaRPr lang="ru-RU" dirty="0"/>
@@ -2615,7 +2585,7 @@
           <a:p>
             <a:pPr lvl="0"/>
             <a:r>
-              <a:rPr lang="en-US" smtClean="0"/>
+              <a:rPr lang="en-US"/>
               <a:t>Click to edit Master text styles</a:t>
             </a:r>
           </a:p>
@@ -2671,35 +2641,35 @@
           <a:p>
             <a:pPr lvl="0"/>
             <a:r>
-              <a:rPr lang="en-US" smtClean="0"/>
+              <a:rPr lang="en-US"/>
               <a:t>Click to edit Master text styles</a:t>
             </a:r>
           </a:p>
           <a:p>
             <a:pPr lvl="1"/>
             <a:r>
-              <a:rPr lang="en-US" smtClean="0"/>
+              <a:rPr lang="en-US"/>
               <a:t>Second level</a:t>
             </a:r>
           </a:p>
           <a:p>
             <a:pPr lvl="2"/>
             <a:r>
-              <a:rPr lang="en-US" smtClean="0"/>
+              <a:rPr lang="en-US"/>
               <a:t>Third level</a:t>
             </a:r>
           </a:p>
           <a:p>
             <a:pPr lvl="3"/>
             <a:r>
-              <a:rPr lang="en-US" smtClean="0"/>
+              <a:rPr lang="en-US"/>
               <a:t>Fourth level</a:t>
             </a:r>
           </a:p>
           <a:p>
             <a:pPr lvl="4"/>
             <a:r>
-              <a:rPr lang="en-US" smtClean="0"/>
+              <a:rPr lang="en-US"/>
               <a:t>Fifth level</a:t>
             </a:r>
             <a:endParaRPr lang="ru-RU" dirty="0"/>
@@ -2752,7 +2722,7 @@
           <a:lstStyle/>
           <a:p>
             <a:r>
-              <a:rPr lang="en-US" smtClean="0"/>
+              <a:rPr lang="en-US"/>
               <a:t>Click to edit Master title style</a:t>
             </a:r>
             <a:endParaRPr lang="ru-RU" dirty="0"/>
@@ -2813,14 +2783,14 @@
           <a:p>
             <a:pPr algn="ctr"/>
             <a:r>
-              <a:rPr lang="ru-RU" sz="3200" dirty="0" smtClean="0"/>
+              <a:rPr lang="ru-RU" sz="3200" dirty="0"/>
               <a:t>Название.</a:t>
             </a:r>
             <a:r>
-              <a:rPr lang="ru-RU" sz="3200" baseline="0" dirty="0" smtClean="0"/>
+              <a:rPr lang="ru-RU" sz="3200" baseline="0" dirty="0"/>
               <a:t> Демонстрация.</a:t>
             </a:r>
-            <a:endParaRPr lang="ru-RU" sz="3200" dirty="0" smtClean="0"/>
+            <a:endParaRPr lang="ru-RU" sz="3200" dirty="0"/>
           </a:p>
         </p:txBody>
       </p:sp>
@@ -2924,7 +2894,7 @@
           <a:lstStyle/>
           <a:p>
             <a:r>
-              <a:rPr lang="en-US" smtClean="0"/>
+              <a:rPr lang="en-US"/>
               <a:t>Click to edit Master title style</a:t>
             </a:r>
             <a:endParaRPr lang="ru-RU"/>
@@ -2958,35 +2928,35 @@
           <a:p>
             <a:pPr lvl="0"/>
             <a:r>
-              <a:rPr lang="en-US" smtClean="0"/>
+              <a:rPr lang="en-US"/>
               <a:t>Click to edit Master text styles</a:t>
             </a:r>
           </a:p>
           <a:p>
             <a:pPr lvl="1"/>
             <a:r>
-              <a:rPr lang="en-US" smtClean="0"/>
+              <a:rPr lang="en-US"/>
               <a:t>Second level</a:t>
             </a:r>
           </a:p>
           <a:p>
             <a:pPr lvl="2"/>
             <a:r>
-              <a:rPr lang="en-US" smtClean="0"/>
+              <a:rPr lang="en-US"/>
               <a:t>Third level</a:t>
             </a:r>
           </a:p>
           <a:p>
             <a:pPr lvl="3"/>
             <a:r>
-              <a:rPr lang="en-US" smtClean="0"/>
+              <a:rPr lang="en-US"/>
               <a:t>Fourth level</a:t>
             </a:r>
           </a:p>
           <a:p>
             <a:pPr lvl="4"/>
             <a:r>
-              <a:rPr lang="en-US" smtClean="0"/>
+              <a:rPr lang="en-US"/>
               <a:t>Fifth level</a:t>
             </a:r>
             <a:endParaRPr lang="ru-RU"/>
@@ -3028,7 +2998,7 @@
           <a:p>
             <a:fld id="{AC3D3127-B7C4-45E3-9797-C527EC9FDD78}" type="datetimeFigureOut">
               <a:rPr lang="ru-RU" smtClean="0"/>
-              <a:t>01.04.2017</a:t>
+              <a:t>01.07.2018</a:t>
             </a:fld>
             <a:endParaRPr lang="ru-RU"/>
           </a:p>
@@ -3136,13 +3106,6 @@
     <p:sldLayoutId id="2147483659" r:id="rId13"/>
     <p:sldLayoutId id="2147483662" r:id="rId14"/>
   </p:sldLayoutIdLst>
-  <p:timing>
-    <p:tnLst>
-      <p:par>
-        <p:cTn id="1" dur="indefinite" restart="never" nodeType="tmRoot"/>
-      </p:par>
-    </p:tnLst>
-  </p:timing>
   <p:txStyles>
     <p:titleStyle>
       <a:lvl1pPr algn="ctr" defTabSz="914400" rtl="0" eaLnBrk="1" latinLnBrk="0" hangingPunct="1">
@@ -3422,7 +3385,7 @@
         <p:spPr>
           <a:xfrm>
             <a:off x="143508" y="1304764"/>
-            <a:ext cx="8856984" cy="646331"/>
+            <a:ext cx="8856984" cy="523220"/>
           </a:xfrm>
           <a:prstGeom prst="rect">
             <a:avLst/>
@@ -3436,7 +3399,7 @@
           <a:p>
             <a:pPr algn="ctr"/>
             <a:r>
-              <a:rPr lang="ru-RU" sz="3600" b="1" i="1" dirty="0" smtClean="0">
+              <a:rPr lang="ru-RU" sz="2800" i="1" dirty="0">
                 <a:solidFill>
                   <a:schemeClr val="bg1"/>
                 </a:solidFill>
@@ -3444,14 +3407,14 @@
               <a:t>Основы программирования на </a:t>
             </a:r>
             <a:r>
-              <a:rPr lang="en-US" sz="3600" b="1" i="1" dirty="0" smtClean="0">
+              <a:rPr lang="en-US" sz="2800" i="1" dirty="0">
                 <a:solidFill>
                   <a:schemeClr val="bg1"/>
                 </a:solidFill>
               </a:rPr>
               <a:t>C#</a:t>
             </a:r>
-            <a:endParaRPr lang="ru-RU" sz="3600" b="1" i="1" dirty="0">
+            <a:endParaRPr lang="ru-RU" sz="2800" i="1" dirty="0">
               <a:solidFill>
                 <a:schemeClr val="bg1"/>
               </a:solidFill>
@@ -3459,11 +3422,52 @@
           </a:p>
         </p:txBody>
       </p:sp>
+      <p:sp>
+        <p:nvSpPr>
+          <p:cNvPr id="7" name="TextBox 6"/>
+          <p:cNvSpPr txBox="1"/>
+          <p:nvPr/>
+        </p:nvSpPr>
+        <p:spPr>
+          <a:xfrm>
+            <a:off x="143508" y="2528900"/>
+            <a:ext cx="8856984" cy="646331"/>
+          </a:xfrm>
+          <a:prstGeom prst="rect">
+            <a:avLst/>
+          </a:prstGeom>
+          <a:noFill/>
+        </p:spPr>
+        <p:txBody>
+          <a:bodyPr wrap="square" rtlCol="0">
+            <a:spAutoFit/>
+          </a:bodyPr>
+          <a:lstStyle/>
+          <a:p>
+            <a:pPr algn="ctr"/>
+            <a:r>
+              <a:rPr lang="ru-RU" sz="3600" b="1" dirty="0">
+                <a:solidFill>
+                  <a:schemeClr val="bg1"/>
+                </a:solidFill>
+                <a:latin typeface="Footlight MT Light" panose="0204060206030A020304" pitchFamily="18" charset="77"/>
+              </a:rPr>
+              <a:t>§ Рекомендуемая литература</a:t>
+            </a:r>
+            <a:endParaRPr lang="en-US" sz="3600" b="1" dirty="0">
+              <a:solidFill>
+                <a:schemeClr val="bg1"/>
+              </a:solidFill>
+              <a:latin typeface="Footlight MT Light" panose="0204060206030A020304" pitchFamily="18" charset="77"/>
+            </a:endParaRPr>
+          </a:p>
+        </p:txBody>
+      </p:sp>
       <p:pic>
         <p:nvPicPr>
-          <p:cNvPr id="6" name="Picture 5"/>
+          <p:cNvPr id="9" name="Picture 8"/>
           <p:cNvPicPr>
-            <a:picLocks noChangeAspect="1" noChangeArrowheads="1"/>
+            <a:picLocks noChangeAspect="1"/>
           </p:cNvPicPr>
           <p:nvPr/>
         </p:nvPicPr>
@@ -3475,69 +3479,41 @@
               </a:ext>
             </a:extLst>
           </a:blip>
-          <a:srcRect/>
           <a:stretch>
             <a:fillRect/>
           </a:stretch>
         </p:blipFill>
-        <p:spPr bwMode="auto">
-          <a:xfrm>
-            <a:off x="1638300" y="3829211"/>
-            <a:ext cx="5867400" cy="1724025"/>
+        <p:spPr>
+          <a:xfrm>
+            <a:off x="143508" y="4869160"/>
+            <a:ext cx="800100" cy="1905000"/>
+          </a:xfrm>
+          <a:prstGeom prst="rect">
+            <a:avLst/>
+          </a:prstGeom>
+        </p:spPr>
+      </p:pic>
+      <p:sp>
+        <p:nvSpPr>
+          <p:cNvPr id="8" name="TextBox 7">
+            <a:extLst>
+              <a:ext uri="{FF2B5EF4-FFF2-40B4-BE49-F238E27FC236}">
+                <a16:creationId xmlns:a16="http://schemas.microsoft.com/office/drawing/2014/main" id="{3D7CA907-8500-564A-B362-23B50F4583A0}"/>
+              </a:ext>
+            </a:extLst>
+          </p:cNvPr>
+          <p:cNvSpPr txBox="1"/>
+          <p:nvPr/>
+        </p:nvSpPr>
+        <p:spPr>
+          <a:xfrm>
+            <a:off x="2339752" y="4984720"/>
+            <a:ext cx="4464496" cy="1138773"/>
           </a:xfrm>
           <a:prstGeom prst="rect">
             <a:avLst/>
           </a:prstGeom>
           <a:noFill/>
-          <a:ln>
-            <a:noFill/>
-          </a:ln>
-          <a:effectLst/>
-          <a:extLst>
-            <a:ext uri="{909E8E84-426E-40DD-AFC4-6F175D3DCCD1}">
-              <a14:hiddenFill xmlns:a14="http://schemas.microsoft.com/office/drawing/2010/main">
-                <a:solidFill>
-                  <a:schemeClr val="accent1"/>
-                </a:solidFill>
-              </a14:hiddenFill>
-            </a:ext>
-            <a:ext uri="{91240B29-F687-4F45-9708-019B960494DF}">
-              <a14:hiddenLine xmlns:a14="http://schemas.microsoft.com/office/drawing/2010/main" w="9525">
-                <a:solidFill>
-                  <a:schemeClr val="tx1"/>
-                </a:solidFill>
-                <a:miter lim="800000"/>
-                <a:headEnd/>
-                <a:tailEnd/>
-              </a14:hiddenLine>
-            </a:ext>
-            <a:ext uri="{AF507438-7753-43E0-B8FC-AC1667EBCBE1}">
-              <a14:hiddenEffects xmlns:a14="http://schemas.microsoft.com/office/drawing/2010/main">
-                <a:effectLst>
-                  <a:outerShdw dist="35921" dir="2700000" algn="ctr" rotWithShape="0">
-                    <a:schemeClr val="bg2"/>
-                  </a:outerShdw>
-                </a:effectLst>
-              </a14:hiddenEffects>
-            </a:ext>
-          </a:extLst>
-        </p:spPr>
-      </p:pic>
-      <p:sp>
-        <p:nvSpPr>
-          <p:cNvPr id="7" name="TextBox 6"/>
-          <p:cNvSpPr txBox="1"/>
-          <p:nvPr/>
-        </p:nvSpPr>
-        <p:spPr>
-          <a:xfrm>
-            <a:off x="143508" y="2528900"/>
-            <a:ext cx="8856984" cy="461665"/>
-          </a:xfrm>
-          <a:prstGeom prst="rect">
-            <a:avLst/>
-          </a:prstGeom>
-          <a:noFill/>
         </p:spPr>
         <p:txBody>
           <a:bodyPr wrap="square" rtlCol="0">
@@ -3545,53 +3521,92 @@
           </a:bodyPr>
           <a:lstStyle/>
           <a:p>
+            <a:r>
+              <a:rPr lang="ru-RU" sz="2000" dirty="0">
+                <a:solidFill>
+                  <a:schemeClr val="bg1"/>
+                </a:solidFill>
+                <a:effectLst>
+                  <a:outerShdw blurRad="50800" dist="38100" dir="5400000" algn="t" rotWithShape="0">
+                    <a:prstClr val="black">
+                      <a:alpha val="40000"/>
+                    </a:prstClr>
+                  </a:outerShdw>
+                </a:effectLst>
+                <a:latin typeface="Segoe Print" panose="02000800000000000000" pitchFamily="2" charset="0"/>
+              </a:rPr>
+              <a:t>Центр Обучающих Технологий</a:t>
+            </a:r>
+          </a:p>
+          <a:p>
             <a:pPr algn="ctr"/>
             <a:r>
-              <a:rPr lang="ru-RU" sz="2400" dirty="0" smtClean="0">
+              <a:rPr lang="ru-RU" sz="1600" dirty="0">
                 <a:solidFill>
                   <a:schemeClr val="bg1"/>
                 </a:solidFill>
+                <a:effectLst>
+                  <a:outerShdw blurRad="50800" dist="38100" dir="5400000" algn="t" rotWithShape="0">
+                    <a:prstClr val="black">
+                      <a:alpha val="40000"/>
+                    </a:prstClr>
+                  </a:outerShdw>
+                </a:effectLst>
+                <a:latin typeface="Segoe Print" panose="02000800000000000000" pitchFamily="2" charset="0"/>
               </a:rPr>
-              <a:t>Рекомендуемая литература</a:t>
-            </a:r>
-            <a:endParaRPr lang="en-US" sz="2400" dirty="0">
+              <a:t>основан в 2002 году</a:t>
+            </a:r>
+          </a:p>
+          <a:p>
+            <a:pPr algn="ctr"/>
+            <a:endParaRPr lang="ru-RU" sz="1600" dirty="0">
               <a:solidFill>
                 <a:schemeClr val="bg1"/>
               </a:solidFill>
+              <a:effectLst>
+                <a:outerShdw blurRad="50800" dist="38100" dir="5400000" algn="t" rotWithShape="0">
+                  <a:prstClr val="black">
+                    <a:alpha val="40000"/>
+                  </a:prstClr>
+                </a:outerShdw>
+              </a:effectLst>
+              <a:latin typeface="Segoe Print" panose="02000800000000000000" pitchFamily="2" charset="0"/>
             </a:endParaRPr>
           </a:p>
-        </p:txBody>
-      </p:sp>
-      <p:pic>
-        <p:nvPicPr>
-          <p:cNvPr id="9" name="Picture 8"/>
-          <p:cNvPicPr>
-            <a:picLocks noChangeAspect="1"/>
-          </p:cNvPicPr>
-          <p:nvPr/>
-        </p:nvPicPr>
-        <p:blipFill>
-          <a:blip r:embed="rId3">
-            <a:extLst>
-              <a:ext uri="{28A0092B-C50C-407E-A947-70E740481C1C}">
-                <a14:useLocalDpi xmlns:a14="http://schemas.microsoft.com/office/drawing/2010/main" val="0"/>
-              </a:ext>
-            </a:extLst>
-          </a:blip>
-          <a:stretch>
-            <a:fillRect/>
-          </a:stretch>
-        </p:blipFill>
-        <p:spPr>
-          <a:xfrm>
-            <a:off x="143508" y="4869160"/>
-            <a:ext cx="800100" cy="1905000"/>
-          </a:xfrm>
-          <a:prstGeom prst="rect">
-            <a:avLst/>
-          </a:prstGeom>
-        </p:spPr>
-      </p:pic>
+          <a:p>
+            <a:pPr algn="ctr"/>
+            <a:r>
+              <a:rPr lang="en-US" sz="1600" dirty="0" err="1">
+                <a:solidFill>
+                  <a:schemeClr val="bg1"/>
+                </a:solidFill>
+                <a:effectLst>
+                  <a:outerShdw blurRad="50800" dist="38100" dir="5400000" algn="t" rotWithShape="0">
+                    <a:prstClr val="black">
+                      <a:alpha val="40000"/>
+                    </a:prstClr>
+                  </a:outerShdw>
+                </a:effectLst>
+                <a:latin typeface="Segoe Print" panose="02000800000000000000" pitchFamily="2" charset="0"/>
+              </a:rPr>
+              <a:t>trainingcenter.by</a:t>
+            </a:r>
+            <a:endParaRPr lang="en-US" sz="1600" dirty="0">
+              <a:solidFill>
+                <a:schemeClr val="bg1"/>
+              </a:solidFill>
+              <a:effectLst>
+                <a:outerShdw blurRad="50800" dist="38100" dir="5400000" algn="t" rotWithShape="0">
+                  <a:prstClr val="black">
+                    <a:alpha val="40000"/>
+                  </a:prstClr>
+                </a:outerShdw>
+              </a:effectLst>
+              <a:latin typeface="Segoe Print" panose="02000800000000000000" pitchFamily="2" charset="0"/>
+            </a:endParaRPr>
+          </a:p>
+        </p:txBody>
+      </p:sp>
     </p:spTree>
     <p:extLst>
       <p:ext uri="{BB962C8B-B14F-4D97-AF65-F5344CB8AC3E}">
@@ -3602,13 +3617,6 @@
   <p:clrMapOvr>
     <a:masterClrMapping/>
   </p:clrMapOvr>
-  <p:timing>
-    <p:tnLst>
-      <p:par>
-        <p:cTn id="1" dur="indefinite" restart="never" nodeType="tmRoot"/>
-      </p:par>
-    </p:tnLst>
-  </p:timing>
 </p:sld>
 </file>
 
@@ -3652,10 +3660,9 @@
           <a:lstStyle/>
           <a:p>
             <a:r>
-              <a:rPr lang="ru-RU" dirty="0" smtClean="0"/>
+              <a:rPr lang="ru-RU" dirty="0"/>
               <a:t>Объектно-ориентированное программирование и шаблоны проектирования</a:t>
             </a:r>
-            <a:endParaRPr lang="ru-RU" dirty="0"/>
           </a:p>
         </p:txBody>
       </p:sp>
@@ -3669,13 +3676,6 @@
   <p:clrMapOvr>
     <a:masterClrMapping/>
   </p:clrMapOvr>
-  <p:timing>
-    <p:tnLst>
-      <p:par>
-        <p:cTn id="1" dur="indefinite" restart="never" nodeType="tmRoot"/>
-      </p:par>
-    </p:tnLst>
-  </p:timing>
 </p:sld>
 </file>
 
@@ -3726,28 +3726,15 @@
                   <a:srgbClr val="FFFF00"/>
                 </a:solidFill>
               </a:rPr>
-              <a:t>Объектно-ориентированный анализ и проектирование с примерами </a:t>
-            </a:r>
-            <a:r>
-              <a:rPr lang="ru-RU" sz="2400" i="1" dirty="0" smtClean="0">
-                <a:solidFill>
-                  <a:srgbClr val="FFFF00"/>
-                </a:solidFill>
-              </a:rPr>
-              <a:t>приложений</a:t>
-            </a:r>
-            <a:r>
-              <a:rPr lang="en-US" sz="2400" i="1" dirty="0" smtClean="0"/>
-              <a:t/>
+              <a:t>Объектно-ориентированный анализ и проектирование с примерами приложений</a:t>
             </a:r>
             <a:br>
-              <a:rPr lang="en-US" sz="2400" i="1" dirty="0" smtClean="0"/>
+              <a:rPr lang="en-US" sz="2400" i="1" dirty="0"/>
             </a:br>
             <a:r>
-              <a:rPr lang="ru-RU" sz="2400" dirty="0" smtClean="0"/>
+              <a:rPr lang="ru-RU" sz="2400" dirty="0"/>
               <a:t>Гради Буч</a:t>
             </a:r>
-            <a:endParaRPr lang="ru-RU" sz="2400" dirty="0"/>
           </a:p>
         </p:txBody>
       </p:sp>
@@ -3777,20 +3764,8 @@
               <a:buNone/>
             </a:pPr>
             <a:r>
-              <a:rPr lang="ru-RU" dirty="0" smtClean="0"/>
-              <a:t>В книге описываются </a:t>
-            </a:r>
-            <a:r>
               <a:rPr lang="ru-RU" dirty="0"/>
-              <a:t>объектные методы решения сложных проблем, связанные с разработкой систем и программного обеспечения. Используя многочисленные примеры, </a:t>
-            </a:r>
-            <a:r>
-              <a:rPr lang="ru-RU" dirty="0" smtClean="0"/>
-              <a:t>иллюстрируются </a:t>
-            </a:r>
-            <a:r>
-              <a:rPr lang="ru-RU" dirty="0"/>
-              <a:t>основные концепции объектно-ориентированного подхода на примере разработки систем управления, сбора данных и искусственного интеллекта.</a:t>
+              <a:t>В книге описываются объектные методы решения сложных проблем, связанные с разработкой систем и программного обеспечения. Используя многочисленные примеры, иллюстрируются основные концепции объектно-ориентированного подхода на примере разработки систем управления, сбора данных и искусственного интеллекта.</a:t>
             </a:r>
           </a:p>
         </p:txBody>
@@ -3835,13 +3810,6 @@
   <p:clrMapOvr>
     <a:masterClrMapping/>
   </p:clrMapOvr>
-  <p:timing>
-    <p:tnLst>
-      <p:par>
-        <p:cTn id="1" dur="indefinite" restart="never" nodeType="tmRoot"/>
-      </p:par>
-    </p:tnLst>
-  </p:timing>
 </p:sld>
 </file>
 
@@ -3887,30 +3855,22 @@
           <a:lstStyle/>
           <a:p>
             <a:r>
-              <a:rPr lang="ru-RU" sz="2400" i="1" smtClean="0">
+              <a:rPr lang="ru-RU" sz="2400" i="1">
                 <a:solidFill>
                   <a:srgbClr val="FFFF00"/>
                 </a:solidFill>
               </a:rPr>
               <a:t>Объектно-ориентированное конструирование программных систем</a:t>
             </a:r>
-            <a:r>
-              <a:rPr lang="en-US" sz="2400" i="1" smtClean="0">
-                <a:solidFill>
-                  <a:srgbClr val="FFFF00"/>
-                </a:solidFill>
-              </a:rPr>
-              <a:t/>
-            </a:r>
             <a:br>
-              <a:rPr lang="en-US" sz="2400" i="1" smtClean="0">
+              <a:rPr lang="en-US" sz="2400" i="1">
                 <a:solidFill>
                   <a:srgbClr val="FFFF00"/>
                 </a:solidFill>
               </a:rPr>
             </a:br>
             <a:r>
-              <a:rPr lang="ru-RU" sz="2400" smtClean="0"/>
+              <a:rPr lang="ru-RU" sz="2400"/>
               <a:t>Бертран Мейер</a:t>
             </a:r>
             <a:endParaRPr lang="ru-RU" sz="2400" dirty="0"/>
@@ -3943,37 +3903,33 @@
               <a:buNone/>
             </a:pPr>
             <a:r>
-              <a:rPr lang="ru-RU" sz="2000" dirty="0" smtClean="0"/>
+              <a:rPr lang="ru-RU" sz="2000" dirty="0"/>
               <a:t>Книга посвящена обоснованию и технологии применения объектного подхода при разработке программных систем. Основное внимание уделяется вопросам качества, повторного использования и расширяемости проектируемых систем. </a:t>
             </a:r>
             <a:br>
-              <a:rPr lang="ru-RU" sz="2000" dirty="0" smtClean="0"/>
+              <a:rPr lang="ru-RU" sz="2000" dirty="0"/>
             </a:br>
-            <a:r>
-              <a:rPr lang="ru-RU" sz="2000" dirty="0" smtClean="0"/>
-              <a:t/>
-            </a:r>
             <a:br>
-              <a:rPr lang="ru-RU" sz="2000" dirty="0" smtClean="0"/>
+              <a:rPr lang="ru-RU" sz="2000" dirty="0"/>
             </a:br>
             <a:r>
-              <a:rPr lang="ru-RU" sz="2000" dirty="0" smtClean="0"/>
+              <a:rPr lang="ru-RU" sz="2000" dirty="0"/>
               <a:t>Рассматриваемый объектный подход охватывает весь жизненный цикл разработки - анализ, проектирование, программирование и сопровождение.</a:t>
             </a:r>
-            <a:endParaRPr lang="en-US" sz="2000" dirty="0" smtClean="0"/>
+            <a:endParaRPr lang="en-US" sz="2000" dirty="0"/>
           </a:p>
           <a:p>
             <a:pPr marL="0" indent="0">
               <a:buNone/>
             </a:pPr>
-            <a:endParaRPr lang="en-US" sz="2000" dirty="0" smtClean="0"/>
+            <a:endParaRPr lang="en-US" sz="2000" dirty="0"/>
           </a:p>
           <a:p>
             <a:pPr marL="0" indent="0">
               <a:buNone/>
             </a:pPr>
             <a:r>
-              <a:rPr lang="en-US" sz="2000" dirty="0" smtClean="0"/>
+              <a:rPr lang="en-US" sz="2000" dirty="0"/>
               <a:t>http://www.ozon.ru/context/detail/id/2336754/</a:t>
             </a:r>
             <a:endParaRPr lang="ru-RU" sz="2000" dirty="0"/>
@@ -4020,21 +3976,6 @@
   <p:clrMapOvr>
     <a:masterClrMapping/>
   </p:clrMapOvr>
-  <mc:AlternateContent xmlns:mc="http://schemas.openxmlformats.org/markup-compatibility/2006" xmlns:p14="http://schemas.microsoft.com/office/powerpoint/2010/main">
-    <mc:Choice Requires="p14">
-      <p:transition spd="slow" p14:dur="2000"/>
-    </mc:Choice>
-    <mc:Fallback xmlns="">
-      <p:transition spd="slow"/>
-    </mc:Fallback>
-  </mc:AlternateContent>
-  <p:timing>
-    <p:tnLst>
-      <p:par>
-        <p:cTn id="1" dur="indefinite" restart="never" nodeType="tmRoot"/>
-      </p:par>
-    </p:tnLst>
-  </p:timing>
 </p:sld>
 </file>
 
@@ -4087,58 +4028,37 @@
               </a:rPr>
               <a:t>Паттерны проектирования</a:t>
             </a:r>
-            <a:r>
-              <a:rPr lang="en-US" sz="2400" i="1" dirty="0" smtClean="0"/>
-              <a:t/>
-            </a:r>
             <a:br>
-              <a:rPr lang="en-US" sz="2400" i="1" dirty="0" smtClean="0"/>
+              <a:rPr lang="en-US" sz="2400" i="1" dirty="0"/>
             </a:br>
             <a:r>
               <a:rPr lang="ru-RU" sz="2400" dirty="0"/>
-              <a:t>Эрик </a:t>
-            </a:r>
-            <a:r>
-              <a:rPr lang="ru-RU" sz="2400" dirty="0" smtClean="0"/>
-              <a:t>Фримен</a:t>
-            </a:r>
-            <a:r>
-              <a:rPr lang="en-US" sz="2400" dirty="0" smtClean="0"/>
+              <a:t>Эрик Фримен</a:t>
+            </a:r>
+            <a:r>
+              <a:rPr lang="en-US" sz="2400" dirty="0"/>
               <a:t>, </a:t>
             </a:r>
             <a:r>
               <a:rPr lang="ru-RU" sz="2400" dirty="0"/>
-              <a:t>Элизабет </a:t>
-            </a:r>
-            <a:r>
-              <a:rPr lang="ru-RU" sz="2400" dirty="0" smtClean="0"/>
-              <a:t>Фримен</a:t>
-            </a:r>
-            <a:r>
-              <a:rPr lang="en-US" sz="2400" dirty="0" smtClean="0"/>
+              <a:t>Элизабет Фримен</a:t>
+            </a:r>
+            <a:r>
+              <a:rPr lang="en-US" sz="2400" dirty="0"/>
               <a:t>, </a:t>
             </a:r>
             <a:r>
               <a:rPr lang="ru-RU" sz="2400" dirty="0"/>
-              <a:t>Кэтти </a:t>
-            </a:r>
-            <a:r>
-              <a:rPr lang="ru-RU" sz="2400" dirty="0" smtClean="0"/>
-              <a:t>Сьерра</a:t>
-            </a:r>
-            <a:r>
-              <a:rPr lang="en-US" sz="2400" dirty="0" smtClean="0"/>
+              <a:t>Кэтти Сьерра</a:t>
+            </a:r>
+            <a:r>
+              <a:rPr lang="en-US" sz="2400" dirty="0"/>
               <a:t>, </a:t>
             </a:r>
             <a:r>
               <a:rPr lang="ru-RU" sz="2400" dirty="0"/>
-              <a:t>Берт </a:t>
-            </a:r>
-            <a:r>
-              <a:rPr lang="ru-RU" sz="2400" dirty="0" smtClean="0"/>
-              <a:t>Бейтс</a:t>
-            </a:r>
-            <a:endParaRPr lang="ru-RU" sz="2400" dirty="0"/>
+              <a:t>Берт Бейтс</a:t>
+            </a:r>
           </a:p>
         </p:txBody>
       </p:sp>
@@ -4168,7 +4088,7 @@
               <a:buNone/>
             </a:pPr>
             <a:r>
-              <a:rPr lang="en-US" dirty="0" smtClean="0"/>
+              <a:rPr lang="en-US" dirty="0"/>
               <a:t>....</a:t>
             </a:r>
           </a:p>
@@ -4186,15 +4106,9 @@
               <a:rPr lang="en-US" dirty="0">
                 <a:hlinkClick r:id="rId2"/>
               </a:rPr>
-              <a:t>http://</a:t>
-            </a:r>
-            <a:r>
-              <a:rPr lang="en-US" dirty="0" smtClean="0">
-                <a:hlinkClick r:id="rId2"/>
-              </a:rPr>
-              <a:t>oz.by/books/more10182766.html</a:t>
-            </a:r>
-            <a:endParaRPr lang="en-US" dirty="0" smtClean="0"/>
+              <a:t>http://oz.by/books/more10182766.html</a:t>
+            </a:r>
+            <a:endParaRPr lang="en-US" dirty="0"/>
           </a:p>
           <a:p>
             <a:pPr marL="0" indent="0">
@@ -4244,21 +4158,6 @@
   <p:clrMapOvr>
     <a:masterClrMapping/>
   </p:clrMapOvr>
-  <mc:AlternateContent xmlns:mc="http://schemas.openxmlformats.org/markup-compatibility/2006" xmlns:p14="http://schemas.microsoft.com/office/powerpoint/2010/main">
-    <mc:Choice Requires="p14">
-      <p:transition spd="slow" p14:dur="2000"/>
-    </mc:Choice>
-    <mc:Fallback xmlns="">
-      <p:transition spd="slow"/>
-    </mc:Fallback>
-  </mc:AlternateContent>
-  <p:timing>
-    <p:tnLst>
-      <p:par>
-        <p:cTn id="1" dur="indefinite" restart="never" nodeType="tmRoot"/>
-      </p:par>
-    </p:tnLst>
-  </p:timing>
 </p:sld>
 </file>
 
@@ -4304,31 +4203,15 @@
           <a:lstStyle/>
           <a:p>
             <a:r>
-              <a:rPr lang="ru-RU" sz="2400" dirty="0" smtClean="0">
+              <a:rPr lang="ru-RU" sz="2400" dirty="0">
                 <a:solidFill>
                   <a:srgbClr val="FFFF00"/>
                 </a:solidFill>
               </a:rPr>
-              <a:t>Приемы </a:t>
-            </a:r>
-            <a:r>
+              <a:t>Приемы объектно-ориентированного проектирования. Паттерны проектирования</a:t>
+            </a:r>
+            <a:br>
               <a:rPr lang="ru-RU" sz="2400" dirty="0">
-                <a:solidFill>
-                  <a:srgbClr val="FFFF00"/>
-                </a:solidFill>
-              </a:rPr>
-              <a:t>объектно-ориентированного проектирования. Паттерны </a:t>
-            </a:r>
-            <a:r>
-              <a:rPr lang="ru-RU" sz="2400" dirty="0" smtClean="0">
-                <a:solidFill>
-                  <a:srgbClr val="FFFF00"/>
-                </a:solidFill>
-              </a:rPr>
-              <a:t>проектирования</a:t>
-            </a:r>
-            <a:br>
-              <a:rPr lang="ru-RU" sz="2400" dirty="0" smtClean="0">
                 <a:solidFill>
                   <a:srgbClr val="FFFF00"/>
                 </a:solidFill>
@@ -4373,14 +4256,10 @@
             </a:pPr>
             <a:r>
               <a:rPr lang="ru-RU" dirty="0"/>
-              <a:t>Это та самая, знаменитая книга «банды четырех», после выхода которой началось стремительное развитие идеи шаблонов проектирования в мире разработки ПО. После ее выхода идея шаблонов начала распространяться и развиваться, и сегодня идеи шаблонов применяется не только в контексте проектирования, а и практически в каждой области разработки программного </a:t>
-            </a:r>
-            <a:r>
-              <a:rPr lang="ru-RU" dirty="0" smtClean="0"/>
-              <a:t>обеспечения</a:t>
-            </a:r>
-            <a:r>
-              <a:rPr lang="en-US" dirty="0" smtClean="0"/>
+              <a:t>Это та самая, знаменитая книга «банды четырех», после выхода которой началось стремительное развитие идеи шаблонов проектирования в мире разработки ПО. После ее выхода идея шаблонов начала распространяться и развиваться, и сегодня идеи шаблонов применяется не только в контексте проектирования, а и практически в каждой области разработки программного обеспечения</a:t>
+            </a:r>
+            <a:r>
+              <a:rPr lang="en-US" dirty="0"/>
               <a:t>.</a:t>
             </a:r>
             <a:endParaRPr lang="ru-RU" dirty="0"/>
@@ -4451,13 +4330,6 @@
   <p:clrMapOvr>
     <a:masterClrMapping/>
   </p:clrMapOvr>
-  <p:timing>
-    <p:tnLst>
-      <p:par>
-        <p:cTn id="1" dur="indefinite" restart="never" nodeType="tmRoot"/>
-      </p:par>
-    </p:tnLst>
-  </p:timing>
 </p:sld>
 </file>
 
@@ -4499,10 +4371,9 @@
           <a:lstStyle/>
           <a:p>
             <a:r>
-              <a:rPr lang="ru-RU" dirty="0" smtClean="0"/>
+              <a:rPr lang="ru-RU" dirty="0"/>
               <a:t>Стиль кодирования</a:t>
             </a:r>
-            <a:endParaRPr lang="ru-RU" dirty="0"/>
           </a:p>
         </p:txBody>
       </p:sp>
@@ -4516,13 +4387,6 @@
   <p:clrMapOvr>
     <a:masterClrMapping/>
   </p:clrMapOvr>
-  <p:timing>
-    <p:tnLst>
-      <p:par>
-        <p:cTn id="1" dur="indefinite" restart="never" nodeType="tmRoot"/>
-      </p:par>
-    </p:tnLst>
-  </p:timing>
 </p:sld>
 </file>
 
@@ -4568,7 +4432,7 @@
           <a:lstStyle/>
           <a:p>
             <a:r>
-              <a:rPr lang="ru-RU" dirty="0" smtClean="0">
+              <a:rPr lang="ru-RU" dirty="0">
                 <a:solidFill>
                   <a:srgbClr val="FFFF00"/>
                 </a:solidFill>
@@ -4590,10 +4454,6 @@
                 </a:solidFill>
               </a:rPr>
               <a:t>)</a:t>
-            </a:r>
-            <a:r>
-              <a:rPr lang="ru-RU" dirty="0"/>
-              <a:t/>
             </a:r>
             <a:br>
               <a:rPr lang="ru-RU" dirty="0"/>
@@ -4640,55 +4500,23 @@
             </a:pPr>
             <a:r>
               <a:rPr lang="ru-RU" dirty="0"/>
-              <a:t>Большую часть жизненного цикла ПО составляет его поддержка и сопровождение. </a:t>
-            </a:r>
-            <a:r>
-              <a:rPr lang="ru-RU" dirty="0" smtClean="0"/>
-              <a:t>Следовательно за </a:t>
-            </a:r>
-            <a:r>
-              <a:rPr lang="ru-RU" i="1" dirty="0" smtClean="0"/>
+              <a:t>Большую часть жизненного цикла ПО составляет его поддержка и сопровождение. Следовательно за </a:t>
+            </a:r>
+            <a:r>
+              <a:rPr lang="ru-RU" i="1" dirty="0"/>
               <a:t>чтением</a:t>
             </a:r>
             <a:r>
-              <a:rPr lang="ru-RU" dirty="0" smtClean="0"/>
-              <a:t> </a:t>
-            </a:r>
-            <a:r>
               <a:rPr lang="ru-RU" dirty="0"/>
-              <a:t>программы проводится гораздо больше временем, чем за ее </a:t>
-            </a:r>
-            <a:r>
-              <a:rPr lang="ru-RU" i="1" dirty="0" smtClean="0"/>
+              <a:t> программы проводится гораздо больше временем, чем за ее </a:t>
+            </a:r>
+            <a:r>
+              <a:rPr lang="ru-RU" i="1" dirty="0"/>
               <a:t>написанием</a:t>
             </a:r>
             <a:r>
-              <a:rPr lang="ru-RU" dirty="0" smtClean="0"/>
-              <a:t>, </a:t>
-            </a:r>
-            <a:r>
               <a:rPr lang="ru-RU" dirty="0"/>
-              <a:t>а это, в свою очередь значит, что качество кода играет очень важную роль. В этом вопросе книга Стива Макконнелла </a:t>
-            </a:r>
-            <a:r>
-              <a:rPr lang="ru-RU" dirty="0" smtClean="0"/>
-              <a:t>является </a:t>
-            </a:r>
-            <a:r>
-              <a:rPr lang="ru-RU" dirty="0"/>
-              <a:t>лучшей в своей области. В книге рассматривается широкий спектр вопросов, так или иначе связанных с кодированием, начиная от правил именования </a:t>
-            </a:r>
-            <a:r>
-              <a:rPr lang="ru-RU" dirty="0" smtClean="0"/>
-              <a:t>переменных, </a:t>
-            </a:r>
-            <a:r>
-              <a:rPr lang="ru-RU" dirty="0"/>
-              <a:t>заканчивая рефакторингом и рекомендациям по оптимизации</a:t>
-            </a:r>
-            <a:r>
-              <a:rPr lang="ru-RU" dirty="0" smtClean="0"/>
-              <a:t>.</a:t>
+              <a:t>, а это, в свою очередь значит, что качество кода играет очень важную роль. В этом вопросе книга Стива Макконнелла является лучшей в своей области. В книге рассматривается широкий спектр вопросов, так или иначе связанных с кодированием, начиная от правил именования переменных, заканчивая рефакторингом и рекомендациям по оптимизации.</a:t>
             </a:r>
           </a:p>
           <a:p>
@@ -4705,15 +4533,9 @@
               <a:rPr lang="en-US" dirty="0">
                 <a:hlinkClick r:id="rId2"/>
               </a:rPr>
-              <a:t>http://</a:t>
-            </a:r>
-            <a:r>
-              <a:rPr lang="en-US" dirty="0" smtClean="0">
-                <a:hlinkClick r:id="rId2"/>
-              </a:rPr>
-              <a:t>oz.by/books/more1015206.html</a:t>
-            </a:r>
-            <a:endParaRPr lang="ru-RU" dirty="0" smtClean="0"/>
+              <a:t>http://oz.by/books/more1015206.html</a:t>
+            </a:r>
+            <a:endParaRPr lang="ru-RU" dirty="0"/>
           </a:p>
           <a:p>
             <a:pPr marL="0" indent="0">
@@ -4723,15 +4545,9 @@
               <a:rPr lang="en-US" dirty="0">
                 <a:hlinkClick r:id="rId3"/>
               </a:rPr>
-              <a:t>https://</a:t>
-            </a:r>
-            <a:r>
-              <a:rPr lang="en-US" dirty="0" smtClean="0">
-                <a:hlinkClick r:id="rId3"/>
-              </a:rPr>
-              <a:t>www.microsoft.com/learning/en-us/book.aspx?ID=6822</a:t>
-            </a:r>
-            <a:endParaRPr lang="ru-RU" dirty="0" smtClean="0"/>
+              <a:t>https://www.microsoft.com/learning/en-us/book.aspx?ID=6822</a:t>
+            </a:r>
+            <a:endParaRPr lang="ru-RU" dirty="0"/>
           </a:p>
           <a:p>
             <a:pPr marL="0" indent="0">
@@ -4805,13 +4621,6 @@
   <p:clrMapOvr>
     <a:masterClrMapping/>
   </p:clrMapOvr>
-  <p:timing>
-    <p:tnLst>
-      <p:par>
-        <p:cTn id="1" dur="indefinite" restart="never" nodeType="tmRoot"/>
-      </p:par>
-    </p:tnLst>
-  </p:timing>
 </p:sld>
 </file>
 
@@ -4856,46 +4665,22 @@
           <a:lstStyle/>
           <a:p>
             <a:r>
-              <a:rPr lang="ru-RU" sz="2800" dirty="0" smtClean="0">
+              <a:rPr lang="ru-RU" sz="2800" dirty="0">
                 <a:solidFill>
                   <a:srgbClr val="FFFF00"/>
                 </a:solidFill>
               </a:rPr>
-              <a:t>Рефакторинг</a:t>
-            </a:r>
-            <a:r>
-              <a:rPr lang="ru-RU" sz="2800" dirty="0">
-                <a:solidFill>
-                  <a:srgbClr val="FFFF00"/>
-                </a:solidFill>
-              </a:rPr>
-              <a:t>. Улучшение существующего </a:t>
-            </a:r>
-            <a:r>
-              <a:rPr lang="ru-RU" sz="2800" dirty="0" smtClean="0">
-                <a:solidFill>
-                  <a:srgbClr val="FFFF00"/>
-                </a:solidFill>
-              </a:rPr>
-              <a:t>кода</a:t>
-            </a:r>
-            <a:r>
-              <a:rPr lang="en-US" sz="2800" dirty="0" smtClean="0">
-                <a:solidFill>
-                  <a:srgbClr val="FFFF00"/>
-                </a:solidFill>
-              </a:rPr>
-              <a:t/>
+              <a:t>Рефакторинг. Улучшение существующего кода</a:t>
             </a:r>
             <a:br>
-              <a:rPr lang="en-US" sz="2800" dirty="0" smtClean="0">
+              <a:rPr lang="en-US" sz="2800" dirty="0">
                 <a:solidFill>
                   <a:srgbClr val="FFFF00"/>
                 </a:solidFill>
               </a:rPr>
             </a:br>
             <a:r>
-              <a:rPr lang="ru-RU" sz="2800" dirty="0" smtClean="0">
+              <a:rPr lang="ru-RU" sz="2800" dirty="0">
                 <a:solidFill>
                   <a:srgbClr val="FFFF00"/>
                 </a:solidFill>
@@ -4911,19 +4696,15 @@
               <a:t>Refactoring: Improving the Design of Existing Code</a:t>
             </a:r>
             <a:r>
-              <a:rPr lang="ru-RU" sz="2800" dirty="0" smtClean="0">
+              <a:rPr lang="ru-RU" sz="2800" dirty="0">
                 <a:solidFill>
                   <a:srgbClr val="FFFF00"/>
                 </a:solidFill>
               </a:rPr>
               <a:t>)</a:t>
             </a:r>
-            <a:r>
-              <a:rPr lang="en-US" sz="2800" dirty="0" smtClean="0"/>
-              <a:t/>
-            </a:r>
             <a:br>
-              <a:rPr lang="en-US" sz="2800" dirty="0" smtClean="0"/>
+              <a:rPr lang="en-US" sz="2800" dirty="0"/>
             </a:br>
             <a:r>
               <a:rPr lang="ru-RU" sz="2800" dirty="0"/>
@@ -4967,13 +4748,8 @@
             </a:pPr>
             <a:r>
               <a:rPr lang="ru-RU" dirty="0"/>
-              <a:t>Книга стала родоначальником столь популярного ныне принципа постепенного улучшения кода без изменения функциональности, что сделало ее уже давно классической. Помимо перечня рефакторингов в книге много говорится о качестве кода, о его влиянии на производительность программы и стоимость ее сопровождения; содержится множество примеров некачественного кода, что помогает понять, когда стоит применять рефакторинг, а когда нет</a:t>
-            </a:r>
-            <a:r>
-              <a:rPr lang="ru-RU" dirty="0" smtClean="0"/>
-              <a:t>.</a:t>
-            </a:r>
-            <a:endParaRPr lang="ru-RU" dirty="0"/>
+              <a:t>Книга стала родоначальником столь популярного ныне принципа постепенного улучшения кода без изменения функциональности, что сделало ее уже давно классической. Помимо перечня рефакторингов в книге много говорится о качестве кода, о его влиянии на производительность программы и стоимость ее сопровождения; содержится множество примеров некачественного кода, что помогает понять, когда стоит применять рефакторинг, а когда нет.</a:t>
+            </a:r>
           </a:p>
         </p:txBody>
       </p:sp>
@@ -5041,13 +4817,6 @@
   <p:clrMapOvr>
     <a:masterClrMapping/>
   </p:clrMapOvr>
-  <p:timing>
-    <p:tnLst>
-      <p:par>
-        <p:cTn id="1" dur="indefinite" restart="never" nodeType="tmRoot"/>
-      </p:par>
-    </p:tnLst>
-  </p:timing>
 </p:sld>
 </file>
 
@@ -5089,11 +4858,11 @@
           <a:lstStyle/>
           <a:p>
             <a:r>
-              <a:rPr lang="en-US" dirty="0" smtClean="0"/>
+              <a:rPr lang="en-US" dirty="0"/>
               <a:t>ADO.NET / </a:t>
             </a:r>
             <a:r>
-              <a:rPr lang="en-US" dirty="0" err="1" smtClean="0"/>
+              <a:rPr lang="en-US" dirty="0" err="1"/>
               <a:t>EntityFramework</a:t>
             </a:r>
             <a:endParaRPr lang="ru-RU" dirty="0"/>
@@ -5110,21 +4879,6 @@
   <p:clrMapOvr>
     <a:masterClrMapping/>
   </p:clrMapOvr>
-  <mc:AlternateContent xmlns:mc="http://schemas.openxmlformats.org/markup-compatibility/2006" xmlns:p14="http://schemas.microsoft.com/office/powerpoint/2010/main">
-    <mc:Choice Requires="p14">
-      <p:transition spd="slow" p14:dur="2000"/>
-    </mc:Choice>
-    <mc:Fallback xmlns="">
-      <p:transition spd="slow"/>
-    </mc:Fallback>
-  </mc:AlternateContent>
-  <p:timing>
-    <p:tnLst>
-      <p:par>
-        <p:cTn id="1" dur="indefinite" restart="never" nodeType="tmRoot"/>
-      </p:par>
-    </p:tnLst>
-  </p:timing>
 </p:sld>
 </file>
 
@@ -5175,22 +4929,10 @@
                   <a:srgbClr val="FFFF00"/>
                 </a:solidFill>
               </a:rPr>
-              <a:t>Programming Entity Framework: DbContext: Querying, Changing, and Validating Your Data with Entity </a:t>
-            </a:r>
-            <a:r>
-              <a:rPr lang="en-US" sz="2400" i="1" dirty="0" smtClean="0">
-                <a:solidFill>
-                  <a:srgbClr val="FFFF00"/>
-                </a:solidFill>
-              </a:rPr>
-              <a:t>Framework</a:t>
-            </a:r>
-            <a:r>
-              <a:rPr lang="en-US" sz="2400" dirty="0" smtClean="0"/>
-              <a:t/>
+              <a:t>Programming Entity Framework: DbContext: Querying, Changing, and Validating Your Data with Entity Framework</a:t>
             </a:r>
             <a:br>
-              <a:rPr lang="en-US" sz="2400" dirty="0" smtClean="0"/>
+              <a:rPr lang="en-US" sz="2400" dirty="0"/>
             </a:br>
             <a:r>
               <a:rPr lang="en-US" sz="2400" dirty="0"/>
@@ -5226,7 +4968,7 @@
               <a:buNone/>
             </a:pPr>
             <a:r>
-              <a:rPr lang="en-US" sz="2800" dirty="0" smtClean="0"/>
+              <a:rPr lang="en-US" sz="2800" dirty="0"/>
               <a:t>DbContext</a:t>
             </a:r>
             <a:endParaRPr lang="ru-RU" sz="2800" dirty="0"/>
@@ -5267,13 +5009,6 @@
   <p:clrMapOvr>
     <a:masterClrMapping/>
   </p:clrMapOvr>
-  <p:timing>
-    <p:tnLst>
-      <p:par>
-        <p:cTn id="1" dur="indefinite" restart="never" nodeType="tmRoot"/>
-      </p:par>
-    </p:tnLst>
-  </p:timing>
 </p:sld>
 </file>
 
@@ -5317,10 +5052,9 @@
           <a:lstStyle/>
           <a:p>
             <a:r>
-              <a:rPr lang="ru-RU" dirty="0" smtClean="0"/>
+              <a:rPr lang="ru-RU" dirty="0"/>
               <a:t>Для начинающих</a:t>
             </a:r>
-            <a:endParaRPr lang="ru-RU" dirty="0"/>
           </a:p>
         </p:txBody>
       </p:sp>
@@ -5334,13 +5068,6 @@
   <p:clrMapOvr>
     <a:masterClrMapping/>
   </p:clrMapOvr>
-  <p:timing>
-    <p:tnLst>
-      <p:par>
-        <p:cTn id="1" dur="indefinite" restart="never" nodeType="tmRoot"/>
-      </p:par>
-    </p:tnLst>
-  </p:timing>
 </p:sld>
 </file>
 
@@ -5393,12 +5120,8 @@
               </a:rPr>
               <a:t>Programming Entity Framework: Code First: Creating and Configuring Data Models from Your Classes</a:t>
             </a:r>
-            <a:r>
-              <a:rPr lang="en-US" sz="2400" dirty="0" smtClean="0"/>
-              <a:t/>
-            </a:r>
             <a:br>
-              <a:rPr lang="en-US" sz="2400" dirty="0" smtClean="0"/>
+              <a:rPr lang="en-US" sz="2400" dirty="0"/>
             </a:br>
             <a:r>
               <a:rPr lang="en-US" sz="2400" dirty="0"/>
@@ -5434,7 +5157,7 @@
               <a:buNone/>
             </a:pPr>
             <a:r>
-              <a:rPr lang="en-US" sz="2800" dirty="0" smtClean="0"/>
+              <a:rPr lang="en-US" sz="2800" dirty="0"/>
               <a:t>CodeFirst</a:t>
             </a:r>
             <a:endParaRPr lang="ru-RU" sz="2800" dirty="0"/>
@@ -5475,13 +5198,6 @@
   <p:clrMapOvr>
     <a:masterClrMapping/>
   </p:clrMapOvr>
-  <p:timing>
-    <p:tnLst>
-      <p:par>
-        <p:cTn id="1" dur="indefinite" restart="never" nodeType="tmRoot"/>
-      </p:par>
-    </p:tnLst>
-  </p:timing>
 </p:sld>
 </file>
 
@@ -5558,20 +5274,12 @@
               </a:rPr>
               <a:t>Programming Entity Framework: Building Data Centric Apps with the ADO.NET Entity Framework</a:t>
             </a:r>
-            <a:r>
-              <a:rPr lang="en-US" sz="2400" dirty="0" smtClean="0"/>
-              <a:t/>
-            </a:r>
             <a:br>
-              <a:rPr lang="en-US" sz="2400" dirty="0" smtClean="0"/>
+              <a:rPr lang="en-US" sz="2400" dirty="0"/>
             </a:br>
             <a:r>
               <a:rPr lang="en-US" sz="2400" dirty="0"/>
-              <a:t>Julia </a:t>
-            </a:r>
-            <a:r>
-              <a:rPr lang="en-US" sz="2400" dirty="0" smtClean="0"/>
-              <a:t>Lerman</a:t>
+              <a:t>Julia Lerman</a:t>
             </a:r>
             <a:endParaRPr lang="ru-RU" sz="2400" dirty="0"/>
           </a:p>
@@ -5603,7 +5311,7 @@
               <a:buNone/>
             </a:pPr>
             <a:r>
-              <a:rPr lang="en-US" sz="2800" dirty="0" smtClean="0"/>
+              <a:rPr lang="en-US" sz="2800" dirty="0"/>
               <a:t>EF</a:t>
             </a:r>
             <a:endParaRPr lang="ru-RU" sz="2800" dirty="0"/>
@@ -5620,13 +5328,6 @@
   <p:clrMapOvr>
     <a:masterClrMapping/>
   </p:clrMapOvr>
-  <p:timing>
-    <p:tnLst>
-      <p:par>
-        <p:cTn id="1" dur="indefinite" restart="never" nodeType="tmRoot"/>
-      </p:par>
-    </p:tnLst>
-  </p:timing>
 </p:sld>
 </file>
 
@@ -5663,7 +5364,7 @@
           <a:lstStyle/>
           <a:p>
             <a:r>
-              <a:rPr lang="en-US" dirty="0" smtClean="0"/>
+              <a:rPr lang="en-US" dirty="0"/>
               <a:t>Review</a:t>
             </a:r>
             <a:endParaRPr lang="ru-RU" dirty="0"/>
@@ -5688,22 +5389,14 @@
           <a:lstStyle/>
           <a:p>
             <a:r>
-              <a:rPr lang="en-US" dirty="0" smtClean="0"/>
-              <a:t>Entity </a:t>
-            </a:r>
-            <a:r>
               <a:rPr lang="en-US" dirty="0"/>
-              <a:t>Framework 6 </a:t>
-            </a:r>
-            <a:r>
-              <a:rPr lang="en-US" dirty="0" smtClean="0"/>
-              <a:t>Recipes</a:t>
+              <a:t>Entity Framework 6 Recipes</a:t>
             </a:r>
             <a:br>
-              <a:rPr lang="en-US" dirty="0" smtClean="0"/>
+              <a:rPr lang="en-US" dirty="0"/>
             </a:br>
             <a:r>
-              <a:rPr lang="en-US" dirty="0" smtClean="0"/>
+              <a:rPr lang="en-US" dirty="0"/>
               <a:t>Brian Driscoll</a:t>
             </a:r>
             <a:endParaRPr lang="ru-RU" dirty="0"/>
@@ -5720,14 +5413,6 @@
   <p:clrMapOvr>
     <a:masterClrMapping/>
   </p:clrMapOvr>
-  <mc:AlternateContent xmlns:mc="http://schemas.openxmlformats.org/markup-compatibility/2006" xmlns:p14="http://schemas.microsoft.com/office/powerpoint/2010/main">
-    <mc:Choice Requires="p14">
-      <p:transition spd="slow" p14:dur="2000"/>
-    </mc:Choice>
-    <mc:Fallback xmlns="">
-      <p:transition spd="slow"/>
-    </mc:Fallback>
-  </mc:AlternateContent>
 </p:sld>
 </file>
 
@@ -5771,14 +5456,14 @@
           <a:lstStyle/>
           <a:p>
             <a:r>
-              <a:rPr lang="ru-RU" dirty="0" smtClean="0"/>
+              <a:rPr lang="ru-RU" dirty="0"/>
               <a:t>Разработка через тестирование</a:t>
             </a:r>
             <a:br>
-              <a:rPr lang="ru-RU" dirty="0" smtClean="0"/>
+              <a:rPr lang="ru-RU" dirty="0"/>
             </a:br>
             <a:r>
-              <a:rPr lang="en-US" dirty="0" smtClean="0"/>
+              <a:rPr lang="en-US" dirty="0"/>
               <a:t>TDD: Test Driven Development</a:t>
             </a:r>
             <a:endParaRPr lang="ru-RU" dirty="0"/>
@@ -5795,13 +5480,6 @@
   <p:clrMapOvr>
     <a:masterClrMapping/>
   </p:clrMapOvr>
-  <p:timing>
-    <p:tnLst>
-      <p:par>
-        <p:cTn id="1" dur="indefinite" restart="never" nodeType="tmRoot"/>
-      </p:par>
-    </p:tnLst>
-  </p:timing>
 </p:sld>
 </file>
 
@@ -5846,21 +5524,13 @@
           <a:lstStyle/>
           <a:p>
             <a:r>
-              <a:rPr lang="ru-RU" sz="2800" dirty="0" smtClean="0">
+              <a:rPr lang="ru-RU" sz="2800" dirty="0">
                 <a:solidFill>
                   <a:srgbClr val="FFFF00"/>
                 </a:solidFill>
               </a:rPr>
               <a:t>Искусство автономного тестирования с примерами на С#</a:t>
             </a:r>
-            <a:r>
-              <a:rPr lang="en-US" sz="2800" dirty="0">
-                <a:solidFill>
-                  <a:srgbClr val="FFFF00"/>
-                </a:solidFill>
-              </a:rPr>
-              <a:t/>
-            </a:r>
             <a:br>
               <a:rPr lang="en-US" sz="2800" dirty="0">
                 <a:solidFill>
@@ -5874,33 +5544,13 @@
                   <a:srgbClr val="FFFF00"/>
                 </a:solidFill>
               </a:rPr>
-              <a:t> The Art of Unit Testing, </a:t>
-            </a:r>
-            <a:r>
-              <a:rPr lang="en-US" sz="2800" dirty="0" smtClean="0">
-                <a:solidFill>
-                  <a:srgbClr val="FFFF00"/>
-                </a:solidFill>
-              </a:rPr>
-              <a:t>with </a:t>
-            </a:r>
-            <a:r>
-              <a:rPr lang="en-US" sz="2800" dirty="0">
-                <a:solidFill>
-                  <a:srgbClr val="FFFF00"/>
-                </a:solidFill>
-              </a:rPr>
-              <a:t>examples in C#</a:t>
-            </a:r>
-            <a:r>
-              <a:rPr lang="en-US" sz="2800" dirty="0" smtClean="0"/>
-              <a:t/>
+              <a:t> The Art of Unit Testing, with examples in C#</a:t>
             </a:r>
             <a:br>
-              <a:rPr lang="en-US" sz="2800" dirty="0" smtClean="0"/>
+              <a:rPr lang="en-US" sz="2800" dirty="0"/>
             </a:br>
             <a:r>
-              <a:rPr lang="ru-RU" sz="2800" dirty="0" smtClean="0"/>
+              <a:rPr lang="ru-RU" sz="2800" dirty="0"/>
               <a:t>Рой Ошероув</a:t>
             </a:r>
             <a:r>
@@ -5945,16 +5595,12 @@
               <a:buNone/>
             </a:pPr>
             <a:r>
-              <a:rPr lang="en-US" dirty="0" smtClean="0"/>
+              <a:rPr lang="en-US" dirty="0"/>
               <a:t>A</a:t>
             </a:r>
             <a:r>
-              <a:rPr lang="ru-RU" dirty="0" smtClean="0"/>
-              <a:t>втор </a:t>
-            </a:r>
-            <a:r>
               <a:rPr lang="ru-RU" dirty="0"/>
-              <a:t>шаг за шагом проведет вас по пути от первого простенького автономного теста до создания полного комплекта тестов - понятых, удобных для сопровождения и заслуживающих доверия. Вы и не заметите, как перейдете к более сложным вопросам - заглушкам и подставкам - и попутно научитесь работать с изолирующими каркасами типа </a:t>
+              <a:t>втор шаг за шагом проведет вас по пути от первого простенького автономного теста до создания полного комплекта тестов - понятых, удобных для сопровождения и заслуживающих доверия. Вы и не заметите, как перейдете к более сложным вопросам - заглушкам и подставкам - и попутно научитесь работать с изолирующими каркасами типа </a:t>
             </a:r>
             <a:r>
               <a:rPr lang="ru-RU" dirty="0" err="1"/>
@@ -6002,13 +5648,9 @@
             </a:r>
             <a:r>
               <a:rPr lang="ru-RU" dirty="0"/>
-              <a:t>" код. Не забыл автор и об интеграционном тестировании и тестировании работы с базами данных</a:t>
-            </a:r>
-            <a:r>
-              <a:rPr lang="ru-RU" dirty="0" smtClean="0"/>
-              <a:t>.</a:t>
-            </a:r>
-            <a:endParaRPr lang="en-US" dirty="0" smtClean="0"/>
+              <a:t>" код. Не забыл автор и об интеграционном тестировании и тестировании работы с базами данных.</a:t>
+            </a:r>
+            <a:endParaRPr lang="en-US" dirty="0"/>
           </a:p>
           <a:p>
             <a:pPr marL="0" indent="0">
@@ -6024,13 +5666,7 @@
               <a:rPr lang="en-US" dirty="0">
                 <a:hlinkClick r:id="rId2"/>
               </a:rPr>
-              <a:t>http://</a:t>
-            </a:r>
-            <a:r>
-              <a:rPr lang="en-US" dirty="0" smtClean="0">
-                <a:hlinkClick r:id="rId2"/>
-              </a:rPr>
-              <a:t>oz.by/books/more10382361.html</a:t>
+              <a:t>http://oz.by/books/more10382361.html</a:t>
             </a:r>
             <a:endParaRPr lang="ru-RU" dirty="0"/>
           </a:p>
@@ -6110,13 +5746,6 @@
   <p:clrMapOvr>
     <a:masterClrMapping/>
   </p:clrMapOvr>
-  <p:timing>
-    <p:tnLst>
-      <p:par>
-        <p:cTn id="1" dur="indefinite" restart="never" nodeType="tmRoot"/>
-      </p:par>
-    </p:tnLst>
-  </p:timing>
 </p:sld>
 </file>
 
@@ -6158,10 +5787,9 @@
           <a:lstStyle/>
           <a:p>
             <a:r>
-              <a:rPr lang="ru-RU" dirty="0" smtClean="0"/>
+              <a:rPr lang="ru-RU" dirty="0"/>
               <a:t>Проектирование</a:t>
             </a:r>
-            <a:endParaRPr lang="ru-RU" dirty="0"/>
           </a:p>
         </p:txBody>
       </p:sp>
@@ -6175,13 +5803,6 @@
   <p:clrMapOvr>
     <a:masterClrMapping/>
   </p:clrMapOvr>
-  <p:timing>
-    <p:tnLst>
-      <p:par>
-        <p:cTn id="1" dur="indefinite" restart="never" nodeType="tmRoot"/>
-      </p:par>
-    </p:tnLst>
-  </p:timing>
 </p:sld>
 </file>
 
@@ -6226,7 +5847,7 @@
           <a:lstStyle/>
           <a:p>
             <a:r>
-              <a:rPr lang="en-US" sz="2800" dirty="0" smtClean="0"/>
+              <a:rPr lang="en-US" sz="2800" dirty="0"/>
               <a:t>Krzysztof </a:t>
             </a:r>
             <a:r>
@@ -6235,14 +5856,10 @@
             </a:r>
             <a:r>
               <a:rPr lang="en-US" sz="2800" dirty="0"/>
-              <a:t>, Brad </a:t>
-            </a:r>
-            <a:r>
-              <a:rPr lang="en-US" sz="2800" dirty="0" smtClean="0"/>
-              <a:t>Abrams</a:t>
+              <a:t>, Brad Abrams</a:t>
             </a:r>
             <a:br>
-              <a:rPr lang="en-US" sz="2800" dirty="0" smtClean="0"/>
+              <a:rPr lang="en-US" sz="2800" dirty="0"/>
             </a:br>
             <a:r>
               <a:rPr lang="ru-RU" sz="2800" dirty="0"/>
@@ -6253,16 +5870,12 @@
               <a:t>Framework Design Guidelines</a:t>
             </a:r>
             <a:r>
-              <a:rPr lang="ru-RU" sz="2800" dirty="0" smtClean="0"/>
+              <a:rPr lang="ru-RU" sz="2800" dirty="0"/>
               <a:t>»</a:t>
             </a:r>
             <a:r>
-              <a:rPr lang="en-US" sz="2800" dirty="0" smtClean="0"/>
-              <a:t>, 2nd </a:t>
-            </a:r>
-            <a:r>
               <a:rPr lang="en-US" sz="2800" dirty="0"/>
-              <a:t>Edition, 2008</a:t>
+              <a:t>, 2nd Edition, 2008</a:t>
             </a:r>
             <a:endParaRPr lang="ru-RU" sz="2800" dirty="0"/>
           </a:p>
@@ -6295,13 +5908,8 @@
             </a:pPr>
             <a:r>
               <a:rPr lang="ru-RU" dirty="0"/>
-              <a:t>Разработка качественных систем является весьма сложной задачей, а разработка качественных библиотек (особенно фреймворков) является поистине вершиной мастерства архитекторов и разработчиков. Сложность здесь кроется в специфике принимаемых решений, ведь акцент серьезно смещается в сторону простоты и удобства использования, расширяемости и надежности. И хотя именно тема разработка библиотек является центральной, книга будет также невероятно полезна и простым разработчикам, ведь знание ключевых идиом языка является совершенно необходимым, когда команда смотрит хотя бы немного дальше своего носа, и заботится не только о написании кода, но и о его последующем сопровождении</a:t>
-            </a:r>
-            <a:r>
-              <a:rPr lang="ru-RU" dirty="0" smtClean="0"/>
-              <a:t>.</a:t>
-            </a:r>
-            <a:endParaRPr lang="ru-RU" dirty="0"/>
+              <a:t>Разработка качественных систем является весьма сложной задачей, а разработка качественных библиотек (особенно фреймворков) является поистине вершиной мастерства архитекторов и разработчиков. Сложность здесь кроется в специфике принимаемых решений, ведь акцент серьезно смещается в сторону простоты и удобства использования, расширяемости и надежности. И хотя именно тема разработка библиотек является центральной, книга будет также невероятно полезна и простым разработчикам, ведь знание ключевых идиом языка является совершенно необходимым, когда команда смотрит хотя бы немного дальше своего носа, и заботится не только о написании кода, но и о его последующем сопровождении.</a:t>
+            </a:r>
           </a:p>
         </p:txBody>
       </p:sp>
@@ -6356,13 +5964,6 @@
   <p:clrMapOvr>
     <a:masterClrMapping/>
   </p:clrMapOvr>
-  <p:timing>
-    <p:tnLst>
-      <p:par>
-        <p:cTn id="1" dur="indefinite" restart="never" nodeType="tmRoot"/>
-      </p:par>
-    </p:tnLst>
-  </p:timing>
 </p:sld>
 </file>
 
@@ -6406,10 +6007,9 @@
           <a:lstStyle/>
           <a:p>
             <a:r>
-              <a:rPr lang="ru-RU" dirty="0" smtClean="0"/>
+              <a:rPr lang="ru-RU" dirty="0"/>
               <a:t>Другое</a:t>
             </a:r>
-            <a:endParaRPr lang="ru-RU" dirty="0"/>
           </a:p>
         </p:txBody>
       </p:sp>
@@ -6423,13 +6023,6 @@
   <p:clrMapOvr>
     <a:masterClrMapping/>
   </p:clrMapOvr>
-  <p:timing>
-    <p:tnLst>
-      <p:par>
-        <p:cTn id="1" dur="indefinite" restart="never" nodeType="tmRoot"/>
-      </p:par>
-    </p:tnLst>
-  </p:timing>
 </p:sld>
 </file>
 
@@ -6482,15 +6075,11 @@
               </a:rPr>
               <a:t>Pragmatic Thinking and Learning: Refactor Your Wetware</a:t>
             </a:r>
-            <a:r>
-              <a:rPr lang="en-US" sz="2400" dirty="0" smtClean="0"/>
-              <a:t/>
-            </a:r>
             <a:br>
-              <a:rPr lang="en-US" sz="2400" dirty="0" smtClean="0"/>
+              <a:rPr lang="en-US" sz="2400" dirty="0"/>
             </a:br>
             <a:r>
-              <a:rPr lang="en-US" sz="2400" dirty="0" smtClean="0"/>
+              <a:rPr lang="en-US" sz="2400" dirty="0"/>
               <a:t>Andy Hunt</a:t>
             </a:r>
             <a:endParaRPr lang="ru-RU" sz="2400" dirty="0"/>
@@ -6523,10 +6112,9 @@
               <a:buNone/>
             </a:pPr>
             <a:r>
-              <a:rPr lang="ru-RU" sz="2800" dirty="0" smtClean="0"/>
+              <a:rPr lang="ru-RU" sz="2800" dirty="0"/>
               <a:t>Учит использовать свой мозг более эффективно.</a:t>
             </a:r>
-            <a:endParaRPr lang="ru-RU" sz="2800" dirty="0"/>
           </a:p>
         </p:txBody>
       </p:sp>
@@ -6570,13 +6158,6 @@
   <p:clrMapOvr>
     <a:masterClrMapping/>
   </p:clrMapOvr>
-  <p:timing>
-    <p:tnLst>
-      <p:par>
-        <p:cTn id="1" dur="indefinite" restart="never" nodeType="tmRoot"/>
-      </p:par>
-    </p:tnLst>
-  </p:timing>
 </p:sld>
 </file>
 
@@ -6641,27 +6222,17 @@
               <a:t>Виртуальная академия </a:t>
             </a:r>
             <a:r>
-              <a:rPr lang="en-US" sz="2800" dirty="0" smtClean="0"/>
+              <a:rPr lang="en-US" sz="2800" dirty="0"/>
               <a:t>Microsoft</a:t>
             </a:r>
-            <a:r>
-              <a:rPr lang="ru-RU" sz="2800" dirty="0" smtClean="0"/>
-              <a:t/>
-            </a:r>
             <a:br>
-              <a:rPr lang="ru-RU" sz="2800" dirty="0" smtClean="0"/>
+              <a:rPr lang="ru-RU" sz="2800" dirty="0"/>
             </a:br>
-            <a:r>
-              <a:rPr lang="en-US" sz="2800" dirty="0" smtClean="0">
-                <a:hlinkClick r:id="rId2"/>
-              </a:rPr>
-              <a:t>http</a:t>
-            </a:r>
             <a:r>
               <a:rPr lang="en-US" sz="2800" dirty="0">
                 <a:hlinkClick r:id="rId2"/>
               </a:rPr>
-              <a:t>://www.microsoftvirtualacademy.com/ebooks</a:t>
+              <a:t>http://www.microsoftvirtualacademy.com/ebooks</a:t>
             </a:r>
             <a:endParaRPr lang="ru-RU" sz="2800" dirty="0"/>
           </a:p>
@@ -6729,22 +6300,13 @@
               </a:rPr>
               <a:t>Язык программирования C# 6.0 и платформа .NET 4.6</a:t>
             </a:r>
-            <a:r>
-              <a:rPr lang="en-US" sz="2400" dirty="0" smtClean="0"/>
-              <a:t/>
-            </a:r>
             <a:br>
-              <a:rPr lang="en-US" sz="2400" dirty="0" smtClean="0"/>
+              <a:rPr lang="en-US" sz="2400" dirty="0"/>
             </a:br>
             <a:r>
               <a:rPr lang="ru-RU" sz="2400" dirty="0"/>
-              <a:t>Эндрю </a:t>
-            </a:r>
-            <a:r>
-              <a:rPr lang="ru-RU" sz="2400" dirty="0" smtClean="0"/>
-              <a:t>Троелсен</a:t>
-            </a:r>
-            <a:endParaRPr lang="ru-RU" sz="2400" dirty="0"/>
+              <a:t>Эндрю Троелсен</a:t>
+            </a:r>
           </a:p>
         </p:txBody>
       </p:sp>
@@ -6774,43 +6336,35 @@
               <a:buNone/>
             </a:pPr>
             <a:r>
-              <a:rPr lang="ru-RU" sz="2800" dirty="0" smtClean="0"/>
-              <a:t>Хорошая книга для начинающих. Автор описывает базовые возможности языка; объясняет механизмы ООП; рассказывает о работе с </a:t>
-            </a:r>
-            <a:r>
-              <a:rPr lang="ru-RU" sz="2800" dirty="0" smtClean="0"/>
-              <a:t>БД</a:t>
-            </a:r>
-            <a:r>
-              <a:rPr lang="en-US" sz="2800" dirty="0" smtClean="0"/>
+              <a:rPr lang="ru-RU" sz="2800" dirty="0"/>
+              <a:t>Хорошая книга для начинающих. Автор описывает базовые возможности языка; объясняет механизмы ООП; рассказывает о работе с БД</a:t>
+            </a:r>
+            <a:r>
+              <a:rPr lang="en-US" sz="2800" dirty="0"/>
               <a:t> (</a:t>
             </a:r>
             <a:r>
-              <a:rPr lang="ru-RU" sz="2800" dirty="0" smtClean="0"/>
+              <a:rPr lang="ru-RU" sz="2800" dirty="0"/>
               <a:t>с помощью </a:t>
             </a:r>
             <a:r>
-              <a:rPr lang="en-US" sz="2800" dirty="0" smtClean="0"/>
+              <a:rPr lang="en-US" sz="2800" dirty="0"/>
               <a:t>ADO.NET</a:t>
             </a:r>
             <a:r>
-              <a:rPr lang="ru-RU" sz="2800" dirty="0" smtClean="0"/>
+              <a:rPr lang="ru-RU" sz="2800" dirty="0"/>
               <a:t> и </a:t>
             </a:r>
             <a:r>
-              <a:rPr lang="en-US" sz="2800" dirty="0" smtClean="0"/>
+              <a:rPr lang="en-US" sz="2800" dirty="0"/>
               <a:t>EF)</a:t>
             </a:r>
             <a:r>
-              <a:rPr lang="ru-RU" sz="2800" dirty="0" smtClean="0"/>
-              <a:t>; </a:t>
-            </a:r>
-            <a:r>
-              <a:rPr lang="ru-RU" sz="2800" dirty="0" smtClean="0"/>
-              <a:t>дает введение в технологии </a:t>
-            </a:r>
-            <a:r>
-              <a:rPr lang="en-US" sz="2800" dirty="0" smtClean="0"/>
+              <a:rPr lang="ru-RU" sz="2800" dirty="0"/>
+              <a:t>; дает введение в технологии </a:t>
+            </a:r>
+            <a:r>
+              <a:rPr lang="en-US" sz="2800" dirty="0"/>
               <a:t>WPF</a:t>
             </a:r>
             <a:r>
@@ -6818,35 +6372,31 @@
               <a:t>,</a:t>
             </a:r>
             <a:r>
-              <a:rPr lang="en-US" sz="2800" dirty="0" smtClean="0"/>
+              <a:rPr lang="en-US" sz="2800" dirty="0"/>
               <a:t> WCF </a:t>
             </a:r>
             <a:r>
-              <a:rPr lang="ru-RU" sz="2800" dirty="0" smtClean="0"/>
+              <a:rPr lang="ru-RU" sz="2800" dirty="0"/>
               <a:t>и </a:t>
             </a:r>
             <a:r>
-              <a:rPr lang="en-US" sz="2800" dirty="0" smtClean="0"/>
-              <a:t>ASP.NET </a:t>
-            </a:r>
-            <a:r>
-              <a:rPr lang="en-US" sz="2800" dirty="0" smtClean="0"/>
-              <a:t>(</a:t>
-            </a:r>
-            <a:r>
-              <a:rPr lang="en-US" sz="2800" dirty="0" err="1" smtClean="0"/>
+              <a:rPr lang="en-US" sz="2800" dirty="0"/>
+              <a:t>ASP.NET (</a:t>
+            </a:r>
+            <a:r>
+              <a:rPr lang="en-US" sz="2800" dirty="0" err="1"/>
               <a:t>WebForms</a:t>
             </a:r>
             <a:r>
-              <a:rPr lang="en-US" sz="2800" dirty="0" smtClean="0"/>
+              <a:rPr lang="en-US" sz="2800" dirty="0"/>
               <a:t>, MVC, </a:t>
             </a:r>
             <a:r>
-              <a:rPr lang="en-US" sz="2800" dirty="0" err="1" smtClean="0"/>
+              <a:rPr lang="en-US" sz="2800" dirty="0" err="1"/>
               <a:t>WebAPI</a:t>
             </a:r>
             <a:r>
-              <a:rPr lang="en-US" sz="2800" dirty="0" smtClean="0"/>
+              <a:rPr lang="en-US" sz="2800" dirty="0"/>
               <a:t>).</a:t>
             </a:r>
             <a:endParaRPr lang="ru-RU" sz="2800" dirty="0"/>
@@ -6887,13 +6437,6 @@
   <p:clrMapOvr>
     <a:masterClrMapping/>
   </p:clrMapOvr>
-  <p:timing>
-    <p:tnLst>
-      <p:par>
-        <p:cTn id="1" dur="indefinite" restart="never" nodeType="tmRoot"/>
-      </p:par>
-    </p:tnLst>
-  </p:timing>
 </p:sld>
 </file>
 
@@ -6954,12 +6497,8 @@
               </a:rPr>
               <a:t>Полное руководство</a:t>
             </a:r>
-            <a:r>
-              <a:rPr lang="en-US" sz="2400" dirty="0" smtClean="0"/>
-              <a:t/>
-            </a:r>
             <a:br>
-              <a:rPr lang="en-US" sz="2400" dirty="0" smtClean="0"/>
+              <a:rPr lang="en-US" sz="2400" dirty="0"/>
             </a:br>
             <a:r>
               <a:rPr lang="ru-RU" sz="2400" dirty="0"/>
@@ -6999,26 +6538,25 @@
               <a:buNone/>
             </a:pPr>
             <a:r>
-              <a:rPr lang="ru-RU" sz="2800" dirty="0" smtClean="0"/>
+              <a:rPr lang="ru-RU" sz="2800" dirty="0"/>
               <a:t>Автор дает подробное описание языка программирования </a:t>
             </a:r>
             <a:r>
-              <a:rPr lang="en-US" sz="2800" dirty="0" smtClean="0"/>
+              <a:rPr lang="en-US" sz="2800" dirty="0"/>
               <a:t>C# </a:t>
             </a:r>
             <a:r>
-              <a:rPr lang="ru-RU" sz="2800" dirty="0" smtClean="0"/>
+              <a:rPr lang="ru-RU" sz="2800" dirty="0"/>
               <a:t> не отвлекаясь на сопутствующие технологии как это делает </a:t>
             </a:r>
             <a:r>
-              <a:rPr lang="ru-RU" sz="2800" dirty="0" err="1" smtClean="0"/>
+              <a:rPr lang="ru-RU" sz="2800" dirty="0" err="1"/>
               <a:t>Троелсон</a:t>
             </a:r>
             <a:r>
-              <a:rPr lang="ru-RU" sz="2800" dirty="0" smtClean="0"/>
+              <a:rPr lang="ru-RU" sz="2800" dirty="0"/>
               <a:t>.</a:t>
             </a:r>
-            <a:endParaRPr lang="ru-RU" sz="2800" dirty="0"/>
           </a:p>
         </p:txBody>
       </p:sp>
@@ -7056,13 +6594,6 @@
   <p:clrMapOvr>
     <a:masterClrMapping/>
   </p:clrMapOvr>
-  <p:timing>
-    <p:tnLst>
-      <p:par>
-        <p:cTn id="1" dur="indefinite" restart="never" nodeType="tmRoot"/>
-      </p:par>
-    </p:tnLst>
-  </p:timing>
 </p:sld>
 </file>
 
@@ -7106,10 +6637,9 @@
           <a:lstStyle/>
           <a:p>
             <a:r>
-              <a:rPr lang="ru-RU" dirty="0" smtClean="0"/>
+              <a:rPr lang="ru-RU" dirty="0"/>
               <a:t>Для продолжающих</a:t>
             </a:r>
-            <a:endParaRPr lang="ru-RU" dirty="0"/>
           </a:p>
         </p:txBody>
       </p:sp>
@@ -7123,13 +6653,6 @@
   <p:clrMapOvr>
     <a:masterClrMapping/>
   </p:clrMapOvr>
-  <p:timing>
-    <p:tnLst>
-      <p:par>
-        <p:cTn id="1" dur="indefinite" restart="never" nodeType="tmRoot"/>
-      </p:par>
-    </p:tnLst>
-  </p:timing>
 </p:sld>
 </file>
 
@@ -7182,18 +6705,13 @@
               </a:rPr>
               <a:t>CLR via C#. Программирование на платформе Microsoft .NET Framework 4.5 на языке C#</a:t>
             </a:r>
-            <a:r>
-              <a:rPr lang="en-US" sz="2400" dirty="0" smtClean="0"/>
-              <a:t/>
-            </a:r>
             <a:br>
-              <a:rPr lang="en-US" sz="2400" dirty="0" smtClean="0"/>
+              <a:rPr lang="en-US" sz="2400" dirty="0"/>
             </a:br>
             <a:r>
-              <a:rPr lang="ru-RU" sz="2400" dirty="0" smtClean="0"/>
+              <a:rPr lang="ru-RU" sz="2400" dirty="0"/>
               <a:t>Джеффри Рихтер</a:t>
             </a:r>
-            <a:endParaRPr lang="ru-RU" sz="2400" dirty="0"/>
           </a:p>
         </p:txBody>
       </p:sp>
@@ -7223,55 +6741,43 @@
               <a:buNone/>
             </a:pPr>
             <a:r>
-              <a:rPr lang="ru-RU" sz="2800" dirty="0" smtClean="0"/>
+              <a:rPr lang="ru-RU" sz="2800" dirty="0"/>
               <a:t>«Библия» </a:t>
             </a:r>
             <a:r>
-              <a:rPr lang="en-US" sz="2800" dirty="0" smtClean="0"/>
+              <a:rPr lang="en-US" sz="2800" dirty="0"/>
               <a:t>.NET </a:t>
             </a:r>
             <a:r>
               <a:rPr lang="ru-RU" sz="2800" dirty="0"/>
-              <a:t>программиста. </a:t>
-            </a:r>
-            <a:r>
-              <a:rPr lang="ru-RU" sz="2800" dirty="0" smtClean="0"/>
-              <a:t>В книге подробно описывается </a:t>
+              <a:t>программиста. В книге подробно описывается внутреннее устройство и функционирование общеязыковой исполняющей среды (CLR). Данные знания необходимы любому </a:t>
+            </a:r>
+            <a:r>
+              <a:rPr lang="en-US" sz="2800" dirty="0"/>
+              <a:t>.NET </a:t>
             </a:r>
             <a:r>
               <a:rPr lang="ru-RU" sz="2800" dirty="0"/>
-              <a:t>внутреннее устройство и функционирование общеязыковой исполняющей среды (CLR</a:t>
-            </a:r>
-            <a:r>
-              <a:rPr lang="ru-RU" sz="2800" dirty="0" smtClean="0"/>
-              <a:t>). Данные знания необходимы любому </a:t>
-            </a:r>
-            <a:r>
-              <a:rPr lang="en-US" sz="2800" dirty="0" smtClean="0"/>
-              <a:t>.NET </a:t>
-            </a:r>
-            <a:r>
-              <a:rPr lang="ru-RU" sz="2800" dirty="0" smtClean="0"/>
               <a:t>программисту вне зависимости от применяемого языка программрования (</a:t>
             </a:r>
             <a:r>
-              <a:rPr lang="en-US" sz="2800" dirty="0" smtClean="0"/>
+              <a:rPr lang="en-US" sz="2800" dirty="0"/>
               <a:t>C#, VB.NET, F# </a:t>
             </a:r>
             <a:r>
-              <a:rPr lang="ru-RU" sz="2800" dirty="0" smtClean="0"/>
+              <a:rPr lang="ru-RU" sz="2800" dirty="0"/>
               <a:t>и</a:t>
             </a:r>
             <a:r>
-              <a:rPr lang="en-US" sz="2800" dirty="0" smtClean="0"/>
+              <a:rPr lang="en-US" sz="2800" dirty="0"/>
               <a:t> </a:t>
             </a:r>
             <a:r>
-              <a:rPr lang="ru-RU" sz="2800" dirty="0" smtClean="0"/>
+              <a:rPr lang="ru-RU" sz="2800" dirty="0"/>
               <a:t>т.д.) и области разработки (</a:t>
             </a:r>
             <a:r>
-              <a:rPr lang="en-US" sz="2800" dirty="0" smtClean="0"/>
+              <a:rPr lang="en-US" sz="2800" dirty="0"/>
               <a:t>desktop, web, mobile).</a:t>
             </a:r>
             <a:endParaRPr lang="ru-RU" sz="2800" dirty="0"/>
@@ -7318,13 +6824,6 @@
   <p:clrMapOvr>
     <a:masterClrMapping/>
   </p:clrMapOvr>
-  <p:timing>
-    <p:tnLst>
-      <p:par>
-        <p:cTn id="1" dur="indefinite" restart="never" nodeType="tmRoot"/>
-      </p:par>
-    </p:tnLst>
-  </p:timing>
 </p:sld>
 </file>
 
@@ -7370,20 +6869,12 @@
           <a:lstStyle/>
           <a:p>
             <a:r>
-              <a:rPr lang="en-US" sz="2400" i="1" dirty="0" smtClean="0">
+              <a:rPr lang="en-US" sz="2400" i="1" dirty="0">
                 <a:solidFill>
                   <a:srgbClr val="FFFF00"/>
                 </a:solidFill>
               </a:rPr>
-              <a:t>C</a:t>
-            </a:r>
-            <a:r>
-              <a:rPr lang="en-US" sz="2400" i="1" dirty="0">
-                <a:solidFill>
-                  <a:srgbClr val="FFFF00"/>
-                </a:solidFill>
-              </a:rPr>
-              <a:t># </a:t>
+              <a:t>C# </a:t>
             </a:r>
             <a:r>
               <a:rPr lang="ru-RU" sz="2400" i="1" dirty="0">
@@ -7393,18 +6884,13 @@
               </a:rPr>
               <a:t>программирование для профессионалов</a:t>
             </a:r>
-            <a:r>
-              <a:rPr lang="en-US" sz="2400" dirty="0" smtClean="0"/>
-              <a:t/>
-            </a:r>
             <a:br>
-              <a:rPr lang="en-US" sz="2400" dirty="0" smtClean="0"/>
+              <a:rPr lang="en-US" sz="2400" dirty="0"/>
             </a:br>
             <a:r>
-              <a:rPr lang="ru-RU" sz="2400" dirty="0" smtClean="0"/>
+              <a:rPr lang="ru-RU" sz="2400" dirty="0"/>
               <a:t>Джон Скит</a:t>
             </a:r>
-            <a:endParaRPr lang="ru-RU" sz="2400" dirty="0"/>
           </a:p>
         </p:txBody>
       </p:sp>
@@ -7434,34 +6920,33 @@
               <a:buNone/>
             </a:pPr>
             <a:r>
-              <a:rPr lang="ru-RU" sz="2800" dirty="0" smtClean="0"/>
+              <a:rPr lang="ru-RU" sz="2800" dirty="0"/>
               <a:t>Джон Скит заслуженно известен как «Чак Норрис </a:t>
             </a:r>
             <a:r>
-              <a:rPr lang="en-US" sz="2800" dirty="0" smtClean="0"/>
+              <a:rPr lang="en-US" sz="2800" dirty="0"/>
               <a:t>.NET-a</a:t>
             </a:r>
             <a:r>
-              <a:rPr lang="ru-RU" sz="2800" dirty="0" smtClean="0"/>
+              <a:rPr lang="ru-RU" sz="2800" dirty="0"/>
               <a:t>». Он как и Джеффри Рихтер подробно объясняет тонкости реализации </a:t>
             </a:r>
             <a:r>
-              <a:rPr lang="en-US" sz="2800" dirty="0" smtClean="0"/>
+              <a:rPr lang="en-US" sz="2800" dirty="0"/>
               <a:t>.NET </a:t>
             </a:r>
             <a:r>
-              <a:rPr lang="ru-RU" sz="2800" dirty="0" smtClean="0"/>
+              <a:rPr lang="ru-RU" sz="2800" dirty="0"/>
               <a:t>и </a:t>
             </a:r>
             <a:r>
-              <a:rPr lang="en-US" sz="2800" dirty="0" smtClean="0"/>
+              <a:rPr lang="en-US" sz="2800" dirty="0"/>
               <a:t>C# </a:t>
             </a:r>
             <a:r>
-              <a:rPr lang="ru-RU" sz="2800" dirty="0" smtClean="0"/>
+              <a:rPr lang="ru-RU" sz="2800" dirty="0"/>
               <a:t>которые необходимо знать профессионалам.</a:t>
             </a:r>
-            <a:endParaRPr lang="ru-RU" sz="2800" dirty="0"/>
           </a:p>
         </p:txBody>
       </p:sp>
@@ -7539,13 +7024,6 @@
   <p:clrMapOvr>
     <a:masterClrMapping/>
   </p:clrMapOvr>
-  <p:timing>
-    <p:tnLst>
-      <p:par>
-        <p:cTn id="1" dur="indefinite" restart="never" nodeType="tmRoot"/>
-      </p:par>
-    </p:tnLst>
-  </p:timing>
 </p:sld>
 </file>
 
@@ -7598,22 +7076,13 @@
               </a:rPr>
               <a:t>WPF: Windows Presentation Foundation в .NET 4.5 с примерами на C# 5.0 для профессионалов</a:t>
             </a:r>
-            <a:r>
-              <a:rPr lang="en-US" sz="2400" dirty="0" smtClean="0"/>
-              <a:t/>
-            </a:r>
             <a:br>
-              <a:rPr lang="en-US" sz="2400" dirty="0" smtClean="0"/>
+              <a:rPr lang="en-US" sz="2400" dirty="0"/>
             </a:br>
             <a:r>
               <a:rPr lang="ru-RU" sz="2400" dirty="0"/>
-              <a:t>Мэтью </a:t>
-            </a:r>
-            <a:r>
-              <a:rPr lang="ru-RU" sz="2400" dirty="0" smtClean="0"/>
-              <a:t>Мак-Дональд</a:t>
-            </a:r>
-            <a:endParaRPr lang="ru-RU" sz="2400" dirty="0"/>
+              <a:t>Мэтью Мак-Дональд</a:t>
+            </a:r>
           </a:p>
         </p:txBody>
       </p:sp>
@@ -7643,18 +7112,17 @@
               <a:buNone/>
             </a:pPr>
             <a:r>
-              <a:rPr lang="ru-RU" sz="2800" dirty="0" smtClean="0"/>
+              <a:rPr lang="ru-RU" sz="2800" dirty="0"/>
               <a:t>Прекрасная книга по </a:t>
             </a:r>
             <a:r>
-              <a:rPr lang="en-US" sz="2800" dirty="0" smtClean="0"/>
+              <a:rPr lang="en-US" sz="2800" dirty="0"/>
               <a:t>WPF </a:t>
             </a:r>
             <a:r>
-              <a:rPr lang="ru-RU" sz="2800" dirty="0" smtClean="0"/>
+              <a:rPr lang="ru-RU" sz="2800" dirty="0"/>
               <a:t>с отличными примерами.</a:t>
             </a:r>
-            <a:endParaRPr lang="ru-RU" sz="2800" dirty="0"/>
           </a:p>
         </p:txBody>
       </p:sp>
@@ -7698,13 +7166,6 @@
   <p:clrMapOvr>
     <a:masterClrMapping/>
   </p:clrMapOvr>
-  <p:timing>
-    <p:tnLst>
-      <p:par>
-        <p:cTn id="1" dur="indefinite" restart="never" nodeType="tmRoot"/>
-      </p:par>
-    </p:tnLst>
-  </p:timing>
 </p:sld>
 </file>
 
@@ -7757,19 +7218,15 @@
               </a:rPr>
               <a:t>LINQ in Action</a:t>
             </a:r>
-            <a:r>
-              <a:rPr lang="en-US" sz="2400" dirty="0" smtClean="0"/>
-              <a:t/>
-            </a:r>
             <a:br>
-              <a:rPr lang="en-US" sz="2400" dirty="0" smtClean="0"/>
+              <a:rPr lang="en-US" sz="2400" dirty="0"/>
             </a:br>
             <a:r>
-              <a:rPr lang="en-US" sz="2400" dirty="0" err="1" smtClean="0"/>
+              <a:rPr lang="en-US" sz="2400" dirty="0" err="1"/>
               <a:t>Fabrice</a:t>
             </a:r>
             <a:r>
-              <a:rPr lang="en-US" sz="2400" dirty="0" smtClean="0"/>
+              <a:rPr lang="en-US" sz="2400" dirty="0"/>
               <a:t> </a:t>
             </a:r>
             <a:r>
@@ -7797,7 +7254,7 @@
               <a:t>Jim </a:t>
             </a:r>
             <a:r>
-              <a:rPr lang="en-US" sz="2400" dirty="0" err="1" smtClean="0"/>
+              <a:rPr lang="en-US" sz="2400" dirty="0" err="1"/>
               <a:t>Wooley</a:t>
             </a:r>
             <a:endParaRPr lang="ru-RU" sz="2400" dirty="0"/>
@@ -7830,14 +7287,14 @@
               <a:buNone/>
             </a:pPr>
             <a:r>
-              <a:rPr lang="ru-RU" sz="2800" dirty="0" smtClean="0"/>
+              <a:rPr lang="ru-RU" sz="2800" dirty="0"/>
               <a:t>Отличное руководство по </a:t>
             </a:r>
             <a:r>
-              <a:rPr lang="en-US" sz="2800" dirty="0" smtClean="0"/>
+              <a:rPr lang="en-US" sz="2800" dirty="0"/>
               <a:t>LINQ.</a:t>
             </a:r>
-            <a:endParaRPr lang="ru-RU" sz="2800" dirty="0" smtClean="0"/>
+            <a:endParaRPr lang="ru-RU" sz="2800" dirty="0"/>
           </a:p>
           <a:p>
             <a:pPr marL="0" indent="0">
@@ -7850,10 +7307,9 @@
               <a:buNone/>
             </a:pPr>
             <a:r>
-              <a:rPr lang="ru-RU" sz="2800" dirty="0" smtClean="0"/>
+              <a:rPr lang="ru-RU" sz="2800" dirty="0"/>
               <a:t>Русского перевода, к сожалению, нет. В книге Эндрю Троелсена эта тема тоже рассматривается.</a:t>
             </a:r>
-            <a:endParaRPr lang="ru-RU" sz="2800" dirty="0"/>
           </a:p>
         </p:txBody>
       </p:sp>
@@ -7908,13 +7364,6 @@
   <p:clrMapOvr>
     <a:masterClrMapping/>
   </p:clrMapOvr>
-  <p:timing>
-    <p:tnLst>
-      <p:par>
-        <p:cTn id="1" dur="indefinite" restart="never" nodeType="tmRoot"/>
-      </p:par>
-    </p:tnLst>
-  </p:timing>
 </p:sld>
 </file>
 

--- a/Presentation/books-to-read.pptx
+++ b/Presentation/books-to-read.pptx
@@ -301,7 +301,7 @@
           <a:p>
             <a:fld id="{B24A7054-7FFB-49F4-A126-5DF6E687FF53}" type="datetimeFigureOut">
               <a:rPr lang="ru-RU" smtClean="0"/>
-              <a:t>01.07.2018</a:t>
+              <a:t>01.09.2018</a:t>
             </a:fld>
             <a:endParaRPr lang="ru-RU"/>
           </a:p>
@@ -1568,7 +1568,7 @@
           <a:p>
             <a:fld id="{8E6E6A2A-E9D3-4A0D-B04A-ABDD367A1E08}" type="datetimeFigureOut">
               <a:rPr lang="ru-RU" smtClean="0"/>
-              <a:t>01.07.2018</a:t>
+              <a:t>01.09.2018</a:t>
             </a:fld>
             <a:endParaRPr lang="ru-RU"/>
           </a:p>
@@ -2998,7 +2998,7 @@
           <a:p>
             <a:fld id="{AC3D3127-B7C4-45E3-9797-C527EC9FDD78}" type="datetimeFigureOut">
               <a:rPr lang="ru-RU" smtClean="0"/>
-              <a:t>01.07.2018</a:t>
+              <a:t>01.09.2018</a:t>
             </a:fld>
             <a:endParaRPr lang="ru-RU"/>
           </a:p>
@@ -6758,7 +6758,15 @@
             </a:r>
             <a:r>
               <a:rPr lang="ru-RU" sz="2800" dirty="0"/>
-              <a:t>программисту вне зависимости от применяемого языка программрования (</a:t>
+              <a:t>программисту вне зависимости от применяемого </a:t>
+            </a:r>
+            <a:r>
+              <a:rPr lang="ru-RU" sz="2800"/>
+              <a:t>языка программирования </a:t>
+            </a:r>
+            <a:r>
+              <a:rPr lang="ru-RU" sz="2800" dirty="0"/>
+              <a:t>(</a:t>
             </a:r>
             <a:r>
               <a:rPr lang="en-US" sz="2800" dirty="0"/>

--- a/Presentation/books-to-read.pptx
+++ b/Presentation/books-to-read.pptx
@@ -202,7 +202,7 @@
       </p14:sectionLst>
     </p:ext>
     <p:ext uri="{EFAFB233-063F-42B5-8137-9DF3F51BA10A}">
-      <p15:sldGuideLst xmlns:p15="http://schemas.microsoft.com/office/powerpoint/2012/main">
+      <p15:sldGuideLst xmlns:p15="http://schemas.microsoft.com/office/powerpoint/2012/main" xmlns="">
         <p15:guide id="1" orient="horz" pos="2160">
           <p15:clr>
             <a:srgbClr val="A4A3A4"/>
@@ -301,7 +301,7 @@
           <a:p>
             <a:fld id="{B24A7054-7FFB-49F4-A126-5DF6E687FF53}" type="datetimeFigureOut">
               <a:rPr lang="ru-RU" smtClean="0"/>
-              <a:t>01.09.2018</a:t>
+              <a:t>22.02.2019</a:t>
             </a:fld>
             <a:endParaRPr lang="ru-RU"/>
           </a:p>
@@ -570,8 +570,8 @@
 </file>
 
 <file path=ppt/slideLayouts/slideLayout1.xml><?xml version="1.0" encoding="utf-8"?>
-<p:sldLayout xmlns:a="http://schemas.openxmlformats.org/drawingml/2006/main" xmlns:r="http://schemas.openxmlformats.org/officeDocument/2006/relationships" xmlns:p="http://schemas.openxmlformats.org/presentationml/2006/main" preserve="1" userDrawn="1">
-  <p:cSld name="Title Slide">
+<p:sldLayout xmlns:a="http://schemas.openxmlformats.org/drawingml/2006/main" xmlns:r="http://schemas.openxmlformats.org/officeDocument/2006/relationships" xmlns:p="http://schemas.openxmlformats.org/presentationml/2006/main" type="obj" preserve="1">
+  <p:cSld name="Title and Content">
     <p:spTree>
       <p:nvGrpSpPr>
         <p:cNvPr id="1" name=""/>
@@ -588,172 +588,83 @@
       </p:grpSpPr>
       <p:sp>
         <p:nvSpPr>
-          <p:cNvPr id="7" name="Rectangle 6"/>
-          <p:cNvSpPr/>
-          <p:nvPr userDrawn="1"/>
-        </p:nvSpPr>
-        <p:spPr>
-          <a:xfrm>
-            <a:off x="143508" y="1304764"/>
-            <a:ext cx="8856984" cy="646331"/>
-          </a:xfrm>
-          <a:prstGeom prst="rect">
-            <a:avLst/>
-          </a:prstGeom>
-        </p:spPr>
-        <p:txBody>
-          <a:bodyPr wrap="square">
-            <a:spAutoFit/>
-          </a:bodyPr>
+          <p:cNvPr id="2" name="Title 1"/>
+          <p:cNvSpPr>
+            <a:spLocks noGrp="1"/>
+          </p:cNvSpPr>
+          <p:nvPr>
+            <p:ph type="title"/>
+          </p:nvPr>
+        </p:nvSpPr>
+        <p:spPr/>
+        <p:txBody>
+          <a:bodyPr/>
           <a:lstStyle/>
           <a:p>
-            <a:pPr algn="ctr"/>
-            <a:r>
-              <a:rPr lang="ru-RU" sz="3600" b="1" i="1" dirty="0">
-                <a:solidFill>
-                  <a:schemeClr val="bg1"/>
-                </a:solidFill>
-              </a:rPr>
-              <a:t>Основы программирования на </a:t>
-            </a:r>
-            <a:r>
-              <a:rPr lang="en-US" sz="3600" b="1" i="1" dirty="0">
-                <a:solidFill>
-                  <a:schemeClr val="bg1"/>
-                </a:solidFill>
-              </a:rPr>
-              <a:t>C#</a:t>
-            </a:r>
-            <a:endParaRPr lang="ru-RU" sz="3600" b="1" i="1" dirty="0">
-              <a:solidFill>
-                <a:schemeClr val="bg1"/>
-              </a:solidFill>
-            </a:endParaRPr>
-          </a:p>
-        </p:txBody>
-      </p:sp>
-      <p:pic>
-        <p:nvPicPr>
-          <p:cNvPr id="8" name="Picture 5"/>
-          <p:cNvPicPr>
-            <a:picLocks noChangeAspect="1" noChangeArrowheads="1"/>
-          </p:cNvPicPr>
-          <p:nvPr userDrawn="1"/>
-        </p:nvPicPr>
-        <p:blipFill>
-          <a:blip r:embed="rId2">
-            <a:extLst>
-              <a:ext uri="{28A0092B-C50C-407E-A947-70E740481C1C}">
-                <a14:useLocalDpi xmlns:a14="http://schemas.microsoft.com/office/drawing/2010/main" val="0"/>
-              </a:ext>
-            </a:extLst>
-          </a:blip>
-          <a:srcRect/>
-          <a:stretch>
-            <a:fillRect/>
-          </a:stretch>
-        </p:blipFill>
-        <p:spPr bwMode="auto">
-          <a:xfrm>
-            <a:off x="1638300" y="3829211"/>
-            <a:ext cx="5867400" cy="1724025"/>
-          </a:xfrm>
-          <a:prstGeom prst="rect">
-            <a:avLst/>
-          </a:prstGeom>
-          <a:noFill/>
-          <a:ln>
-            <a:noFill/>
-          </a:ln>
-          <a:effectLst/>
-          <a:extLst>
-            <a:ext uri="{909E8E84-426E-40DD-AFC4-6F175D3DCCD1}">
-              <a14:hiddenFill xmlns:a14="http://schemas.microsoft.com/office/drawing/2010/main">
-                <a:solidFill>
-                  <a:schemeClr val="accent1"/>
-                </a:solidFill>
-              </a14:hiddenFill>
-            </a:ext>
-            <a:ext uri="{91240B29-F687-4F45-9708-019B960494DF}">
-              <a14:hiddenLine xmlns:a14="http://schemas.microsoft.com/office/drawing/2010/main" w="9525">
-                <a:solidFill>
-                  <a:schemeClr val="tx1"/>
-                </a:solidFill>
-                <a:miter lim="800000"/>
-                <a:headEnd/>
-                <a:tailEnd/>
-              </a14:hiddenLine>
-            </a:ext>
-            <a:ext uri="{AF507438-7753-43E0-B8FC-AC1667EBCBE1}">
-              <a14:hiddenEffects xmlns:a14="http://schemas.microsoft.com/office/drawing/2010/main">
-                <a:effectLst>
-                  <a:outerShdw dist="35921" dir="2700000" algn="ctr" rotWithShape="0">
-                    <a:schemeClr val="bg2"/>
-                  </a:outerShdw>
-                </a:effectLst>
-              </a14:hiddenEffects>
-            </a:ext>
-          </a:extLst>
-        </p:spPr>
-      </p:pic>
-      <p:sp>
-        <p:nvSpPr>
-          <p:cNvPr id="9" name="TextBox 8"/>
-          <p:cNvSpPr txBox="1"/>
-          <p:nvPr userDrawn="1"/>
-        </p:nvSpPr>
-        <p:spPr>
-          <a:xfrm>
-            <a:off x="2774873" y="2528900"/>
-            <a:ext cx="4240263" cy="461665"/>
-          </a:xfrm>
-          <a:prstGeom prst="rect">
-            <a:avLst/>
-          </a:prstGeom>
-          <a:noFill/>
-        </p:spPr>
-        <p:txBody>
-          <a:bodyPr wrap="none" rtlCol="0">
-            <a:spAutoFit/>
-          </a:bodyPr>
+            <a:r>
+              <a:rPr lang="en-US"/>
+              <a:t>Click to edit Master title style</a:t>
+            </a:r>
+            <a:endParaRPr lang="ru-RU" dirty="0"/>
+          </a:p>
+        </p:txBody>
+      </p:sp>
+      <p:sp>
+        <p:nvSpPr>
+          <p:cNvPr id="3" name="Content Placeholder 2"/>
+          <p:cNvSpPr>
+            <a:spLocks noGrp="1"/>
+          </p:cNvSpPr>
+          <p:nvPr>
+            <p:ph idx="1"/>
+          </p:nvPr>
+        </p:nvSpPr>
+        <p:spPr/>
+        <p:txBody>
+          <a:bodyPr/>
           <a:lstStyle/>
           <a:p>
-            <a:r>
-              <a:rPr lang="ru-RU" sz="2400" dirty="0">
-                <a:solidFill>
-                  <a:schemeClr val="bg1"/>
-                </a:solidFill>
-              </a:rPr>
-              <a:t>Занятие №</a:t>
-            </a:r>
-            <a:r>
-              <a:rPr lang="en-US" sz="2400" dirty="0">
-                <a:solidFill>
-                  <a:schemeClr val="bg1"/>
-                </a:solidFill>
-              </a:rPr>
-              <a:t>1</a:t>
-            </a:r>
-            <a:r>
-              <a:rPr lang="ru-RU" sz="2400" dirty="0">
-                <a:solidFill>
-                  <a:schemeClr val="bg1"/>
-                </a:solidFill>
-              </a:rPr>
-              <a:t>. Название занятия</a:t>
-            </a:r>
-            <a:endParaRPr lang="en-US" sz="2400" dirty="0">
-              <a:solidFill>
-                <a:schemeClr val="bg1"/>
-              </a:solidFill>
-            </a:endParaRPr>
+            <a:pPr lvl="0"/>
+            <a:r>
+              <a:rPr lang="en-US"/>
+              <a:t>Click to edit Master text styles</a:t>
+            </a:r>
+          </a:p>
+          <a:p>
+            <a:pPr lvl="1"/>
+            <a:r>
+              <a:rPr lang="en-US"/>
+              <a:t>Second level</a:t>
+            </a:r>
+          </a:p>
+          <a:p>
+            <a:pPr lvl="2"/>
+            <a:r>
+              <a:rPr lang="en-US"/>
+              <a:t>Third level</a:t>
+            </a:r>
+          </a:p>
+          <a:p>
+            <a:pPr lvl="3"/>
+            <a:r>
+              <a:rPr lang="en-US"/>
+              <a:t>Fourth level</a:t>
+            </a:r>
+          </a:p>
+          <a:p>
+            <a:pPr lvl="4"/>
+            <a:r>
+              <a:rPr lang="en-US"/>
+              <a:t>Fifth level</a:t>
+            </a:r>
+            <a:endParaRPr lang="ru-RU" dirty="0"/>
           </a:p>
         </p:txBody>
       </p:sp>
     </p:spTree>
     <p:extLst>
       <p:ext uri="{BB962C8B-B14F-4D97-AF65-F5344CB8AC3E}">
-        <p14:creationId xmlns:p14="http://schemas.microsoft.com/office/powerpoint/2010/main" val="2062725571"/>
+        <p14:creationId xmlns:p14="http://schemas.microsoft.com/office/powerpoint/2010/main" val="3363467697"/>
       </p:ext>
     </p:extLst>
   </p:cSld>
@@ -764,6 +675,1377 @@
 </file>
 
 <file path=ppt/slideLayouts/slideLayout10.xml><?xml version="1.0" encoding="utf-8"?>
+<p:sldLayout xmlns:a="http://schemas.openxmlformats.org/drawingml/2006/main" xmlns:r="http://schemas.openxmlformats.org/officeDocument/2006/relationships" xmlns:p="http://schemas.openxmlformats.org/presentationml/2006/main" type="vertTx" preserve="1">
+  <p:cSld name="Title and Vertical Text">
+    <p:spTree>
+      <p:nvGrpSpPr>
+        <p:cNvPr id="1" name=""/>
+        <p:cNvGrpSpPr/>
+        <p:nvPr/>
+      </p:nvGrpSpPr>
+      <p:grpSpPr>
+        <a:xfrm>
+          <a:off x="0" y="0"/>
+          <a:ext cx="0" cy="0"/>
+          <a:chOff x="0" y="0"/>
+          <a:chExt cx="0" cy="0"/>
+        </a:xfrm>
+      </p:grpSpPr>
+      <p:sp>
+        <p:nvSpPr>
+          <p:cNvPr id="2" name="Title 1"/>
+          <p:cNvSpPr>
+            <a:spLocks noGrp="1"/>
+          </p:cNvSpPr>
+          <p:nvPr>
+            <p:ph type="title"/>
+          </p:nvPr>
+        </p:nvSpPr>
+        <p:spPr/>
+        <p:txBody>
+          <a:bodyPr/>
+          <a:lstStyle/>
+          <a:p>
+            <a:r>
+              <a:rPr lang="en-US"/>
+              <a:t>Click to edit Master title style</a:t>
+            </a:r>
+            <a:endParaRPr lang="ru-RU" dirty="0"/>
+          </a:p>
+        </p:txBody>
+      </p:sp>
+      <p:sp>
+        <p:nvSpPr>
+          <p:cNvPr id="3" name="Vertical Text Placeholder 2"/>
+          <p:cNvSpPr>
+            <a:spLocks noGrp="1"/>
+          </p:cNvSpPr>
+          <p:nvPr>
+            <p:ph type="body" orient="vert" idx="1"/>
+          </p:nvPr>
+        </p:nvSpPr>
+        <p:spPr/>
+        <p:txBody>
+          <a:bodyPr vert="eaVert"/>
+          <a:lstStyle/>
+          <a:p>
+            <a:pPr lvl="0"/>
+            <a:r>
+              <a:rPr lang="en-US"/>
+              <a:t>Click to edit Master text styles</a:t>
+            </a:r>
+          </a:p>
+          <a:p>
+            <a:pPr lvl="1"/>
+            <a:r>
+              <a:rPr lang="en-US"/>
+              <a:t>Second level</a:t>
+            </a:r>
+          </a:p>
+          <a:p>
+            <a:pPr lvl="2"/>
+            <a:r>
+              <a:rPr lang="en-US"/>
+              <a:t>Third level</a:t>
+            </a:r>
+          </a:p>
+          <a:p>
+            <a:pPr lvl="3"/>
+            <a:r>
+              <a:rPr lang="en-US"/>
+              <a:t>Fourth level</a:t>
+            </a:r>
+          </a:p>
+          <a:p>
+            <a:pPr lvl="4"/>
+            <a:r>
+              <a:rPr lang="en-US"/>
+              <a:t>Fifth level</a:t>
+            </a:r>
+            <a:endParaRPr lang="ru-RU" dirty="0"/>
+          </a:p>
+        </p:txBody>
+      </p:sp>
+    </p:spTree>
+    <p:extLst>
+      <p:ext uri="{BB962C8B-B14F-4D97-AF65-F5344CB8AC3E}">
+        <p14:creationId xmlns:p14="http://schemas.microsoft.com/office/powerpoint/2010/main" val="2015559697"/>
+      </p:ext>
+    </p:extLst>
+  </p:cSld>
+  <p:clrMapOvr>
+    <a:masterClrMapping/>
+  </p:clrMapOvr>
+</p:sldLayout>
+</file>
+
+<file path=ppt/slideLayouts/slideLayout11.xml><?xml version="1.0" encoding="utf-8"?>
+<p:sldLayout xmlns:a="http://schemas.openxmlformats.org/drawingml/2006/main" xmlns:r="http://schemas.openxmlformats.org/officeDocument/2006/relationships" xmlns:p="http://schemas.openxmlformats.org/presentationml/2006/main" type="vertTitleAndTx" preserve="1">
+  <p:cSld name="Vertical Title and Text">
+    <p:spTree>
+      <p:nvGrpSpPr>
+        <p:cNvPr id="1" name=""/>
+        <p:cNvGrpSpPr/>
+        <p:nvPr/>
+      </p:nvGrpSpPr>
+      <p:grpSpPr>
+        <a:xfrm>
+          <a:off x="0" y="0"/>
+          <a:ext cx="0" cy="0"/>
+          <a:chOff x="0" y="0"/>
+          <a:chExt cx="0" cy="0"/>
+        </a:xfrm>
+      </p:grpSpPr>
+      <p:sp>
+        <p:nvSpPr>
+          <p:cNvPr id="2" name="Vertical Title 1"/>
+          <p:cNvSpPr>
+            <a:spLocks noGrp="1"/>
+          </p:cNvSpPr>
+          <p:nvPr>
+            <p:ph type="title" orient="vert"/>
+          </p:nvPr>
+        </p:nvSpPr>
+        <p:spPr>
+          <a:xfrm>
+            <a:off x="6629400" y="274638"/>
+            <a:ext cx="2057400" cy="5851525"/>
+          </a:xfrm>
+        </p:spPr>
+        <p:txBody>
+          <a:bodyPr vert="eaVert"/>
+          <a:lstStyle/>
+          <a:p>
+            <a:r>
+              <a:rPr lang="en-US"/>
+              <a:t>Click to edit Master title style</a:t>
+            </a:r>
+            <a:endParaRPr lang="ru-RU" dirty="0"/>
+          </a:p>
+        </p:txBody>
+      </p:sp>
+      <p:sp>
+        <p:nvSpPr>
+          <p:cNvPr id="3" name="Vertical Text Placeholder 2"/>
+          <p:cNvSpPr>
+            <a:spLocks noGrp="1"/>
+          </p:cNvSpPr>
+          <p:nvPr>
+            <p:ph type="body" orient="vert" idx="1"/>
+          </p:nvPr>
+        </p:nvSpPr>
+        <p:spPr>
+          <a:xfrm>
+            <a:off x="457200" y="274638"/>
+            <a:ext cx="6019800" cy="5851525"/>
+          </a:xfrm>
+        </p:spPr>
+        <p:txBody>
+          <a:bodyPr vert="eaVert"/>
+          <a:lstStyle/>
+          <a:p>
+            <a:pPr lvl="0"/>
+            <a:r>
+              <a:rPr lang="en-US"/>
+              <a:t>Click to edit Master text styles</a:t>
+            </a:r>
+          </a:p>
+          <a:p>
+            <a:pPr lvl="1"/>
+            <a:r>
+              <a:rPr lang="en-US"/>
+              <a:t>Second level</a:t>
+            </a:r>
+          </a:p>
+          <a:p>
+            <a:pPr lvl="2"/>
+            <a:r>
+              <a:rPr lang="en-US"/>
+              <a:t>Third level</a:t>
+            </a:r>
+          </a:p>
+          <a:p>
+            <a:pPr lvl="3"/>
+            <a:r>
+              <a:rPr lang="en-US"/>
+              <a:t>Fourth level</a:t>
+            </a:r>
+          </a:p>
+          <a:p>
+            <a:pPr lvl="4"/>
+            <a:r>
+              <a:rPr lang="en-US"/>
+              <a:t>Fifth level</a:t>
+            </a:r>
+            <a:endParaRPr lang="ru-RU" dirty="0"/>
+          </a:p>
+        </p:txBody>
+      </p:sp>
+    </p:spTree>
+    <p:extLst>
+      <p:ext uri="{BB962C8B-B14F-4D97-AF65-F5344CB8AC3E}">
+        <p14:creationId xmlns:p14="http://schemas.microsoft.com/office/powerpoint/2010/main" val="370514854"/>
+      </p:ext>
+    </p:extLst>
+  </p:cSld>
+  <p:clrMapOvr>
+    <a:masterClrMapping/>
+  </p:clrMapOvr>
+</p:sldLayout>
+</file>
+
+<file path=ppt/slideLayouts/slideLayout12.xml><?xml version="1.0" encoding="utf-8"?>
+<p:sldLayout xmlns:a="http://schemas.openxmlformats.org/drawingml/2006/main" xmlns:r="http://schemas.openxmlformats.org/officeDocument/2006/relationships" xmlns:p="http://schemas.openxmlformats.org/presentationml/2006/main" type="title">
+  <p:cSld name="2_Title Slide">
+    <p:spTree>
+      <p:nvGrpSpPr>
+        <p:cNvPr id="1" name=""/>
+        <p:cNvGrpSpPr/>
+        <p:nvPr/>
+      </p:nvGrpSpPr>
+      <p:grpSpPr>
+        <a:xfrm>
+          <a:off x="0" y="0"/>
+          <a:ext cx="0" cy="0"/>
+          <a:chOff x="0" y="0"/>
+          <a:chExt cx="0" cy="0"/>
+        </a:xfrm>
+      </p:grpSpPr>
+      <p:sp>
+        <p:nvSpPr>
+          <p:cNvPr id="2" name="Title 1"/>
+          <p:cNvSpPr>
+            <a:spLocks noGrp="1"/>
+          </p:cNvSpPr>
+          <p:nvPr>
+            <p:ph type="ctrTitle"/>
+          </p:nvPr>
+        </p:nvSpPr>
+        <p:spPr>
+          <a:xfrm>
+            <a:off x="685800" y="2130425"/>
+            <a:ext cx="7772400" cy="1470025"/>
+          </a:xfrm>
+        </p:spPr>
+        <p:txBody>
+          <a:bodyPr/>
+          <a:lstStyle/>
+          <a:p>
+            <a:r>
+              <a:rPr lang="en-US"/>
+              <a:t>Click to edit Master title style</a:t>
+            </a:r>
+            <a:endParaRPr lang="ru-RU"/>
+          </a:p>
+        </p:txBody>
+      </p:sp>
+      <p:sp>
+        <p:nvSpPr>
+          <p:cNvPr id="3" name="Subtitle 2"/>
+          <p:cNvSpPr>
+            <a:spLocks noGrp="1"/>
+          </p:cNvSpPr>
+          <p:nvPr>
+            <p:ph type="subTitle" idx="1"/>
+          </p:nvPr>
+        </p:nvSpPr>
+        <p:spPr>
+          <a:xfrm>
+            <a:off x="1371600" y="3886200"/>
+            <a:ext cx="6400800" cy="1752600"/>
+          </a:xfrm>
+        </p:spPr>
+        <p:txBody>
+          <a:bodyPr/>
+          <a:lstStyle>
+            <a:lvl1pPr marL="0" indent="0" algn="ctr">
+              <a:buNone/>
+              <a:defRPr>
+                <a:solidFill>
+                  <a:schemeClr val="tx1">
+                    <a:tint val="75000"/>
+                  </a:schemeClr>
+                </a:solidFill>
+              </a:defRPr>
+            </a:lvl1pPr>
+            <a:lvl2pPr marL="457200" indent="0" algn="ctr">
+              <a:buNone/>
+              <a:defRPr>
+                <a:solidFill>
+                  <a:schemeClr val="tx1">
+                    <a:tint val="75000"/>
+                  </a:schemeClr>
+                </a:solidFill>
+              </a:defRPr>
+            </a:lvl2pPr>
+            <a:lvl3pPr marL="914400" indent="0" algn="ctr">
+              <a:buNone/>
+              <a:defRPr>
+                <a:solidFill>
+                  <a:schemeClr val="tx1">
+                    <a:tint val="75000"/>
+                  </a:schemeClr>
+                </a:solidFill>
+              </a:defRPr>
+            </a:lvl3pPr>
+            <a:lvl4pPr marL="1371600" indent="0" algn="ctr">
+              <a:buNone/>
+              <a:defRPr>
+                <a:solidFill>
+                  <a:schemeClr val="tx1">
+                    <a:tint val="75000"/>
+                  </a:schemeClr>
+                </a:solidFill>
+              </a:defRPr>
+            </a:lvl4pPr>
+            <a:lvl5pPr marL="1828800" indent="0" algn="ctr">
+              <a:buNone/>
+              <a:defRPr>
+                <a:solidFill>
+                  <a:schemeClr val="tx1">
+                    <a:tint val="75000"/>
+                  </a:schemeClr>
+                </a:solidFill>
+              </a:defRPr>
+            </a:lvl5pPr>
+            <a:lvl6pPr marL="2286000" indent="0" algn="ctr">
+              <a:buNone/>
+              <a:defRPr>
+                <a:solidFill>
+                  <a:schemeClr val="tx1">
+                    <a:tint val="75000"/>
+                  </a:schemeClr>
+                </a:solidFill>
+              </a:defRPr>
+            </a:lvl6pPr>
+            <a:lvl7pPr marL="2743200" indent="0" algn="ctr">
+              <a:buNone/>
+              <a:defRPr>
+                <a:solidFill>
+                  <a:schemeClr val="tx1">
+                    <a:tint val="75000"/>
+                  </a:schemeClr>
+                </a:solidFill>
+              </a:defRPr>
+            </a:lvl7pPr>
+            <a:lvl8pPr marL="3200400" indent="0" algn="ctr">
+              <a:buNone/>
+              <a:defRPr>
+                <a:solidFill>
+                  <a:schemeClr val="tx1">
+                    <a:tint val="75000"/>
+                  </a:schemeClr>
+                </a:solidFill>
+              </a:defRPr>
+            </a:lvl8pPr>
+            <a:lvl9pPr marL="3657600" indent="0" algn="ctr">
+              <a:buNone/>
+              <a:defRPr>
+                <a:solidFill>
+                  <a:schemeClr val="tx1">
+                    <a:tint val="75000"/>
+                  </a:schemeClr>
+                </a:solidFill>
+              </a:defRPr>
+            </a:lvl9pPr>
+          </a:lstStyle>
+          <a:p>
+            <a:r>
+              <a:rPr lang="en-US"/>
+              <a:t>Click to edit Master subtitle style</a:t>
+            </a:r>
+            <a:endParaRPr lang="ru-RU"/>
+          </a:p>
+        </p:txBody>
+      </p:sp>
+      <p:sp>
+        <p:nvSpPr>
+          <p:cNvPr id="4" name="Date Placeholder 3"/>
+          <p:cNvSpPr>
+            <a:spLocks noGrp="1"/>
+          </p:cNvSpPr>
+          <p:nvPr>
+            <p:ph type="dt" sz="half" idx="10"/>
+          </p:nvPr>
+        </p:nvSpPr>
+        <p:spPr/>
+        <p:txBody>
+          <a:bodyPr/>
+          <a:lstStyle/>
+          <a:p>
+            <a:fld id="{8E6E6A2A-E9D3-4A0D-B04A-ABDD367A1E08}" type="datetimeFigureOut">
+              <a:rPr lang="ru-RU" smtClean="0"/>
+              <a:t>22.02.2019</a:t>
+            </a:fld>
+            <a:endParaRPr lang="ru-RU"/>
+          </a:p>
+        </p:txBody>
+      </p:sp>
+      <p:sp>
+        <p:nvSpPr>
+          <p:cNvPr id="5" name="Footer Placeholder 4"/>
+          <p:cNvSpPr>
+            <a:spLocks noGrp="1"/>
+          </p:cNvSpPr>
+          <p:nvPr>
+            <p:ph type="ftr" sz="quarter" idx="11"/>
+          </p:nvPr>
+        </p:nvSpPr>
+        <p:spPr/>
+        <p:txBody>
+          <a:bodyPr/>
+          <a:lstStyle/>
+          <a:p>
+            <a:endParaRPr lang="ru-RU"/>
+          </a:p>
+        </p:txBody>
+      </p:sp>
+      <p:sp>
+        <p:nvSpPr>
+          <p:cNvPr id="6" name="Slide Number Placeholder 5"/>
+          <p:cNvSpPr>
+            <a:spLocks noGrp="1"/>
+          </p:cNvSpPr>
+          <p:nvPr>
+            <p:ph type="sldNum" sz="quarter" idx="12"/>
+          </p:nvPr>
+        </p:nvSpPr>
+        <p:spPr/>
+        <p:txBody>
+          <a:bodyPr/>
+          <a:lstStyle/>
+          <a:p>
+            <a:fld id="{BC0D3D34-2E8A-4A38-B864-C677BA056495}" type="slidenum">
+              <a:rPr lang="ru-RU" smtClean="0"/>
+              <a:t>‹#›</a:t>
+            </a:fld>
+            <a:endParaRPr lang="ru-RU"/>
+          </a:p>
+        </p:txBody>
+      </p:sp>
+    </p:spTree>
+    <p:extLst>
+      <p:ext uri="{BB962C8B-B14F-4D97-AF65-F5344CB8AC3E}">
+        <p14:creationId xmlns:p14="http://schemas.microsoft.com/office/powerpoint/2010/main" val="3607152805"/>
+      </p:ext>
+    </p:extLst>
+  </p:cSld>
+  <p:clrMapOvr>
+    <a:masterClrMapping/>
+  </p:clrMapOvr>
+</p:sldLayout>
+</file>
+
+<file path=ppt/slideLayouts/slideLayout2.xml><?xml version="1.0" encoding="utf-8"?>
+<p:sldLayout xmlns:a="http://schemas.openxmlformats.org/drawingml/2006/main" xmlns:r="http://schemas.openxmlformats.org/officeDocument/2006/relationships" xmlns:p="http://schemas.openxmlformats.org/presentationml/2006/main" type="secHead" preserve="1">
+  <p:cSld name="Section Header">
+    <p:spTree>
+      <p:nvGrpSpPr>
+        <p:cNvPr id="1" name=""/>
+        <p:cNvGrpSpPr/>
+        <p:nvPr/>
+      </p:nvGrpSpPr>
+      <p:grpSpPr>
+        <a:xfrm>
+          <a:off x="0" y="0"/>
+          <a:ext cx="0" cy="0"/>
+          <a:chOff x="0" y="0"/>
+          <a:chExt cx="0" cy="0"/>
+        </a:xfrm>
+      </p:grpSpPr>
+      <p:sp>
+        <p:nvSpPr>
+          <p:cNvPr id="2" name="Title 1"/>
+          <p:cNvSpPr>
+            <a:spLocks noGrp="1"/>
+          </p:cNvSpPr>
+          <p:nvPr>
+            <p:ph type="title"/>
+          </p:nvPr>
+        </p:nvSpPr>
+        <p:spPr>
+          <a:xfrm>
+            <a:off x="722313" y="4406900"/>
+            <a:ext cx="7772400" cy="1362075"/>
+          </a:xfrm>
+        </p:spPr>
+        <p:txBody>
+          <a:bodyPr anchor="t"/>
+          <a:lstStyle>
+            <a:lvl1pPr algn="l">
+              <a:defRPr sz="4000" b="1" cap="all"/>
+            </a:lvl1pPr>
+          </a:lstStyle>
+          <a:p>
+            <a:r>
+              <a:rPr lang="en-US"/>
+              <a:t>Click to edit Master title style</a:t>
+            </a:r>
+            <a:endParaRPr lang="ru-RU" dirty="0"/>
+          </a:p>
+        </p:txBody>
+      </p:sp>
+      <p:sp>
+        <p:nvSpPr>
+          <p:cNvPr id="3" name="Text Placeholder 2"/>
+          <p:cNvSpPr>
+            <a:spLocks noGrp="1"/>
+          </p:cNvSpPr>
+          <p:nvPr>
+            <p:ph type="body" idx="1"/>
+          </p:nvPr>
+        </p:nvSpPr>
+        <p:spPr>
+          <a:xfrm>
+            <a:off x="722313" y="2906713"/>
+            <a:ext cx="7772400" cy="1500187"/>
+          </a:xfrm>
+        </p:spPr>
+        <p:txBody>
+          <a:bodyPr anchor="b"/>
+          <a:lstStyle>
+            <a:lvl1pPr marL="0" indent="0">
+              <a:buNone/>
+              <a:defRPr sz="2000">
+                <a:solidFill>
+                  <a:schemeClr val="tx1">
+                    <a:tint val="75000"/>
+                  </a:schemeClr>
+                </a:solidFill>
+              </a:defRPr>
+            </a:lvl1pPr>
+            <a:lvl2pPr marL="457200" indent="0">
+              <a:buNone/>
+              <a:defRPr sz="1800">
+                <a:solidFill>
+                  <a:schemeClr val="tx1">
+                    <a:tint val="75000"/>
+                  </a:schemeClr>
+                </a:solidFill>
+              </a:defRPr>
+            </a:lvl2pPr>
+            <a:lvl3pPr marL="914400" indent="0">
+              <a:buNone/>
+              <a:defRPr sz="1600">
+                <a:solidFill>
+                  <a:schemeClr val="tx1">
+                    <a:tint val="75000"/>
+                  </a:schemeClr>
+                </a:solidFill>
+              </a:defRPr>
+            </a:lvl3pPr>
+            <a:lvl4pPr marL="1371600" indent="0">
+              <a:buNone/>
+              <a:defRPr sz="1400">
+                <a:solidFill>
+                  <a:schemeClr val="tx1">
+                    <a:tint val="75000"/>
+                  </a:schemeClr>
+                </a:solidFill>
+              </a:defRPr>
+            </a:lvl4pPr>
+            <a:lvl5pPr marL="1828800" indent="0">
+              <a:buNone/>
+              <a:defRPr sz="1400">
+                <a:solidFill>
+                  <a:schemeClr val="tx1">
+                    <a:tint val="75000"/>
+                  </a:schemeClr>
+                </a:solidFill>
+              </a:defRPr>
+            </a:lvl5pPr>
+            <a:lvl6pPr marL="2286000" indent="0">
+              <a:buNone/>
+              <a:defRPr sz="1400">
+                <a:solidFill>
+                  <a:schemeClr val="tx1">
+                    <a:tint val="75000"/>
+                  </a:schemeClr>
+                </a:solidFill>
+              </a:defRPr>
+            </a:lvl6pPr>
+            <a:lvl7pPr marL="2743200" indent="0">
+              <a:buNone/>
+              <a:defRPr sz="1400">
+                <a:solidFill>
+                  <a:schemeClr val="tx1">
+                    <a:tint val="75000"/>
+                  </a:schemeClr>
+                </a:solidFill>
+              </a:defRPr>
+            </a:lvl7pPr>
+            <a:lvl8pPr marL="3200400" indent="0">
+              <a:buNone/>
+              <a:defRPr sz="1400">
+                <a:solidFill>
+                  <a:schemeClr val="tx1">
+                    <a:tint val="75000"/>
+                  </a:schemeClr>
+                </a:solidFill>
+              </a:defRPr>
+            </a:lvl8pPr>
+            <a:lvl9pPr marL="3657600" indent="0">
+              <a:buNone/>
+              <a:defRPr sz="1400">
+                <a:solidFill>
+                  <a:schemeClr val="tx1">
+                    <a:tint val="75000"/>
+                  </a:schemeClr>
+                </a:solidFill>
+              </a:defRPr>
+            </a:lvl9pPr>
+          </a:lstStyle>
+          <a:p>
+            <a:pPr lvl="0"/>
+            <a:r>
+              <a:rPr lang="en-US"/>
+              <a:t>Click to edit Master text styles</a:t>
+            </a:r>
+          </a:p>
+        </p:txBody>
+      </p:sp>
+    </p:spTree>
+    <p:extLst>
+      <p:ext uri="{BB962C8B-B14F-4D97-AF65-F5344CB8AC3E}">
+        <p14:creationId xmlns:p14="http://schemas.microsoft.com/office/powerpoint/2010/main" val="1627150216"/>
+      </p:ext>
+    </p:extLst>
+  </p:cSld>
+  <p:clrMapOvr>
+    <a:masterClrMapping/>
+  </p:clrMapOvr>
+</p:sldLayout>
+</file>
+
+<file path=ppt/slideLayouts/slideLayout3.xml><?xml version="1.0" encoding="utf-8"?>
+<p:sldLayout xmlns:a="http://schemas.openxmlformats.org/drawingml/2006/main" xmlns:r="http://schemas.openxmlformats.org/officeDocument/2006/relationships" xmlns:p="http://schemas.openxmlformats.org/presentationml/2006/main" type="twoObj" preserve="1">
+  <p:cSld name="Two Content">
+    <p:spTree>
+      <p:nvGrpSpPr>
+        <p:cNvPr id="1" name=""/>
+        <p:cNvGrpSpPr/>
+        <p:nvPr/>
+      </p:nvGrpSpPr>
+      <p:grpSpPr>
+        <a:xfrm>
+          <a:off x="0" y="0"/>
+          <a:ext cx="0" cy="0"/>
+          <a:chOff x="0" y="0"/>
+          <a:chExt cx="0" cy="0"/>
+        </a:xfrm>
+      </p:grpSpPr>
+      <p:sp>
+        <p:nvSpPr>
+          <p:cNvPr id="2" name="Title 1"/>
+          <p:cNvSpPr>
+            <a:spLocks noGrp="1"/>
+          </p:cNvSpPr>
+          <p:nvPr>
+            <p:ph type="title"/>
+          </p:nvPr>
+        </p:nvSpPr>
+        <p:spPr/>
+        <p:txBody>
+          <a:bodyPr/>
+          <a:lstStyle/>
+          <a:p>
+            <a:r>
+              <a:rPr lang="en-US"/>
+              <a:t>Click to edit Master title style</a:t>
+            </a:r>
+            <a:endParaRPr lang="ru-RU" dirty="0"/>
+          </a:p>
+        </p:txBody>
+      </p:sp>
+      <p:sp>
+        <p:nvSpPr>
+          <p:cNvPr id="3" name="Content Placeholder 2"/>
+          <p:cNvSpPr>
+            <a:spLocks noGrp="1"/>
+          </p:cNvSpPr>
+          <p:nvPr>
+            <p:ph sz="half" idx="1"/>
+          </p:nvPr>
+        </p:nvSpPr>
+        <p:spPr>
+          <a:xfrm>
+            <a:off x="457200" y="1600200"/>
+            <a:ext cx="4038600" cy="4525963"/>
+          </a:xfrm>
+        </p:spPr>
+        <p:txBody>
+          <a:bodyPr/>
+          <a:lstStyle>
+            <a:lvl1pPr>
+              <a:defRPr sz="2800"/>
+            </a:lvl1pPr>
+            <a:lvl2pPr>
+              <a:defRPr sz="2400"/>
+            </a:lvl2pPr>
+            <a:lvl3pPr>
+              <a:defRPr sz="2000"/>
+            </a:lvl3pPr>
+            <a:lvl4pPr>
+              <a:defRPr sz="1800"/>
+            </a:lvl4pPr>
+            <a:lvl5pPr>
+              <a:defRPr sz="1800"/>
+            </a:lvl5pPr>
+            <a:lvl6pPr>
+              <a:defRPr sz="1800"/>
+            </a:lvl6pPr>
+            <a:lvl7pPr>
+              <a:defRPr sz="1800"/>
+            </a:lvl7pPr>
+            <a:lvl8pPr>
+              <a:defRPr sz="1800"/>
+            </a:lvl8pPr>
+            <a:lvl9pPr>
+              <a:defRPr sz="1800"/>
+            </a:lvl9pPr>
+          </a:lstStyle>
+          <a:p>
+            <a:pPr lvl="0"/>
+            <a:r>
+              <a:rPr lang="en-US"/>
+              <a:t>Click to edit Master text styles</a:t>
+            </a:r>
+          </a:p>
+          <a:p>
+            <a:pPr lvl="1"/>
+            <a:r>
+              <a:rPr lang="en-US"/>
+              <a:t>Second level</a:t>
+            </a:r>
+          </a:p>
+          <a:p>
+            <a:pPr lvl="2"/>
+            <a:r>
+              <a:rPr lang="en-US"/>
+              <a:t>Third level</a:t>
+            </a:r>
+          </a:p>
+          <a:p>
+            <a:pPr lvl="3"/>
+            <a:r>
+              <a:rPr lang="en-US"/>
+              <a:t>Fourth level</a:t>
+            </a:r>
+          </a:p>
+          <a:p>
+            <a:pPr lvl="4"/>
+            <a:r>
+              <a:rPr lang="en-US"/>
+              <a:t>Fifth level</a:t>
+            </a:r>
+            <a:endParaRPr lang="ru-RU" dirty="0"/>
+          </a:p>
+        </p:txBody>
+      </p:sp>
+      <p:sp>
+        <p:nvSpPr>
+          <p:cNvPr id="4" name="Content Placeholder 3"/>
+          <p:cNvSpPr>
+            <a:spLocks noGrp="1"/>
+          </p:cNvSpPr>
+          <p:nvPr>
+            <p:ph sz="half" idx="2"/>
+          </p:nvPr>
+        </p:nvSpPr>
+        <p:spPr>
+          <a:xfrm>
+            <a:off x="4648200" y="1600200"/>
+            <a:ext cx="4038600" cy="4525963"/>
+          </a:xfrm>
+        </p:spPr>
+        <p:txBody>
+          <a:bodyPr/>
+          <a:lstStyle>
+            <a:lvl1pPr>
+              <a:defRPr sz="2800"/>
+            </a:lvl1pPr>
+            <a:lvl2pPr>
+              <a:defRPr sz="2400"/>
+            </a:lvl2pPr>
+            <a:lvl3pPr>
+              <a:defRPr sz="2000"/>
+            </a:lvl3pPr>
+            <a:lvl4pPr>
+              <a:defRPr sz="1800"/>
+            </a:lvl4pPr>
+            <a:lvl5pPr>
+              <a:defRPr sz="1800"/>
+            </a:lvl5pPr>
+            <a:lvl6pPr>
+              <a:defRPr sz="1800"/>
+            </a:lvl6pPr>
+            <a:lvl7pPr>
+              <a:defRPr sz="1800"/>
+            </a:lvl7pPr>
+            <a:lvl8pPr>
+              <a:defRPr sz="1800"/>
+            </a:lvl8pPr>
+            <a:lvl9pPr>
+              <a:defRPr sz="1800"/>
+            </a:lvl9pPr>
+          </a:lstStyle>
+          <a:p>
+            <a:pPr lvl="0"/>
+            <a:r>
+              <a:rPr lang="en-US"/>
+              <a:t>Click to edit Master text styles</a:t>
+            </a:r>
+          </a:p>
+          <a:p>
+            <a:pPr lvl="1"/>
+            <a:r>
+              <a:rPr lang="en-US"/>
+              <a:t>Second level</a:t>
+            </a:r>
+          </a:p>
+          <a:p>
+            <a:pPr lvl="2"/>
+            <a:r>
+              <a:rPr lang="en-US"/>
+              <a:t>Third level</a:t>
+            </a:r>
+          </a:p>
+          <a:p>
+            <a:pPr lvl="3"/>
+            <a:r>
+              <a:rPr lang="en-US"/>
+              <a:t>Fourth level</a:t>
+            </a:r>
+          </a:p>
+          <a:p>
+            <a:pPr lvl="4"/>
+            <a:r>
+              <a:rPr lang="en-US"/>
+              <a:t>Fifth level</a:t>
+            </a:r>
+            <a:endParaRPr lang="ru-RU" dirty="0"/>
+          </a:p>
+        </p:txBody>
+      </p:sp>
+    </p:spTree>
+    <p:extLst>
+      <p:ext uri="{BB962C8B-B14F-4D97-AF65-F5344CB8AC3E}">
+        <p14:creationId xmlns:p14="http://schemas.microsoft.com/office/powerpoint/2010/main" val="1026234569"/>
+      </p:ext>
+    </p:extLst>
+  </p:cSld>
+  <p:clrMapOvr>
+    <a:masterClrMapping/>
+  </p:clrMapOvr>
+</p:sldLayout>
+</file>
+
+<file path=ppt/slideLayouts/slideLayout4.xml><?xml version="1.0" encoding="utf-8"?>
+<p:sldLayout xmlns:a="http://schemas.openxmlformats.org/drawingml/2006/main" xmlns:r="http://schemas.openxmlformats.org/officeDocument/2006/relationships" xmlns:p="http://schemas.openxmlformats.org/presentationml/2006/main" type="twoTxTwoObj" preserve="1">
+  <p:cSld name="Comparison">
+    <p:spTree>
+      <p:nvGrpSpPr>
+        <p:cNvPr id="1" name=""/>
+        <p:cNvGrpSpPr/>
+        <p:nvPr/>
+      </p:nvGrpSpPr>
+      <p:grpSpPr>
+        <a:xfrm>
+          <a:off x="0" y="0"/>
+          <a:ext cx="0" cy="0"/>
+          <a:chOff x="0" y="0"/>
+          <a:chExt cx="0" cy="0"/>
+        </a:xfrm>
+      </p:grpSpPr>
+      <p:sp>
+        <p:nvSpPr>
+          <p:cNvPr id="2" name="Title 1"/>
+          <p:cNvSpPr>
+            <a:spLocks noGrp="1"/>
+          </p:cNvSpPr>
+          <p:nvPr>
+            <p:ph type="title"/>
+          </p:nvPr>
+        </p:nvSpPr>
+        <p:spPr/>
+        <p:txBody>
+          <a:bodyPr/>
+          <a:lstStyle>
+            <a:lvl1pPr>
+              <a:defRPr/>
+            </a:lvl1pPr>
+          </a:lstStyle>
+          <a:p>
+            <a:r>
+              <a:rPr lang="en-US"/>
+              <a:t>Click to edit Master title style</a:t>
+            </a:r>
+            <a:endParaRPr lang="ru-RU" dirty="0"/>
+          </a:p>
+        </p:txBody>
+      </p:sp>
+      <p:sp>
+        <p:nvSpPr>
+          <p:cNvPr id="3" name="Text Placeholder 2"/>
+          <p:cNvSpPr>
+            <a:spLocks noGrp="1"/>
+          </p:cNvSpPr>
+          <p:nvPr>
+            <p:ph type="body" idx="1"/>
+          </p:nvPr>
+        </p:nvSpPr>
+        <p:spPr>
+          <a:xfrm>
+            <a:off x="457200" y="1535113"/>
+            <a:ext cx="4040188" cy="639762"/>
+          </a:xfrm>
+        </p:spPr>
+        <p:txBody>
+          <a:bodyPr anchor="b"/>
+          <a:lstStyle>
+            <a:lvl1pPr marL="0" indent="0">
+              <a:buNone/>
+              <a:defRPr sz="2400" b="1"/>
+            </a:lvl1pPr>
+            <a:lvl2pPr marL="457200" indent="0">
+              <a:buNone/>
+              <a:defRPr sz="2000" b="1"/>
+            </a:lvl2pPr>
+            <a:lvl3pPr marL="914400" indent="0">
+              <a:buNone/>
+              <a:defRPr sz="1800" b="1"/>
+            </a:lvl3pPr>
+            <a:lvl4pPr marL="1371600" indent="0">
+              <a:buNone/>
+              <a:defRPr sz="1600" b="1"/>
+            </a:lvl4pPr>
+            <a:lvl5pPr marL="1828800" indent="0">
+              <a:buNone/>
+              <a:defRPr sz="1600" b="1"/>
+            </a:lvl5pPr>
+            <a:lvl6pPr marL="2286000" indent="0">
+              <a:buNone/>
+              <a:defRPr sz="1600" b="1"/>
+            </a:lvl6pPr>
+            <a:lvl7pPr marL="2743200" indent="0">
+              <a:buNone/>
+              <a:defRPr sz="1600" b="1"/>
+            </a:lvl7pPr>
+            <a:lvl8pPr marL="3200400" indent="0">
+              <a:buNone/>
+              <a:defRPr sz="1600" b="1"/>
+            </a:lvl8pPr>
+            <a:lvl9pPr marL="3657600" indent="0">
+              <a:buNone/>
+              <a:defRPr sz="1600" b="1"/>
+            </a:lvl9pPr>
+          </a:lstStyle>
+          <a:p>
+            <a:pPr lvl="0"/>
+            <a:r>
+              <a:rPr lang="en-US"/>
+              <a:t>Click to edit Master text styles</a:t>
+            </a:r>
+          </a:p>
+        </p:txBody>
+      </p:sp>
+      <p:sp>
+        <p:nvSpPr>
+          <p:cNvPr id="4" name="Content Placeholder 3"/>
+          <p:cNvSpPr>
+            <a:spLocks noGrp="1"/>
+          </p:cNvSpPr>
+          <p:nvPr>
+            <p:ph sz="half" idx="2"/>
+          </p:nvPr>
+        </p:nvSpPr>
+        <p:spPr>
+          <a:xfrm>
+            <a:off x="457200" y="2174875"/>
+            <a:ext cx="4040188" cy="3951288"/>
+          </a:xfrm>
+        </p:spPr>
+        <p:txBody>
+          <a:bodyPr/>
+          <a:lstStyle>
+            <a:lvl1pPr>
+              <a:defRPr sz="2400"/>
+            </a:lvl1pPr>
+            <a:lvl2pPr>
+              <a:defRPr sz="2000"/>
+            </a:lvl2pPr>
+            <a:lvl3pPr>
+              <a:defRPr sz="1800"/>
+            </a:lvl3pPr>
+            <a:lvl4pPr>
+              <a:defRPr sz="1600"/>
+            </a:lvl4pPr>
+            <a:lvl5pPr>
+              <a:defRPr sz="1600"/>
+            </a:lvl5pPr>
+            <a:lvl6pPr>
+              <a:defRPr sz="1600"/>
+            </a:lvl6pPr>
+            <a:lvl7pPr>
+              <a:defRPr sz="1600"/>
+            </a:lvl7pPr>
+            <a:lvl8pPr>
+              <a:defRPr sz="1600"/>
+            </a:lvl8pPr>
+            <a:lvl9pPr>
+              <a:defRPr sz="1600"/>
+            </a:lvl9pPr>
+          </a:lstStyle>
+          <a:p>
+            <a:pPr lvl="0"/>
+            <a:r>
+              <a:rPr lang="en-US"/>
+              <a:t>Click to edit Master text styles</a:t>
+            </a:r>
+          </a:p>
+          <a:p>
+            <a:pPr lvl="1"/>
+            <a:r>
+              <a:rPr lang="en-US"/>
+              <a:t>Second level</a:t>
+            </a:r>
+          </a:p>
+          <a:p>
+            <a:pPr lvl="2"/>
+            <a:r>
+              <a:rPr lang="en-US"/>
+              <a:t>Third level</a:t>
+            </a:r>
+          </a:p>
+          <a:p>
+            <a:pPr lvl="3"/>
+            <a:r>
+              <a:rPr lang="en-US"/>
+              <a:t>Fourth level</a:t>
+            </a:r>
+          </a:p>
+          <a:p>
+            <a:pPr lvl="4"/>
+            <a:r>
+              <a:rPr lang="en-US"/>
+              <a:t>Fifth level</a:t>
+            </a:r>
+            <a:endParaRPr lang="ru-RU" dirty="0"/>
+          </a:p>
+        </p:txBody>
+      </p:sp>
+      <p:sp>
+        <p:nvSpPr>
+          <p:cNvPr id="5" name="Text Placeholder 4"/>
+          <p:cNvSpPr>
+            <a:spLocks noGrp="1"/>
+          </p:cNvSpPr>
+          <p:nvPr>
+            <p:ph type="body" sz="quarter" idx="3"/>
+          </p:nvPr>
+        </p:nvSpPr>
+        <p:spPr>
+          <a:xfrm>
+            <a:off x="4645025" y="1535113"/>
+            <a:ext cx="4041775" cy="639762"/>
+          </a:xfrm>
+        </p:spPr>
+        <p:txBody>
+          <a:bodyPr anchor="b"/>
+          <a:lstStyle>
+            <a:lvl1pPr marL="0" indent="0">
+              <a:buNone/>
+              <a:defRPr sz="2400" b="1"/>
+            </a:lvl1pPr>
+            <a:lvl2pPr marL="457200" indent="0">
+              <a:buNone/>
+              <a:defRPr sz="2000" b="1"/>
+            </a:lvl2pPr>
+            <a:lvl3pPr marL="914400" indent="0">
+              <a:buNone/>
+              <a:defRPr sz="1800" b="1"/>
+            </a:lvl3pPr>
+            <a:lvl4pPr marL="1371600" indent="0">
+              <a:buNone/>
+              <a:defRPr sz="1600" b="1"/>
+            </a:lvl4pPr>
+            <a:lvl5pPr marL="1828800" indent="0">
+              <a:buNone/>
+              <a:defRPr sz="1600" b="1"/>
+            </a:lvl5pPr>
+            <a:lvl6pPr marL="2286000" indent="0">
+              <a:buNone/>
+              <a:defRPr sz="1600" b="1"/>
+            </a:lvl6pPr>
+            <a:lvl7pPr marL="2743200" indent="0">
+              <a:buNone/>
+              <a:defRPr sz="1600" b="1"/>
+            </a:lvl7pPr>
+            <a:lvl8pPr marL="3200400" indent="0">
+              <a:buNone/>
+              <a:defRPr sz="1600" b="1"/>
+            </a:lvl8pPr>
+            <a:lvl9pPr marL="3657600" indent="0">
+              <a:buNone/>
+              <a:defRPr sz="1600" b="1"/>
+            </a:lvl9pPr>
+          </a:lstStyle>
+          <a:p>
+            <a:pPr lvl="0"/>
+            <a:r>
+              <a:rPr lang="en-US"/>
+              <a:t>Click to edit Master text styles</a:t>
+            </a:r>
+          </a:p>
+        </p:txBody>
+      </p:sp>
+      <p:sp>
+        <p:nvSpPr>
+          <p:cNvPr id="6" name="Content Placeholder 5"/>
+          <p:cNvSpPr>
+            <a:spLocks noGrp="1"/>
+          </p:cNvSpPr>
+          <p:nvPr>
+            <p:ph sz="quarter" idx="4"/>
+          </p:nvPr>
+        </p:nvSpPr>
+        <p:spPr>
+          <a:xfrm>
+            <a:off x="4645025" y="2174875"/>
+            <a:ext cx="4041775" cy="3951288"/>
+          </a:xfrm>
+        </p:spPr>
+        <p:txBody>
+          <a:bodyPr/>
+          <a:lstStyle>
+            <a:lvl1pPr>
+              <a:defRPr sz="2400"/>
+            </a:lvl1pPr>
+            <a:lvl2pPr>
+              <a:defRPr sz="2000"/>
+            </a:lvl2pPr>
+            <a:lvl3pPr>
+              <a:defRPr sz="1800"/>
+            </a:lvl3pPr>
+            <a:lvl4pPr>
+              <a:defRPr sz="1600"/>
+            </a:lvl4pPr>
+            <a:lvl5pPr>
+              <a:defRPr sz="1600"/>
+            </a:lvl5pPr>
+            <a:lvl6pPr>
+              <a:defRPr sz="1600"/>
+            </a:lvl6pPr>
+            <a:lvl7pPr>
+              <a:defRPr sz="1600"/>
+            </a:lvl7pPr>
+            <a:lvl8pPr>
+              <a:defRPr sz="1600"/>
+            </a:lvl8pPr>
+            <a:lvl9pPr>
+              <a:defRPr sz="1600"/>
+            </a:lvl9pPr>
+          </a:lstStyle>
+          <a:p>
+            <a:pPr lvl="0"/>
+            <a:r>
+              <a:rPr lang="en-US"/>
+              <a:t>Click to edit Master text styles</a:t>
+            </a:r>
+          </a:p>
+          <a:p>
+            <a:pPr lvl="1"/>
+            <a:r>
+              <a:rPr lang="en-US"/>
+              <a:t>Second level</a:t>
+            </a:r>
+          </a:p>
+          <a:p>
+            <a:pPr lvl="2"/>
+            <a:r>
+              <a:rPr lang="en-US"/>
+              <a:t>Third level</a:t>
+            </a:r>
+          </a:p>
+          <a:p>
+            <a:pPr lvl="3"/>
+            <a:r>
+              <a:rPr lang="en-US"/>
+              <a:t>Fourth level</a:t>
+            </a:r>
+          </a:p>
+          <a:p>
+            <a:pPr lvl="4"/>
+            <a:r>
+              <a:rPr lang="en-US"/>
+              <a:t>Fifth level</a:t>
+            </a:r>
+            <a:endParaRPr lang="ru-RU" dirty="0"/>
+          </a:p>
+        </p:txBody>
+      </p:sp>
+    </p:spTree>
+    <p:extLst>
+      <p:ext uri="{BB962C8B-B14F-4D97-AF65-F5344CB8AC3E}">
+        <p14:creationId xmlns:p14="http://schemas.microsoft.com/office/powerpoint/2010/main" val="4044979405"/>
+      </p:ext>
+    </p:extLst>
+  </p:cSld>
+  <p:clrMapOvr>
+    <a:masterClrMapping/>
+  </p:clrMapOvr>
+</p:sldLayout>
+</file>
+
+<file path=ppt/slideLayouts/slideLayout5.xml><?xml version="1.0" encoding="utf-8"?>
+<p:sldLayout xmlns:a="http://schemas.openxmlformats.org/drawingml/2006/main" xmlns:r="http://schemas.openxmlformats.org/officeDocument/2006/relationships" xmlns:p="http://schemas.openxmlformats.org/presentationml/2006/main" type="titleOnly" preserve="1">
+  <p:cSld name="Title Only">
+    <p:spTree>
+      <p:nvGrpSpPr>
+        <p:cNvPr id="1" name=""/>
+        <p:cNvGrpSpPr/>
+        <p:nvPr/>
+      </p:nvGrpSpPr>
+      <p:grpSpPr>
+        <a:xfrm>
+          <a:off x="0" y="0"/>
+          <a:ext cx="0" cy="0"/>
+          <a:chOff x="0" y="0"/>
+          <a:chExt cx="0" cy="0"/>
+        </a:xfrm>
+      </p:grpSpPr>
+      <p:sp>
+        <p:nvSpPr>
+          <p:cNvPr id="2" name="Title 1"/>
+          <p:cNvSpPr>
+            <a:spLocks noGrp="1"/>
+          </p:cNvSpPr>
+          <p:nvPr>
+            <p:ph type="title"/>
+          </p:nvPr>
+        </p:nvSpPr>
+        <p:spPr/>
+        <p:txBody>
+          <a:bodyPr/>
+          <a:lstStyle/>
+          <a:p>
+            <a:r>
+              <a:rPr lang="en-US"/>
+              <a:t>Click to edit Master title style</a:t>
+            </a:r>
+            <a:endParaRPr lang="ru-RU" dirty="0"/>
+          </a:p>
+        </p:txBody>
+      </p:sp>
+    </p:spTree>
+    <p:extLst>
+      <p:ext uri="{BB962C8B-B14F-4D97-AF65-F5344CB8AC3E}">
+        <p14:creationId xmlns:p14="http://schemas.microsoft.com/office/powerpoint/2010/main" val="125202666"/>
+      </p:ext>
+    </p:extLst>
+  </p:cSld>
+  <p:clrMapOvr>
+    <a:masterClrMapping/>
+  </p:clrMapOvr>
+</p:sldLayout>
+</file>
+
+<file path=ppt/slideLayouts/slideLayout6.xml><?xml version="1.0" encoding="utf-8"?>
+<p:sldLayout xmlns:a="http://schemas.openxmlformats.org/drawingml/2006/main" xmlns:r="http://schemas.openxmlformats.org/officeDocument/2006/relationships" xmlns:p="http://schemas.openxmlformats.org/presentationml/2006/main" preserve="1" userDrawn="1">
+  <p:cSld name="Demo">
+    <p:spTree>
+      <p:nvGrpSpPr>
+        <p:cNvPr id="1" name=""/>
+        <p:cNvGrpSpPr/>
+        <p:nvPr/>
+      </p:nvGrpSpPr>
+      <p:grpSpPr>
+        <a:xfrm>
+          <a:off x="0" y="0"/>
+          <a:ext cx="0" cy="0"/>
+          <a:chOff x="0" y="0"/>
+          <a:chExt cx="0" cy="0"/>
+        </a:xfrm>
+      </p:grpSpPr>
+      <p:sp>
+        <p:nvSpPr>
+          <p:cNvPr id="10" name="TextBox 9"/>
+          <p:cNvSpPr txBox="1"/>
+          <p:nvPr userDrawn="1"/>
+        </p:nvSpPr>
+        <p:spPr>
+          <a:xfrm>
+            <a:off x="359532" y="3136613"/>
+            <a:ext cx="8424936" cy="584775"/>
+          </a:xfrm>
+          <a:prstGeom prst="rect">
+            <a:avLst/>
+          </a:prstGeom>
+          <a:noFill/>
+        </p:spPr>
+        <p:txBody>
+          <a:bodyPr wrap="square" rtlCol="0" anchor="ctr">
+            <a:spAutoFit/>
+          </a:bodyPr>
+          <a:lstStyle/>
+          <a:p>
+            <a:pPr algn="ctr"/>
+            <a:r>
+              <a:rPr lang="ru-RU" sz="3200" dirty="0"/>
+              <a:t>Название.</a:t>
+            </a:r>
+            <a:r>
+              <a:rPr lang="ru-RU" sz="3200" baseline="0" dirty="0"/>
+              <a:t> Демонстрация.</a:t>
+            </a:r>
+            <a:endParaRPr lang="ru-RU" sz="3200" dirty="0"/>
+          </a:p>
+        </p:txBody>
+      </p:sp>
+    </p:spTree>
+    <p:extLst>
+      <p:ext uri="{BB962C8B-B14F-4D97-AF65-F5344CB8AC3E}">
+        <p14:creationId xmlns:p14="http://schemas.microsoft.com/office/powerpoint/2010/main" val="3308008441"/>
+      </p:ext>
+    </p:extLst>
+  </p:cSld>
+  <p:clrMapOvr>
+    <a:masterClrMapping/>
+  </p:clrMapOvr>
+</p:sldLayout>
+</file>
+
+<file path=ppt/slideLayouts/slideLayout7.xml><?xml version="1.0" encoding="utf-8"?>
+<p:sldLayout xmlns:a="http://schemas.openxmlformats.org/drawingml/2006/main" xmlns:r="http://schemas.openxmlformats.org/officeDocument/2006/relationships" xmlns:p="http://schemas.openxmlformats.org/presentationml/2006/main" type="blank" preserve="1">
+  <p:cSld name="1_Blank">
+    <p:spTree>
+      <p:nvGrpSpPr>
+        <p:cNvPr id="1" name=""/>
+        <p:cNvGrpSpPr/>
+        <p:nvPr/>
+      </p:nvGrpSpPr>
+      <p:grpSpPr>
+        <a:xfrm>
+          <a:off x="0" y="0"/>
+          <a:ext cx="0" cy="0"/>
+          <a:chOff x="0" y="0"/>
+          <a:chExt cx="0" cy="0"/>
+        </a:xfrm>
+      </p:grpSpPr>
+    </p:spTree>
+    <p:extLst>
+      <p:ext uri="{BB962C8B-B14F-4D97-AF65-F5344CB8AC3E}">
+        <p14:creationId xmlns:p14="http://schemas.microsoft.com/office/powerpoint/2010/main" val="2618453949"/>
+      </p:ext>
+    </p:extLst>
+  </p:cSld>
+  <p:clrMapOvr>
+    <a:masterClrMapping/>
+  </p:clrMapOvr>
+</p:sldLayout>
+</file>
+
+<file path=ppt/slideLayouts/slideLayout8.xml><?xml version="1.0" encoding="utf-8"?>
 <p:sldLayout xmlns:a="http://schemas.openxmlformats.org/drawingml/2006/main" xmlns:r="http://schemas.openxmlformats.org/officeDocument/2006/relationships" xmlns:p="http://schemas.openxmlformats.org/presentationml/2006/main" type="objTx" preserve="1">
   <p:cSld name="Content with Caption">
     <p:spTree>
@@ -975,7 +2257,7 @@
 </p:sldLayout>
 </file>
 
-<file path=ppt/slideLayouts/slideLayout11.xml><?xml version="1.0" encoding="utf-8"?>
+<file path=ppt/slideLayouts/slideLayout9.xml><?xml version="1.0" encoding="utf-8"?>
 <p:sldLayout xmlns:a="http://schemas.openxmlformats.org/drawingml/2006/main" xmlns:r="http://schemas.openxmlformats.org/officeDocument/2006/relationships" xmlns:p="http://schemas.openxmlformats.org/presentationml/2006/main" type="picTx" preserve="1">
   <p:cSld name="Picture with Caption">
     <p:spTree>
@@ -1167,1683 +2449,13 @@
 </p:sldLayout>
 </file>
 
-<file path=ppt/slideLayouts/slideLayout12.xml><?xml version="1.0" encoding="utf-8"?>
-<p:sldLayout xmlns:a="http://schemas.openxmlformats.org/drawingml/2006/main" xmlns:r="http://schemas.openxmlformats.org/officeDocument/2006/relationships" xmlns:p="http://schemas.openxmlformats.org/presentationml/2006/main" type="vertTx" preserve="1">
-  <p:cSld name="Title and Vertical Text">
-    <p:spTree>
-      <p:nvGrpSpPr>
-        <p:cNvPr id="1" name=""/>
-        <p:cNvGrpSpPr/>
-        <p:nvPr/>
-      </p:nvGrpSpPr>
-      <p:grpSpPr>
-        <a:xfrm>
-          <a:off x="0" y="0"/>
-          <a:ext cx="0" cy="0"/>
-          <a:chOff x="0" y="0"/>
-          <a:chExt cx="0" cy="0"/>
-        </a:xfrm>
-      </p:grpSpPr>
-      <p:sp>
-        <p:nvSpPr>
-          <p:cNvPr id="2" name="Title 1"/>
-          <p:cNvSpPr>
-            <a:spLocks noGrp="1"/>
-          </p:cNvSpPr>
-          <p:nvPr>
-            <p:ph type="title"/>
-          </p:nvPr>
-        </p:nvSpPr>
-        <p:spPr/>
-        <p:txBody>
-          <a:bodyPr/>
-          <a:lstStyle/>
-          <a:p>
-            <a:r>
-              <a:rPr lang="en-US"/>
-              <a:t>Click to edit Master title style</a:t>
-            </a:r>
-            <a:endParaRPr lang="ru-RU" dirty="0"/>
-          </a:p>
-        </p:txBody>
-      </p:sp>
-      <p:sp>
-        <p:nvSpPr>
-          <p:cNvPr id="3" name="Vertical Text Placeholder 2"/>
-          <p:cNvSpPr>
-            <a:spLocks noGrp="1"/>
-          </p:cNvSpPr>
-          <p:nvPr>
-            <p:ph type="body" orient="vert" idx="1"/>
-          </p:nvPr>
-        </p:nvSpPr>
-        <p:spPr/>
-        <p:txBody>
-          <a:bodyPr vert="eaVert"/>
-          <a:lstStyle/>
-          <a:p>
-            <a:pPr lvl="0"/>
-            <a:r>
-              <a:rPr lang="en-US"/>
-              <a:t>Click to edit Master text styles</a:t>
-            </a:r>
-          </a:p>
-          <a:p>
-            <a:pPr lvl="1"/>
-            <a:r>
-              <a:rPr lang="en-US"/>
-              <a:t>Second level</a:t>
-            </a:r>
-          </a:p>
-          <a:p>
-            <a:pPr lvl="2"/>
-            <a:r>
-              <a:rPr lang="en-US"/>
-              <a:t>Third level</a:t>
-            </a:r>
-          </a:p>
-          <a:p>
-            <a:pPr lvl="3"/>
-            <a:r>
-              <a:rPr lang="en-US"/>
-              <a:t>Fourth level</a:t>
-            </a:r>
-          </a:p>
-          <a:p>
-            <a:pPr lvl="4"/>
-            <a:r>
-              <a:rPr lang="en-US"/>
-              <a:t>Fifth level</a:t>
-            </a:r>
-            <a:endParaRPr lang="ru-RU" dirty="0"/>
-          </a:p>
-        </p:txBody>
-      </p:sp>
-    </p:spTree>
-    <p:extLst>
-      <p:ext uri="{BB962C8B-B14F-4D97-AF65-F5344CB8AC3E}">
-        <p14:creationId xmlns:p14="http://schemas.microsoft.com/office/powerpoint/2010/main" val="2015559697"/>
-      </p:ext>
-    </p:extLst>
-  </p:cSld>
-  <p:clrMapOvr>
-    <a:masterClrMapping/>
-  </p:clrMapOvr>
-</p:sldLayout>
-</file>
-
-<file path=ppt/slideLayouts/slideLayout13.xml><?xml version="1.0" encoding="utf-8"?>
-<p:sldLayout xmlns:a="http://schemas.openxmlformats.org/drawingml/2006/main" xmlns:r="http://schemas.openxmlformats.org/officeDocument/2006/relationships" xmlns:p="http://schemas.openxmlformats.org/presentationml/2006/main" type="vertTitleAndTx" preserve="1">
-  <p:cSld name="Vertical Title and Text">
-    <p:spTree>
-      <p:nvGrpSpPr>
-        <p:cNvPr id="1" name=""/>
-        <p:cNvGrpSpPr/>
-        <p:nvPr/>
-      </p:nvGrpSpPr>
-      <p:grpSpPr>
-        <a:xfrm>
-          <a:off x="0" y="0"/>
-          <a:ext cx="0" cy="0"/>
-          <a:chOff x="0" y="0"/>
-          <a:chExt cx="0" cy="0"/>
-        </a:xfrm>
-      </p:grpSpPr>
-      <p:sp>
-        <p:nvSpPr>
-          <p:cNvPr id="2" name="Vertical Title 1"/>
-          <p:cNvSpPr>
-            <a:spLocks noGrp="1"/>
-          </p:cNvSpPr>
-          <p:nvPr>
-            <p:ph type="title" orient="vert"/>
-          </p:nvPr>
-        </p:nvSpPr>
-        <p:spPr>
-          <a:xfrm>
-            <a:off x="6629400" y="274638"/>
-            <a:ext cx="2057400" cy="5851525"/>
-          </a:xfrm>
-        </p:spPr>
-        <p:txBody>
-          <a:bodyPr vert="eaVert"/>
-          <a:lstStyle/>
-          <a:p>
-            <a:r>
-              <a:rPr lang="en-US"/>
-              <a:t>Click to edit Master title style</a:t>
-            </a:r>
-            <a:endParaRPr lang="ru-RU" dirty="0"/>
-          </a:p>
-        </p:txBody>
-      </p:sp>
-      <p:sp>
-        <p:nvSpPr>
-          <p:cNvPr id="3" name="Vertical Text Placeholder 2"/>
-          <p:cNvSpPr>
-            <a:spLocks noGrp="1"/>
-          </p:cNvSpPr>
-          <p:nvPr>
-            <p:ph type="body" orient="vert" idx="1"/>
-          </p:nvPr>
-        </p:nvSpPr>
-        <p:spPr>
-          <a:xfrm>
-            <a:off x="457200" y="274638"/>
-            <a:ext cx="6019800" cy="5851525"/>
-          </a:xfrm>
-        </p:spPr>
-        <p:txBody>
-          <a:bodyPr vert="eaVert"/>
-          <a:lstStyle/>
-          <a:p>
-            <a:pPr lvl="0"/>
-            <a:r>
-              <a:rPr lang="en-US"/>
-              <a:t>Click to edit Master text styles</a:t>
-            </a:r>
-          </a:p>
-          <a:p>
-            <a:pPr lvl="1"/>
-            <a:r>
-              <a:rPr lang="en-US"/>
-              <a:t>Second level</a:t>
-            </a:r>
-          </a:p>
-          <a:p>
-            <a:pPr lvl="2"/>
-            <a:r>
-              <a:rPr lang="en-US"/>
-              <a:t>Third level</a:t>
-            </a:r>
-          </a:p>
-          <a:p>
-            <a:pPr lvl="3"/>
-            <a:r>
-              <a:rPr lang="en-US"/>
-              <a:t>Fourth level</a:t>
-            </a:r>
-          </a:p>
-          <a:p>
-            <a:pPr lvl="4"/>
-            <a:r>
-              <a:rPr lang="en-US"/>
-              <a:t>Fifth level</a:t>
-            </a:r>
-            <a:endParaRPr lang="ru-RU" dirty="0"/>
-          </a:p>
-        </p:txBody>
-      </p:sp>
-    </p:spTree>
-    <p:extLst>
-      <p:ext uri="{BB962C8B-B14F-4D97-AF65-F5344CB8AC3E}">
-        <p14:creationId xmlns:p14="http://schemas.microsoft.com/office/powerpoint/2010/main" val="370514854"/>
-      </p:ext>
-    </p:extLst>
-  </p:cSld>
-  <p:clrMapOvr>
-    <a:masterClrMapping/>
-  </p:clrMapOvr>
-</p:sldLayout>
-</file>
-
-<file path=ppt/slideLayouts/slideLayout14.xml><?xml version="1.0" encoding="utf-8"?>
-<p:sldLayout xmlns:a="http://schemas.openxmlformats.org/drawingml/2006/main" xmlns:r="http://schemas.openxmlformats.org/officeDocument/2006/relationships" xmlns:p="http://schemas.openxmlformats.org/presentationml/2006/main" type="title">
-  <p:cSld name="2_Title Slide">
-    <p:spTree>
-      <p:nvGrpSpPr>
-        <p:cNvPr id="1" name=""/>
-        <p:cNvGrpSpPr/>
-        <p:nvPr/>
-      </p:nvGrpSpPr>
-      <p:grpSpPr>
-        <a:xfrm>
-          <a:off x="0" y="0"/>
-          <a:ext cx="0" cy="0"/>
-          <a:chOff x="0" y="0"/>
-          <a:chExt cx="0" cy="0"/>
-        </a:xfrm>
-      </p:grpSpPr>
-      <p:sp>
-        <p:nvSpPr>
-          <p:cNvPr id="2" name="Title 1"/>
-          <p:cNvSpPr>
-            <a:spLocks noGrp="1"/>
-          </p:cNvSpPr>
-          <p:nvPr>
-            <p:ph type="ctrTitle"/>
-          </p:nvPr>
-        </p:nvSpPr>
-        <p:spPr>
-          <a:xfrm>
-            <a:off x="685800" y="2130425"/>
-            <a:ext cx="7772400" cy="1470025"/>
-          </a:xfrm>
-        </p:spPr>
-        <p:txBody>
-          <a:bodyPr/>
-          <a:lstStyle/>
-          <a:p>
-            <a:r>
-              <a:rPr lang="en-US"/>
-              <a:t>Click to edit Master title style</a:t>
-            </a:r>
-            <a:endParaRPr lang="ru-RU"/>
-          </a:p>
-        </p:txBody>
-      </p:sp>
-      <p:sp>
-        <p:nvSpPr>
-          <p:cNvPr id="3" name="Subtitle 2"/>
-          <p:cNvSpPr>
-            <a:spLocks noGrp="1"/>
-          </p:cNvSpPr>
-          <p:nvPr>
-            <p:ph type="subTitle" idx="1"/>
-          </p:nvPr>
-        </p:nvSpPr>
-        <p:spPr>
-          <a:xfrm>
-            <a:off x="1371600" y="3886200"/>
-            <a:ext cx="6400800" cy="1752600"/>
-          </a:xfrm>
-        </p:spPr>
-        <p:txBody>
-          <a:bodyPr/>
-          <a:lstStyle>
-            <a:lvl1pPr marL="0" indent="0" algn="ctr">
-              <a:buNone/>
-              <a:defRPr>
-                <a:solidFill>
-                  <a:schemeClr val="tx1">
-                    <a:tint val="75000"/>
-                  </a:schemeClr>
-                </a:solidFill>
-              </a:defRPr>
-            </a:lvl1pPr>
-            <a:lvl2pPr marL="457200" indent="0" algn="ctr">
-              <a:buNone/>
-              <a:defRPr>
-                <a:solidFill>
-                  <a:schemeClr val="tx1">
-                    <a:tint val="75000"/>
-                  </a:schemeClr>
-                </a:solidFill>
-              </a:defRPr>
-            </a:lvl2pPr>
-            <a:lvl3pPr marL="914400" indent="0" algn="ctr">
-              <a:buNone/>
-              <a:defRPr>
-                <a:solidFill>
-                  <a:schemeClr val="tx1">
-                    <a:tint val="75000"/>
-                  </a:schemeClr>
-                </a:solidFill>
-              </a:defRPr>
-            </a:lvl3pPr>
-            <a:lvl4pPr marL="1371600" indent="0" algn="ctr">
-              <a:buNone/>
-              <a:defRPr>
-                <a:solidFill>
-                  <a:schemeClr val="tx1">
-                    <a:tint val="75000"/>
-                  </a:schemeClr>
-                </a:solidFill>
-              </a:defRPr>
-            </a:lvl4pPr>
-            <a:lvl5pPr marL="1828800" indent="0" algn="ctr">
-              <a:buNone/>
-              <a:defRPr>
-                <a:solidFill>
-                  <a:schemeClr val="tx1">
-                    <a:tint val="75000"/>
-                  </a:schemeClr>
-                </a:solidFill>
-              </a:defRPr>
-            </a:lvl5pPr>
-            <a:lvl6pPr marL="2286000" indent="0" algn="ctr">
-              <a:buNone/>
-              <a:defRPr>
-                <a:solidFill>
-                  <a:schemeClr val="tx1">
-                    <a:tint val="75000"/>
-                  </a:schemeClr>
-                </a:solidFill>
-              </a:defRPr>
-            </a:lvl6pPr>
-            <a:lvl7pPr marL="2743200" indent="0" algn="ctr">
-              <a:buNone/>
-              <a:defRPr>
-                <a:solidFill>
-                  <a:schemeClr val="tx1">
-                    <a:tint val="75000"/>
-                  </a:schemeClr>
-                </a:solidFill>
-              </a:defRPr>
-            </a:lvl7pPr>
-            <a:lvl8pPr marL="3200400" indent="0" algn="ctr">
-              <a:buNone/>
-              <a:defRPr>
-                <a:solidFill>
-                  <a:schemeClr val="tx1">
-                    <a:tint val="75000"/>
-                  </a:schemeClr>
-                </a:solidFill>
-              </a:defRPr>
-            </a:lvl8pPr>
-            <a:lvl9pPr marL="3657600" indent="0" algn="ctr">
-              <a:buNone/>
-              <a:defRPr>
-                <a:solidFill>
-                  <a:schemeClr val="tx1">
-                    <a:tint val="75000"/>
-                  </a:schemeClr>
-                </a:solidFill>
-              </a:defRPr>
-            </a:lvl9pPr>
-          </a:lstStyle>
-          <a:p>
-            <a:r>
-              <a:rPr lang="en-US"/>
-              <a:t>Click to edit Master subtitle style</a:t>
-            </a:r>
-            <a:endParaRPr lang="ru-RU"/>
-          </a:p>
-        </p:txBody>
-      </p:sp>
-      <p:sp>
-        <p:nvSpPr>
-          <p:cNvPr id="4" name="Date Placeholder 3"/>
-          <p:cNvSpPr>
-            <a:spLocks noGrp="1"/>
-          </p:cNvSpPr>
-          <p:nvPr>
-            <p:ph type="dt" sz="half" idx="10"/>
-          </p:nvPr>
-        </p:nvSpPr>
-        <p:spPr/>
-        <p:txBody>
-          <a:bodyPr/>
-          <a:lstStyle/>
-          <a:p>
-            <a:fld id="{8E6E6A2A-E9D3-4A0D-B04A-ABDD367A1E08}" type="datetimeFigureOut">
-              <a:rPr lang="ru-RU" smtClean="0"/>
-              <a:t>01.09.2018</a:t>
-            </a:fld>
-            <a:endParaRPr lang="ru-RU"/>
-          </a:p>
-        </p:txBody>
-      </p:sp>
-      <p:sp>
-        <p:nvSpPr>
-          <p:cNvPr id="5" name="Footer Placeholder 4"/>
-          <p:cNvSpPr>
-            <a:spLocks noGrp="1"/>
-          </p:cNvSpPr>
-          <p:nvPr>
-            <p:ph type="ftr" sz="quarter" idx="11"/>
-          </p:nvPr>
-        </p:nvSpPr>
-        <p:spPr/>
-        <p:txBody>
-          <a:bodyPr/>
-          <a:lstStyle/>
-          <a:p>
-            <a:endParaRPr lang="ru-RU"/>
-          </a:p>
-        </p:txBody>
-      </p:sp>
-      <p:sp>
-        <p:nvSpPr>
-          <p:cNvPr id="6" name="Slide Number Placeholder 5"/>
-          <p:cNvSpPr>
-            <a:spLocks noGrp="1"/>
-          </p:cNvSpPr>
-          <p:nvPr>
-            <p:ph type="sldNum" sz="quarter" idx="12"/>
-          </p:nvPr>
-        </p:nvSpPr>
-        <p:spPr/>
-        <p:txBody>
-          <a:bodyPr/>
-          <a:lstStyle/>
-          <a:p>
-            <a:fld id="{BC0D3D34-2E8A-4A38-B864-C677BA056495}" type="slidenum">
-              <a:rPr lang="ru-RU" smtClean="0"/>
-              <a:t>‹#›</a:t>
-            </a:fld>
-            <a:endParaRPr lang="ru-RU"/>
-          </a:p>
-        </p:txBody>
-      </p:sp>
-    </p:spTree>
-    <p:extLst>
-      <p:ext uri="{BB962C8B-B14F-4D97-AF65-F5344CB8AC3E}">
-        <p14:creationId xmlns:p14="http://schemas.microsoft.com/office/powerpoint/2010/main" val="3607152805"/>
-      </p:ext>
-    </p:extLst>
-  </p:cSld>
-  <p:clrMapOvr>
-    <a:masterClrMapping/>
-  </p:clrMapOvr>
-</p:sldLayout>
-</file>
-
-<file path=ppt/slideLayouts/slideLayout2.xml><?xml version="1.0" encoding="utf-8"?>
-<p:sldLayout xmlns:a="http://schemas.openxmlformats.org/drawingml/2006/main" xmlns:r="http://schemas.openxmlformats.org/officeDocument/2006/relationships" xmlns:p="http://schemas.openxmlformats.org/presentationml/2006/main" preserve="1" userDrawn="1">
-  <p:cSld name="1_Title Slide">
-    <p:spTree>
-      <p:nvGrpSpPr>
-        <p:cNvPr id="1" name=""/>
-        <p:cNvGrpSpPr/>
-        <p:nvPr/>
-      </p:nvGrpSpPr>
-      <p:grpSpPr>
-        <a:xfrm>
-          <a:off x="0" y="0"/>
-          <a:ext cx="0" cy="0"/>
-          <a:chOff x="0" y="0"/>
-          <a:chExt cx="0" cy="0"/>
-        </a:xfrm>
-      </p:grpSpPr>
-      <p:sp>
-        <p:nvSpPr>
-          <p:cNvPr id="9" name="TextBox 8"/>
-          <p:cNvSpPr txBox="1"/>
-          <p:nvPr userDrawn="1"/>
-        </p:nvSpPr>
-        <p:spPr>
-          <a:xfrm>
-            <a:off x="2774873" y="2528900"/>
-            <a:ext cx="4240263" cy="461665"/>
-          </a:xfrm>
-          <a:prstGeom prst="rect">
-            <a:avLst/>
-          </a:prstGeom>
-          <a:noFill/>
-        </p:spPr>
-        <p:txBody>
-          <a:bodyPr wrap="none" rtlCol="0">
-            <a:spAutoFit/>
-          </a:bodyPr>
-          <a:lstStyle/>
-          <a:p>
-            <a:r>
-              <a:rPr lang="ru-RU" sz="2400" dirty="0">
-                <a:solidFill>
-                  <a:schemeClr val="bg1"/>
-                </a:solidFill>
-              </a:rPr>
-              <a:t>Занятие №</a:t>
-            </a:r>
-            <a:r>
-              <a:rPr lang="en-US" sz="2400" dirty="0">
-                <a:solidFill>
-                  <a:schemeClr val="bg1"/>
-                </a:solidFill>
-              </a:rPr>
-              <a:t>2</a:t>
-            </a:r>
-            <a:r>
-              <a:rPr lang="ru-RU" sz="2400" dirty="0">
-                <a:solidFill>
-                  <a:schemeClr val="bg1"/>
-                </a:solidFill>
-              </a:rPr>
-              <a:t>. Название занятия</a:t>
-            </a:r>
-            <a:endParaRPr lang="en-US" sz="2400" dirty="0">
-              <a:solidFill>
-                <a:schemeClr val="bg1"/>
-              </a:solidFill>
-            </a:endParaRPr>
-          </a:p>
-        </p:txBody>
-      </p:sp>
-      <p:sp>
-        <p:nvSpPr>
-          <p:cNvPr id="7" name="Rectangle 6"/>
-          <p:cNvSpPr/>
-          <p:nvPr userDrawn="1"/>
-        </p:nvSpPr>
-        <p:spPr>
-          <a:xfrm>
-            <a:off x="143508" y="1304764"/>
-            <a:ext cx="8856984" cy="646331"/>
-          </a:xfrm>
-          <a:prstGeom prst="rect">
-            <a:avLst/>
-          </a:prstGeom>
-        </p:spPr>
-        <p:txBody>
-          <a:bodyPr wrap="square">
-            <a:spAutoFit/>
-          </a:bodyPr>
-          <a:lstStyle/>
-          <a:p>
-            <a:pPr algn="ctr"/>
-            <a:r>
-              <a:rPr lang="ru-RU" sz="3600" b="1" i="1" dirty="0">
-                <a:solidFill>
-                  <a:schemeClr val="bg1"/>
-                </a:solidFill>
-              </a:rPr>
-              <a:t>Основы программирования на </a:t>
-            </a:r>
-            <a:r>
-              <a:rPr lang="en-US" sz="3600" b="1" i="1" dirty="0">
-                <a:solidFill>
-                  <a:schemeClr val="bg1"/>
-                </a:solidFill>
-              </a:rPr>
-              <a:t>C#</a:t>
-            </a:r>
-            <a:endParaRPr lang="ru-RU" sz="3600" b="1" i="1" dirty="0">
-              <a:solidFill>
-                <a:schemeClr val="bg1"/>
-              </a:solidFill>
-            </a:endParaRPr>
-          </a:p>
-        </p:txBody>
-      </p:sp>
-      <p:pic>
-        <p:nvPicPr>
-          <p:cNvPr id="8" name="Picture 5"/>
-          <p:cNvPicPr>
-            <a:picLocks noChangeAspect="1" noChangeArrowheads="1"/>
-          </p:cNvPicPr>
-          <p:nvPr userDrawn="1"/>
-        </p:nvPicPr>
-        <p:blipFill>
-          <a:blip r:embed="rId2">
-            <a:extLst>
-              <a:ext uri="{28A0092B-C50C-407E-A947-70E740481C1C}">
-                <a14:useLocalDpi xmlns:a14="http://schemas.microsoft.com/office/drawing/2010/main" val="0"/>
-              </a:ext>
-            </a:extLst>
-          </a:blip>
-          <a:srcRect/>
-          <a:stretch>
-            <a:fillRect/>
-          </a:stretch>
-        </p:blipFill>
-        <p:spPr bwMode="auto">
-          <a:xfrm>
-            <a:off x="1638300" y="3829211"/>
-            <a:ext cx="5867400" cy="1724025"/>
-          </a:xfrm>
-          <a:prstGeom prst="rect">
-            <a:avLst/>
-          </a:prstGeom>
-          <a:noFill/>
-          <a:ln>
-            <a:noFill/>
-          </a:ln>
-          <a:effectLst/>
-          <a:extLst>
-            <a:ext uri="{909E8E84-426E-40DD-AFC4-6F175D3DCCD1}">
-              <a14:hiddenFill xmlns:a14="http://schemas.microsoft.com/office/drawing/2010/main">
-                <a:solidFill>
-                  <a:schemeClr val="accent1"/>
-                </a:solidFill>
-              </a14:hiddenFill>
-            </a:ext>
-            <a:ext uri="{91240B29-F687-4F45-9708-019B960494DF}">
-              <a14:hiddenLine xmlns:a14="http://schemas.microsoft.com/office/drawing/2010/main" w="9525">
-                <a:solidFill>
-                  <a:schemeClr val="tx1"/>
-                </a:solidFill>
-                <a:miter lim="800000"/>
-                <a:headEnd/>
-                <a:tailEnd/>
-              </a14:hiddenLine>
-            </a:ext>
-            <a:ext uri="{AF507438-7753-43E0-B8FC-AC1667EBCBE1}">
-              <a14:hiddenEffects xmlns:a14="http://schemas.microsoft.com/office/drawing/2010/main">
-                <a:effectLst>
-                  <a:outerShdw dist="35921" dir="2700000" algn="ctr" rotWithShape="0">
-                    <a:schemeClr val="bg2"/>
-                  </a:outerShdw>
-                </a:effectLst>
-              </a14:hiddenEffects>
-            </a:ext>
-          </a:extLst>
-        </p:spPr>
-      </p:pic>
-    </p:spTree>
-    <p:extLst>
-      <p:ext uri="{BB962C8B-B14F-4D97-AF65-F5344CB8AC3E}">
-        <p14:creationId xmlns:p14="http://schemas.microsoft.com/office/powerpoint/2010/main" val="3296324981"/>
-      </p:ext>
-    </p:extLst>
-  </p:cSld>
-  <p:clrMapOvr>
-    <a:masterClrMapping/>
-  </p:clrMapOvr>
-</p:sldLayout>
-</file>
-
-<file path=ppt/slideLayouts/slideLayout3.xml><?xml version="1.0" encoding="utf-8"?>
-<p:sldLayout xmlns:a="http://schemas.openxmlformats.org/drawingml/2006/main" xmlns:r="http://schemas.openxmlformats.org/officeDocument/2006/relationships" xmlns:p="http://schemas.openxmlformats.org/presentationml/2006/main" type="obj" preserve="1">
-  <p:cSld name="Title and Content">
-    <p:spTree>
-      <p:nvGrpSpPr>
-        <p:cNvPr id="1" name=""/>
-        <p:cNvGrpSpPr/>
-        <p:nvPr/>
-      </p:nvGrpSpPr>
-      <p:grpSpPr>
-        <a:xfrm>
-          <a:off x="0" y="0"/>
-          <a:ext cx="0" cy="0"/>
-          <a:chOff x="0" y="0"/>
-          <a:chExt cx="0" cy="0"/>
-        </a:xfrm>
-      </p:grpSpPr>
-      <p:sp>
-        <p:nvSpPr>
-          <p:cNvPr id="2" name="Title 1"/>
-          <p:cNvSpPr>
-            <a:spLocks noGrp="1"/>
-          </p:cNvSpPr>
-          <p:nvPr>
-            <p:ph type="title"/>
-          </p:nvPr>
-        </p:nvSpPr>
-        <p:spPr/>
-        <p:txBody>
-          <a:bodyPr/>
-          <a:lstStyle/>
-          <a:p>
-            <a:r>
-              <a:rPr lang="en-US"/>
-              <a:t>Click to edit Master title style</a:t>
-            </a:r>
-            <a:endParaRPr lang="ru-RU" dirty="0"/>
-          </a:p>
-        </p:txBody>
-      </p:sp>
-      <p:sp>
-        <p:nvSpPr>
-          <p:cNvPr id="3" name="Content Placeholder 2"/>
-          <p:cNvSpPr>
-            <a:spLocks noGrp="1"/>
-          </p:cNvSpPr>
-          <p:nvPr>
-            <p:ph idx="1"/>
-          </p:nvPr>
-        </p:nvSpPr>
-        <p:spPr/>
-        <p:txBody>
-          <a:bodyPr/>
-          <a:lstStyle/>
-          <a:p>
-            <a:pPr lvl="0"/>
-            <a:r>
-              <a:rPr lang="en-US"/>
-              <a:t>Click to edit Master text styles</a:t>
-            </a:r>
-          </a:p>
-          <a:p>
-            <a:pPr lvl="1"/>
-            <a:r>
-              <a:rPr lang="en-US"/>
-              <a:t>Second level</a:t>
-            </a:r>
-          </a:p>
-          <a:p>
-            <a:pPr lvl="2"/>
-            <a:r>
-              <a:rPr lang="en-US"/>
-              <a:t>Third level</a:t>
-            </a:r>
-          </a:p>
-          <a:p>
-            <a:pPr lvl="3"/>
-            <a:r>
-              <a:rPr lang="en-US"/>
-              <a:t>Fourth level</a:t>
-            </a:r>
-          </a:p>
-          <a:p>
-            <a:pPr lvl="4"/>
-            <a:r>
-              <a:rPr lang="en-US"/>
-              <a:t>Fifth level</a:t>
-            </a:r>
-            <a:endParaRPr lang="ru-RU" dirty="0"/>
-          </a:p>
-        </p:txBody>
-      </p:sp>
-    </p:spTree>
-    <p:extLst>
-      <p:ext uri="{BB962C8B-B14F-4D97-AF65-F5344CB8AC3E}">
-        <p14:creationId xmlns:p14="http://schemas.microsoft.com/office/powerpoint/2010/main" val="3363467697"/>
-      </p:ext>
-    </p:extLst>
-  </p:cSld>
-  <p:clrMapOvr>
-    <a:masterClrMapping/>
-  </p:clrMapOvr>
-</p:sldLayout>
-</file>
-
-<file path=ppt/slideLayouts/slideLayout4.xml><?xml version="1.0" encoding="utf-8"?>
-<p:sldLayout xmlns:a="http://schemas.openxmlformats.org/drawingml/2006/main" xmlns:r="http://schemas.openxmlformats.org/officeDocument/2006/relationships" xmlns:p="http://schemas.openxmlformats.org/presentationml/2006/main" type="secHead" preserve="1">
-  <p:cSld name="Section Header">
-    <p:spTree>
-      <p:nvGrpSpPr>
-        <p:cNvPr id="1" name=""/>
-        <p:cNvGrpSpPr/>
-        <p:nvPr/>
-      </p:nvGrpSpPr>
-      <p:grpSpPr>
-        <a:xfrm>
-          <a:off x="0" y="0"/>
-          <a:ext cx="0" cy="0"/>
-          <a:chOff x="0" y="0"/>
-          <a:chExt cx="0" cy="0"/>
-        </a:xfrm>
-      </p:grpSpPr>
-      <p:sp>
-        <p:nvSpPr>
-          <p:cNvPr id="2" name="Title 1"/>
-          <p:cNvSpPr>
-            <a:spLocks noGrp="1"/>
-          </p:cNvSpPr>
-          <p:nvPr>
-            <p:ph type="title"/>
-          </p:nvPr>
-        </p:nvSpPr>
-        <p:spPr>
-          <a:xfrm>
-            <a:off x="722313" y="4406900"/>
-            <a:ext cx="7772400" cy="1362075"/>
-          </a:xfrm>
-        </p:spPr>
-        <p:txBody>
-          <a:bodyPr anchor="t"/>
-          <a:lstStyle>
-            <a:lvl1pPr algn="l">
-              <a:defRPr sz="4000" b="1" cap="all"/>
-            </a:lvl1pPr>
-          </a:lstStyle>
-          <a:p>
-            <a:r>
-              <a:rPr lang="en-US"/>
-              <a:t>Click to edit Master title style</a:t>
-            </a:r>
-            <a:endParaRPr lang="ru-RU" dirty="0"/>
-          </a:p>
-        </p:txBody>
-      </p:sp>
-      <p:sp>
-        <p:nvSpPr>
-          <p:cNvPr id="3" name="Text Placeholder 2"/>
-          <p:cNvSpPr>
-            <a:spLocks noGrp="1"/>
-          </p:cNvSpPr>
-          <p:nvPr>
-            <p:ph type="body" idx="1"/>
-          </p:nvPr>
-        </p:nvSpPr>
-        <p:spPr>
-          <a:xfrm>
-            <a:off x="722313" y="2906713"/>
-            <a:ext cx="7772400" cy="1500187"/>
-          </a:xfrm>
-        </p:spPr>
-        <p:txBody>
-          <a:bodyPr anchor="b"/>
-          <a:lstStyle>
-            <a:lvl1pPr marL="0" indent="0">
-              <a:buNone/>
-              <a:defRPr sz="2000">
-                <a:solidFill>
-                  <a:schemeClr val="tx1">
-                    <a:tint val="75000"/>
-                  </a:schemeClr>
-                </a:solidFill>
-              </a:defRPr>
-            </a:lvl1pPr>
-            <a:lvl2pPr marL="457200" indent="0">
-              <a:buNone/>
-              <a:defRPr sz="1800">
-                <a:solidFill>
-                  <a:schemeClr val="tx1">
-                    <a:tint val="75000"/>
-                  </a:schemeClr>
-                </a:solidFill>
-              </a:defRPr>
-            </a:lvl2pPr>
-            <a:lvl3pPr marL="914400" indent="0">
-              <a:buNone/>
-              <a:defRPr sz="1600">
-                <a:solidFill>
-                  <a:schemeClr val="tx1">
-                    <a:tint val="75000"/>
-                  </a:schemeClr>
-                </a:solidFill>
-              </a:defRPr>
-            </a:lvl3pPr>
-            <a:lvl4pPr marL="1371600" indent="0">
-              <a:buNone/>
-              <a:defRPr sz="1400">
-                <a:solidFill>
-                  <a:schemeClr val="tx1">
-                    <a:tint val="75000"/>
-                  </a:schemeClr>
-                </a:solidFill>
-              </a:defRPr>
-            </a:lvl4pPr>
-            <a:lvl5pPr marL="1828800" indent="0">
-              <a:buNone/>
-              <a:defRPr sz="1400">
-                <a:solidFill>
-                  <a:schemeClr val="tx1">
-                    <a:tint val="75000"/>
-                  </a:schemeClr>
-                </a:solidFill>
-              </a:defRPr>
-            </a:lvl5pPr>
-            <a:lvl6pPr marL="2286000" indent="0">
-              <a:buNone/>
-              <a:defRPr sz="1400">
-                <a:solidFill>
-                  <a:schemeClr val="tx1">
-                    <a:tint val="75000"/>
-                  </a:schemeClr>
-                </a:solidFill>
-              </a:defRPr>
-            </a:lvl6pPr>
-            <a:lvl7pPr marL="2743200" indent="0">
-              <a:buNone/>
-              <a:defRPr sz="1400">
-                <a:solidFill>
-                  <a:schemeClr val="tx1">
-                    <a:tint val="75000"/>
-                  </a:schemeClr>
-                </a:solidFill>
-              </a:defRPr>
-            </a:lvl7pPr>
-            <a:lvl8pPr marL="3200400" indent="0">
-              <a:buNone/>
-              <a:defRPr sz="1400">
-                <a:solidFill>
-                  <a:schemeClr val="tx1">
-                    <a:tint val="75000"/>
-                  </a:schemeClr>
-                </a:solidFill>
-              </a:defRPr>
-            </a:lvl8pPr>
-            <a:lvl9pPr marL="3657600" indent="0">
-              <a:buNone/>
-              <a:defRPr sz="1400">
-                <a:solidFill>
-                  <a:schemeClr val="tx1">
-                    <a:tint val="75000"/>
-                  </a:schemeClr>
-                </a:solidFill>
-              </a:defRPr>
-            </a:lvl9pPr>
-          </a:lstStyle>
-          <a:p>
-            <a:pPr lvl="0"/>
-            <a:r>
-              <a:rPr lang="en-US"/>
-              <a:t>Click to edit Master text styles</a:t>
-            </a:r>
-          </a:p>
-        </p:txBody>
-      </p:sp>
-    </p:spTree>
-    <p:extLst>
-      <p:ext uri="{BB962C8B-B14F-4D97-AF65-F5344CB8AC3E}">
-        <p14:creationId xmlns:p14="http://schemas.microsoft.com/office/powerpoint/2010/main" val="1627150216"/>
-      </p:ext>
-    </p:extLst>
-  </p:cSld>
-  <p:clrMapOvr>
-    <a:masterClrMapping/>
-  </p:clrMapOvr>
-</p:sldLayout>
-</file>
-
-<file path=ppt/slideLayouts/slideLayout5.xml><?xml version="1.0" encoding="utf-8"?>
-<p:sldLayout xmlns:a="http://schemas.openxmlformats.org/drawingml/2006/main" xmlns:r="http://schemas.openxmlformats.org/officeDocument/2006/relationships" xmlns:p="http://schemas.openxmlformats.org/presentationml/2006/main" type="twoObj" preserve="1">
-  <p:cSld name="Two Content">
-    <p:spTree>
-      <p:nvGrpSpPr>
-        <p:cNvPr id="1" name=""/>
-        <p:cNvGrpSpPr/>
-        <p:nvPr/>
-      </p:nvGrpSpPr>
-      <p:grpSpPr>
-        <a:xfrm>
-          <a:off x="0" y="0"/>
-          <a:ext cx="0" cy="0"/>
-          <a:chOff x="0" y="0"/>
-          <a:chExt cx="0" cy="0"/>
-        </a:xfrm>
-      </p:grpSpPr>
-      <p:sp>
-        <p:nvSpPr>
-          <p:cNvPr id="2" name="Title 1"/>
-          <p:cNvSpPr>
-            <a:spLocks noGrp="1"/>
-          </p:cNvSpPr>
-          <p:nvPr>
-            <p:ph type="title"/>
-          </p:nvPr>
-        </p:nvSpPr>
-        <p:spPr/>
-        <p:txBody>
-          <a:bodyPr/>
-          <a:lstStyle/>
-          <a:p>
-            <a:r>
-              <a:rPr lang="en-US"/>
-              <a:t>Click to edit Master title style</a:t>
-            </a:r>
-            <a:endParaRPr lang="ru-RU" dirty="0"/>
-          </a:p>
-        </p:txBody>
-      </p:sp>
-      <p:sp>
-        <p:nvSpPr>
-          <p:cNvPr id="3" name="Content Placeholder 2"/>
-          <p:cNvSpPr>
-            <a:spLocks noGrp="1"/>
-          </p:cNvSpPr>
-          <p:nvPr>
-            <p:ph sz="half" idx="1"/>
-          </p:nvPr>
-        </p:nvSpPr>
-        <p:spPr>
-          <a:xfrm>
-            <a:off x="457200" y="1600200"/>
-            <a:ext cx="4038600" cy="4525963"/>
-          </a:xfrm>
-        </p:spPr>
-        <p:txBody>
-          <a:bodyPr/>
-          <a:lstStyle>
-            <a:lvl1pPr>
-              <a:defRPr sz="2800"/>
-            </a:lvl1pPr>
-            <a:lvl2pPr>
-              <a:defRPr sz="2400"/>
-            </a:lvl2pPr>
-            <a:lvl3pPr>
-              <a:defRPr sz="2000"/>
-            </a:lvl3pPr>
-            <a:lvl4pPr>
-              <a:defRPr sz="1800"/>
-            </a:lvl4pPr>
-            <a:lvl5pPr>
-              <a:defRPr sz="1800"/>
-            </a:lvl5pPr>
-            <a:lvl6pPr>
-              <a:defRPr sz="1800"/>
-            </a:lvl6pPr>
-            <a:lvl7pPr>
-              <a:defRPr sz="1800"/>
-            </a:lvl7pPr>
-            <a:lvl8pPr>
-              <a:defRPr sz="1800"/>
-            </a:lvl8pPr>
-            <a:lvl9pPr>
-              <a:defRPr sz="1800"/>
-            </a:lvl9pPr>
-          </a:lstStyle>
-          <a:p>
-            <a:pPr lvl="0"/>
-            <a:r>
-              <a:rPr lang="en-US"/>
-              <a:t>Click to edit Master text styles</a:t>
-            </a:r>
-          </a:p>
-          <a:p>
-            <a:pPr lvl="1"/>
-            <a:r>
-              <a:rPr lang="en-US"/>
-              <a:t>Second level</a:t>
-            </a:r>
-          </a:p>
-          <a:p>
-            <a:pPr lvl="2"/>
-            <a:r>
-              <a:rPr lang="en-US"/>
-              <a:t>Third level</a:t>
-            </a:r>
-          </a:p>
-          <a:p>
-            <a:pPr lvl="3"/>
-            <a:r>
-              <a:rPr lang="en-US"/>
-              <a:t>Fourth level</a:t>
-            </a:r>
-          </a:p>
-          <a:p>
-            <a:pPr lvl="4"/>
-            <a:r>
-              <a:rPr lang="en-US"/>
-              <a:t>Fifth level</a:t>
-            </a:r>
-            <a:endParaRPr lang="ru-RU" dirty="0"/>
-          </a:p>
-        </p:txBody>
-      </p:sp>
-      <p:sp>
-        <p:nvSpPr>
-          <p:cNvPr id="4" name="Content Placeholder 3"/>
-          <p:cNvSpPr>
-            <a:spLocks noGrp="1"/>
-          </p:cNvSpPr>
-          <p:nvPr>
-            <p:ph sz="half" idx="2"/>
-          </p:nvPr>
-        </p:nvSpPr>
-        <p:spPr>
-          <a:xfrm>
-            <a:off x="4648200" y="1600200"/>
-            <a:ext cx="4038600" cy="4525963"/>
-          </a:xfrm>
-        </p:spPr>
-        <p:txBody>
-          <a:bodyPr/>
-          <a:lstStyle>
-            <a:lvl1pPr>
-              <a:defRPr sz="2800"/>
-            </a:lvl1pPr>
-            <a:lvl2pPr>
-              <a:defRPr sz="2400"/>
-            </a:lvl2pPr>
-            <a:lvl3pPr>
-              <a:defRPr sz="2000"/>
-            </a:lvl3pPr>
-            <a:lvl4pPr>
-              <a:defRPr sz="1800"/>
-            </a:lvl4pPr>
-            <a:lvl5pPr>
-              <a:defRPr sz="1800"/>
-            </a:lvl5pPr>
-            <a:lvl6pPr>
-              <a:defRPr sz="1800"/>
-            </a:lvl6pPr>
-            <a:lvl7pPr>
-              <a:defRPr sz="1800"/>
-            </a:lvl7pPr>
-            <a:lvl8pPr>
-              <a:defRPr sz="1800"/>
-            </a:lvl8pPr>
-            <a:lvl9pPr>
-              <a:defRPr sz="1800"/>
-            </a:lvl9pPr>
-          </a:lstStyle>
-          <a:p>
-            <a:pPr lvl="0"/>
-            <a:r>
-              <a:rPr lang="en-US"/>
-              <a:t>Click to edit Master text styles</a:t>
-            </a:r>
-          </a:p>
-          <a:p>
-            <a:pPr lvl="1"/>
-            <a:r>
-              <a:rPr lang="en-US"/>
-              <a:t>Second level</a:t>
-            </a:r>
-          </a:p>
-          <a:p>
-            <a:pPr lvl="2"/>
-            <a:r>
-              <a:rPr lang="en-US"/>
-              <a:t>Third level</a:t>
-            </a:r>
-          </a:p>
-          <a:p>
-            <a:pPr lvl="3"/>
-            <a:r>
-              <a:rPr lang="en-US"/>
-              <a:t>Fourth level</a:t>
-            </a:r>
-          </a:p>
-          <a:p>
-            <a:pPr lvl="4"/>
-            <a:r>
-              <a:rPr lang="en-US"/>
-              <a:t>Fifth level</a:t>
-            </a:r>
-            <a:endParaRPr lang="ru-RU" dirty="0"/>
-          </a:p>
-        </p:txBody>
-      </p:sp>
-    </p:spTree>
-    <p:extLst>
-      <p:ext uri="{BB962C8B-B14F-4D97-AF65-F5344CB8AC3E}">
-        <p14:creationId xmlns:p14="http://schemas.microsoft.com/office/powerpoint/2010/main" val="1026234569"/>
-      </p:ext>
-    </p:extLst>
-  </p:cSld>
-  <p:clrMapOvr>
-    <a:masterClrMapping/>
-  </p:clrMapOvr>
-</p:sldLayout>
-</file>
-
-<file path=ppt/slideLayouts/slideLayout6.xml><?xml version="1.0" encoding="utf-8"?>
-<p:sldLayout xmlns:a="http://schemas.openxmlformats.org/drawingml/2006/main" xmlns:r="http://schemas.openxmlformats.org/officeDocument/2006/relationships" xmlns:p="http://schemas.openxmlformats.org/presentationml/2006/main" type="twoTxTwoObj" preserve="1">
-  <p:cSld name="Comparison">
-    <p:spTree>
-      <p:nvGrpSpPr>
-        <p:cNvPr id="1" name=""/>
-        <p:cNvGrpSpPr/>
-        <p:nvPr/>
-      </p:nvGrpSpPr>
-      <p:grpSpPr>
-        <a:xfrm>
-          <a:off x="0" y="0"/>
-          <a:ext cx="0" cy="0"/>
-          <a:chOff x="0" y="0"/>
-          <a:chExt cx="0" cy="0"/>
-        </a:xfrm>
-      </p:grpSpPr>
-      <p:sp>
-        <p:nvSpPr>
-          <p:cNvPr id="2" name="Title 1"/>
-          <p:cNvSpPr>
-            <a:spLocks noGrp="1"/>
-          </p:cNvSpPr>
-          <p:nvPr>
-            <p:ph type="title"/>
-          </p:nvPr>
-        </p:nvSpPr>
-        <p:spPr/>
-        <p:txBody>
-          <a:bodyPr/>
-          <a:lstStyle>
-            <a:lvl1pPr>
-              <a:defRPr/>
-            </a:lvl1pPr>
-          </a:lstStyle>
-          <a:p>
-            <a:r>
-              <a:rPr lang="en-US"/>
-              <a:t>Click to edit Master title style</a:t>
-            </a:r>
-            <a:endParaRPr lang="ru-RU" dirty="0"/>
-          </a:p>
-        </p:txBody>
-      </p:sp>
-      <p:sp>
-        <p:nvSpPr>
-          <p:cNvPr id="3" name="Text Placeholder 2"/>
-          <p:cNvSpPr>
-            <a:spLocks noGrp="1"/>
-          </p:cNvSpPr>
-          <p:nvPr>
-            <p:ph type="body" idx="1"/>
-          </p:nvPr>
-        </p:nvSpPr>
-        <p:spPr>
-          <a:xfrm>
-            <a:off x="457200" y="1535113"/>
-            <a:ext cx="4040188" cy="639762"/>
-          </a:xfrm>
-        </p:spPr>
-        <p:txBody>
-          <a:bodyPr anchor="b"/>
-          <a:lstStyle>
-            <a:lvl1pPr marL="0" indent="0">
-              <a:buNone/>
-              <a:defRPr sz="2400" b="1"/>
-            </a:lvl1pPr>
-            <a:lvl2pPr marL="457200" indent="0">
-              <a:buNone/>
-              <a:defRPr sz="2000" b="1"/>
-            </a:lvl2pPr>
-            <a:lvl3pPr marL="914400" indent="0">
-              <a:buNone/>
-              <a:defRPr sz="1800" b="1"/>
-            </a:lvl3pPr>
-            <a:lvl4pPr marL="1371600" indent="0">
-              <a:buNone/>
-              <a:defRPr sz="1600" b="1"/>
-            </a:lvl4pPr>
-            <a:lvl5pPr marL="1828800" indent="0">
-              <a:buNone/>
-              <a:defRPr sz="1600" b="1"/>
-            </a:lvl5pPr>
-            <a:lvl6pPr marL="2286000" indent="0">
-              <a:buNone/>
-              <a:defRPr sz="1600" b="1"/>
-            </a:lvl6pPr>
-            <a:lvl7pPr marL="2743200" indent="0">
-              <a:buNone/>
-              <a:defRPr sz="1600" b="1"/>
-            </a:lvl7pPr>
-            <a:lvl8pPr marL="3200400" indent="0">
-              <a:buNone/>
-              <a:defRPr sz="1600" b="1"/>
-            </a:lvl8pPr>
-            <a:lvl9pPr marL="3657600" indent="0">
-              <a:buNone/>
-              <a:defRPr sz="1600" b="1"/>
-            </a:lvl9pPr>
-          </a:lstStyle>
-          <a:p>
-            <a:pPr lvl="0"/>
-            <a:r>
-              <a:rPr lang="en-US"/>
-              <a:t>Click to edit Master text styles</a:t>
-            </a:r>
-          </a:p>
-        </p:txBody>
-      </p:sp>
-      <p:sp>
-        <p:nvSpPr>
-          <p:cNvPr id="4" name="Content Placeholder 3"/>
-          <p:cNvSpPr>
-            <a:spLocks noGrp="1"/>
-          </p:cNvSpPr>
-          <p:nvPr>
-            <p:ph sz="half" idx="2"/>
-          </p:nvPr>
-        </p:nvSpPr>
-        <p:spPr>
-          <a:xfrm>
-            <a:off x="457200" y="2174875"/>
-            <a:ext cx="4040188" cy="3951288"/>
-          </a:xfrm>
-        </p:spPr>
-        <p:txBody>
-          <a:bodyPr/>
-          <a:lstStyle>
-            <a:lvl1pPr>
-              <a:defRPr sz="2400"/>
-            </a:lvl1pPr>
-            <a:lvl2pPr>
-              <a:defRPr sz="2000"/>
-            </a:lvl2pPr>
-            <a:lvl3pPr>
-              <a:defRPr sz="1800"/>
-            </a:lvl3pPr>
-            <a:lvl4pPr>
-              <a:defRPr sz="1600"/>
-            </a:lvl4pPr>
-            <a:lvl5pPr>
-              <a:defRPr sz="1600"/>
-            </a:lvl5pPr>
-            <a:lvl6pPr>
-              <a:defRPr sz="1600"/>
-            </a:lvl6pPr>
-            <a:lvl7pPr>
-              <a:defRPr sz="1600"/>
-            </a:lvl7pPr>
-            <a:lvl8pPr>
-              <a:defRPr sz="1600"/>
-            </a:lvl8pPr>
-            <a:lvl9pPr>
-              <a:defRPr sz="1600"/>
-            </a:lvl9pPr>
-          </a:lstStyle>
-          <a:p>
-            <a:pPr lvl="0"/>
-            <a:r>
-              <a:rPr lang="en-US"/>
-              <a:t>Click to edit Master text styles</a:t>
-            </a:r>
-          </a:p>
-          <a:p>
-            <a:pPr lvl="1"/>
-            <a:r>
-              <a:rPr lang="en-US"/>
-              <a:t>Second level</a:t>
-            </a:r>
-          </a:p>
-          <a:p>
-            <a:pPr lvl="2"/>
-            <a:r>
-              <a:rPr lang="en-US"/>
-              <a:t>Third level</a:t>
-            </a:r>
-          </a:p>
-          <a:p>
-            <a:pPr lvl="3"/>
-            <a:r>
-              <a:rPr lang="en-US"/>
-              <a:t>Fourth level</a:t>
-            </a:r>
-          </a:p>
-          <a:p>
-            <a:pPr lvl="4"/>
-            <a:r>
-              <a:rPr lang="en-US"/>
-              <a:t>Fifth level</a:t>
-            </a:r>
-            <a:endParaRPr lang="ru-RU" dirty="0"/>
-          </a:p>
-        </p:txBody>
-      </p:sp>
-      <p:sp>
-        <p:nvSpPr>
-          <p:cNvPr id="5" name="Text Placeholder 4"/>
-          <p:cNvSpPr>
-            <a:spLocks noGrp="1"/>
-          </p:cNvSpPr>
-          <p:nvPr>
-            <p:ph type="body" sz="quarter" idx="3"/>
-          </p:nvPr>
-        </p:nvSpPr>
-        <p:spPr>
-          <a:xfrm>
-            <a:off x="4645025" y="1535113"/>
-            <a:ext cx="4041775" cy="639762"/>
-          </a:xfrm>
-        </p:spPr>
-        <p:txBody>
-          <a:bodyPr anchor="b"/>
-          <a:lstStyle>
-            <a:lvl1pPr marL="0" indent="0">
-              <a:buNone/>
-              <a:defRPr sz="2400" b="1"/>
-            </a:lvl1pPr>
-            <a:lvl2pPr marL="457200" indent="0">
-              <a:buNone/>
-              <a:defRPr sz="2000" b="1"/>
-            </a:lvl2pPr>
-            <a:lvl3pPr marL="914400" indent="0">
-              <a:buNone/>
-              <a:defRPr sz="1800" b="1"/>
-            </a:lvl3pPr>
-            <a:lvl4pPr marL="1371600" indent="0">
-              <a:buNone/>
-              <a:defRPr sz="1600" b="1"/>
-            </a:lvl4pPr>
-            <a:lvl5pPr marL="1828800" indent="0">
-              <a:buNone/>
-              <a:defRPr sz="1600" b="1"/>
-            </a:lvl5pPr>
-            <a:lvl6pPr marL="2286000" indent="0">
-              <a:buNone/>
-              <a:defRPr sz="1600" b="1"/>
-            </a:lvl6pPr>
-            <a:lvl7pPr marL="2743200" indent="0">
-              <a:buNone/>
-              <a:defRPr sz="1600" b="1"/>
-            </a:lvl7pPr>
-            <a:lvl8pPr marL="3200400" indent="0">
-              <a:buNone/>
-              <a:defRPr sz="1600" b="1"/>
-            </a:lvl8pPr>
-            <a:lvl9pPr marL="3657600" indent="0">
-              <a:buNone/>
-              <a:defRPr sz="1600" b="1"/>
-            </a:lvl9pPr>
-          </a:lstStyle>
-          <a:p>
-            <a:pPr lvl="0"/>
-            <a:r>
-              <a:rPr lang="en-US"/>
-              <a:t>Click to edit Master text styles</a:t>
-            </a:r>
-          </a:p>
-        </p:txBody>
-      </p:sp>
-      <p:sp>
-        <p:nvSpPr>
-          <p:cNvPr id="6" name="Content Placeholder 5"/>
-          <p:cNvSpPr>
-            <a:spLocks noGrp="1"/>
-          </p:cNvSpPr>
-          <p:nvPr>
-            <p:ph sz="quarter" idx="4"/>
-          </p:nvPr>
-        </p:nvSpPr>
-        <p:spPr>
-          <a:xfrm>
-            <a:off x="4645025" y="2174875"/>
-            <a:ext cx="4041775" cy="3951288"/>
-          </a:xfrm>
-        </p:spPr>
-        <p:txBody>
-          <a:bodyPr/>
-          <a:lstStyle>
-            <a:lvl1pPr>
-              <a:defRPr sz="2400"/>
-            </a:lvl1pPr>
-            <a:lvl2pPr>
-              <a:defRPr sz="2000"/>
-            </a:lvl2pPr>
-            <a:lvl3pPr>
-              <a:defRPr sz="1800"/>
-            </a:lvl3pPr>
-            <a:lvl4pPr>
-              <a:defRPr sz="1600"/>
-            </a:lvl4pPr>
-            <a:lvl5pPr>
-              <a:defRPr sz="1600"/>
-            </a:lvl5pPr>
-            <a:lvl6pPr>
-              <a:defRPr sz="1600"/>
-            </a:lvl6pPr>
-            <a:lvl7pPr>
-              <a:defRPr sz="1600"/>
-            </a:lvl7pPr>
-            <a:lvl8pPr>
-              <a:defRPr sz="1600"/>
-            </a:lvl8pPr>
-            <a:lvl9pPr>
-              <a:defRPr sz="1600"/>
-            </a:lvl9pPr>
-          </a:lstStyle>
-          <a:p>
-            <a:pPr lvl="0"/>
-            <a:r>
-              <a:rPr lang="en-US"/>
-              <a:t>Click to edit Master text styles</a:t>
-            </a:r>
-          </a:p>
-          <a:p>
-            <a:pPr lvl="1"/>
-            <a:r>
-              <a:rPr lang="en-US"/>
-              <a:t>Second level</a:t>
-            </a:r>
-          </a:p>
-          <a:p>
-            <a:pPr lvl="2"/>
-            <a:r>
-              <a:rPr lang="en-US"/>
-              <a:t>Third level</a:t>
-            </a:r>
-          </a:p>
-          <a:p>
-            <a:pPr lvl="3"/>
-            <a:r>
-              <a:rPr lang="en-US"/>
-              <a:t>Fourth level</a:t>
-            </a:r>
-          </a:p>
-          <a:p>
-            <a:pPr lvl="4"/>
-            <a:r>
-              <a:rPr lang="en-US"/>
-              <a:t>Fifth level</a:t>
-            </a:r>
-            <a:endParaRPr lang="ru-RU" dirty="0"/>
-          </a:p>
-        </p:txBody>
-      </p:sp>
-    </p:spTree>
-    <p:extLst>
-      <p:ext uri="{BB962C8B-B14F-4D97-AF65-F5344CB8AC3E}">
-        <p14:creationId xmlns:p14="http://schemas.microsoft.com/office/powerpoint/2010/main" val="4044979405"/>
-      </p:ext>
-    </p:extLst>
-  </p:cSld>
-  <p:clrMapOvr>
-    <a:masterClrMapping/>
-  </p:clrMapOvr>
-</p:sldLayout>
-</file>
-
-<file path=ppt/slideLayouts/slideLayout7.xml><?xml version="1.0" encoding="utf-8"?>
-<p:sldLayout xmlns:a="http://schemas.openxmlformats.org/drawingml/2006/main" xmlns:r="http://schemas.openxmlformats.org/officeDocument/2006/relationships" xmlns:p="http://schemas.openxmlformats.org/presentationml/2006/main" type="titleOnly" preserve="1">
-  <p:cSld name="Title Only">
-    <p:spTree>
-      <p:nvGrpSpPr>
-        <p:cNvPr id="1" name=""/>
-        <p:cNvGrpSpPr/>
-        <p:nvPr/>
-      </p:nvGrpSpPr>
-      <p:grpSpPr>
-        <a:xfrm>
-          <a:off x="0" y="0"/>
-          <a:ext cx="0" cy="0"/>
-          <a:chOff x="0" y="0"/>
-          <a:chExt cx="0" cy="0"/>
-        </a:xfrm>
-      </p:grpSpPr>
-      <p:sp>
-        <p:nvSpPr>
-          <p:cNvPr id="2" name="Title 1"/>
-          <p:cNvSpPr>
-            <a:spLocks noGrp="1"/>
-          </p:cNvSpPr>
-          <p:nvPr>
-            <p:ph type="title"/>
-          </p:nvPr>
-        </p:nvSpPr>
-        <p:spPr/>
-        <p:txBody>
-          <a:bodyPr/>
-          <a:lstStyle/>
-          <a:p>
-            <a:r>
-              <a:rPr lang="en-US"/>
-              <a:t>Click to edit Master title style</a:t>
-            </a:r>
-            <a:endParaRPr lang="ru-RU" dirty="0"/>
-          </a:p>
-        </p:txBody>
-      </p:sp>
-    </p:spTree>
-    <p:extLst>
-      <p:ext uri="{BB962C8B-B14F-4D97-AF65-F5344CB8AC3E}">
-        <p14:creationId xmlns:p14="http://schemas.microsoft.com/office/powerpoint/2010/main" val="125202666"/>
-      </p:ext>
-    </p:extLst>
-  </p:cSld>
-  <p:clrMapOvr>
-    <a:masterClrMapping/>
-  </p:clrMapOvr>
-</p:sldLayout>
-</file>
-
-<file path=ppt/slideLayouts/slideLayout8.xml><?xml version="1.0" encoding="utf-8"?>
-<p:sldLayout xmlns:a="http://schemas.openxmlformats.org/drawingml/2006/main" xmlns:r="http://schemas.openxmlformats.org/officeDocument/2006/relationships" xmlns:p="http://schemas.openxmlformats.org/presentationml/2006/main" preserve="1" userDrawn="1">
-  <p:cSld name="Demo">
-    <p:spTree>
-      <p:nvGrpSpPr>
-        <p:cNvPr id="1" name=""/>
-        <p:cNvGrpSpPr/>
-        <p:nvPr/>
-      </p:nvGrpSpPr>
-      <p:grpSpPr>
-        <a:xfrm>
-          <a:off x="0" y="0"/>
-          <a:ext cx="0" cy="0"/>
-          <a:chOff x="0" y="0"/>
-          <a:chExt cx="0" cy="0"/>
-        </a:xfrm>
-      </p:grpSpPr>
-      <p:sp>
-        <p:nvSpPr>
-          <p:cNvPr id="10" name="TextBox 9"/>
-          <p:cNvSpPr txBox="1"/>
-          <p:nvPr userDrawn="1"/>
-        </p:nvSpPr>
-        <p:spPr>
-          <a:xfrm>
-            <a:off x="359532" y="3136613"/>
-            <a:ext cx="8424936" cy="584775"/>
-          </a:xfrm>
-          <a:prstGeom prst="rect">
-            <a:avLst/>
-          </a:prstGeom>
-          <a:noFill/>
-        </p:spPr>
-        <p:txBody>
-          <a:bodyPr wrap="square" rtlCol="0" anchor="ctr">
-            <a:spAutoFit/>
-          </a:bodyPr>
-          <a:lstStyle/>
-          <a:p>
-            <a:pPr algn="ctr"/>
-            <a:r>
-              <a:rPr lang="ru-RU" sz="3200" dirty="0"/>
-              <a:t>Название.</a:t>
-            </a:r>
-            <a:r>
-              <a:rPr lang="ru-RU" sz="3200" baseline="0" dirty="0"/>
-              <a:t> Демонстрация.</a:t>
-            </a:r>
-            <a:endParaRPr lang="ru-RU" sz="3200" dirty="0"/>
-          </a:p>
-        </p:txBody>
-      </p:sp>
-    </p:spTree>
-    <p:extLst>
-      <p:ext uri="{BB962C8B-B14F-4D97-AF65-F5344CB8AC3E}">
-        <p14:creationId xmlns:p14="http://schemas.microsoft.com/office/powerpoint/2010/main" val="3308008441"/>
-      </p:ext>
-    </p:extLst>
-  </p:cSld>
-  <p:clrMapOvr>
-    <a:masterClrMapping/>
-  </p:clrMapOvr>
-</p:sldLayout>
-</file>
-
-<file path=ppt/slideLayouts/slideLayout9.xml><?xml version="1.0" encoding="utf-8"?>
-<p:sldLayout xmlns:a="http://schemas.openxmlformats.org/drawingml/2006/main" xmlns:r="http://schemas.openxmlformats.org/officeDocument/2006/relationships" xmlns:p="http://schemas.openxmlformats.org/presentationml/2006/main" type="blank" preserve="1">
-  <p:cSld name="1_Blank">
-    <p:spTree>
-      <p:nvGrpSpPr>
-        <p:cNvPr id="1" name=""/>
-        <p:cNvGrpSpPr/>
-        <p:nvPr/>
-      </p:nvGrpSpPr>
-      <p:grpSpPr>
-        <a:xfrm>
-          <a:off x="0" y="0"/>
-          <a:ext cx="0" cy="0"/>
-          <a:chOff x="0" y="0"/>
-          <a:chExt cx="0" cy="0"/>
-        </a:xfrm>
-      </p:grpSpPr>
-    </p:spTree>
-    <p:extLst>
-      <p:ext uri="{BB962C8B-B14F-4D97-AF65-F5344CB8AC3E}">
-        <p14:creationId xmlns:p14="http://schemas.microsoft.com/office/powerpoint/2010/main" val="2618453949"/>
-      </p:ext>
-    </p:extLst>
-  </p:cSld>
-  <p:clrMapOvr>
-    <a:masterClrMapping/>
-  </p:clrMapOvr>
-</p:sldLayout>
-</file>
-
 <file path=ppt/slideMasters/slideMaster1.xml><?xml version="1.0" encoding="utf-8"?>
 <p:sldMaster xmlns:a="http://schemas.openxmlformats.org/drawingml/2006/main" xmlns:r="http://schemas.openxmlformats.org/officeDocument/2006/relationships" xmlns:p="http://schemas.openxmlformats.org/presentationml/2006/main">
   <p:cSld>
     <p:bg>
       <p:bgPr>
         <a:blipFill dpi="0" rotWithShape="1">
-          <a:blip r:embed="rId16">
+          <a:blip r:embed="rId14">
             <a:lum/>
           </a:blip>
           <a:srcRect/>
@@ -2998,7 +2610,7 @@
           <a:p>
             <a:fld id="{AC3D3127-B7C4-45E3-9797-C527EC9FDD78}" type="datetimeFigureOut">
               <a:rPr lang="ru-RU" smtClean="0"/>
-              <a:t>01.09.2018</a:t>
+              <a:t>22.02.2019</a:t>
             </a:fld>
             <a:endParaRPr lang="ru-RU"/>
           </a:p>
@@ -3091,20 +2703,18 @@
   </p:cSld>
   <p:clrMap bg1="lt1" tx1="dk1" bg2="lt2" tx2="dk2" accent1="accent1" accent2="accent2" accent3="accent3" accent4="accent4" accent5="accent5" accent6="accent6" hlink="hlink" folHlink="folHlink"/>
   <p:sldLayoutIdLst>
-    <p:sldLayoutId id="2147483649" r:id="rId1"/>
-    <p:sldLayoutId id="2147483661" r:id="rId2"/>
-    <p:sldLayoutId id="2147483650" r:id="rId3"/>
-    <p:sldLayoutId id="2147483651" r:id="rId4"/>
-    <p:sldLayoutId id="2147483652" r:id="rId5"/>
-    <p:sldLayoutId id="2147483653" r:id="rId6"/>
-    <p:sldLayoutId id="2147483654" r:id="rId7"/>
-    <p:sldLayoutId id="2147483655" r:id="rId8"/>
-    <p:sldLayoutId id="2147483660" r:id="rId9"/>
-    <p:sldLayoutId id="2147483656" r:id="rId10"/>
-    <p:sldLayoutId id="2147483657" r:id="rId11"/>
-    <p:sldLayoutId id="2147483658" r:id="rId12"/>
-    <p:sldLayoutId id="2147483659" r:id="rId13"/>
-    <p:sldLayoutId id="2147483662" r:id="rId14"/>
+    <p:sldLayoutId id="2147483650" r:id="rId1"/>
+    <p:sldLayoutId id="2147483651" r:id="rId2"/>
+    <p:sldLayoutId id="2147483652" r:id="rId3"/>
+    <p:sldLayoutId id="2147483653" r:id="rId4"/>
+    <p:sldLayoutId id="2147483654" r:id="rId5"/>
+    <p:sldLayoutId id="2147483655" r:id="rId6"/>
+    <p:sldLayoutId id="2147483660" r:id="rId7"/>
+    <p:sldLayoutId id="2147483656" r:id="rId8"/>
+    <p:sldLayoutId id="2147483657" r:id="rId9"/>
+    <p:sldLayoutId id="2147483658" r:id="rId10"/>
+    <p:sldLayoutId id="2147483659" r:id="rId11"/>
+    <p:sldLayoutId id="2147483662" r:id="rId12"/>
   </p:sldLayoutIdLst>
   <p:txStyles>
     <p:titleStyle>
@@ -3498,7 +3108,7 @@
           <p:cNvPr id="8" name="TextBox 7">
             <a:extLst>
               <a:ext uri="{FF2B5EF4-FFF2-40B4-BE49-F238E27FC236}">
-                <a16:creationId xmlns:a16="http://schemas.microsoft.com/office/drawing/2014/main" id="{3D7CA907-8500-564A-B362-23B50F4583A0}"/>
+                <a16:creationId xmlns:a16="http://schemas.microsoft.com/office/drawing/2014/main" xmlns="" id="{3D7CA907-8500-564A-B362-23B50F4583A0}"/>
               </a:ext>
             </a:extLst>
           </p:cNvPr>
@@ -3727,6 +3337,10 @@
                 </a:solidFill>
               </a:rPr>
               <a:t>Объектно-ориентированный анализ и проектирование с примерами приложений</a:t>
+            </a:r>
+            <a:r>
+              <a:rPr lang="en-US" sz="2400" i="1" dirty="0"/>
+              <a:t/>
             </a:r>
             <a:br>
               <a:rPr lang="en-US" sz="2400" i="1" dirty="0"/>
@@ -3862,6 +3476,14 @@
               </a:rPr>
               <a:t>Объектно-ориентированное конструирование программных систем</a:t>
             </a:r>
+            <a:r>
+              <a:rPr lang="en-US" sz="2400" i="1">
+                <a:solidFill>
+                  <a:srgbClr val="FFFF00"/>
+                </a:solidFill>
+              </a:rPr>
+              <a:t/>
+            </a:r>
             <a:br>
               <a:rPr lang="en-US" sz="2400" i="1">
                 <a:solidFill>
@@ -3909,6 +3531,10 @@
             <a:br>
               <a:rPr lang="ru-RU" sz="2000" dirty="0"/>
             </a:br>
+            <a:r>
+              <a:rPr lang="ru-RU" sz="2000" dirty="0"/>
+              <a:t/>
+            </a:r>
             <a:br>
               <a:rPr lang="ru-RU" sz="2000" dirty="0"/>
             </a:br>
@@ -4028,6 +3654,10 @@
               </a:rPr>
               <a:t>Паттерны проектирования</a:t>
             </a:r>
+            <a:r>
+              <a:rPr lang="en-US" sz="2400" i="1" dirty="0"/>
+              <a:t/>
+            </a:r>
             <a:br>
               <a:rPr lang="en-US" sz="2400" i="1" dirty="0"/>
             </a:br>
@@ -4158,6 +3788,14 @@
   <p:clrMapOvr>
     <a:masterClrMapping/>
   </p:clrMapOvr>
+  <mc:AlternateContent xmlns:mc="http://schemas.openxmlformats.org/markup-compatibility/2006">
+    <mc:Choice xmlns:p14="http://schemas.microsoft.com/office/powerpoint/2010/main" Requires="p14">
+      <p:transition spd="slow" p14:dur="2000"/>
+    </mc:Choice>
+    <mc:Fallback>
+      <p:transition spd="slow"/>
+    </mc:Fallback>
+  </mc:AlternateContent>
 </p:sld>
 </file>
 
@@ -4455,6 +4093,10 @@
               </a:rPr>
               <a:t>)</a:t>
             </a:r>
+            <a:r>
+              <a:rPr lang="ru-RU" dirty="0"/>
+              <a:t/>
+            </a:r>
             <a:br>
               <a:rPr lang="ru-RU" dirty="0"/>
             </a:br>
@@ -4672,6 +4314,14 @@
               </a:rPr>
               <a:t>Рефакторинг. Улучшение существующего кода</a:t>
             </a:r>
+            <a:r>
+              <a:rPr lang="en-US" sz="2800" dirty="0">
+                <a:solidFill>
+                  <a:srgbClr val="FFFF00"/>
+                </a:solidFill>
+              </a:rPr>
+              <a:t/>
+            </a:r>
             <a:br>
               <a:rPr lang="en-US" sz="2800" dirty="0">
                 <a:solidFill>
@@ -4702,6 +4352,10 @@
                 </a:solidFill>
               </a:rPr>
               <a:t>)</a:t>
+            </a:r>
+            <a:r>
+              <a:rPr lang="en-US" sz="2800" dirty="0"/>
+              <a:t/>
             </a:r>
             <a:br>
               <a:rPr lang="en-US" sz="2800" dirty="0"/>
@@ -4931,6 +4585,10 @@
               </a:rPr>
               <a:t>Programming Entity Framework: DbContext: Querying, Changing, and Validating Your Data with Entity Framework</a:t>
             </a:r>
+            <a:r>
+              <a:rPr lang="en-US" sz="2400" dirty="0"/>
+              <a:t/>
+            </a:r>
             <a:br>
               <a:rPr lang="en-US" sz="2400" dirty="0"/>
             </a:br>
@@ -5119,6 +4777,10 @@
                 </a:solidFill>
               </a:rPr>
               <a:t>Programming Entity Framework: Code First: Creating and Configuring Data Models from Your Classes</a:t>
+            </a:r>
+            <a:r>
+              <a:rPr lang="en-US" sz="2400" dirty="0"/>
+              <a:t/>
             </a:r>
             <a:br>
               <a:rPr lang="en-US" sz="2400" dirty="0"/>
@@ -5274,6 +4936,10 @@
               </a:rPr>
               <a:t>Programming Entity Framework: Building Data Centric Apps with the ADO.NET Entity Framework</a:t>
             </a:r>
+            <a:r>
+              <a:rPr lang="en-US" sz="2400" dirty="0"/>
+              <a:t/>
+            </a:r>
             <a:br>
               <a:rPr lang="en-US" sz="2400" dirty="0"/>
             </a:br>
@@ -5413,6 +5079,14 @@
   <p:clrMapOvr>
     <a:masterClrMapping/>
   </p:clrMapOvr>
+  <mc:AlternateContent xmlns:mc="http://schemas.openxmlformats.org/markup-compatibility/2006">
+    <mc:Choice xmlns:p14="http://schemas.microsoft.com/office/powerpoint/2010/main" Requires="p14">
+      <p:transition spd="slow" p14:dur="2000"/>
+    </mc:Choice>
+    <mc:Fallback>
+      <p:transition spd="slow"/>
+    </mc:Fallback>
+  </mc:AlternateContent>
 </p:sld>
 </file>
 
@@ -5531,6 +5205,14 @@
               </a:rPr>
               <a:t>Искусство автономного тестирования с примерами на С#</a:t>
             </a:r>
+            <a:r>
+              <a:rPr lang="en-US" sz="2800" dirty="0">
+                <a:solidFill>
+                  <a:srgbClr val="FFFF00"/>
+                </a:solidFill>
+              </a:rPr>
+              <a:t/>
+            </a:r>
             <a:br>
               <a:rPr lang="en-US" sz="2800" dirty="0">
                 <a:solidFill>
@@ -5545,6 +5227,10 @@
                 </a:solidFill>
               </a:rPr>
               <a:t> The Art of Unit Testing, with examples in C#</a:t>
+            </a:r>
+            <a:r>
+              <a:rPr lang="en-US" sz="2800" dirty="0"/>
+              <a:t/>
             </a:r>
             <a:br>
               <a:rPr lang="en-US" sz="2800" dirty="0"/>
@@ -6075,6 +5761,10 @@
               </a:rPr>
               <a:t>Pragmatic Thinking and Learning: Refactor Your Wetware</a:t>
             </a:r>
+            <a:r>
+              <a:rPr lang="en-US" sz="2400" dirty="0"/>
+              <a:t/>
+            </a:r>
             <a:br>
               <a:rPr lang="en-US" sz="2400" dirty="0"/>
             </a:br>
@@ -6225,6 +5915,10 @@
               <a:rPr lang="en-US" sz="2800" dirty="0"/>
               <a:t>Microsoft</a:t>
             </a:r>
+            <a:r>
+              <a:rPr lang="ru-RU" sz="2800" dirty="0"/>
+              <a:t/>
+            </a:r>
             <a:br>
               <a:rPr lang="ru-RU" sz="2800" dirty="0"/>
             </a:br>
@@ -6299,6 +5993,10 @@
                 </a:solidFill>
               </a:rPr>
               <a:t>Язык программирования C# 6.0 и платформа .NET 4.6</a:t>
+            </a:r>
+            <a:r>
+              <a:rPr lang="en-US" sz="2400" dirty="0"/>
+              <a:t/>
             </a:r>
             <a:br>
               <a:rPr lang="en-US" sz="2400" dirty="0"/>
@@ -6497,6 +6195,10 @@
               </a:rPr>
               <a:t>Полное руководство</a:t>
             </a:r>
+            <a:r>
+              <a:rPr lang="en-US" sz="2400" dirty="0"/>
+              <a:t/>
+            </a:r>
             <a:br>
               <a:rPr lang="en-US" sz="2400" dirty="0"/>
             </a:br>
@@ -6705,6 +6407,10 @@
               </a:rPr>
               <a:t>CLR via C#. Программирование на платформе Microsoft .NET Framework 4.5 на языке C#</a:t>
             </a:r>
+            <a:r>
+              <a:rPr lang="en-US" sz="2400" dirty="0"/>
+              <a:t/>
+            </a:r>
             <a:br>
               <a:rPr lang="en-US" sz="2400" dirty="0"/>
             </a:br>
@@ -6891,6 +6597,10 @@
                 </a:solidFill>
               </a:rPr>
               <a:t>программирование для профессионалов</a:t>
+            </a:r>
+            <a:r>
+              <a:rPr lang="en-US" sz="2400" dirty="0"/>
+              <a:t/>
             </a:r>
             <a:br>
               <a:rPr lang="en-US" sz="2400" dirty="0"/>
@@ -7084,6 +6794,10 @@
               </a:rPr>
               <a:t>WPF: Windows Presentation Foundation в .NET 4.5 с примерами на C# 5.0 для профессионалов</a:t>
             </a:r>
+            <a:r>
+              <a:rPr lang="en-US" sz="2400" dirty="0"/>
+              <a:t/>
+            </a:r>
             <a:br>
               <a:rPr lang="en-US" sz="2400" dirty="0"/>
             </a:br>
@@ -7225,6 +6939,10 @@
                 </a:solidFill>
               </a:rPr>
               <a:t>LINQ in Action</a:t>
+            </a:r>
+            <a:r>
+              <a:rPr lang="en-US" sz="2400" dirty="0"/>
+              <a:t/>
             </a:r>
             <a:br>
               <a:rPr lang="en-US" sz="2400" dirty="0"/>
